--- a/lab-seminar/LIME/4월 9일 랩세미나 발표 자료.pptx
+++ b/lab-seminar/LIME/4월 9일 랩세미나 발표 자료.pptx
@@ -5,7 +5,7 @@
     <p:sldMasterId id="2147483648" r:id="rId1"/>
   </p:sldMasterIdLst>
   <p:notesMasterIdLst>
-    <p:notesMasterId r:id="rId22"/>
+    <p:notesMasterId r:id="rId26"/>
   </p:notesMasterIdLst>
   <p:sldIdLst>
     <p:sldId id="256" r:id="rId2"/>
@@ -24,10 +24,14 @@
     <p:sldId id="331" r:id="rId15"/>
     <p:sldId id="333" r:id="rId16"/>
     <p:sldId id="295" r:id="rId17"/>
-    <p:sldId id="334" r:id="rId18"/>
-    <p:sldId id="335" r:id="rId19"/>
-    <p:sldId id="336" r:id="rId20"/>
-    <p:sldId id="337" r:id="rId21"/>
+    <p:sldId id="340" r:id="rId18"/>
+    <p:sldId id="334" r:id="rId19"/>
+    <p:sldId id="335" r:id="rId20"/>
+    <p:sldId id="338" r:id="rId21"/>
+    <p:sldId id="336" r:id="rId22"/>
+    <p:sldId id="337" r:id="rId23"/>
+    <p:sldId id="341" r:id="rId24"/>
+    <p:sldId id="339" r:id="rId25"/>
   </p:sldIdLst>
   <p:sldSz cx="12192000" cy="6858000"/>
   <p:notesSz cx="6858000" cy="9144000"/>
@@ -216,7 +220,7 @@
           <a:p>
             <a:fld id="{F05C310C-718D-43E0-AE6B-757C9C47EA2C}" type="datetimeFigureOut">
               <a:rPr lang="ko-KR" altLang="en-US" smtClean="0"/>
-              <a:t>2024-04-06</a:t>
+              <a:t>2024-04-08</a:t>
             </a:fld>
             <a:endParaRPr lang="ko-KR" altLang="en-US"/>
           </a:p>
@@ -527,11 +531,130 @@
           <a:bodyPr/>
           <a:lstStyle/>
           <a:p>
-            <a:pPr marL="0" indent="0">
+            <a:pPr marL="285750" indent="-285750">
               <a:buFont typeface="Arial" panose="020B0604020202020204" pitchFamily="34" charset="0"/>
-              <a:buNone/>
+              <a:buChar char="•"/>
             </a:pPr>
-            <a:endParaRPr lang="ko-KR" altLang="en-US" dirty="0"/>
+            <a:r>
+              <a:rPr lang="en-US" altLang="ko-KR"/>
+              <a:t>Interpretable</a:t>
+            </a:r>
+            <a:r>
+              <a:rPr lang="ko-KR" altLang="en-US"/>
+              <a:t>이 왜 중요한지</a:t>
+            </a:r>
+            <a:endParaRPr lang="en-US" altLang="ko-KR"/>
+          </a:p>
+          <a:p>
+            <a:pPr marL="285750" indent="-285750">
+              <a:buFont typeface="Arial" panose="020B0604020202020204" pitchFamily="34" charset="0"/>
+              <a:buChar char="•"/>
+            </a:pPr>
+            <a:r>
+              <a:rPr lang="en-US" altLang="ko-KR"/>
+              <a:t>LIME</a:t>
+            </a:r>
+            <a:r>
+              <a:rPr lang="ko-KR" altLang="en-US"/>
+              <a:t>이 무엇인지</a:t>
+            </a:r>
+          </a:p>
+          <a:p>
+            <a:endParaRPr lang="en-US" altLang="ko-KR"/>
+          </a:p>
+          <a:p>
+            <a:pPr marL="285750" indent="-285750">
+              <a:buFont typeface="Arial" panose="020B0604020202020204" pitchFamily="34" charset="0"/>
+              <a:buChar char="•"/>
+            </a:pPr>
+            <a:r>
+              <a:rPr lang="en-US" altLang="ko-KR"/>
+              <a:t>LIME</a:t>
+            </a:r>
+            <a:r>
+              <a:rPr lang="ko-KR" altLang="en-US"/>
+              <a:t> 목적식</a:t>
+            </a:r>
+            <a:endParaRPr lang="en-US" altLang="ko-KR"/>
+          </a:p>
+          <a:p>
+            <a:pPr marL="285750" indent="-285750">
+              <a:buFont typeface="Arial" panose="020B0604020202020204" pitchFamily="34" charset="0"/>
+              <a:buChar char="•"/>
+            </a:pPr>
+            <a:r>
+              <a:rPr lang="ko-KR" altLang="en-US"/>
+              <a:t>알고리즘 흐름</a:t>
+            </a:r>
+          </a:p>
+          <a:p>
+            <a:endParaRPr lang="en-US" altLang="ko-KR"/>
+          </a:p>
+          <a:p>
+            <a:pPr marL="285750" indent="-285750">
+              <a:buFont typeface="Arial" panose="020B0604020202020204" pitchFamily="34" charset="0"/>
+              <a:buChar char="•"/>
+            </a:pPr>
+            <a:r>
+              <a:rPr lang="en-US" altLang="ko-KR"/>
+              <a:t>SP-LIME</a:t>
+            </a:r>
+          </a:p>
+          <a:p>
+            <a:pPr marL="285750" indent="-285750">
+              <a:buFont typeface="Arial" panose="020B0604020202020204" pitchFamily="34" charset="0"/>
+              <a:buChar char="•"/>
+            </a:pPr>
+            <a:r>
+              <a:rPr lang="ko-KR" altLang="en-US"/>
+              <a:t>식에 대한 디테일 설명</a:t>
+            </a:r>
+          </a:p>
+          <a:p>
+            <a:endParaRPr lang="en-US" altLang="ko-KR"/>
+          </a:p>
+          <a:p>
+            <a:pPr marL="285750" indent="-285750">
+              <a:buFont typeface="Arial" panose="020B0604020202020204" pitchFamily="34" charset="0"/>
+              <a:buChar char="•"/>
+            </a:pPr>
+            <a:r>
+              <a:rPr lang="ko-KR" altLang="en-US"/>
+              <a:t>설명이 충실한지</a:t>
+            </a:r>
+            <a:r>
+              <a:rPr lang="en-US" altLang="ko-KR"/>
+              <a:t>?</a:t>
+            </a:r>
+          </a:p>
+          <a:p>
+            <a:pPr marL="285750" indent="-285750">
+              <a:buFont typeface="Arial" panose="020B0604020202020204" pitchFamily="34" charset="0"/>
+              <a:buChar char="•"/>
+            </a:pPr>
+            <a:r>
+              <a:rPr lang="ko-KR" altLang="en-US"/>
+              <a:t>예측에 신뢰가 가는지</a:t>
+            </a:r>
+            <a:r>
+              <a:rPr lang="en-US" altLang="ko-KR"/>
+              <a:t>?</a:t>
+            </a:r>
+          </a:p>
+          <a:p>
+            <a:pPr marL="285750" indent="-285750">
+              <a:buFont typeface="Arial" panose="020B0604020202020204" pitchFamily="34" charset="0"/>
+              <a:buChar char="•"/>
+            </a:pPr>
+            <a:r>
+              <a:rPr lang="ko-KR" altLang="en-US"/>
+              <a:t>유용한 모델인지</a:t>
+            </a:r>
+            <a:r>
+              <a:rPr lang="en-US" altLang="ko-KR"/>
+              <a:t>?</a:t>
+            </a:r>
+            <a:endParaRPr lang="ko-KR" altLang="en-US"/>
           </a:p>
         </p:txBody>
       </p:sp>
@@ -552,7 +675,7 @@
           <a:p>
             <a:fld id="{3E77EB21-56B8-4D8D-890B-E6CB3F2F5197}" type="slidenum">
               <a:rPr lang="ko-KR" altLang="en-US" smtClean="0"/>
-              <a:t>6</a:t>
+              <a:t>2</a:t>
             </a:fld>
             <a:endParaRPr lang="ko-KR" altLang="en-US"/>
           </a:p>
@@ -561,7 +684,7 @@
     </p:spTree>
     <p:extLst>
       <p:ext uri="{BB962C8B-B14F-4D97-AF65-F5344CB8AC3E}">
-        <p14:creationId xmlns:p14="http://schemas.microsoft.com/office/powerpoint/2010/main" val="3370851733"/>
+        <p14:creationId xmlns:p14="http://schemas.microsoft.com/office/powerpoint/2010/main" val="2254502782"/>
       </p:ext>
     </p:extLst>
   </p:cSld>
@@ -615,7 +738,11 @@
           <a:bodyPr/>
           <a:lstStyle/>
           <a:p>
-            <a:endParaRPr lang="ko-KR" altLang="en-US"/>
+            <a:pPr marL="0" indent="0">
+              <a:buFont typeface="Arial" panose="020B0604020202020204" pitchFamily="34" charset="0"/>
+              <a:buNone/>
+            </a:pPr>
+            <a:endParaRPr lang="ko-KR" altLang="en-US" dirty="0"/>
           </a:p>
         </p:txBody>
       </p:sp>
@@ -636,7 +763,7 @@
           <a:p>
             <a:fld id="{3E77EB21-56B8-4D8D-890B-E6CB3F2F5197}" type="slidenum">
               <a:rPr lang="ko-KR" altLang="en-US" smtClean="0"/>
-              <a:t>8</a:t>
+              <a:t>6</a:t>
             </a:fld>
             <a:endParaRPr lang="ko-KR" altLang="en-US"/>
           </a:p>
@@ -645,7 +772,7 @@
     </p:spTree>
     <p:extLst>
       <p:ext uri="{BB962C8B-B14F-4D97-AF65-F5344CB8AC3E}">
-        <p14:creationId xmlns:p14="http://schemas.microsoft.com/office/powerpoint/2010/main" val="791788915"/>
+        <p14:creationId xmlns:p14="http://schemas.microsoft.com/office/powerpoint/2010/main" val="3370851733"/>
       </p:ext>
     </p:extLst>
   </p:cSld>
@@ -699,40 +826,7 @@
           <a:bodyPr/>
           <a:lstStyle/>
           <a:p>
-            <a:r>
-              <a:rPr lang="ko-KR" altLang="en-US"/>
-              <a:t>가중치를 부여하는 것은 </a:t>
-            </a:r>
-            <a:r>
-              <a:rPr lang="en-US" altLang="ko-KR"/>
-              <a:t>pi</a:t>
-            </a:r>
-            <a:r>
-              <a:rPr lang="ko-KR" altLang="en-US"/>
-              <a:t>가</a:t>
-            </a:r>
-            <a:r>
-              <a:rPr lang="en-US" altLang="ko-KR"/>
-              <a:t> </a:t>
-            </a:r>
-            <a:r>
-              <a:rPr lang="ko-KR" altLang="en-US"/>
-              <a:t>역할</a:t>
-            </a:r>
-            <a:endParaRPr lang="en-US" altLang="ko-KR"/>
-          </a:p>
-          <a:p>
-            <a:endParaRPr lang="en-US" altLang="ko-KR"/>
-          </a:p>
-          <a:p>
-            <a:r>
-              <a:rPr lang="en-US" altLang="ko-KR"/>
-              <a:t>- </a:t>
-            </a:r>
-            <a:r>
-              <a:rPr lang="ko-KR" altLang="en-US"/>
-              <a:t>인스턴스가 무엇인지 구체적으로 이해하기</a:t>
-            </a:r>
+            <a:endParaRPr lang="ko-KR" altLang="en-US"/>
           </a:p>
         </p:txBody>
       </p:sp>
@@ -753,7 +847,7 @@
           <a:p>
             <a:fld id="{3E77EB21-56B8-4D8D-890B-E6CB3F2F5197}" type="slidenum">
               <a:rPr lang="ko-KR" altLang="en-US" smtClean="0"/>
-              <a:t>9</a:t>
+              <a:t>8</a:t>
             </a:fld>
             <a:endParaRPr lang="ko-KR" altLang="en-US"/>
           </a:p>
@@ -762,7 +856,7 @@
     </p:spTree>
     <p:extLst>
       <p:ext uri="{BB962C8B-B14F-4D97-AF65-F5344CB8AC3E}">
-        <p14:creationId xmlns:p14="http://schemas.microsoft.com/office/powerpoint/2010/main" val="3693030405"/>
+        <p14:creationId xmlns:p14="http://schemas.microsoft.com/office/powerpoint/2010/main" val="791788915"/>
       </p:ext>
     </p:extLst>
   </p:cSld>
@@ -818,58 +912,37 @@
           <a:p>
             <a:r>
               <a:rPr lang="ko-KR" altLang="en-US"/>
-              <a:t>위에는 </a:t>
+              <a:t>가중치를 부여하는 것은 </a:t>
             </a:r>
             <a:r>
               <a:rPr lang="en-US" altLang="ko-KR"/>
-              <a:t>books</a:t>
+              <a:t>pi</a:t>
             </a:r>
             <a:r>
               <a:rPr lang="ko-KR" altLang="en-US"/>
-              <a:t> 데이터셋</a:t>
+              <a:t>가</a:t>
             </a:r>
             <a:r>
               <a:rPr lang="en-US" altLang="ko-KR"/>
-              <a:t>, </a:t>
+              <a:t> </a:t>
             </a:r>
             <a:r>
               <a:rPr lang="ko-KR" altLang="en-US"/>
-              <a:t>아래는 </a:t>
-            </a:r>
+              <a:t>역할</a:t>
+            </a:r>
+            <a:endParaRPr lang="en-US" altLang="ko-KR"/>
+          </a:p>
+          <a:p>
+            <a:endParaRPr lang="en-US" altLang="ko-KR"/>
+          </a:p>
+          <a:p>
             <a:r>
               <a:rPr lang="en-US" altLang="ko-KR"/>
-              <a:t>DVDs </a:t>
+              <a:t>- </a:t>
             </a:r>
             <a:r>
               <a:rPr lang="ko-KR" altLang="en-US"/>
-              <a:t>데이터셋</a:t>
-            </a:r>
-            <a:endParaRPr lang="en-US" altLang="ko-KR"/>
-          </a:p>
-          <a:p>
-            <a:r>
-              <a:rPr lang="en-US" altLang="ko-KR"/>
-              <a:t>Recall : </a:t>
-            </a:r>
-            <a:r>
-              <a:rPr lang="ko-KR" altLang="en-US"/>
-              <a:t>실제 </a:t>
-            </a:r>
-            <a:r>
-              <a:rPr lang="en-US" altLang="ko-KR"/>
-              <a:t>True</a:t>
-            </a:r>
-            <a:r>
-              <a:rPr lang="ko-KR" altLang="en-US"/>
-              <a:t>인 것 중 모델이 </a:t>
-            </a:r>
-            <a:r>
-              <a:rPr lang="en-US" altLang="ko-KR"/>
-              <a:t>True</a:t>
-            </a:r>
-            <a:r>
-              <a:rPr lang="ko-KR" altLang="en-US"/>
-              <a:t>라고 예측한 비율</a:t>
+              <a:t>인스턴스가 무엇인지 구체적으로 이해하기</a:t>
             </a:r>
           </a:p>
         </p:txBody>
@@ -891,7 +964,145 @@
           <a:p>
             <a:fld id="{3E77EB21-56B8-4D8D-890B-E6CB3F2F5197}" type="slidenum">
               <a:rPr lang="ko-KR" altLang="en-US" smtClean="0"/>
-              <a:t>17</a:t>
+              <a:t>9</a:t>
+            </a:fld>
+            <a:endParaRPr lang="ko-KR" altLang="en-US"/>
+          </a:p>
+        </p:txBody>
+      </p:sp>
+    </p:spTree>
+    <p:extLst>
+      <p:ext uri="{BB962C8B-B14F-4D97-AF65-F5344CB8AC3E}">
+        <p14:creationId xmlns:p14="http://schemas.microsoft.com/office/powerpoint/2010/main" val="3693030405"/>
+      </p:ext>
+    </p:extLst>
+  </p:cSld>
+  <p:clrMapOvr>
+    <a:masterClrMapping/>
+  </p:clrMapOvr>
+</p:notes>
+</file>
+
+<file path=ppt/notesSlides/notesSlide5.xml><?xml version="1.0" encoding="utf-8"?>
+<p:notes xmlns:a="http://schemas.openxmlformats.org/drawingml/2006/main" xmlns:r="http://schemas.openxmlformats.org/officeDocument/2006/relationships" xmlns:p="http://schemas.openxmlformats.org/presentationml/2006/main">
+  <p:cSld>
+    <p:spTree>
+      <p:nvGrpSpPr>
+        <p:cNvPr id="1" name=""/>
+        <p:cNvGrpSpPr/>
+        <p:nvPr/>
+      </p:nvGrpSpPr>
+      <p:grpSpPr>
+        <a:xfrm>
+          <a:off x="0" y="0"/>
+          <a:ext cx="0" cy="0"/>
+          <a:chOff x="0" y="0"/>
+          <a:chExt cx="0" cy="0"/>
+        </a:xfrm>
+      </p:grpSpPr>
+      <p:sp>
+        <p:nvSpPr>
+          <p:cNvPr id="2" name="슬라이드 이미지 개체 틀 1"/>
+          <p:cNvSpPr>
+            <a:spLocks noGrp="1" noRot="1" noChangeAspect="1"/>
+          </p:cNvSpPr>
+          <p:nvPr>
+            <p:ph type="sldImg"/>
+          </p:nvPr>
+        </p:nvSpPr>
+        <p:spPr/>
+      </p:sp>
+      <p:sp>
+        <p:nvSpPr>
+          <p:cNvPr id="3" name="슬라이드 노트 개체 틀 2"/>
+          <p:cNvSpPr>
+            <a:spLocks noGrp="1"/>
+          </p:cNvSpPr>
+          <p:nvPr>
+            <p:ph type="body" idx="1"/>
+          </p:nvPr>
+        </p:nvSpPr>
+        <p:spPr/>
+        <p:txBody>
+          <a:bodyPr/>
+          <a:lstStyle/>
+          <a:p>
+            <a:r>
+              <a:rPr lang="ko-KR" altLang="en-US"/>
+              <a:t>위에는 </a:t>
+            </a:r>
+            <a:r>
+              <a:rPr lang="en-US" altLang="ko-KR"/>
+              <a:t>books</a:t>
+            </a:r>
+            <a:r>
+              <a:rPr lang="ko-KR" altLang="en-US"/>
+              <a:t> 데이터셋</a:t>
+            </a:r>
+            <a:r>
+              <a:rPr lang="en-US" altLang="ko-KR"/>
+              <a:t>, </a:t>
+            </a:r>
+            <a:r>
+              <a:rPr lang="ko-KR" altLang="en-US"/>
+              <a:t>아래는 </a:t>
+            </a:r>
+            <a:r>
+              <a:rPr lang="en-US" altLang="ko-KR"/>
+              <a:t>DVDs </a:t>
+            </a:r>
+            <a:r>
+              <a:rPr lang="ko-KR" altLang="en-US"/>
+              <a:t>데이터셋</a:t>
+            </a:r>
+            <a:endParaRPr lang="en-US" altLang="ko-KR"/>
+          </a:p>
+          <a:p>
+            <a:r>
+              <a:rPr lang="en-US" altLang="ko-KR"/>
+              <a:t>Recall : </a:t>
+            </a:r>
+            <a:r>
+              <a:rPr lang="ko-KR" altLang="en-US"/>
+              <a:t>실제 </a:t>
+            </a:r>
+            <a:r>
+              <a:rPr lang="en-US" altLang="ko-KR"/>
+              <a:t>True</a:t>
+            </a:r>
+            <a:r>
+              <a:rPr lang="ko-KR" altLang="en-US"/>
+              <a:t>인 것 중 모델이 </a:t>
+            </a:r>
+            <a:r>
+              <a:rPr lang="en-US" altLang="ko-KR"/>
+              <a:t>True</a:t>
+            </a:r>
+            <a:r>
+              <a:rPr lang="ko-KR" altLang="en-US"/>
+              <a:t>라고 예측한 비율</a:t>
+            </a:r>
+          </a:p>
+        </p:txBody>
+      </p:sp>
+      <p:sp>
+        <p:nvSpPr>
+          <p:cNvPr id="4" name="슬라이드 번호 개체 틀 3"/>
+          <p:cNvSpPr>
+            <a:spLocks noGrp="1"/>
+          </p:cNvSpPr>
+          <p:nvPr>
+            <p:ph type="sldNum" sz="quarter" idx="5"/>
+          </p:nvPr>
+        </p:nvSpPr>
+        <p:spPr/>
+        <p:txBody>
+          <a:bodyPr/>
+          <a:lstStyle/>
+          <a:p>
+            <a:fld id="{3E77EB21-56B8-4D8D-890B-E6CB3F2F5197}" type="slidenum">
+              <a:rPr lang="ko-KR" altLang="en-US" smtClean="0"/>
+              <a:t>18</a:t>
             </a:fld>
             <a:endParaRPr lang="ko-KR" altLang="en-US"/>
           </a:p>
@@ -901,6 +1112,202 @@
     <p:extLst>
       <p:ext uri="{BB962C8B-B14F-4D97-AF65-F5344CB8AC3E}">
         <p14:creationId xmlns:p14="http://schemas.microsoft.com/office/powerpoint/2010/main" val="2292667255"/>
+      </p:ext>
+    </p:extLst>
+  </p:cSld>
+  <p:clrMapOvr>
+    <a:masterClrMapping/>
+  </p:clrMapOvr>
+</p:notes>
+</file>
+
+<file path=ppt/notesSlides/notesSlide6.xml><?xml version="1.0" encoding="utf-8"?>
+<p:notes xmlns:a="http://schemas.openxmlformats.org/drawingml/2006/main" xmlns:r="http://schemas.openxmlformats.org/officeDocument/2006/relationships" xmlns:p="http://schemas.openxmlformats.org/presentationml/2006/main">
+  <p:cSld>
+    <p:spTree>
+      <p:nvGrpSpPr>
+        <p:cNvPr id="1" name=""/>
+        <p:cNvGrpSpPr/>
+        <p:nvPr/>
+      </p:nvGrpSpPr>
+      <p:grpSpPr>
+        <a:xfrm>
+          <a:off x="0" y="0"/>
+          <a:ext cx="0" cy="0"/>
+          <a:chOff x="0" y="0"/>
+          <a:chExt cx="0" cy="0"/>
+        </a:xfrm>
+      </p:grpSpPr>
+      <p:sp>
+        <p:nvSpPr>
+          <p:cNvPr id="2" name="슬라이드 이미지 개체 틀 1"/>
+          <p:cNvSpPr>
+            <a:spLocks noGrp="1" noRot="1" noChangeAspect="1"/>
+          </p:cNvSpPr>
+          <p:nvPr>
+            <p:ph type="sldImg"/>
+          </p:nvPr>
+        </p:nvSpPr>
+        <p:spPr/>
+      </p:sp>
+      <p:sp>
+        <p:nvSpPr>
+          <p:cNvPr id="3" name="슬라이드 노트 개체 틀 2"/>
+          <p:cNvSpPr>
+            <a:spLocks noGrp="1"/>
+          </p:cNvSpPr>
+          <p:nvPr>
+            <p:ph type="body" idx="1"/>
+          </p:nvPr>
+        </p:nvSpPr>
+        <p:spPr/>
+        <p:txBody>
+          <a:bodyPr/>
+          <a:lstStyle/>
+          <a:p>
+            <a:r>
+              <a:rPr lang="ko-KR" altLang="en-US"/>
+              <a:t>리뷰 예시로 들어 설명하는게 좋을 듯</a:t>
+            </a:r>
+          </a:p>
+        </p:txBody>
+      </p:sp>
+      <p:sp>
+        <p:nvSpPr>
+          <p:cNvPr id="4" name="슬라이드 번호 개체 틀 3"/>
+          <p:cNvSpPr>
+            <a:spLocks noGrp="1"/>
+          </p:cNvSpPr>
+          <p:nvPr>
+            <p:ph type="sldNum" sz="quarter" idx="5"/>
+          </p:nvPr>
+        </p:nvSpPr>
+        <p:spPr/>
+        <p:txBody>
+          <a:bodyPr/>
+          <a:lstStyle/>
+          <a:p>
+            <a:fld id="{3E77EB21-56B8-4D8D-890B-E6CB3F2F5197}" type="slidenum">
+              <a:rPr lang="ko-KR" altLang="en-US" smtClean="0"/>
+              <a:t>19</a:t>
+            </a:fld>
+            <a:endParaRPr lang="ko-KR" altLang="en-US"/>
+          </a:p>
+        </p:txBody>
+      </p:sp>
+    </p:spTree>
+    <p:extLst>
+      <p:ext uri="{BB962C8B-B14F-4D97-AF65-F5344CB8AC3E}">
+        <p14:creationId xmlns:p14="http://schemas.microsoft.com/office/powerpoint/2010/main" val="1297760815"/>
+      </p:ext>
+    </p:extLst>
+  </p:cSld>
+  <p:clrMapOvr>
+    <a:masterClrMapping/>
+  </p:clrMapOvr>
+</p:notes>
+</file>
+
+<file path=ppt/notesSlides/notesSlide7.xml><?xml version="1.0" encoding="utf-8"?>
+<p:notes xmlns:a="http://schemas.openxmlformats.org/drawingml/2006/main" xmlns:r="http://schemas.openxmlformats.org/officeDocument/2006/relationships" xmlns:p="http://schemas.openxmlformats.org/presentationml/2006/main">
+  <p:cSld>
+    <p:spTree>
+      <p:nvGrpSpPr>
+        <p:cNvPr id="1" name=""/>
+        <p:cNvGrpSpPr/>
+        <p:nvPr/>
+      </p:nvGrpSpPr>
+      <p:grpSpPr>
+        <a:xfrm>
+          <a:off x="0" y="0"/>
+          <a:ext cx="0" cy="0"/>
+          <a:chOff x="0" y="0"/>
+          <a:chExt cx="0" cy="0"/>
+        </a:xfrm>
+      </p:grpSpPr>
+      <p:sp>
+        <p:nvSpPr>
+          <p:cNvPr id="2" name="슬라이드 이미지 개체 틀 1"/>
+          <p:cNvSpPr>
+            <a:spLocks noGrp="1" noRot="1" noChangeAspect="1"/>
+          </p:cNvSpPr>
+          <p:nvPr>
+            <p:ph type="sldImg"/>
+          </p:nvPr>
+        </p:nvSpPr>
+        <p:spPr/>
+      </p:sp>
+      <p:sp>
+        <p:nvSpPr>
+          <p:cNvPr id="3" name="슬라이드 노트 개체 틀 2"/>
+          <p:cNvSpPr>
+            <a:spLocks noGrp="1"/>
+          </p:cNvSpPr>
+          <p:nvPr>
+            <p:ph type="body" idx="1"/>
+          </p:nvPr>
+        </p:nvSpPr>
+        <p:spPr/>
+        <p:txBody>
+          <a:bodyPr/>
+          <a:lstStyle/>
+          <a:p>
+            <a:r>
+              <a:rPr lang="en-US" altLang="ko-KR"/>
+              <a:t>recall : </a:t>
+            </a:r>
+            <a:r>
+              <a:rPr lang="ko-KR" altLang="en-US"/>
+              <a:t>낮으면 예측해야할 것보다 더 많은 예측을 신뢰하지 않음</a:t>
+            </a:r>
+            <a:r>
+              <a:rPr lang="en-US" altLang="ko-KR"/>
+              <a:t>.</a:t>
+            </a:r>
+          </a:p>
+          <a:p>
+            <a:r>
+              <a:rPr lang="en-US" altLang="ko-KR"/>
+              <a:t>precision : </a:t>
+            </a:r>
+            <a:r>
+              <a:rPr lang="ko-KR" altLang="en-US"/>
+              <a:t>낮으면 너무 많은 예측을 신뢰함</a:t>
+            </a:r>
+            <a:r>
+              <a:rPr lang="en-US" altLang="ko-KR"/>
+              <a:t>.</a:t>
+            </a:r>
+          </a:p>
+        </p:txBody>
+      </p:sp>
+      <p:sp>
+        <p:nvSpPr>
+          <p:cNvPr id="4" name="슬라이드 번호 개체 틀 3"/>
+          <p:cNvSpPr>
+            <a:spLocks noGrp="1"/>
+          </p:cNvSpPr>
+          <p:nvPr>
+            <p:ph type="sldNum" sz="quarter" idx="5"/>
+          </p:nvPr>
+        </p:nvSpPr>
+        <p:spPr/>
+        <p:txBody>
+          <a:bodyPr/>
+          <a:lstStyle/>
+          <a:p>
+            <a:fld id="{3E77EB21-56B8-4D8D-890B-E6CB3F2F5197}" type="slidenum">
+              <a:rPr lang="ko-KR" altLang="en-US" smtClean="0"/>
+              <a:t>20</a:t>
+            </a:fld>
+            <a:endParaRPr lang="ko-KR" altLang="en-US"/>
+          </a:p>
+        </p:txBody>
+      </p:sp>
+    </p:spTree>
+    <p:extLst>
+      <p:ext uri="{BB962C8B-B14F-4D97-AF65-F5344CB8AC3E}">
+        <p14:creationId xmlns:p14="http://schemas.microsoft.com/office/powerpoint/2010/main" val="3927095731"/>
       </p:ext>
     </p:extLst>
   </p:cSld>
@@ -1055,9 +1462,9 @@
           <a:bodyPr/>
           <a:lstStyle/>
           <a:p>
-            <a:fld id="{E0B105A6-09CF-45CE-A401-4DF75EF47959}" type="datetime1">
+            <a:fld id="{9C3AAFBE-94BE-4413-81D0-1EAB9ED6F5FD}" type="datetime1">
               <a:rPr lang="ko-KR" altLang="en-US" smtClean="0"/>
-              <a:t>2024-04-06</a:t>
+              <a:t>2024-04-08</a:t>
             </a:fld>
             <a:endParaRPr lang="ko-KR" altLang="en-US"/>
           </a:p>
@@ -1257,9 +1664,9 @@
           <a:bodyPr/>
           <a:lstStyle/>
           <a:p>
-            <a:fld id="{C65B8D27-FB5C-4648-A034-8CB703BA1A10}" type="datetime1">
+            <a:fld id="{028ADCA4-527E-4CD7-BA0B-B103E86C9172}" type="datetime1">
               <a:rPr lang="ko-KR" altLang="en-US" smtClean="0"/>
-              <a:t>2024-04-06</a:t>
+              <a:t>2024-04-08</a:t>
             </a:fld>
             <a:endParaRPr lang="ko-KR" altLang="en-US"/>
           </a:p>
@@ -1465,9 +1872,9 @@
           <a:bodyPr/>
           <a:lstStyle/>
           <a:p>
-            <a:fld id="{93C59C8D-9C6E-4750-99FF-FB0811103C5E}" type="datetime1">
+            <a:fld id="{DB721A22-4CEB-486B-85D5-FB4B1DCF4E9C}" type="datetime1">
               <a:rPr lang="ko-KR" altLang="en-US" smtClean="0"/>
-              <a:t>2024-04-06</a:t>
+              <a:t>2024-04-08</a:t>
             </a:fld>
             <a:endParaRPr lang="ko-KR" altLang="en-US"/>
           </a:p>
@@ -1663,9 +2070,9 @@
           <a:bodyPr/>
           <a:lstStyle/>
           <a:p>
-            <a:fld id="{29719407-167F-44F9-B2F8-E62B5DF0E8BF}" type="datetime1">
+            <a:fld id="{198B5C5F-BE61-4B66-8F34-F2A4002371C4}" type="datetime1">
               <a:rPr lang="ko-KR" altLang="en-US" smtClean="0"/>
-              <a:t>2024-04-06</a:t>
+              <a:t>2024-04-08</a:t>
             </a:fld>
             <a:endParaRPr lang="ko-KR" altLang="en-US"/>
           </a:p>
@@ -2120,9 +2527,9 @@
           <a:bodyPr/>
           <a:lstStyle/>
           <a:p>
-            <a:fld id="{88C8EEC7-18D8-4EC0-9753-BD46C405C28F}" type="datetime1">
+            <a:fld id="{3883030E-BD08-42AB-A373-5E352C564E61}" type="datetime1">
               <a:rPr lang="ko-KR" altLang="en-US" smtClean="0"/>
-              <a:t>2024-04-06</a:t>
+              <a:t>2024-04-08</a:t>
             </a:fld>
             <a:endParaRPr lang="ko-KR" altLang="en-US"/>
           </a:p>
@@ -2532,9 +2939,9 @@
           <a:bodyPr/>
           <a:lstStyle/>
           <a:p>
-            <a:fld id="{134489F5-4310-4C75-9398-E85E3B045259}" type="datetime1">
+            <a:fld id="{78436259-A071-4707-B097-911E2595E9FB}" type="datetime1">
               <a:rPr lang="ko-KR" altLang="en-US" smtClean="0"/>
-              <a:t>2024-04-06</a:t>
+              <a:t>2024-04-08</a:t>
             </a:fld>
             <a:endParaRPr lang="ko-KR" altLang="en-US"/>
           </a:p>
@@ -2673,9 +3080,9 @@
           <a:bodyPr/>
           <a:lstStyle/>
           <a:p>
-            <a:fld id="{DC54A5F0-33DE-42B5-9D6D-A01650812586}" type="datetime1">
+            <a:fld id="{0B2B12F6-A8C3-4216-BF8D-747EC9931F9E}" type="datetime1">
               <a:rPr lang="ko-KR" altLang="en-US" smtClean="0"/>
-              <a:t>2024-04-06</a:t>
+              <a:t>2024-04-08</a:t>
             </a:fld>
             <a:endParaRPr lang="ko-KR" altLang="en-US"/>
           </a:p>
@@ -2786,9 +3193,9 @@
           <a:bodyPr/>
           <a:lstStyle/>
           <a:p>
-            <a:fld id="{6CA80FEB-64CA-47CE-B664-F785AFBEE628}" type="datetime1">
+            <a:fld id="{15686DDB-FB2F-4064-8038-4265C8E99027}" type="datetime1">
               <a:rPr lang="ko-KR" altLang="en-US" smtClean="0"/>
-              <a:t>2024-04-06</a:t>
+              <a:t>2024-04-08</a:t>
             </a:fld>
             <a:endParaRPr lang="ko-KR" altLang="en-US"/>
           </a:p>
@@ -3097,9 +3504,9 @@
           <a:bodyPr/>
           <a:lstStyle/>
           <a:p>
-            <a:fld id="{2CFD5665-86DA-49B4-A304-5B7F21AB7CD0}" type="datetime1">
+            <a:fld id="{5DBF6985-87BC-4126-B9FB-BA0747B7063A}" type="datetime1">
               <a:rPr lang="ko-KR" altLang="en-US" smtClean="0"/>
-              <a:t>2024-04-06</a:t>
+              <a:t>2024-04-08</a:t>
             </a:fld>
             <a:endParaRPr lang="ko-KR" altLang="en-US"/>
           </a:p>
@@ -3385,9 +3792,9 @@
           <a:bodyPr/>
           <a:lstStyle/>
           <a:p>
-            <a:fld id="{1EFDED5B-049D-4C39-9A45-D15F436B82D7}" type="datetime1">
+            <a:fld id="{9F11957C-FBF3-4FE2-9598-E3D5BB77140A}" type="datetime1">
               <a:rPr lang="ko-KR" altLang="en-US" smtClean="0"/>
-              <a:t>2024-04-06</a:t>
+              <a:t>2024-04-08</a:t>
             </a:fld>
             <a:endParaRPr lang="ko-KR" altLang="en-US"/>
           </a:p>
@@ -3628,9 +4035,9 @@
             </a:lvl1pPr>
           </a:lstStyle>
           <a:p>
-            <a:fld id="{FF702116-A940-4640-ADDE-3A439143E65E}" type="datetime1">
+            <a:fld id="{175EF9B9-12FD-4CBC-9849-8984214ABD73}" type="datetime1">
               <a:rPr lang="ko-KR" altLang="en-US" smtClean="0"/>
-              <a:t>2024-04-06</a:t>
+              <a:t>2024-04-08</a:t>
             </a:fld>
             <a:endParaRPr lang="ko-KR" altLang="en-US"/>
           </a:p>
@@ -3749,7 +4156,7 @@
     <p:sldLayoutId id="2147483658" r:id="rId10"/>
     <p:sldLayoutId id="2147483659" r:id="rId11"/>
   </p:sldLayoutIdLst>
-  <p:hf sldNum="0" hdr="0" ftr="0" dt="0"/>
+  <p:hf hdr="0" ftr="0" dt="0"/>
   <p:txStyles>
     <p:titleStyle>
       <a:lvl1pPr algn="l" defTabSz="914400" rtl="0" eaLnBrk="1" latinLnBrk="1" hangingPunct="1">
@@ -4270,6 +4677,35 @@
           </a:fontRef>
         </p:style>
       </p:cxnSp>
+      <p:sp>
+        <p:nvSpPr>
+          <p:cNvPr id="5" name="슬라이드 번호 개체 틀 4">
+            <a:extLst>
+              <a:ext uri="{FF2B5EF4-FFF2-40B4-BE49-F238E27FC236}">
+                <a16:creationId xmlns:a16="http://schemas.microsoft.com/office/drawing/2014/main" id="{B3E63D42-E71F-4080-AE78-8E20BCD4F70D}"/>
+              </a:ext>
+            </a:extLst>
+          </p:cNvPr>
+          <p:cNvSpPr>
+            <a:spLocks noGrp="1"/>
+          </p:cNvSpPr>
+          <p:nvPr>
+            <p:ph type="sldNum" sz="quarter" idx="12"/>
+          </p:nvPr>
+        </p:nvSpPr>
+        <p:spPr/>
+        <p:txBody>
+          <a:bodyPr/>
+          <a:lstStyle/>
+          <a:p>
+            <a:fld id="{F98B6473-7C87-478A-B3B4-ACF16772A847}" type="slidenum">
+              <a:rPr lang="ko-KR" altLang="en-US" smtClean="0"/>
+              <a:t>1</a:t>
+            </a:fld>
+            <a:endParaRPr lang="ko-KR" altLang="en-US"/>
+          </a:p>
+        </p:txBody>
+      </p:sp>
     </p:spTree>
     <p:extLst>
       <p:ext uri="{BB962C8B-B14F-4D97-AF65-F5344CB8AC3E}">
@@ -4472,6 +4908,35 @@
           </a:prstGeom>
         </p:spPr>
       </p:pic>
+      <p:sp>
+        <p:nvSpPr>
+          <p:cNvPr id="2" name="슬라이드 번호 개체 틀 1">
+            <a:extLst>
+              <a:ext uri="{FF2B5EF4-FFF2-40B4-BE49-F238E27FC236}">
+                <a16:creationId xmlns:a16="http://schemas.microsoft.com/office/drawing/2014/main" id="{441D0DF0-DFC8-4CDA-9942-B94E2348BF06}"/>
+              </a:ext>
+            </a:extLst>
+          </p:cNvPr>
+          <p:cNvSpPr>
+            <a:spLocks noGrp="1"/>
+          </p:cNvSpPr>
+          <p:nvPr>
+            <p:ph type="sldNum" sz="quarter" idx="12"/>
+          </p:nvPr>
+        </p:nvSpPr>
+        <p:spPr/>
+        <p:txBody>
+          <a:bodyPr/>
+          <a:lstStyle/>
+          <a:p>
+            <a:fld id="{F98B6473-7C87-478A-B3B4-ACF16772A847}" type="slidenum">
+              <a:rPr lang="ko-KR" altLang="en-US" smtClean="0"/>
+              <a:t>10</a:t>
+            </a:fld>
+            <a:endParaRPr lang="ko-KR" altLang="en-US"/>
+          </a:p>
+        </p:txBody>
+      </p:sp>
     </p:spTree>
     <p:extLst>
       <p:ext uri="{BB962C8B-B14F-4D97-AF65-F5344CB8AC3E}">
@@ -4711,6 +5176,35 @@
           </p:style>
         </p:cxnSp>
       </p:grpSp>
+      <p:sp>
+        <p:nvSpPr>
+          <p:cNvPr id="2" name="슬라이드 번호 개체 틀 1">
+            <a:extLst>
+              <a:ext uri="{FF2B5EF4-FFF2-40B4-BE49-F238E27FC236}">
+                <a16:creationId xmlns:a16="http://schemas.microsoft.com/office/drawing/2014/main" id="{FB85D1A0-9480-410F-9933-6B495A990A72}"/>
+              </a:ext>
+            </a:extLst>
+          </p:cNvPr>
+          <p:cNvSpPr>
+            <a:spLocks noGrp="1"/>
+          </p:cNvSpPr>
+          <p:nvPr>
+            <p:ph type="sldNum" sz="quarter" idx="12"/>
+          </p:nvPr>
+        </p:nvSpPr>
+        <p:spPr/>
+        <p:txBody>
+          <a:bodyPr/>
+          <a:lstStyle/>
+          <a:p>
+            <a:fld id="{F98B6473-7C87-478A-B3B4-ACF16772A847}" type="slidenum">
+              <a:rPr lang="ko-KR" altLang="en-US" smtClean="0"/>
+              <a:t>11</a:t>
+            </a:fld>
+            <a:endParaRPr lang="ko-KR" altLang="en-US"/>
+          </a:p>
+        </p:txBody>
+      </p:sp>
     </p:spTree>
     <p:extLst>
       <p:ext uri="{BB962C8B-B14F-4D97-AF65-F5344CB8AC3E}">
@@ -7071,6 +7565,35 @@
           </a:p>
         </p:txBody>
       </p:sp>
+      <p:sp>
+        <p:nvSpPr>
+          <p:cNvPr id="3" name="슬라이드 번호 개체 틀 2">
+            <a:extLst>
+              <a:ext uri="{FF2B5EF4-FFF2-40B4-BE49-F238E27FC236}">
+                <a16:creationId xmlns:a16="http://schemas.microsoft.com/office/drawing/2014/main" id="{B922CB0E-537F-4042-8E8E-34D5CF624B80}"/>
+              </a:ext>
+            </a:extLst>
+          </p:cNvPr>
+          <p:cNvSpPr>
+            <a:spLocks noGrp="1"/>
+          </p:cNvSpPr>
+          <p:nvPr>
+            <p:ph type="sldNum" sz="quarter" idx="12"/>
+          </p:nvPr>
+        </p:nvSpPr>
+        <p:spPr/>
+        <p:txBody>
+          <a:bodyPr/>
+          <a:lstStyle/>
+          <a:p>
+            <a:fld id="{F98B6473-7C87-478A-B3B4-ACF16772A847}" type="slidenum">
+              <a:rPr lang="ko-KR" altLang="en-US" smtClean="0"/>
+              <a:t>12</a:t>
+            </a:fld>
+            <a:endParaRPr lang="ko-KR" altLang="en-US"/>
+          </a:p>
+        </p:txBody>
+      </p:sp>
     </p:spTree>
     <p:extLst>
       <p:ext uri="{BB962C8B-B14F-4D97-AF65-F5344CB8AC3E}">
@@ -7608,7 +8131,7 @@
         <p:spPr>
           <a:xfrm>
             <a:off x="1163052" y="272716"/>
-            <a:ext cx="2986715" cy="584775"/>
+            <a:ext cx="3047629" cy="584775"/>
           </a:xfrm>
           <a:prstGeom prst="rect">
             <a:avLst/>
@@ -7627,13 +8150,42 @@
                   <a:schemeClr val="accent1"/>
                 </a:solidFill>
               </a:rPr>
-              <a:t>Expanation matrix</a:t>
+              <a:t>Explanation matrix</a:t>
             </a:r>
             <a:endParaRPr lang="ko-KR" altLang="en-US" sz="3200" b="1" spc="-300">
               <a:solidFill>
                 <a:schemeClr val="accent1"/>
               </a:solidFill>
             </a:endParaRPr>
+          </a:p>
+        </p:txBody>
+      </p:sp>
+      <p:sp>
+        <p:nvSpPr>
+          <p:cNvPr id="3" name="슬라이드 번호 개체 틀 2">
+            <a:extLst>
+              <a:ext uri="{FF2B5EF4-FFF2-40B4-BE49-F238E27FC236}">
+                <a16:creationId xmlns:a16="http://schemas.microsoft.com/office/drawing/2014/main" id="{A1BF18D4-CAAD-475E-9CA1-3A4CD5ADD45C}"/>
+              </a:ext>
+            </a:extLst>
+          </p:cNvPr>
+          <p:cNvSpPr>
+            <a:spLocks noGrp="1"/>
+          </p:cNvSpPr>
+          <p:nvPr>
+            <p:ph type="sldNum" sz="quarter" idx="12"/>
+          </p:nvPr>
+        </p:nvSpPr>
+        <p:spPr/>
+        <p:txBody>
+          <a:bodyPr/>
+          <a:lstStyle/>
+          <a:p>
+            <a:fld id="{F98B6473-7C87-478A-B3B4-ACF16772A847}" type="slidenum">
+              <a:rPr lang="ko-KR" altLang="en-US" smtClean="0"/>
+              <a:t>13</a:t>
+            </a:fld>
+            <a:endParaRPr lang="ko-KR" altLang="en-US"/>
           </a:p>
         </p:txBody>
       </p:sp>
@@ -7897,13 +8449,8 @@
             </a:r>
             <a:r>
               <a:rPr lang="ko-KR" altLang="en-US"/>
-              <a:t>내의 적어도 한 인스턴스에 나타나는 특성들의 총 중요도를 계산하는 집합 함수 </a:t>
-            </a:r>
-            <a:r>
-              <a:rPr lang="en-US" altLang="ko-KR"/>
-              <a:t>C</a:t>
-            </a:r>
-            <a:endParaRPr lang="ko-KR" altLang="en-US"/>
+              <a:t>내의 적어도 한 인스턴스에 나타나는 특성들의 총 중요도를 계산하는 집합 함수</a:t>
+            </a:r>
           </a:p>
         </p:txBody>
       </p:sp>
@@ -7999,6 +8546,35 @@
                 <a:schemeClr val="accent1"/>
               </a:solidFill>
             </a:endParaRPr>
+          </a:p>
+        </p:txBody>
+      </p:sp>
+      <p:sp>
+        <p:nvSpPr>
+          <p:cNvPr id="2" name="슬라이드 번호 개체 틀 1">
+            <a:extLst>
+              <a:ext uri="{FF2B5EF4-FFF2-40B4-BE49-F238E27FC236}">
+                <a16:creationId xmlns:a16="http://schemas.microsoft.com/office/drawing/2014/main" id="{B68A6A72-70FC-4F70-A5FA-4C9D5AF9D52E}"/>
+              </a:ext>
+            </a:extLst>
+          </p:cNvPr>
+          <p:cNvSpPr>
+            <a:spLocks noGrp="1"/>
+          </p:cNvSpPr>
+          <p:nvPr>
+            <p:ph type="sldNum" sz="quarter" idx="12"/>
+          </p:nvPr>
+        </p:nvSpPr>
+        <p:spPr/>
+        <p:txBody>
+          <a:bodyPr/>
+          <a:lstStyle/>
+          <a:p>
+            <a:fld id="{F98B6473-7C87-478A-B3B4-ACF16772A847}" type="slidenum">
+              <a:rPr lang="ko-KR" altLang="en-US" smtClean="0"/>
+              <a:t>14</a:t>
+            </a:fld>
+            <a:endParaRPr lang="ko-KR" altLang="en-US"/>
           </a:p>
         </p:txBody>
       </p:sp>
@@ -8344,6 +8920,35 @@
           <a:lstStyle/>
           <a:p>
             <a:pPr algn="ctr"/>
+            <a:endParaRPr lang="ko-KR" altLang="en-US"/>
+          </a:p>
+        </p:txBody>
+      </p:sp>
+      <p:sp>
+        <p:nvSpPr>
+          <p:cNvPr id="2" name="슬라이드 번호 개체 틀 1">
+            <a:extLst>
+              <a:ext uri="{FF2B5EF4-FFF2-40B4-BE49-F238E27FC236}">
+                <a16:creationId xmlns:a16="http://schemas.microsoft.com/office/drawing/2014/main" id="{74CA619F-01D9-4870-899B-0DAE88881435}"/>
+              </a:ext>
+            </a:extLst>
+          </p:cNvPr>
+          <p:cNvSpPr>
+            <a:spLocks noGrp="1"/>
+          </p:cNvSpPr>
+          <p:nvPr>
+            <p:ph type="sldNum" sz="quarter" idx="12"/>
+          </p:nvPr>
+        </p:nvSpPr>
+        <p:spPr/>
+        <p:txBody>
+          <a:bodyPr/>
+          <a:lstStyle/>
+          <a:p>
+            <a:fld id="{F98B6473-7C87-478A-B3B4-ACF16772A847}" type="slidenum">
+              <a:rPr lang="ko-KR" altLang="en-US" smtClean="0"/>
+              <a:t>15</a:t>
+            </a:fld>
             <a:endParaRPr lang="ko-KR" altLang="en-US"/>
           </a:p>
         </p:txBody>
@@ -8587,6 +9192,35 @@
           </p:style>
         </p:cxnSp>
       </p:grpSp>
+      <p:sp>
+        <p:nvSpPr>
+          <p:cNvPr id="2" name="슬라이드 번호 개체 틀 1">
+            <a:extLst>
+              <a:ext uri="{FF2B5EF4-FFF2-40B4-BE49-F238E27FC236}">
+                <a16:creationId xmlns:a16="http://schemas.microsoft.com/office/drawing/2014/main" id="{B00142D5-CFA1-4569-B6E1-539AF90E83EB}"/>
+              </a:ext>
+            </a:extLst>
+          </p:cNvPr>
+          <p:cNvSpPr>
+            <a:spLocks noGrp="1"/>
+          </p:cNvSpPr>
+          <p:nvPr>
+            <p:ph type="sldNum" sz="quarter" idx="12"/>
+          </p:nvPr>
+        </p:nvSpPr>
+        <p:spPr/>
+        <p:txBody>
+          <a:bodyPr/>
+          <a:lstStyle/>
+          <a:p>
+            <a:fld id="{F98B6473-7C87-478A-B3B4-ACF16772A847}" type="slidenum">
+              <a:rPr lang="ko-KR" altLang="en-US" smtClean="0"/>
+              <a:t>16</a:t>
+            </a:fld>
+            <a:endParaRPr lang="ko-KR" altLang="en-US"/>
+          </a:p>
+        </p:txBody>
+      </p:sp>
     </p:spTree>
     <p:extLst>
       <p:ext uri="{BB962C8B-B14F-4D97-AF65-F5344CB8AC3E}">
@@ -8707,10 +9341,44 @@
       </p:cxnSp>
       <p:sp>
         <p:nvSpPr>
+          <p:cNvPr id="2" name="슬라이드 번호 개체 틀 1">
+            <a:extLst>
+              <a:ext uri="{FF2B5EF4-FFF2-40B4-BE49-F238E27FC236}">
+                <a16:creationId xmlns:a16="http://schemas.microsoft.com/office/drawing/2014/main" id="{B7F2BFA4-F2F4-482E-8A00-3839C28B48E7}"/>
+              </a:ext>
+            </a:extLst>
+          </p:cNvPr>
+          <p:cNvSpPr>
+            <a:spLocks noGrp="1"/>
+          </p:cNvSpPr>
+          <p:nvPr>
+            <p:ph type="sldNum" sz="quarter" idx="12"/>
+          </p:nvPr>
+        </p:nvSpPr>
+        <p:spPr>
+          <a:xfrm>
+            <a:off x="8610600" y="6356350"/>
+            <a:ext cx="2743200" cy="365125"/>
+          </a:xfrm>
+        </p:spPr>
+        <p:txBody>
+          <a:bodyPr/>
+          <a:lstStyle/>
+          <a:p>
+            <a:fld id="{F98B6473-7C87-478A-B3B4-ACF16772A847}" type="slidenum">
+              <a:rPr lang="ko-KR" altLang="en-US" smtClean="0"/>
+              <a:t>17</a:t>
+            </a:fld>
+            <a:endParaRPr lang="ko-KR" altLang="en-US"/>
+          </a:p>
+        </p:txBody>
+      </p:sp>
+      <p:sp>
+        <p:nvSpPr>
           <p:cNvPr id="5" name="TextBox 4">
             <a:extLst>
               <a:ext uri="{FF2B5EF4-FFF2-40B4-BE49-F238E27FC236}">
-                <a16:creationId xmlns:a16="http://schemas.microsoft.com/office/drawing/2014/main" id="{8580E85C-3B96-42A7-9EAB-BDC8AD97C74C}"/>
+                <a16:creationId xmlns:a16="http://schemas.microsoft.com/office/drawing/2014/main" id="{46609B3C-F315-4F72-99B4-518B069D4A68}"/>
               </a:ext>
             </a:extLst>
           </p:cNvPr>
@@ -8749,6 +9417,440 @@
           </a:p>
         </p:txBody>
       </p:sp>
+      <p:sp>
+        <p:nvSpPr>
+          <p:cNvPr id="6" name="정육면체 5">
+            <a:extLst>
+              <a:ext uri="{FF2B5EF4-FFF2-40B4-BE49-F238E27FC236}">
+                <a16:creationId xmlns:a16="http://schemas.microsoft.com/office/drawing/2014/main" id="{90129377-BE9D-46E2-BE5E-FAD783AC2CCF}"/>
+              </a:ext>
+            </a:extLst>
+          </p:cNvPr>
+          <p:cNvSpPr/>
+          <p:nvPr/>
+        </p:nvSpPr>
+        <p:spPr>
+          <a:xfrm>
+            <a:off x="3337889" y="1715885"/>
+            <a:ext cx="1182757" cy="1155446"/>
+          </a:xfrm>
+          <a:prstGeom prst="cube">
+            <a:avLst/>
+          </a:prstGeom>
+        </p:spPr>
+        <p:style>
+          <a:lnRef idx="2">
+            <a:schemeClr val="accent1">
+              <a:shade val="15000"/>
+            </a:schemeClr>
+          </a:lnRef>
+          <a:fillRef idx="1">
+            <a:schemeClr val="accent1"/>
+          </a:fillRef>
+          <a:effectRef idx="0">
+            <a:schemeClr val="accent1"/>
+          </a:effectRef>
+          <a:fontRef idx="minor">
+            <a:schemeClr val="lt1"/>
+          </a:fontRef>
+        </p:style>
+        <p:txBody>
+          <a:bodyPr rtlCol="0" anchor="ctr"/>
+          <a:lstStyle/>
+          <a:p>
+            <a:pPr algn="ctr"/>
+            <a:r>
+              <a:rPr lang="en-US" altLang="ko-KR"/>
+              <a:t>model </a:t>
+            </a:r>
+            <a:endParaRPr lang="ko-KR" altLang="en-US" dirty="0"/>
+          </a:p>
+        </p:txBody>
+      </p:sp>
+      <p:sp>
+        <p:nvSpPr>
+          <p:cNvPr id="10" name="TextBox 9">
+            <a:extLst>
+              <a:ext uri="{FF2B5EF4-FFF2-40B4-BE49-F238E27FC236}">
+                <a16:creationId xmlns:a16="http://schemas.microsoft.com/office/drawing/2014/main" id="{787D75F2-43B0-4643-BFB7-1D4A5D6F3795}"/>
+              </a:ext>
+            </a:extLst>
+          </p:cNvPr>
+          <p:cNvSpPr txBox="1"/>
+          <p:nvPr/>
+        </p:nvSpPr>
+        <p:spPr>
+          <a:xfrm>
+            <a:off x="6479276" y="1368074"/>
+            <a:ext cx="2552302" cy="2031325"/>
+          </a:xfrm>
+          <a:prstGeom prst="rect">
+            <a:avLst/>
+          </a:prstGeom>
+          <a:noFill/>
+        </p:spPr>
+        <p:txBody>
+          <a:bodyPr wrap="square" rtlCol="0">
+            <a:spAutoFit/>
+          </a:bodyPr>
+          <a:lstStyle/>
+          <a:p>
+            <a:r>
+              <a:rPr lang="en-US" altLang="ko-KR"/>
+              <a:t>&lt; Important features &gt;</a:t>
+            </a:r>
+          </a:p>
+          <a:p>
+            <a:pPr algn="ctr"/>
+            <a:endParaRPr lang="en-US" altLang="ko-KR"/>
+          </a:p>
+          <a:p>
+            <a:pPr algn="ctr"/>
+            <a:r>
+              <a:rPr lang="en-US" altLang="ko-KR"/>
+              <a:t>1</a:t>
+            </a:r>
+          </a:p>
+          <a:p>
+            <a:pPr algn="ctr"/>
+            <a:r>
+              <a:rPr lang="en-US" altLang="ko-KR"/>
+              <a:t>2</a:t>
+            </a:r>
+          </a:p>
+          <a:p>
+            <a:pPr algn="ctr"/>
+            <a:r>
+              <a:rPr lang="en-US" altLang="ko-KR"/>
+              <a:t>....</a:t>
+            </a:r>
+          </a:p>
+          <a:p>
+            <a:pPr algn="ctr"/>
+            <a:r>
+              <a:rPr lang="en-US" altLang="ko-KR"/>
+              <a:t>10</a:t>
+            </a:r>
+            <a:endParaRPr lang="ko-KR" altLang="en-US"/>
+          </a:p>
+          <a:p>
+            <a:endParaRPr lang="ko-KR" altLang="en-US"/>
+          </a:p>
+        </p:txBody>
+      </p:sp>
+      <p:sp>
+        <p:nvSpPr>
+          <p:cNvPr id="11" name="화살표: 오른쪽 10">
+            <a:extLst>
+              <a:ext uri="{FF2B5EF4-FFF2-40B4-BE49-F238E27FC236}">
+                <a16:creationId xmlns:a16="http://schemas.microsoft.com/office/drawing/2014/main" id="{852CE151-9B57-46B9-AD95-E1AF8631E7CD}"/>
+              </a:ext>
+            </a:extLst>
+          </p:cNvPr>
+          <p:cNvSpPr/>
+          <p:nvPr/>
+        </p:nvSpPr>
+        <p:spPr>
+          <a:xfrm>
+            <a:off x="5116378" y="2267437"/>
+            <a:ext cx="596348" cy="188836"/>
+          </a:xfrm>
+          <a:prstGeom prst="rightArrow">
+            <a:avLst/>
+          </a:prstGeom>
+        </p:spPr>
+        <p:style>
+          <a:lnRef idx="2">
+            <a:schemeClr val="accent1">
+              <a:shade val="15000"/>
+            </a:schemeClr>
+          </a:lnRef>
+          <a:fillRef idx="1">
+            <a:schemeClr val="accent1"/>
+          </a:fillRef>
+          <a:effectRef idx="0">
+            <a:schemeClr val="accent1"/>
+          </a:effectRef>
+          <a:fontRef idx="minor">
+            <a:schemeClr val="lt1"/>
+          </a:fontRef>
+        </p:style>
+        <p:txBody>
+          <a:bodyPr rtlCol="0" anchor="ctr"/>
+          <a:lstStyle/>
+          <a:p>
+            <a:pPr algn="ctr"/>
+            <a:endParaRPr lang="ko-KR" altLang="en-US"/>
+          </a:p>
+        </p:txBody>
+      </p:sp>
+      <p:sp>
+        <p:nvSpPr>
+          <p:cNvPr id="12" name="직사각형 11">
+            <a:extLst>
+              <a:ext uri="{FF2B5EF4-FFF2-40B4-BE49-F238E27FC236}">
+                <a16:creationId xmlns:a16="http://schemas.microsoft.com/office/drawing/2014/main" id="{83369C67-B497-4928-BE19-0464B675CCCC}"/>
+              </a:ext>
+            </a:extLst>
+          </p:cNvPr>
+          <p:cNvSpPr/>
+          <p:nvPr/>
+        </p:nvSpPr>
+        <p:spPr>
+          <a:xfrm>
+            <a:off x="408020" y="4607050"/>
+            <a:ext cx="10637604" cy="369332"/>
+          </a:xfrm>
+          <a:prstGeom prst="rect">
+            <a:avLst/>
+          </a:prstGeom>
+        </p:spPr>
+        <p:txBody>
+          <a:bodyPr wrap="square">
+            <a:spAutoFit/>
+          </a:bodyPr>
+          <a:lstStyle/>
+          <a:p>
+            <a:r>
+              <a:rPr lang="ko-KR" altLang="en-US"/>
+              <a:t>▶ 모델에 중요한 </a:t>
+            </a:r>
+            <a:r>
+              <a:rPr lang="en-US" altLang="ko-KR"/>
+              <a:t>feature</a:t>
+            </a:r>
+            <a:r>
+              <a:rPr lang="ko-KR" altLang="en-US"/>
+              <a:t>들을 선정 </a:t>
+            </a:r>
+            <a:r>
+              <a:rPr lang="en-US" altLang="ko-KR"/>
+              <a:t>(gold features)</a:t>
+            </a:r>
+            <a:r>
+              <a:rPr lang="ko-KR" altLang="en-US"/>
+              <a:t> </a:t>
+            </a:r>
+            <a:endParaRPr lang="en-US" altLang="ko-KR"/>
+          </a:p>
+        </p:txBody>
+      </p:sp>
+      <p:sp>
+        <p:nvSpPr>
+          <p:cNvPr id="13" name="왼쪽 중괄호 12">
+            <a:extLst>
+              <a:ext uri="{FF2B5EF4-FFF2-40B4-BE49-F238E27FC236}">
+                <a16:creationId xmlns:a16="http://schemas.microsoft.com/office/drawing/2014/main" id="{0010495B-427C-4D5F-A223-07EC61F3B7AF}"/>
+              </a:ext>
+            </a:extLst>
+          </p:cNvPr>
+          <p:cNvSpPr/>
+          <p:nvPr/>
+        </p:nvSpPr>
+        <p:spPr>
+          <a:xfrm>
+            <a:off x="7226587" y="2055351"/>
+            <a:ext cx="239457" cy="945023"/>
+          </a:xfrm>
+          <a:prstGeom prst="leftBrace">
+            <a:avLst/>
+          </a:prstGeom>
+        </p:spPr>
+        <p:style>
+          <a:lnRef idx="1">
+            <a:schemeClr val="accent1"/>
+          </a:lnRef>
+          <a:fillRef idx="0">
+            <a:schemeClr val="accent1"/>
+          </a:fillRef>
+          <a:effectRef idx="0">
+            <a:schemeClr val="accent1"/>
+          </a:effectRef>
+          <a:fontRef idx="minor">
+            <a:schemeClr val="tx1"/>
+          </a:fontRef>
+        </p:style>
+        <p:txBody>
+          <a:bodyPr rtlCol="0" anchor="ctr"/>
+          <a:lstStyle/>
+          <a:p>
+            <a:pPr algn="ctr"/>
+            <a:endParaRPr lang="ko-KR" altLang="en-US"/>
+          </a:p>
+        </p:txBody>
+      </p:sp>
+      <p:sp>
+        <p:nvSpPr>
+          <p:cNvPr id="14" name="직사각형 13">
+            <a:extLst>
+              <a:ext uri="{FF2B5EF4-FFF2-40B4-BE49-F238E27FC236}">
+                <a16:creationId xmlns:a16="http://schemas.microsoft.com/office/drawing/2014/main" id="{2EAFE36C-9502-42FD-ABDE-628BC3326317}"/>
+              </a:ext>
+            </a:extLst>
+          </p:cNvPr>
+          <p:cNvSpPr/>
+          <p:nvPr/>
+        </p:nvSpPr>
+        <p:spPr>
+          <a:xfrm>
+            <a:off x="408020" y="5291033"/>
+            <a:ext cx="10637604" cy="369332"/>
+          </a:xfrm>
+          <a:prstGeom prst="rect">
+            <a:avLst/>
+          </a:prstGeom>
+        </p:spPr>
+        <p:txBody>
+          <a:bodyPr wrap="square">
+            <a:spAutoFit/>
+          </a:bodyPr>
+          <a:lstStyle/>
+          <a:p>
+            <a:r>
+              <a:rPr lang="ko-KR" altLang="en-US"/>
+              <a:t>▶ 설명</a:t>
+            </a:r>
+            <a:r>
+              <a:rPr lang="en-US" altLang="ko-KR"/>
+              <a:t>(expalnation)</a:t>
+            </a:r>
+            <a:r>
+              <a:rPr lang="ko-KR" altLang="en-US"/>
+              <a:t>이 위 </a:t>
+            </a:r>
+            <a:r>
+              <a:rPr lang="en-US" altLang="ko-KR"/>
+              <a:t>feature</a:t>
+            </a:r>
+            <a:r>
+              <a:rPr lang="ko-KR" altLang="en-US"/>
+              <a:t>를 얼마나 잘 반영하는지 측정 → </a:t>
+            </a:r>
+            <a:r>
+              <a:rPr lang="en-US" altLang="ko-KR"/>
+              <a:t>Recall</a:t>
+            </a:r>
+          </a:p>
+        </p:txBody>
+      </p:sp>
+    </p:spTree>
+    <p:extLst>
+      <p:ext uri="{BB962C8B-B14F-4D97-AF65-F5344CB8AC3E}">
+        <p14:creationId xmlns:p14="http://schemas.microsoft.com/office/powerpoint/2010/main" val="4285538163"/>
+      </p:ext>
+    </p:extLst>
+  </p:cSld>
+  <p:clrMapOvr>
+    <a:masterClrMapping/>
+  </p:clrMapOvr>
+</p:sld>
+</file>
+
+<file path=ppt/slides/slide18.xml><?xml version="1.0" encoding="utf-8"?>
+<p:sld xmlns:a="http://schemas.openxmlformats.org/drawingml/2006/main" xmlns:r="http://schemas.openxmlformats.org/officeDocument/2006/relationships" xmlns:p="http://schemas.openxmlformats.org/presentationml/2006/main">
+  <p:cSld>
+    <p:spTree>
+      <p:nvGrpSpPr>
+        <p:cNvPr id="1" name="">
+          <a:extLst>
+            <a:ext uri="{FF2B5EF4-FFF2-40B4-BE49-F238E27FC236}">
+              <a16:creationId xmlns:a16="http://schemas.microsoft.com/office/drawing/2014/main" id="{9D629F79-A0E8-AA46-2154-1D3F49E53CC8}"/>
+            </a:ext>
+          </a:extLst>
+        </p:cNvPr>
+        <p:cNvGrpSpPr/>
+        <p:nvPr/>
+      </p:nvGrpSpPr>
+      <p:grpSpPr>
+        <a:xfrm>
+          <a:off x="0" y="0"/>
+          <a:ext cx="0" cy="0"/>
+          <a:chOff x="0" y="0"/>
+          <a:chExt cx="0" cy="0"/>
+        </a:xfrm>
+      </p:grpSpPr>
+      <p:cxnSp>
+        <p:nvCxnSpPr>
+          <p:cNvPr id="23" name="직선 연결선 22">
+            <a:extLst>
+              <a:ext uri="{FF2B5EF4-FFF2-40B4-BE49-F238E27FC236}">
+                <a16:creationId xmlns:a16="http://schemas.microsoft.com/office/drawing/2014/main" id="{86DC2A17-C9E1-CAAA-F796-F071C02D31D0}"/>
+              </a:ext>
+            </a:extLst>
+          </p:cNvPr>
+          <p:cNvCxnSpPr/>
+          <p:nvPr/>
+        </p:nvCxnSpPr>
+        <p:spPr>
+          <a:xfrm>
+            <a:off x="144378" y="160422"/>
+            <a:ext cx="12060000" cy="0"/>
+          </a:xfrm>
+          <a:prstGeom prst="line">
+            <a:avLst/>
+          </a:prstGeom>
+          <a:ln w="76200">
+            <a:solidFill>
+              <a:schemeClr val="accent1"/>
+            </a:solidFill>
+          </a:ln>
+        </p:spPr>
+        <p:style>
+          <a:lnRef idx="1">
+            <a:schemeClr val="accent1"/>
+          </a:lnRef>
+          <a:fillRef idx="0">
+            <a:schemeClr val="accent1"/>
+          </a:fillRef>
+          <a:effectRef idx="0">
+            <a:schemeClr val="accent1"/>
+          </a:effectRef>
+          <a:fontRef idx="minor">
+            <a:schemeClr val="tx1"/>
+          </a:fontRef>
+        </p:style>
+      </p:cxnSp>
+      <p:cxnSp>
+        <p:nvCxnSpPr>
+          <p:cNvPr id="25" name="직선 연결선 24">
+            <a:extLst>
+              <a:ext uri="{FF2B5EF4-FFF2-40B4-BE49-F238E27FC236}">
+                <a16:creationId xmlns:a16="http://schemas.microsoft.com/office/drawing/2014/main" id="{7BB83105-67E8-CC4A-1739-9327AAE0594C}"/>
+              </a:ext>
+            </a:extLst>
+          </p:cNvPr>
+          <p:cNvCxnSpPr/>
+          <p:nvPr/>
+        </p:nvCxnSpPr>
+        <p:spPr>
+          <a:xfrm>
+            <a:off x="144378" y="6737685"/>
+            <a:ext cx="12060000" cy="0"/>
+          </a:xfrm>
+          <a:prstGeom prst="line">
+            <a:avLst/>
+          </a:prstGeom>
+          <a:ln w="3175">
+            <a:solidFill>
+              <a:schemeClr val="accent1"/>
+            </a:solidFill>
+          </a:ln>
+        </p:spPr>
+        <p:style>
+          <a:lnRef idx="1">
+            <a:schemeClr val="accent1"/>
+          </a:lnRef>
+          <a:fillRef idx="0">
+            <a:schemeClr val="accent1"/>
+          </a:fillRef>
+          <a:effectRef idx="0">
+            <a:schemeClr val="accent1"/>
+          </a:effectRef>
+          <a:fontRef idx="minor">
+            <a:schemeClr val="tx1"/>
+          </a:fontRef>
+        </p:style>
+      </p:cxnSp>
       <p:grpSp>
         <p:nvGrpSpPr>
           <p:cNvPr id="7" name="그룹 6">
@@ -8764,9 +9866,9 @@
         <p:grpSpPr>
           <a:xfrm>
             <a:off x="613293" y="1405367"/>
-            <a:ext cx="10511752" cy="2643940"/>
+            <a:ext cx="10819661" cy="2643940"/>
             <a:chOff x="3533775" y="969784"/>
-            <a:chExt cx="10511752" cy="2643940"/>
+            <a:chExt cx="10819661" cy="2643940"/>
           </a:xfrm>
         </p:grpSpPr>
         <p:pic>
@@ -8821,7 +9923,7 @@
           </p:blipFill>
           <p:spPr>
             <a:xfrm>
-              <a:off x="8940127" y="1166539"/>
+              <a:off x="9248036" y="1166539"/>
               <a:ext cx="5105400" cy="1981200"/>
             </a:xfrm>
             <a:prstGeom prst="rect">
@@ -8879,7 +9981,7 @@
           </p:nvSpPr>
           <p:spPr>
             <a:xfrm>
-              <a:off x="11280710" y="3244392"/>
+              <a:off x="11588619" y="3244392"/>
               <a:ext cx="769763" cy="369332"/>
             </a:xfrm>
             <a:prstGeom prst="rect">
@@ -9124,6 +10226,35 @@
           </a:p>
         </p:txBody>
       </p:sp>
+      <p:sp>
+        <p:nvSpPr>
+          <p:cNvPr id="2" name="슬라이드 번호 개체 틀 1">
+            <a:extLst>
+              <a:ext uri="{FF2B5EF4-FFF2-40B4-BE49-F238E27FC236}">
+                <a16:creationId xmlns:a16="http://schemas.microsoft.com/office/drawing/2014/main" id="{D6999828-8113-4B5B-AB34-541D810892A0}"/>
+              </a:ext>
+            </a:extLst>
+          </p:cNvPr>
+          <p:cNvSpPr>
+            <a:spLocks noGrp="1"/>
+          </p:cNvSpPr>
+          <p:nvPr>
+            <p:ph type="sldNum" sz="quarter" idx="12"/>
+          </p:nvPr>
+        </p:nvSpPr>
+        <p:spPr/>
+        <p:txBody>
+          <a:bodyPr/>
+          <a:lstStyle/>
+          <a:p>
+            <a:fld id="{F98B6473-7C87-478A-B3B4-ACF16772A847}" type="slidenum">
+              <a:rPr lang="ko-KR" altLang="en-US" smtClean="0"/>
+              <a:t>18</a:t>
+            </a:fld>
+            <a:endParaRPr lang="ko-KR" altLang="en-US"/>
+          </a:p>
+        </p:txBody>
+      </p:sp>
     </p:spTree>
     <p:extLst>
       <p:ext uri="{BB962C8B-B14F-4D97-AF65-F5344CB8AC3E}">
@@ -9137,7 +10268,7 @@
 </p:sld>
 </file>
 
-<file path=ppt/slides/slide18.xml><?xml version="1.0" encoding="utf-8"?>
+<file path=ppt/slides/slide19.xml><?xml version="1.0" encoding="utf-8"?>
 <p:sld xmlns:a="http://schemas.openxmlformats.org/drawingml/2006/main" xmlns:r="http://schemas.openxmlformats.org/officeDocument/2006/relationships" xmlns:p="http://schemas.openxmlformats.org/presentationml/2006/main">
   <p:cSld>
     <p:spTree>
@@ -9286,172 +10417,803 @@
           </a:p>
         </p:txBody>
       </p:sp>
-    </p:spTree>
-    <p:extLst>
-      <p:ext uri="{BB962C8B-B14F-4D97-AF65-F5344CB8AC3E}">
-        <p14:creationId xmlns:p14="http://schemas.microsoft.com/office/powerpoint/2010/main" val="3119555154"/>
-      </p:ext>
-    </p:extLst>
-  </p:cSld>
-  <p:clrMapOvr>
-    <a:masterClrMapping/>
-  </p:clrMapOvr>
-</p:sld>
-</file>
-
-<file path=ppt/slides/slide19.xml><?xml version="1.0" encoding="utf-8"?>
-<p:sld xmlns:a="http://schemas.openxmlformats.org/drawingml/2006/main" xmlns:r="http://schemas.openxmlformats.org/officeDocument/2006/relationships" xmlns:p="http://schemas.openxmlformats.org/presentationml/2006/main">
-  <p:cSld>
-    <p:spTree>
-      <p:nvGrpSpPr>
-        <p:cNvPr id="1" name="">
-          <a:extLst>
-            <a:ext uri="{FF2B5EF4-FFF2-40B4-BE49-F238E27FC236}">
-              <a16:creationId xmlns:a16="http://schemas.microsoft.com/office/drawing/2014/main" id="{9D629F79-A0E8-AA46-2154-1D3F49E53CC8}"/>
-            </a:ext>
-          </a:extLst>
-        </p:cNvPr>
-        <p:cNvGrpSpPr/>
-        <p:nvPr/>
-      </p:nvGrpSpPr>
-      <p:grpSpPr>
-        <a:xfrm>
-          <a:off x="0" y="0"/>
-          <a:ext cx="0" cy="0"/>
-          <a:chOff x="0" y="0"/>
-          <a:chExt cx="0" cy="0"/>
-        </a:xfrm>
-      </p:grpSpPr>
-      <p:cxnSp>
-        <p:nvCxnSpPr>
-          <p:cNvPr id="23" name="직선 연결선 22">
-            <a:extLst>
-              <a:ext uri="{FF2B5EF4-FFF2-40B4-BE49-F238E27FC236}">
-                <a16:creationId xmlns:a16="http://schemas.microsoft.com/office/drawing/2014/main" id="{86DC2A17-C9E1-CAAA-F796-F071C02D31D0}"/>
-              </a:ext>
-            </a:extLst>
-          </p:cNvPr>
-          <p:cNvCxnSpPr/>
+      <p:grpSp>
+        <p:nvGrpSpPr>
+          <p:cNvPr id="30" name="그룹 29">
+            <a:extLst>
+              <a:ext uri="{FF2B5EF4-FFF2-40B4-BE49-F238E27FC236}">
+                <a16:creationId xmlns:a16="http://schemas.microsoft.com/office/drawing/2014/main" id="{1D47CB6C-E64A-4D7A-B67C-6154B811F9B0}"/>
+              </a:ext>
+            </a:extLst>
+          </p:cNvPr>
+          <p:cNvGrpSpPr/>
           <p:nvPr/>
-        </p:nvCxnSpPr>
-        <p:spPr>
+        </p:nvGrpSpPr>
+        <p:grpSpPr>
           <a:xfrm>
-            <a:off x="144378" y="160422"/>
-            <a:ext cx="12060000" cy="0"/>
+            <a:off x="1575093" y="5287816"/>
+            <a:ext cx="8796554" cy="1115952"/>
+            <a:chOff x="40178" y="4574426"/>
+            <a:chExt cx="8796554" cy="1115952"/>
           </a:xfrm>
-          <a:prstGeom prst="line">
-            <a:avLst/>
-          </a:prstGeom>
-          <a:ln w="76200">
-            <a:solidFill>
+        </p:grpSpPr>
+        <p:sp>
+          <p:nvSpPr>
+            <p:cNvPr id="12" name="왼쪽 중괄호 11">
+              <a:extLst>
+                <a:ext uri="{FF2B5EF4-FFF2-40B4-BE49-F238E27FC236}">
+                  <a16:creationId xmlns:a16="http://schemas.microsoft.com/office/drawing/2014/main" id="{B55D7715-939F-48FD-9D87-A6431D496434}"/>
+                </a:ext>
+              </a:extLst>
+            </p:cNvPr>
+            <p:cNvSpPr/>
+            <p:nvPr/>
+          </p:nvSpPr>
+          <p:spPr>
+            <a:xfrm>
+              <a:off x="1651517" y="4776966"/>
+              <a:ext cx="239457" cy="765244"/>
+            </a:xfrm>
+            <a:prstGeom prst="leftBrace">
+              <a:avLst/>
+            </a:prstGeom>
+          </p:spPr>
+          <p:style>
+            <a:lnRef idx="1">
               <a:schemeClr val="accent1"/>
-            </a:solidFill>
-          </a:ln>
-        </p:spPr>
-        <p:style>
-          <a:lnRef idx="1">
-            <a:schemeClr val="accent1"/>
-          </a:lnRef>
-          <a:fillRef idx="0">
-            <a:schemeClr val="accent1"/>
-          </a:fillRef>
-          <a:effectRef idx="0">
-            <a:schemeClr val="accent1"/>
-          </a:effectRef>
-          <a:fontRef idx="minor">
-            <a:schemeClr val="tx1"/>
-          </a:fontRef>
-        </p:style>
-      </p:cxnSp>
-      <p:cxnSp>
-        <p:nvCxnSpPr>
-          <p:cNvPr id="25" name="직선 연결선 24">
-            <a:extLst>
-              <a:ext uri="{FF2B5EF4-FFF2-40B4-BE49-F238E27FC236}">
-                <a16:creationId xmlns:a16="http://schemas.microsoft.com/office/drawing/2014/main" id="{7BB83105-67E8-CC4A-1739-9327AAE0594C}"/>
-              </a:ext>
-            </a:extLst>
-          </p:cNvPr>
-          <p:cNvCxnSpPr/>
+            </a:lnRef>
+            <a:fillRef idx="0">
+              <a:schemeClr val="accent1"/>
+            </a:fillRef>
+            <a:effectRef idx="0">
+              <a:schemeClr val="accent1"/>
+            </a:effectRef>
+            <a:fontRef idx="minor">
+              <a:schemeClr val="tx1"/>
+            </a:fontRef>
+          </p:style>
+          <p:txBody>
+            <a:bodyPr rtlCol="0" anchor="ctr"/>
+            <a:lstStyle/>
+            <a:p>
+              <a:pPr algn="ctr"/>
+              <a:endParaRPr lang="ko-KR" altLang="en-US"/>
+            </a:p>
+          </p:txBody>
+        </p:sp>
+        <p:sp>
+          <p:nvSpPr>
+            <p:cNvPr id="14" name="TextBox 13">
+              <a:extLst>
+                <a:ext uri="{FF2B5EF4-FFF2-40B4-BE49-F238E27FC236}">
+                  <a16:creationId xmlns:a16="http://schemas.microsoft.com/office/drawing/2014/main" id="{2931EA57-5879-43BC-AFF9-BB4C610E9F69}"/>
+                </a:ext>
+              </a:extLst>
+            </p:cNvPr>
+            <p:cNvSpPr txBox="1"/>
+            <p:nvPr/>
+          </p:nvSpPr>
+          <p:spPr>
+            <a:xfrm>
+              <a:off x="40178" y="4974922"/>
+              <a:ext cx="1611339" cy="369332"/>
+            </a:xfrm>
+            <a:prstGeom prst="rect">
+              <a:avLst/>
+            </a:prstGeom>
+            <a:noFill/>
+          </p:spPr>
+          <p:txBody>
+            <a:bodyPr wrap="none" rtlCol="0">
+              <a:spAutoFit/>
+            </a:bodyPr>
+            <a:lstStyle/>
+            <a:p>
+              <a:r>
+                <a:rPr lang="ko-KR" altLang="en-US"/>
+                <a:t>예측 변경 여부</a:t>
+              </a:r>
+            </a:p>
+          </p:txBody>
+        </p:sp>
+        <p:sp>
+          <p:nvSpPr>
+            <p:cNvPr id="21" name="직사각형 20">
+              <a:extLst>
+                <a:ext uri="{FF2B5EF4-FFF2-40B4-BE49-F238E27FC236}">
+                  <a16:creationId xmlns:a16="http://schemas.microsoft.com/office/drawing/2014/main" id="{73147077-DD5E-4136-B88B-68B02F2C1738}"/>
+                </a:ext>
+              </a:extLst>
+            </p:cNvPr>
+            <p:cNvSpPr/>
+            <p:nvPr/>
+          </p:nvSpPr>
+          <p:spPr>
+            <a:xfrm>
+              <a:off x="1970750" y="4574426"/>
+              <a:ext cx="6865982" cy="338554"/>
+            </a:xfrm>
+            <a:prstGeom prst="rect">
+              <a:avLst/>
+            </a:prstGeom>
+          </p:spPr>
+          <p:txBody>
+            <a:bodyPr wrap="none">
+              <a:spAutoFit/>
+            </a:bodyPr>
+            <a:lstStyle/>
+            <a:p>
+              <a:r>
+                <a:rPr lang="ko-KR" altLang="en-US" sz="1600"/>
+                <a:t>○ </a:t>
+              </a:r>
+              <a:r>
+                <a:rPr lang="en-US" altLang="ko-KR" sz="1600"/>
+                <a:t>:"untrustworthy"  </a:t>
+              </a:r>
+              <a:r>
+                <a:rPr lang="ko-KR" altLang="en-US" sz="1600"/>
+                <a:t>즉</a:t>
+              </a:r>
+              <a:r>
+                <a:rPr lang="en-US" altLang="ko-KR" sz="1600"/>
+                <a:t>, </a:t>
+              </a:r>
+              <a:r>
+                <a:rPr lang="ko-KR" altLang="en-US" sz="1600"/>
+                <a:t>신뢰할 수 없는 </a:t>
+              </a:r>
+              <a:r>
+                <a:rPr lang="en-US" altLang="ko-KR" sz="1600"/>
+                <a:t>feature</a:t>
+              </a:r>
+              <a:r>
+                <a:rPr lang="ko-KR" altLang="en-US" sz="1600"/>
+                <a:t>가 예측에 중요한 역할을 함</a:t>
+              </a:r>
+            </a:p>
+          </p:txBody>
+        </p:sp>
+        <p:sp>
+          <p:nvSpPr>
+            <p:cNvPr id="22" name="직사각형 21">
+              <a:extLst>
+                <a:ext uri="{FF2B5EF4-FFF2-40B4-BE49-F238E27FC236}">
+                  <a16:creationId xmlns:a16="http://schemas.microsoft.com/office/drawing/2014/main" id="{3166F0FE-6E99-4181-BBAA-BE9FC7094FB9}"/>
+                </a:ext>
+              </a:extLst>
+            </p:cNvPr>
+            <p:cNvSpPr/>
+            <p:nvPr/>
+          </p:nvSpPr>
+          <p:spPr>
+            <a:xfrm>
+              <a:off x="2064779" y="5351824"/>
+              <a:ext cx="2728632" cy="338554"/>
+            </a:xfrm>
+            <a:prstGeom prst="rect">
+              <a:avLst/>
+            </a:prstGeom>
+          </p:spPr>
+          <p:txBody>
+            <a:bodyPr wrap="none">
+              <a:spAutoFit/>
+            </a:bodyPr>
+            <a:lstStyle/>
+            <a:p>
+              <a:r>
+                <a:rPr lang="en-US" altLang="ko-KR" sz="1600"/>
+                <a:t>X</a:t>
+              </a:r>
+              <a:r>
+                <a:rPr lang="ko-KR" altLang="en-US" sz="1600"/>
+                <a:t> </a:t>
+              </a:r>
+              <a:r>
+                <a:rPr lang="en-US" altLang="ko-KR" sz="1600"/>
+                <a:t>: "trustworthy" (labeling)</a:t>
+              </a:r>
+              <a:endParaRPr lang="ko-KR" altLang="en-US" sz="1600"/>
+            </a:p>
+          </p:txBody>
+        </p:sp>
+      </p:grpSp>
+      <p:grpSp>
+        <p:nvGrpSpPr>
+          <p:cNvPr id="31" name="그룹 30">
+            <a:extLst>
+              <a:ext uri="{FF2B5EF4-FFF2-40B4-BE49-F238E27FC236}">
+                <a16:creationId xmlns:a16="http://schemas.microsoft.com/office/drawing/2014/main" id="{73EC666B-762A-4820-A51B-4F97FD59075F}"/>
+              </a:ext>
+            </a:extLst>
+          </p:cNvPr>
+          <p:cNvGrpSpPr/>
           <p:nvPr/>
-        </p:nvCxnSpPr>
-        <p:spPr>
+        </p:nvGrpSpPr>
+        <p:grpSpPr>
           <a:xfrm>
-            <a:off x="144378" y="6737685"/>
-            <a:ext cx="12060000" cy="0"/>
+            <a:off x="2062242" y="1683295"/>
+            <a:ext cx="8224271" cy="2502840"/>
+            <a:chOff x="1413471" y="1564627"/>
+            <a:chExt cx="8224271" cy="2502840"/>
           </a:xfrm>
-          <a:prstGeom prst="line">
-            <a:avLst/>
-          </a:prstGeom>
-          <a:ln w="3175">
-            <a:solidFill>
+        </p:grpSpPr>
+        <p:sp>
+          <p:nvSpPr>
+            <p:cNvPr id="11" name="직사각형 10">
+              <a:extLst>
+                <a:ext uri="{FF2B5EF4-FFF2-40B4-BE49-F238E27FC236}">
+                  <a16:creationId xmlns:a16="http://schemas.microsoft.com/office/drawing/2014/main" id="{300B2712-2E1E-4368-BDEE-B29CBD3B7B67}"/>
+                </a:ext>
+              </a:extLst>
+            </p:cNvPr>
+            <p:cNvSpPr/>
+            <p:nvPr/>
+          </p:nvSpPr>
+          <p:spPr>
+            <a:xfrm>
+              <a:off x="3844253" y="3759690"/>
+              <a:ext cx="4660250" cy="307777"/>
+            </a:xfrm>
+            <a:prstGeom prst="rect">
+              <a:avLst/>
+            </a:prstGeom>
+          </p:spPr>
+          <p:txBody>
+            <a:bodyPr wrap="none">
+              <a:spAutoFit/>
+            </a:bodyPr>
+            <a:lstStyle/>
+            <a:p>
+              <a:r>
+                <a:rPr lang="ko-KR" altLang="en-US" sz="1400"/>
+                <a:t>▶  </a:t>
+              </a:r>
+              <a:r>
+                <a:rPr lang="en-US" altLang="ko-KR" sz="1400" b="1">
+                  <a:solidFill>
+                    <a:srgbClr val="FF0000"/>
+                  </a:solidFill>
+                </a:rPr>
+                <a:t>+ </a:t>
+              </a:r>
+              <a:r>
+                <a:rPr lang="ko-KR" altLang="en-US" sz="1400"/>
+                <a:t>각 인스턴스에서 </a:t>
+              </a:r>
+              <a:r>
+                <a:rPr lang="en-US" altLang="ko-KR" sz="1400"/>
+                <a:t>'</a:t>
+              </a:r>
+              <a:r>
+                <a:rPr lang="ko-KR" altLang="en-US" sz="1400"/>
+                <a:t>신뢰할 수 없다</a:t>
+              </a:r>
+              <a:r>
+                <a:rPr lang="en-US" altLang="ko-KR" sz="1400"/>
+                <a:t>' </a:t>
+              </a:r>
+              <a:r>
+                <a:rPr lang="ko-KR" altLang="en-US" sz="1400"/>
+                <a:t>고 판단된 특성 제거</a:t>
+              </a:r>
+            </a:p>
+          </p:txBody>
+        </p:sp>
+        <p:grpSp>
+          <p:nvGrpSpPr>
+            <p:cNvPr id="27" name="그룹 26">
+              <a:extLst>
+                <a:ext uri="{FF2B5EF4-FFF2-40B4-BE49-F238E27FC236}">
+                  <a16:creationId xmlns:a16="http://schemas.microsoft.com/office/drawing/2014/main" id="{03B86BC1-0AE5-49AF-8B3D-DB045F5EB624}"/>
+                </a:ext>
+              </a:extLst>
+            </p:cNvPr>
+            <p:cNvGrpSpPr/>
+            <p:nvPr/>
+          </p:nvGrpSpPr>
+          <p:grpSpPr>
+            <a:xfrm>
+              <a:off x="1413471" y="1564627"/>
+              <a:ext cx="8224271" cy="1807593"/>
+              <a:chOff x="702419" y="1157910"/>
+              <a:chExt cx="8224271" cy="1807593"/>
+            </a:xfrm>
+          </p:grpSpPr>
+          <p:grpSp>
+            <p:nvGrpSpPr>
+              <p:cNvPr id="18" name="그룹 17">
+                <a:extLst>
+                  <a:ext uri="{FF2B5EF4-FFF2-40B4-BE49-F238E27FC236}">
+                    <a16:creationId xmlns:a16="http://schemas.microsoft.com/office/drawing/2014/main" id="{339CC796-BCBC-4451-BDF9-A72D38380690}"/>
+                  </a:ext>
+                </a:extLst>
+              </p:cNvPr>
+              <p:cNvGrpSpPr/>
+              <p:nvPr/>
+            </p:nvGrpSpPr>
+            <p:grpSpPr>
+              <a:xfrm>
+                <a:off x="702419" y="1456794"/>
+                <a:ext cx="6147678" cy="1182757"/>
+                <a:chOff x="777063" y="2027415"/>
+                <a:chExt cx="6147678" cy="1182757"/>
+              </a:xfrm>
+            </p:grpSpPr>
+            <p:sp>
+              <p:nvSpPr>
+                <p:cNvPr id="7" name="정육면체 6">
+                  <a:extLst>
+                    <a:ext uri="{FF2B5EF4-FFF2-40B4-BE49-F238E27FC236}">
+                      <a16:creationId xmlns:a16="http://schemas.microsoft.com/office/drawing/2014/main" id="{B8D366A0-2A66-4F0A-9518-06CF8BF413AE}"/>
+                    </a:ext>
+                  </a:extLst>
+                </p:cNvPr>
+                <p:cNvSpPr/>
+                <p:nvPr/>
+              </p:nvSpPr>
+              <p:spPr>
+                <a:xfrm>
+                  <a:off x="777063" y="2027415"/>
+                  <a:ext cx="1182757" cy="1182757"/>
+                </a:xfrm>
+                <a:prstGeom prst="cube">
+                  <a:avLst/>
+                </a:prstGeom>
+              </p:spPr>
+              <p:style>
+                <a:lnRef idx="2">
+                  <a:schemeClr val="accent1">
+                    <a:shade val="15000"/>
+                  </a:schemeClr>
+                </a:lnRef>
+                <a:fillRef idx="1">
+                  <a:schemeClr val="accent1"/>
+                </a:fillRef>
+                <a:effectRef idx="0">
+                  <a:schemeClr val="accent1"/>
+                </a:effectRef>
+                <a:fontRef idx="minor">
+                  <a:schemeClr val="lt1"/>
+                </a:fontRef>
+              </p:style>
+              <p:txBody>
+                <a:bodyPr rtlCol="0" anchor="ctr"/>
+                <a:lstStyle/>
+                <a:p>
+                  <a:pPr algn="ctr"/>
+                  <a:r>
+                    <a:rPr lang="en-US" altLang="ko-KR" dirty="0"/>
+                    <a:t>?</a:t>
+                  </a:r>
+                  <a:endParaRPr lang="ko-KR" altLang="en-US" dirty="0"/>
+                </a:p>
+              </p:txBody>
+            </p:sp>
+            <p:sp>
+              <p:nvSpPr>
+                <p:cNvPr id="8" name="직사각형 7">
+                  <a:extLst>
+                    <a:ext uri="{FF2B5EF4-FFF2-40B4-BE49-F238E27FC236}">
+                      <a16:creationId xmlns:a16="http://schemas.microsoft.com/office/drawing/2014/main" id="{52C08786-02CD-4D4C-93CD-074FA351A6A0}"/>
+                    </a:ext>
+                  </a:extLst>
+                </p:cNvPr>
+                <p:cNvSpPr/>
+                <p:nvPr/>
+              </p:nvSpPr>
+              <p:spPr>
+                <a:xfrm>
+                  <a:off x="2844780" y="2161593"/>
+                  <a:ext cx="914400" cy="914400"/>
+                </a:xfrm>
+                <a:prstGeom prst="rect">
+                  <a:avLst/>
+                </a:prstGeom>
+              </p:spPr>
+              <p:style>
+                <a:lnRef idx="2">
+                  <a:schemeClr val="accent1">
+                    <a:shade val="15000"/>
+                  </a:schemeClr>
+                </a:lnRef>
+                <a:fillRef idx="1">
+                  <a:schemeClr val="accent1"/>
+                </a:fillRef>
+                <a:effectRef idx="0">
+                  <a:schemeClr val="accent1"/>
+                </a:effectRef>
+                <a:fontRef idx="minor">
+                  <a:schemeClr val="lt1"/>
+                </a:fontRef>
+              </p:style>
+              <p:txBody>
+                <a:bodyPr rtlCol="0" anchor="ctr"/>
+                <a:lstStyle/>
+                <a:p>
+                  <a:pPr algn="ctr"/>
+                  <a:r>
+                    <a:rPr lang="en-US" altLang="ko-KR" sz="1600" dirty="0"/>
+                    <a:t>Output</a:t>
+                  </a:r>
+                  <a:endParaRPr lang="ko-KR" altLang="en-US" sz="1600" dirty="0"/>
+                </a:p>
+              </p:txBody>
+            </p:sp>
+            <p:sp>
+              <p:nvSpPr>
+                <p:cNvPr id="9" name="화살표: 오른쪽 8">
+                  <a:extLst>
+                    <a:ext uri="{FF2B5EF4-FFF2-40B4-BE49-F238E27FC236}">
+                      <a16:creationId xmlns:a16="http://schemas.microsoft.com/office/drawing/2014/main" id="{C975023E-CECE-463F-8C80-F0BF58353966}"/>
+                    </a:ext>
+                  </a:extLst>
+                </p:cNvPr>
+                <p:cNvSpPr/>
+                <p:nvPr/>
+              </p:nvSpPr>
+              <p:spPr>
+                <a:xfrm>
+                  <a:off x="2104126" y="2524375"/>
+                  <a:ext cx="596348" cy="188836"/>
+                </a:xfrm>
+                <a:prstGeom prst="rightArrow">
+                  <a:avLst/>
+                </a:prstGeom>
+              </p:spPr>
+              <p:style>
+                <a:lnRef idx="2">
+                  <a:schemeClr val="accent1">
+                    <a:shade val="15000"/>
+                  </a:schemeClr>
+                </a:lnRef>
+                <a:fillRef idx="1">
+                  <a:schemeClr val="accent1"/>
+                </a:fillRef>
+                <a:effectRef idx="0">
+                  <a:schemeClr val="accent1"/>
+                </a:effectRef>
+                <a:fontRef idx="minor">
+                  <a:schemeClr val="lt1"/>
+                </a:fontRef>
+              </p:style>
+              <p:txBody>
+                <a:bodyPr rtlCol="0" anchor="ctr"/>
+                <a:lstStyle/>
+                <a:p>
+                  <a:pPr algn="ctr"/>
+                  <a:endParaRPr lang="ko-KR" altLang="en-US"/>
+                </a:p>
+              </p:txBody>
+            </p:sp>
+            <p:sp>
+              <p:nvSpPr>
+                <p:cNvPr id="24" name="화살표: 오른쪽 23">
+                  <a:extLst>
+                    <a:ext uri="{FF2B5EF4-FFF2-40B4-BE49-F238E27FC236}">
+                      <a16:creationId xmlns:a16="http://schemas.microsoft.com/office/drawing/2014/main" id="{3A7CE42E-5A63-4769-945F-7194D5A13069}"/>
+                    </a:ext>
+                  </a:extLst>
+                </p:cNvPr>
+                <p:cNvSpPr/>
+                <p:nvPr/>
+              </p:nvSpPr>
+              <p:spPr>
+                <a:xfrm>
+                  <a:off x="4109917" y="2537909"/>
+                  <a:ext cx="596348" cy="188836"/>
+                </a:xfrm>
+                <a:prstGeom prst="rightArrow">
+                  <a:avLst/>
+                </a:prstGeom>
+              </p:spPr>
+              <p:style>
+                <a:lnRef idx="2">
+                  <a:schemeClr val="accent1">
+                    <a:shade val="15000"/>
+                  </a:schemeClr>
+                </a:lnRef>
+                <a:fillRef idx="1">
+                  <a:schemeClr val="accent1"/>
+                </a:fillRef>
+                <a:effectRef idx="0">
+                  <a:schemeClr val="accent1"/>
+                </a:effectRef>
+                <a:fontRef idx="minor">
+                  <a:schemeClr val="lt1"/>
+                </a:fontRef>
+              </p:style>
+              <p:txBody>
+                <a:bodyPr rtlCol="0" anchor="ctr"/>
+                <a:lstStyle/>
+                <a:p>
+                  <a:pPr algn="ctr"/>
+                  <a:endParaRPr lang="ko-KR" altLang="en-US"/>
+                </a:p>
+              </p:txBody>
+            </p:sp>
+            <p:sp>
+              <p:nvSpPr>
+                <p:cNvPr id="26" name="화살표: 오른쪽 25">
+                  <a:extLst>
+                    <a:ext uri="{FF2B5EF4-FFF2-40B4-BE49-F238E27FC236}">
+                      <a16:creationId xmlns:a16="http://schemas.microsoft.com/office/drawing/2014/main" id="{D51C14CD-A810-43C6-91DE-A58449A40E6F}"/>
+                    </a:ext>
+                  </a:extLst>
+                </p:cNvPr>
+                <p:cNvSpPr/>
+                <p:nvPr/>
+              </p:nvSpPr>
+              <p:spPr>
+                <a:xfrm>
+                  <a:off x="6328393" y="2537909"/>
+                  <a:ext cx="596348" cy="188836"/>
+                </a:xfrm>
+                <a:prstGeom prst="rightArrow">
+                  <a:avLst/>
+                </a:prstGeom>
+              </p:spPr>
+              <p:style>
+                <a:lnRef idx="2">
+                  <a:schemeClr val="accent1">
+                    <a:shade val="15000"/>
+                  </a:schemeClr>
+                </a:lnRef>
+                <a:fillRef idx="1">
+                  <a:schemeClr val="accent1"/>
+                </a:fillRef>
+                <a:effectRef idx="0">
+                  <a:schemeClr val="accent1"/>
+                </a:effectRef>
+                <a:fontRef idx="minor">
+                  <a:schemeClr val="lt1"/>
+                </a:fontRef>
+              </p:style>
+              <p:txBody>
+                <a:bodyPr rtlCol="0" anchor="ctr"/>
+                <a:lstStyle/>
+                <a:p>
+                  <a:pPr algn="ctr"/>
+                  <a:endParaRPr lang="ko-KR" altLang="en-US"/>
+                </a:p>
+              </p:txBody>
+            </p:sp>
+          </p:grpSp>
+          <p:pic>
+            <p:nvPicPr>
+              <p:cNvPr id="13" name="그림 12">
+                <a:extLst>
+                  <a:ext uri="{FF2B5EF4-FFF2-40B4-BE49-F238E27FC236}">
+                    <a16:creationId xmlns:a16="http://schemas.microsoft.com/office/drawing/2014/main" id="{3BB41175-0B67-4C54-B74F-5E18D2F593F1}"/>
+                  </a:ext>
+                </a:extLst>
+              </p:cNvPr>
+              <p:cNvPicPr>
+                <a:picLocks noChangeAspect="1"/>
+              </p:cNvPicPr>
+              <p:nvPr/>
+            </p:nvPicPr>
+            <p:blipFill>
+              <a:blip r:embed="rId3"/>
+              <a:stretch>
+                <a:fillRect/>
+              </a:stretch>
+            </p:blipFill>
+            <p:spPr>
+              <a:xfrm>
+                <a:off x="4982358" y="1157910"/>
+                <a:ext cx="684493" cy="1807593"/>
+              </a:xfrm>
+              <a:prstGeom prst="rect">
+                <a:avLst/>
+              </a:prstGeom>
+            </p:spPr>
+          </p:pic>
+          <p:sp>
+            <p:nvSpPr>
+              <p:cNvPr id="15" name="직사각형 14">
+                <a:extLst>
+                  <a:ext uri="{FF2B5EF4-FFF2-40B4-BE49-F238E27FC236}">
+                    <a16:creationId xmlns:a16="http://schemas.microsoft.com/office/drawing/2014/main" id="{D4CA466A-C1F2-4F74-8C28-03FA2A9E2CBA}"/>
+                  </a:ext>
+                </a:extLst>
+              </p:cNvPr>
+              <p:cNvSpPr/>
+              <p:nvPr/>
+            </p:nvSpPr>
+            <p:spPr>
+              <a:xfrm>
+                <a:off x="7436996" y="1604506"/>
+                <a:ext cx="914400" cy="914400"/>
+              </a:xfrm>
+              <a:prstGeom prst="rect">
+                <a:avLst/>
+              </a:prstGeom>
+            </p:spPr>
+            <p:style>
+              <a:lnRef idx="2">
+                <a:schemeClr val="accent1">
+                  <a:shade val="15000"/>
+                </a:schemeClr>
+              </a:lnRef>
+              <a:fillRef idx="1">
+                <a:schemeClr val="accent1"/>
+              </a:fillRef>
+              <a:effectRef idx="0">
+                <a:schemeClr val="accent1"/>
+              </a:effectRef>
+              <a:fontRef idx="minor">
+                <a:schemeClr val="lt1"/>
+              </a:fontRef>
+            </p:style>
+            <p:txBody>
+              <a:bodyPr rtlCol="0" anchor="ctr"/>
+              <a:lstStyle/>
+              <a:p>
+                <a:pPr algn="ctr"/>
+                <a:r>
+                  <a:rPr lang="en-US" altLang="ko-KR" sz="1600" dirty="0"/>
+                  <a:t>Output</a:t>
+                </a:r>
+                <a:endParaRPr lang="ko-KR" altLang="en-US" sz="1600" dirty="0"/>
+              </a:p>
+            </p:txBody>
+          </p:sp>
+          <p:sp>
+            <p:nvSpPr>
+              <p:cNvPr id="17" name="직사각형 16">
+                <a:extLst>
+                  <a:ext uri="{FF2B5EF4-FFF2-40B4-BE49-F238E27FC236}">
+                    <a16:creationId xmlns:a16="http://schemas.microsoft.com/office/drawing/2014/main" id="{A5CD37C7-1AA2-49CC-8CD1-01460785B1BF}"/>
+                  </a:ext>
+                </a:extLst>
+              </p:cNvPr>
+              <p:cNvSpPr/>
+              <p:nvPr/>
+            </p:nvSpPr>
+            <p:spPr>
+              <a:xfrm>
+                <a:off x="6861701" y="1157910"/>
+                <a:ext cx="2064989" cy="307777"/>
+              </a:xfrm>
+              <a:prstGeom prst="rect">
+                <a:avLst/>
+              </a:prstGeom>
+            </p:spPr>
+            <p:txBody>
+              <a:bodyPr wrap="none">
+                <a:spAutoFit/>
+              </a:bodyPr>
+              <a:lstStyle/>
+              <a:p>
+                <a:r>
+                  <a:rPr lang="ko-KR" altLang="en-US" sz="1400"/>
+                  <a:t>▶ 예측이 변경되었나요</a:t>
+                </a:r>
+                <a:r>
+                  <a:rPr lang="en-US" altLang="ko-KR" sz="1400"/>
+                  <a:t>?</a:t>
+                </a:r>
+                <a:endParaRPr lang="ko-KR" altLang="en-US" sz="1400"/>
+              </a:p>
+            </p:txBody>
+          </p:sp>
+        </p:grpSp>
+        <p:cxnSp>
+          <p:nvCxnSpPr>
+            <p:cNvPr id="28" name="직선 화살표 연결선 27">
+              <a:extLst>
+                <a:ext uri="{FF2B5EF4-FFF2-40B4-BE49-F238E27FC236}">
+                  <a16:creationId xmlns:a16="http://schemas.microsoft.com/office/drawing/2014/main" id="{7AC5ADE9-AF19-481D-BBD6-9C6A839AF2F4}"/>
+                </a:ext>
+              </a:extLst>
+            </p:cNvPr>
+            <p:cNvCxnSpPr>
+              <a:cxnSpLocks/>
+              <a:endCxn id="11" idx="0"/>
+            </p:cNvCxnSpPr>
+            <p:nvPr/>
+          </p:nvCxnSpPr>
+          <p:spPr>
+            <a:xfrm>
+              <a:off x="6035656" y="3381682"/>
+              <a:ext cx="138722" cy="378008"/>
+            </a:xfrm>
+            <a:prstGeom prst="straightConnector1">
+              <a:avLst/>
+            </a:prstGeom>
+            <a:ln>
+              <a:tailEnd type="triangle"/>
+            </a:ln>
+          </p:spPr>
+          <p:style>
+            <a:lnRef idx="1">
               <a:schemeClr val="accent1"/>
-            </a:solidFill>
-          </a:ln>
-        </p:spPr>
-        <p:style>
-          <a:lnRef idx="1">
-            <a:schemeClr val="accent1"/>
-          </a:lnRef>
-          <a:fillRef idx="0">
-            <a:schemeClr val="accent1"/>
-          </a:fillRef>
-          <a:effectRef idx="0">
-            <a:schemeClr val="accent1"/>
-          </a:effectRef>
-          <a:fontRef idx="minor">
-            <a:schemeClr val="tx1"/>
-          </a:fontRef>
-        </p:style>
-      </p:cxnSp>
+            </a:lnRef>
+            <a:fillRef idx="0">
+              <a:schemeClr val="accent1"/>
+            </a:fillRef>
+            <a:effectRef idx="0">
+              <a:schemeClr val="accent1"/>
+            </a:effectRef>
+            <a:fontRef idx="minor">
+              <a:schemeClr val="tx1"/>
+            </a:fontRef>
+          </p:style>
+        </p:cxnSp>
+      </p:grpSp>
       <p:sp>
         <p:nvSpPr>
-          <p:cNvPr id="4" name="TextBox 3">
-            <a:extLst>
-              <a:ext uri="{FF2B5EF4-FFF2-40B4-BE49-F238E27FC236}">
-                <a16:creationId xmlns:a16="http://schemas.microsoft.com/office/drawing/2014/main" id="{478D0654-C7C5-40C9-8A11-47AE7323C048}"/>
-              </a:ext>
-            </a:extLst>
-          </p:cNvPr>
-          <p:cNvSpPr txBox="1"/>
+          <p:cNvPr id="32" name="직사각형 31">
+            <a:extLst>
+              <a:ext uri="{FF2B5EF4-FFF2-40B4-BE49-F238E27FC236}">
+                <a16:creationId xmlns:a16="http://schemas.microsoft.com/office/drawing/2014/main" id="{B6DBBAF4-F519-4AD7-9D27-6BAF46B07CF2}"/>
+              </a:ext>
+            </a:extLst>
+          </p:cNvPr>
+          <p:cNvSpPr/>
           <p:nvPr/>
         </p:nvSpPr>
         <p:spPr>
           <a:xfrm>
-            <a:off x="1163052" y="272716"/>
-            <a:ext cx="2973891" cy="584775"/>
+            <a:off x="3687479" y="1684878"/>
+            <a:ext cx="2164375" cy="307777"/>
           </a:xfrm>
           <a:prstGeom prst="rect">
             <a:avLst/>
           </a:prstGeom>
-          <a:noFill/>
         </p:spPr>
         <p:txBody>
-          <a:bodyPr wrap="none" rtlCol="0">
+          <a:bodyPr wrap="none">
             <a:spAutoFit/>
           </a:bodyPr>
           <a:lstStyle/>
           <a:p>
             <a:r>
-              <a:rPr lang="en-US" altLang="ko-KR" sz="3200" b="1" spc="-300">
-                <a:solidFill>
-                  <a:schemeClr val="accent1"/>
-                </a:solidFill>
-              </a:rPr>
-              <a:t>Can I trust model?</a:t>
-            </a:r>
-            <a:endParaRPr lang="ko-KR" altLang="en-US" sz="3200" b="1" spc="-300">
-              <a:solidFill>
-                <a:schemeClr val="accent1"/>
-              </a:solidFill>
-            </a:endParaRPr>
+              <a:rPr lang="ko-KR" altLang="en-US" sz="1400"/>
+              <a:t>▶ 예측을 믿을 수 있나요</a:t>
+            </a:r>
+            <a:r>
+              <a:rPr lang="en-US" altLang="ko-KR" sz="1400"/>
+              <a:t>?</a:t>
+            </a:r>
+            <a:endParaRPr lang="ko-KR" altLang="en-US" sz="1400"/>
+          </a:p>
+        </p:txBody>
+      </p:sp>
+      <p:sp>
+        <p:nvSpPr>
+          <p:cNvPr id="2" name="슬라이드 번호 개체 틀 1">
+            <a:extLst>
+              <a:ext uri="{FF2B5EF4-FFF2-40B4-BE49-F238E27FC236}">
+                <a16:creationId xmlns:a16="http://schemas.microsoft.com/office/drawing/2014/main" id="{EE322959-29E0-487B-9B44-2192A78AAC72}"/>
+              </a:ext>
+            </a:extLst>
+          </p:cNvPr>
+          <p:cNvSpPr>
+            <a:spLocks noGrp="1"/>
+          </p:cNvSpPr>
+          <p:nvPr>
+            <p:ph type="sldNum" sz="quarter" idx="12"/>
+          </p:nvPr>
+        </p:nvSpPr>
+        <p:spPr/>
+        <p:txBody>
+          <a:bodyPr/>
+          <a:lstStyle/>
+          <a:p>
+            <a:fld id="{F98B6473-7C87-478A-B3B4-ACF16772A847}" type="slidenum">
+              <a:rPr lang="ko-KR" altLang="en-US" smtClean="0"/>
+              <a:t>19</a:t>
+            </a:fld>
+            <a:endParaRPr lang="ko-KR" altLang="en-US"/>
           </a:p>
         </p:txBody>
       </p:sp>
     </p:spTree>
     <p:extLst>
       <p:ext uri="{BB962C8B-B14F-4D97-AF65-F5344CB8AC3E}">
-        <p14:creationId xmlns:p14="http://schemas.microsoft.com/office/powerpoint/2010/main" val="927697458"/>
+        <p14:creationId xmlns:p14="http://schemas.microsoft.com/office/powerpoint/2010/main" val="3119555154"/>
       </p:ext>
     </p:extLst>
   </p:cSld>
@@ -9671,7 +11433,7 @@
         <p:spPr>
           <a:xfrm>
             <a:off x="2574947" y="1637755"/>
-            <a:ext cx="774571" cy="523220"/>
+            <a:ext cx="1766830" cy="523220"/>
           </a:xfrm>
           <a:prstGeom prst="rect">
             <a:avLst/>
@@ -9685,12 +11447,12 @@
           <a:lstStyle/>
           <a:p>
             <a:r>
-              <a:rPr lang="en-US" altLang="ko-KR" sz="2800" spc="-300" dirty="0">
+              <a:rPr lang="en-US" altLang="ko-KR" sz="2800" spc="-300">
                 <a:solidFill>
                   <a:schemeClr val="accent1"/>
                 </a:solidFill>
               </a:rPr>
-              <a:t>Intro</a:t>
+              <a:t>Introduction</a:t>
             </a:r>
             <a:endParaRPr lang="ko-KR" altLang="en-US" sz="2800" spc="-300" dirty="0">
               <a:solidFill>
@@ -9949,7 +11711,7 @@
           <a:lstStyle/>
           <a:p>
             <a:r>
-              <a:rPr lang="en-US" altLang="ko-KR" sz="2800" spc="-300" dirty="0">
+              <a:rPr lang="en-US" altLang="ko-KR" sz="2800" spc="-300">
                 <a:solidFill>
                   <a:schemeClr val="accent1"/>
                 </a:solidFill>
@@ -10023,7 +11785,7 @@
         <p:spPr>
           <a:xfrm>
             <a:off x="2574947" y="5881072"/>
-            <a:ext cx="1475084" cy="523220"/>
+            <a:ext cx="1859805" cy="523220"/>
           </a:xfrm>
           <a:prstGeom prst="rect">
             <a:avLst/>
@@ -10037,12 +11799,12 @@
           <a:lstStyle/>
           <a:p>
             <a:r>
-              <a:rPr lang="en-US" altLang="ko-KR" sz="2800" spc="-300" dirty="0">
+              <a:rPr lang="en-US" altLang="ko-KR" sz="2800" spc="-300">
                 <a:solidFill>
                   <a:schemeClr val="accent1"/>
                 </a:solidFill>
               </a:rPr>
-              <a:t>Appendix</a:t>
+              <a:t>My Research</a:t>
             </a:r>
             <a:endParaRPr lang="ko-KR" altLang="en-US" sz="2800" spc="-300" dirty="0">
               <a:solidFill>
@@ -10054,236 +11816,30 @@
       </p:sp>
       <p:sp>
         <p:nvSpPr>
-          <p:cNvPr id="15" name="TextBox 14">
-            <a:extLst>
-              <a:ext uri="{FF2B5EF4-FFF2-40B4-BE49-F238E27FC236}">
-                <a16:creationId xmlns:a16="http://schemas.microsoft.com/office/drawing/2014/main" id="{951136E3-3083-2D08-3B32-1EE0435857C3}"/>
-              </a:ext>
-            </a:extLst>
-          </p:cNvPr>
-          <p:cNvSpPr txBox="1"/>
-          <p:nvPr/>
+          <p:cNvPr id="19" name="슬라이드 번호 개체 틀 18">
+            <a:extLst>
+              <a:ext uri="{FF2B5EF4-FFF2-40B4-BE49-F238E27FC236}">
+                <a16:creationId xmlns:a16="http://schemas.microsoft.com/office/drawing/2014/main" id="{A750DE15-6D4E-42C9-BE47-DB0B2F31D694}"/>
+              </a:ext>
+            </a:extLst>
+          </p:cNvPr>
+          <p:cNvSpPr>
+            <a:spLocks noGrp="1"/>
+          </p:cNvSpPr>
+          <p:nvPr>
+            <p:ph type="sldNum" sz="quarter" idx="12"/>
+          </p:nvPr>
         </p:nvSpPr>
-        <p:spPr>
-          <a:xfrm>
-            <a:off x="4050031" y="1624600"/>
-            <a:ext cx="3264035" cy="646331"/>
-          </a:xfrm>
-          <a:prstGeom prst="rect">
-            <a:avLst/>
-          </a:prstGeom>
-          <a:noFill/>
-        </p:spPr>
+        <p:spPr/>
         <p:txBody>
-          <a:bodyPr wrap="none" rtlCol="0">
-            <a:spAutoFit/>
-          </a:bodyPr>
+          <a:bodyPr/>
           <a:lstStyle/>
           <a:p>
-            <a:pPr marL="285750" indent="-285750">
-              <a:buFont typeface="Arial" panose="020B0604020202020204" pitchFamily="34" charset="0"/>
-              <a:buChar char="•"/>
-            </a:pPr>
-            <a:r>
-              <a:rPr lang="en-US" altLang="ko-KR" dirty="0"/>
-              <a:t>Interpretable</a:t>
-            </a:r>
-            <a:r>
-              <a:rPr lang="ko-KR" altLang="en-US" dirty="0"/>
-              <a:t>이 왜 중요한지</a:t>
-            </a:r>
-            <a:endParaRPr lang="en-US" altLang="ko-KR" dirty="0"/>
-          </a:p>
-          <a:p>
-            <a:pPr marL="285750" indent="-285750">
-              <a:buFont typeface="Arial" panose="020B0604020202020204" pitchFamily="34" charset="0"/>
-              <a:buChar char="•"/>
-            </a:pPr>
-            <a:r>
-              <a:rPr lang="en-US" altLang="ko-KR" dirty="0"/>
-              <a:t>LIME</a:t>
-            </a:r>
-            <a:r>
-              <a:rPr lang="ko-KR" altLang="en-US" dirty="0"/>
-              <a:t>이 무엇인지</a:t>
-            </a:r>
-          </a:p>
-        </p:txBody>
-      </p:sp>
-      <p:sp>
-        <p:nvSpPr>
-          <p:cNvPr id="16" name="TextBox 15">
-            <a:extLst>
-              <a:ext uri="{FF2B5EF4-FFF2-40B4-BE49-F238E27FC236}">
-                <a16:creationId xmlns:a16="http://schemas.microsoft.com/office/drawing/2014/main" id="{D85FF18C-82F5-7903-27BE-F35A2360369D}"/>
-              </a:ext>
-            </a:extLst>
-          </p:cNvPr>
-          <p:cNvSpPr txBox="1"/>
-          <p:nvPr/>
-        </p:nvSpPr>
-        <p:spPr>
-          <a:xfrm>
-            <a:off x="4050031" y="2652417"/>
-            <a:ext cx="1835759" cy="646331"/>
-          </a:xfrm>
-          <a:prstGeom prst="rect">
-            <a:avLst/>
-          </a:prstGeom>
-          <a:noFill/>
-        </p:spPr>
-        <p:txBody>
-          <a:bodyPr wrap="none" rtlCol="0">
-            <a:spAutoFit/>
-          </a:bodyPr>
-          <a:lstStyle/>
-          <a:p>
-            <a:pPr marL="285750" indent="-285750">
-              <a:buFont typeface="Arial" panose="020B0604020202020204" pitchFamily="34" charset="0"/>
-              <a:buChar char="•"/>
-            </a:pPr>
-            <a:r>
-              <a:rPr lang="en-US" altLang="ko-KR"/>
-              <a:t>LIME</a:t>
-            </a:r>
-            <a:r>
-              <a:rPr lang="ko-KR" altLang="en-US"/>
-              <a:t> 목적식</a:t>
-            </a:r>
-            <a:endParaRPr lang="en-US" altLang="ko-KR"/>
-          </a:p>
-          <a:p>
-            <a:pPr marL="285750" indent="-285750">
-              <a:buFont typeface="Arial" panose="020B0604020202020204" pitchFamily="34" charset="0"/>
-              <a:buChar char="•"/>
-            </a:pPr>
-            <a:r>
-              <a:rPr lang="ko-KR" altLang="en-US"/>
-              <a:t>알고리즘 흐름</a:t>
-            </a:r>
-            <a:endParaRPr lang="ko-KR" altLang="en-US" dirty="0"/>
-          </a:p>
-        </p:txBody>
-      </p:sp>
-      <p:sp>
-        <p:nvSpPr>
-          <p:cNvPr id="17" name="TextBox 16">
-            <a:extLst>
-              <a:ext uri="{FF2B5EF4-FFF2-40B4-BE49-F238E27FC236}">
-                <a16:creationId xmlns:a16="http://schemas.microsoft.com/office/drawing/2014/main" id="{6B909FFF-44AD-448B-9900-FFD26B1A68FB}"/>
-              </a:ext>
-            </a:extLst>
-          </p:cNvPr>
-          <p:cNvSpPr txBox="1"/>
-          <p:nvPr/>
-        </p:nvSpPr>
-        <p:spPr>
-          <a:xfrm>
-            <a:off x="4050031" y="3756179"/>
-            <a:ext cx="2613216" cy="646331"/>
-          </a:xfrm>
-          <a:prstGeom prst="rect">
-            <a:avLst/>
-          </a:prstGeom>
-          <a:noFill/>
-        </p:spPr>
-        <p:txBody>
-          <a:bodyPr wrap="none" rtlCol="0">
-            <a:spAutoFit/>
-          </a:bodyPr>
-          <a:lstStyle/>
-          <a:p>
-            <a:pPr marL="285750" indent="-285750">
-              <a:buFont typeface="Arial" panose="020B0604020202020204" pitchFamily="34" charset="0"/>
-              <a:buChar char="•"/>
-            </a:pPr>
-            <a:r>
-              <a:rPr lang="en-US" altLang="ko-KR"/>
-              <a:t>SP-LIME</a:t>
-            </a:r>
-          </a:p>
-          <a:p>
-            <a:pPr marL="285750" indent="-285750">
-              <a:buFont typeface="Arial" panose="020B0604020202020204" pitchFamily="34" charset="0"/>
-              <a:buChar char="•"/>
-            </a:pPr>
-            <a:r>
-              <a:rPr lang="ko-KR" altLang="en-US"/>
-              <a:t>식에 대한 디테일 설명</a:t>
-            </a:r>
-            <a:endParaRPr lang="ko-KR" altLang="en-US" dirty="0"/>
-          </a:p>
-        </p:txBody>
-      </p:sp>
-      <p:sp>
-        <p:nvSpPr>
-          <p:cNvPr id="18" name="TextBox 17">
-            <a:extLst>
-              <a:ext uri="{FF2B5EF4-FFF2-40B4-BE49-F238E27FC236}">
-                <a16:creationId xmlns:a16="http://schemas.microsoft.com/office/drawing/2014/main" id="{9B572AF9-AF8C-4DB9-A347-577F6A5370AD}"/>
-              </a:ext>
-            </a:extLst>
-          </p:cNvPr>
-          <p:cNvSpPr txBox="1"/>
-          <p:nvPr/>
-        </p:nvSpPr>
-        <p:spPr>
-          <a:xfrm>
-            <a:off x="4263230" y="4832397"/>
-            <a:ext cx="2674130" cy="923330"/>
-          </a:xfrm>
-          <a:prstGeom prst="rect">
-            <a:avLst/>
-          </a:prstGeom>
-          <a:noFill/>
-        </p:spPr>
-        <p:txBody>
-          <a:bodyPr wrap="none" rtlCol="0">
-            <a:spAutoFit/>
-          </a:bodyPr>
-          <a:lstStyle/>
-          <a:p>
-            <a:pPr marL="285750" indent="-285750">
-              <a:buFont typeface="Arial" panose="020B0604020202020204" pitchFamily="34" charset="0"/>
-              <a:buChar char="•"/>
-            </a:pPr>
-            <a:r>
-              <a:rPr lang="ko-KR" altLang="en-US"/>
-              <a:t>설명이 충실한지</a:t>
-            </a:r>
-            <a:r>
-              <a:rPr lang="en-US" altLang="ko-KR"/>
-              <a:t>?</a:t>
-            </a:r>
-          </a:p>
-          <a:p>
-            <a:pPr marL="285750" indent="-285750">
-              <a:buFont typeface="Arial" panose="020B0604020202020204" pitchFamily="34" charset="0"/>
-              <a:buChar char="•"/>
-            </a:pPr>
-            <a:r>
-              <a:rPr lang="ko-KR" altLang="en-US"/>
-              <a:t>예측에 신뢰가 가는지</a:t>
-            </a:r>
-            <a:r>
-              <a:rPr lang="en-US" altLang="ko-KR"/>
-              <a:t>?</a:t>
-            </a:r>
-          </a:p>
-          <a:p>
-            <a:pPr marL="285750" indent="-285750">
-              <a:buFont typeface="Arial" panose="020B0604020202020204" pitchFamily="34" charset="0"/>
-              <a:buChar char="•"/>
-            </a:pPr>
-            <a:r>
-              <a:rPr lang="ko-KR" altLang="en-US"/>
-              <a:t>유용한 모델인지</a:t>
-            </a:r>
-            <a:r>
-              <a:rPr lang="en-US" altLang="ko-KR"/>
-              <a:t>?</a:t>
-            </a:r>
-            <a:endParaRPr lang="ko-KR" altLang="en-US" dirty="0"/>
+            <a:fld id="{F98B6473-7C87-478A-B3B4-ACF16772A847}" type="slidenum">
+              <a:rPr lang="ko-KR" altLang="en-US" smtClean="0"/>
+              <a:t>2</a:t>
+            </a:fld>
+            <a:endParaRPr lang="ko-KR" altLang="en-US"/>
           </a:p>
         </p:txBody>
       </p:sp>
@@ -10405,10 +11961,2101 @@
           </a:fontRef>
         </p:style>
       </p:cxnSp>
+      <p:pic>
+        <p:nvPicPr>
+          <p:cNvPr id="4" name="그림 3">
+            <a:extLst>
+              <a:ext uri="{FF2B5EF4-FFF2-40B4-BE49-F238E27FC236}">
+                <a16:creationId xmlns:a16="http://schemas.microsoft.com/office/drawing/2014/main" id="{FE55E339-5F5B-483D-9FE6-BE02B33404AB}"/>
+              </a:ext>
+            </a:extLst>
+          </p:cNvPr>
+          <p:cNvPicPr>
+            <a:picLocks noChangeAspect="1"/>
+          </p:cNvPicPr>
+          <p:nvPr/>
+        </p:nvPicPr>
+        <p:blipFill>
+          <a:blip r:embed="rId3"/>
+          <a:stretch>
+            <a:fillRect/>
+          </a:stretch>
+        </p:blipFill>
+        <p:spPr>
+          <a:xfrm>
+            <a:off x="2829172" y="1204891"/>
+            <a:ext cx="6690411" cy="2357691"/>
+          </a:xfrm>
+          <a:prstGeom prst="rect">
+            <a:avLst/>
+          </a:prstGeom>
+        </p:spPr>
+      </p:pic>
+      <p:sp>
+        <p:nvSpPr>
+          <p:cNvPr id="5" name="직사각형 4">
+            <a:extLst>
+              <a:ext uri="{FF2B5EF4-FFF2-40B4-BE49-F238E27FC236}">
+                <a16:creationId xmlns:a16="http://schemas.microsoft.com/office/drawing/2014/main" id="{1C81DAFD-1C8E-4419-8DE3-CE4AA04F7235}"/>
+              </a:ext>
+            </a:extLst>
+          </p:cNvPr>
+          <p:cNvSpPr/>
+          <p:nvPr/>
+        </p:nvSpPr>
+        <p:spPr>
+          <a:xfrm>
+            <a:off x="408020" y="4607050"/>
+            <a:ext cx="10637604" cy="369332"/>
+          </a:xfrm>
+          <a:prstGeom prst="rect">
+            <a:avLst/>
+          </a:prstGeom>
+        </p:spPr>
+        <p:txBody>
+          <a:bodyPr wrap="square">
+            <a:spAutoFit/>
+          </a:bodyPr>
+          <a:lstStyle/>
+          <a:p>
+            <a:r>
+              <a:rPr lang="ko-KR" altLang="en-US"/>
+              <a:t>▶ </a:t>
+            </a:r>
+            <a:r>
+              <a:rPr lang="en-US" altLang="ko-KR"/>
+              <a:t>F1</a:t>
+            </a:r>
+            <a:r>
+              <a:rPr lang="ko-KR" altLang="en-US"/>
+              <a:t>은 </a:t>
+            </a:r>
+            <a:r>
+              <a:rPr lang="en-US" altLang="ko-KR"/>
+              <a:t>100</a:t>
+            </a:r>
+            <a:r>
+              <a:rPr lang="ko-KR" altLang="en-US"/>
+              <a:t>회 실험 돌리고 평균값으로 계산 </a:t>
+            </a:r>
+            <a:endParaRPr lang="en-US" altLang="ko-KR"/>
+          </a:p>
+        </p:txBody>
+      </p:sp>
+      <p:sp>
+        <p:nvSpPr>
+          <p:cNvPr id="6" name="직사각형 5">
+            <a:extLst>
+              <a:ext uri="{FF2B5EF4-FFF2-40B4-BE49-F238E27FC236}">
+                <a16:creationId xmlns:a16="http://schemas.microsoft.com/office/drawing/2014/main" id="{16867832-BC1F-4E5C-8915-E5E165C24318}"/>
+              </a:ext>
+            </a:extLst>
+          </p:cNvPr>
+          <p:cNvSpPr/>
+          <p:nvPr/>
+        </p:nvSpPr>
+        <p:spPr>
+          <a:xfrm>
+            <a:off x="408020" y="5303035"/>
+            <a:ext cx="10637604" cy="369332"/>
+          </a:xfrm>
+          <a:prstGeom prst="rect">
+            <a:avLst/>
+          </a:prstGeom>
+        </p:spPr>
+        <p:txBody>
+          <a:bodyPr wrap="square">
+            <a:spAutoFit/>
+          </a:bodyPr>
+          <a:lstStyle/>
+          <a:p>
+            <a:r>
+              <a:rPr lang="ko-KR" altLang="en-US"/>
+              <a:t>▶ </a:t>
+            </a:r>
+            <a:r>
+              <a:rPr lang="en-US" altLang="ko-KR"/>
+              <a:t>Recall</a:t>
+            </a:r>
+            <a:r>
+              <a:rPr lang="ko-KR" altLang="en-US"/>
+              <a:t>과 </a:t>
+            </a:r>
+            <a:r>
+              <a:rPr lang="en-US" altLang="ko-KR"/>
+              <a:t>Precision </a:t>
+            </a:r>
+            <a:r>
+              <a:rPr lang="ko-KR" altLang="en-US"/>
+              <a:t>모두 </a:t>
+            </a:r>
+            <a:r>
+              <a:rPr lang="en-US" altLang="ko-KR"/>
+              <a:t>LIME</a:t>
+            </a:r>
+            <a:r>
+              <a:rPr lang="ko-KR" altLang="en-US"/>
+              <a:t>이 우수</a:t>
+            </a:r>
+            <a:endParaRPr lang="en-US" altLang="ko-KR"/>
+          </a:p>
+        </p:txBody>
+      </p:sp>
+      <p:sp>
+        <p:nvSpPr>
+          <p:cNvPr id="2" name="TextBox 1">
+            <a:extLst>
+              <a:ext uri="{FF2B5EF4-FFF2-40B4-BE49-F238E27FC236}">
+                <a16:creationId xmlns:a16="http://schemas.microsoft.com/office/drawing/2014/main" id="{B1F87255-FEEA-43E7-ABAC-40039D4CC8B9}"/>
+              </a:ext>
+            </a:extLst>
+          </p:cNvPr>
+          <p:cNvSpPr txBox="1"/>
+          <p:nvPr/>
+        </p:nvSpPr>
+        <p:spPr>
+          <a:xfrm>
+            <a:off x="2829172" y="949087"/>
+            <a:ext cx="938398" cy="369332"/>
+          </a:xfrm>
+          <a:prstGeom prst="rect">
+            <a:avLst/>
+          </a:prstGeom>
+          <a:noFill/>
+        </p:spPr>
+        <p:txBody>
+          <a:bodyPr wrap="none" rtlCol="0">
+            <a:spAutoFit/>
+          </a:bodyPr>
+          <a:lstStyle/>
+          <a:p>
+            <a:r>
+              <a:rPr lang="en-US" altLang="ko-KR"/>
+              <a:t>Table 1</a:t>
+            </a:r>
+            <a:endParaRPr lang="ko-KR" altLang="en-US"/>
+          </a:p>
+        </p:txBody>
+      </p:sp>
+      <p:sp>
+        <p:nvSpPr>
+          <p:cNvPr id="3" name="슬라이드 번호 개체 틀 2">
+            <a:extLst>
+              <a:ext uri="{FF2B5EF4-FFF2-40B4-BE49-F238E27FC236}">
+                <a16:creationId xmlns:a16="http://schemas.microsoft.com/office/drawing/2014/main" id="{3ED94BBB-E2E4-4967-8D6B-8E91C1528153}"/>
+              </a:ext>
+            </a:extLst>
+          </p:cNvPr>
+          <p:cNvSpPr>
+            <a:spLocks noGrp="1"/>
+          </p:cNvSpPr>
+          <p:nvPr>
+            <p:ph type="sldNum" sz="quarter" idx="12"/>
+          </p:nvPr>
+        </p:nvSpPr>
+        <p:spPr/>
+        <p:txBody>
+          <a:bodyPr/>
+          <a:lstStyle/>
+          <a:p>
+            <a:fld id="{F98B6473-7C87-478A-B3B4-ACF16772A847}" type="slidenum">
+              <a:rPr lang="ko-KR" altLang="en-US" smtClean="0"/>
+              <a:t>20</a:t>
+            </a:fld>
+            <a:endParaRPr lang="ko-KR" altLang="en-US"/>
+          </a:p>
+        </p:txBody>
+      </p:sp>
+    </p:spTree>
+    <p:extLst>
+      <p:ext uri="{BB962C8B-B14F-4D97-AF65-F5344CB8AC3E}">
+        <p14:creationId xmlns:p14="http://schemas.microsoft.com/office/powerpoint/2010/main" val="1943193450"/>
+      </p:ext>
+    </p:extLst>
+  </p:cSld>
+  <p:clrMapOvr>
+    <a:masterClrMapping/>
+  </p:clrMapOvr>
+</p:sld>
+</file>
+
+<file path=ppt/slides/slide21.xml><?xml version="1.0" encoding="utf-8"?>
+<p:sld xmlns:a="http://schemas.openxmlformats.org/drawingml/2006/main" xmlns:r="http://schemas.openxmlformats.org/officeDocument/2006/relationships" xmlns:p="http://schemas.openxmlformats.org/presentationml/2006/main">
+  <p:cSld>
+    <p:spTree>
+      <p:nvGrpSpPr>
+        <p:cNvPr id="1" name="">
+          <a:extLst>
+            <a:ext uri="{FF2B5EF4-FFF2-40B4-BE49-F238E27FC236}">
+              <a16:creationId xmlns:a16="http://schemas.microsoft.com/office/drawing/2014/main" id="{9D629F79-A0E8-AA46-2154-1D3F49E53CC8}"/>
+            </a:ext>
+          </a:extLst>
+        </p:cNvPr>
+        <p:cNvGrpSpPr/>
+        <p:nvPr/>
+      </p:nvGrpSpPr>
+      <p:grpSpPr>
+        <a:xfrm>
+          <a:off x="0" y="0"/>
+          <a:ext cx="0" cy="0"/>
+          <a:chOff x="0" y="0"/>
+          <a:chExt cx="0" cy="0"/>
+        </a:xfrm>
+      </p:grpSpPr>
+      <p:cxnSp>
+        <p:nvCxnSpPr>
+          <p:cNvPr id="23" name="직선 연결선 22">
+            <a:extLst>
+              <a:ext uri="{FF2B5EF4-FFF2-40B4-BE49-F238E27FC236}">
+                <a16:creationId xmlns:a16="http://schemas.microsoft.com/office/drawing/2014/main" id="{86DC2A17-C9E1-CAAA-F796-F071C02D31D0}"/>
+              </a:ext>
+            </a:extLst>
+          </p:cNvPr>
+          <p:cNvCxnSpPr/>
+          <p:nvPr/>
+        </p:nvCxnSpPr>
+        <p:spPr>
+          <a:xfrm>
+            <a:off x="144378" y="160422"/>
+            <a:ext cx="12060000" cy="0"/>
+          </a:xfrm>
+          <a:prstGeom prst="line">
+            <a:avLst/>
+          </a:prstGeom>
+          <a:ln w="76200">
+            <a:solidFill>
+              <a:schemeClr val="accent1"/>
+            </a:solidFill>
+          </a:ln>
+        </p:spPr>
+        <p:style>
+          <a:lnRef idx="1">
+            <a:schemeClr val="accent1"/>
+          </a:lnRef>
+          <a:fillRef idx="0">
+            <a:schemeClr val="accent1"/>
+          </a:fillRef>
+          <a:effectRef idx="0">
+            <a:schemeClr val="accent1"/>
+          </a:effectRef>
+          <a:fontRef idx="minor">
+            <a:schemeClr val="tx1"/>
+          </a:fontRef>
+        </p:style>
+      </p:cxnSp>
+      <p:cxnSp>
+        <p:nvCxnSpPr>
+          <p:cNvPr id="25" name="직선 연결선 24">
+            <a:extLst>
+              <a:ext uri="{FF2B5EF4-FFF2-40B4-BE49-F238E27FC236}">
+                <a16:creationId xmlns:a16="http://schemas.microsoft.com/office/drawing/2014/main" id="{7BB83105-67E8-CC4A-1739-9327AAE0594C}"/>
+              </a:ext>
+            </a:extLst>
+          </p:cNvPr>
+          <p:cNvCxnSpPr/>
+          <p:nvPr/>
+        </p:nvCxnSpPr>
+        <p:spPr>
+          <a:xfrm>
+            <a:off x="144378" y="6737685"/>
+            <a:ext cx="12060000" cy="0"/>
+          </a:xfrm>
+          <a:prstGeom prst="line">
+            <a:avLst/>
+          </a:prstGeom>
+          <a:ln w="3175">
+            <a:solidFill>
+              <a:schemeClr val="accent1"/>
+            </a:solidFill>
+          </a:ln>
+        </p:spPr>
+        <p:style>
+          <a:lnRef idx="1">
+            <a:schemeClr val="accent1"/>
+          </a:lnRef>
+          <a:fillRef idx="0">
+            <a:schemeClr val="accent1"/>
+          </a:fillRef>
+          <a:effectRef idx="0">
+            <a:schemeClr val="accent1"/>
+          </a:effectRef>
+          <a:fontRef idx="minor">
+            <a:schemeClr val="tx1"/>
+          </a:fontRef>
+        </p:style>
+      </p:cxnSp>
+      <p:sp>
+        <p:nvSpPr>
+          <p:cNvPr id="4" name="TextBox 3">
+            <a:extLst>
+              <a:ext uri="{FF2B5EF4-FFF2-40B4-BE49-F238E27FC236}">
+                <a16:creationId xmlns:a16="http://schemas.microsoft.com/office/drawing/2014/main" id="{478D0654-C7C5-40C9-8A11-47AE7323C048}"/>
+              </a:ext>
+            </a:extLst>
+          </p:cNvPr>
+          <p:cNvSpPr txBox="1"/>
+          <p:nvPr/>
+        </p:nvSpPr>
+        <p:spPr>
+          <a:xfrm>
+            <a:off x="1163052" y="272716"/>
+            <a:ext cx="2973891" cy="584775"/>
+          </a:xfrm>
+          <a:prstGeom prst="rect">
+            <a:avLst/>
+          </a:prstGeom>
+          <a:noFill/>
+        </p:spPr>
+        <p:txBody>
+          <a:bodyPr wrap="none" rtlCol="0">
+            <a:spAutoFit/>
+          </a:bodyPr>
+          <a:lstStyle/>
+          <a:p>
+            <a:r>
+              <a:rPr lang="en-US" altLang="ko-KR" sz="3200" b="1" spc="-300">
+                <a:solidFill>
+                  <a:schemeClr val="accent1"/>
+                </a:solidFill>
+              </a:rPr>
+              <a:t>Can I trust model?</a:t>
+            </a:r>
+            <a:endParaRPr lang="ko-KR" altLang="en-US" sz="3200" b="1" spc="-300">
+              <a:solidFill>
+                <a:schemeClr val="accent1"/>
+              </a:solidFill>
+            </a:endParaRPr>
+          </a:p>
+        </p:txBody>
+      </p:sp>
+      <p:sp>
+        <p:nvSpPr>
+          <p:cNvPr id="3" name="슬라이드 번호 개체 틀 2">
+            <a:extLst>
+              <a:ext uri="{FF2B5EF4-FFF2-40B4-BE49-F238E27FC236}">
+                <a16:creationId xmlns:a16="http://schemas.microsoft.com/office/drawing/2014/main" id="{6153CF3E-DA34-4141-907B-D51BE2EA564F}"/>
+              </a:ext>
+            </a:extLst>
+          </p:cNvPr>
+          <p:cNvSpPr>
+            <a:spLocks noGrp="1"/>
+          </p:cNvSpPr>
+          <p:nvPr>
+            <p:ph type="sldNum" sz="quarter" idx="12"/>
+          </p:nvPr>
+        </p:nvSpPr>
+        <p:spPr/>
+        <p:txBody>
+          <a:bodyPr/>
+          <a:lstStyle/>
+          <a:p>
+            <a:fld id="{F98B6473-7C87-478A-B3B4-ACF16772A847}" type="slidenum">
+              <a:rPr lang="ko-KR" altLang="en-US" smtClean="0"/>
+              <a:t>21</a:t>
+            </a:fld>
+            <a:endParaRPr lang="ko-KR" altLang="en-US"/>
+          </a:p>
+        </p:txBody>
+      </p:sp>
+      <p:grpSp>
+        <p:nvGrpSpPr>
+          <p:cNvPr id="8" name="그룹 7">
+            <a:extLst>
+              <a:ext uri="{FF2B5EF4-FFF2-40B4-BE49-F238E27FC236}">
+                <a16:creationId xmlns:a16="http://schemas.microsoft.com/office/drawing/2014/main" id="{F6B80CDD-3915-4DCF-84A8-43C237CF7D0A}"/>
+              </a:ext>
+            </a:extLst>
+          </p:cNvPr>
+          <p:cNvGrpSpPr/>
+          <p:nvPr/>
+        </p:nvGrpSpPr>
+        <p:grpSpPr>
+          <a:xfrm>
+            <a:off x="746626" y="1876136"/>
+            <a:ext cx="4112136" cy="1182757"/>
+            <a:chOff x="2062242" y="1982179"/>
+            <a:chExt cx="4112136" cy="1182757"/>
+          </a:xfrm>
+        </p:grpSpPr>
+        <p:sp>
+          <p:nvSpPr>
+            <p:cNvPr id="9" name="정육면체 8">
+              <a:extLst>
+                <a:ext uri="{FF2B5EF4-FFF2-40B4-BE49-F238E27FC236}">
+                  <a16:creationId xmlns:a16="http://schemas.microsoft.com/office/drawing/2014/main" id="{0548D9B5-F861-4774-8D05-11632FED61CE}"/>
+                </a:ext>
+              </a:extLst>
+            </p:cNvPr>
+            <p:cNvSpPr/>
+            <p:nvPr/>
+          </p:nvSpPr>
+          <p:spPr>
+            <a:xfrm>
+              <a:off x="2062242" y="1982179"/>
+              <a:ext cx="1182757" cy="1182757"/>
+            </a:xfrm>
+            <a:prstGeom prst="cube">
+              <a:avLst/>
+            </a:prstGeom>
+          </p:spPr>
+          <p:style>
+            <a:lnRef idx="2">
+              <a:schemeClr val="accent1">
+                <a:shade val="15000"/>
+              </a:schemeClr>
+            </a:lnRef>
+            <a:fillRef idx="1">
+              <a:schemeClr val="accent1"/>
+            </a:fillRef>
+            <a:effectRef idx="0">
+              <a:schemeClr val="accent1"/>
+            </a:effectRef>
+            <a:fontRef idx="minor">
+              <a:schemeClr val="lt1"/>
+            </a:fontRef>
+          </p:style>
+          <p:txBody>
+            <a:bodyPr rtlCol="0" anchor="ctr"/>
+            <a:lstStyle/>
+            <a:p>
+              <a:pPr algn="ctr"/>
+              <a:r>
+                <a:rPr lang="en-US" altLang="ko-KR"/>
+                <a:t>model A</a:t>
+              </a:r>
+              <a:endParaRPr lang="ko-KR" altLang="en-US" dirty="0"/>
+            </a:p>
+          </p:txBody>
+        </p:sp>
+        <p:sp>
+          <p:nvSpPr>
+            <p:cNvPr id="10" name="정육면체 9">
+              <a:extLst>
+                <a:ext uri="{FF2B5EF4-FFF2-40B4-BE49-F238E27FC236}">
+                  <a16:creationId xmlns:a16="http://schemas.microsoft.com/office/drawing/2014/main" id="{E98AF870-93F5-492F-9A29-9B27E44AF6F6}"/>
+                </a:ext>
+              </a:extLst>
+            </p:cNvPr>
+            <p:cNvSpPr/>
+            <p:nvPr/>
+          </p:nvSpPr>
+          <p:spPr>
+            <a:xfrm>
+              <a:off x="4991621" y="1982179"/>
+              <a:ext cx="1182757" cy="1182757"/>
+            </a:xfrm>
+            <a:prstGeom prst="cube">
+              <a:avLst/>
+            </a:prstGeom>
+          </p:spPr>
+          <p:style>
+            <a:lnRef idx="2">
+              <a:schemeClr val="accent1">
+                <a:shade val="15000"/>
+              </a:schemeClr>
+            </a:lnRef>
+            <a:fillRef idx="1">
+              <a:schemeClr val="accent1"/>
+            </a:fillRef>
+            <a:effectRef idx="0">
+              <a:schemeClr val="accent1"/>
+            </a:effectRef>
+            <a:fontRef idx="minor">
+              <a:schemeClr val="lt1"/>
+            </a:fontRef>
+          </p:style>
+          <p:txBody>
+            <a:bodyPr rtlCol="0" anchor="ctr"/>
+            <a:lstStyle/>
+            <a:p>
+              <a:pPr algn="ctr"/>
+              <a:r>
+                <a:rPr lang="en-US" altLang="ko-KR"/>
+                <a:t>model B</a:t>
+              </a:r>
+              <a:endParaRPr lang="ko-KR" altLang="en-US" dirty="0"/>
+            </a:p>
+          </p:txBody>
+        </p:sp>
+        <p:sp>
+          <p:nvSpPr>
+            <p:cNvPr id="5" name="TextBox 4">
+              <a:extLst>
+                <a:ext uri="{FF2B5EF4-FFF2-40B4-BE49-F238E27FC236}">
+                  <a16:creationId xmlns:a16="http://schemas.microsoft.com/office/drawing/2014/main" id="{EE4133EB-221D-4595-8066-A69C1CC956ED}"/>
+                </a:ext>
+              </a:extLst>
+            </p:cNvPr>
+            <p:cNvSpPr txBox="1"/>
+            <p:nvPr/>
+          </p:nvSpPr>
+          <p:spPr>
+            <a:xfrm>
+              <a:off x="3939613" y="2388891"/>
+              <a:ext cx="394660" cy="369332"/>
+            </a:xfrm>
+            <a:prstGeom prst="rect">
+              <a:avLst/>
+            </a:prstGeom>
+            <a:noFill/>
+          </p:spPr>
+          <p:txBody>
+            <a:bodyPr wrap="none" rtlCol="0">
+              <a:spAutoFit/>
+            </a:bodyPr>
+            <a:lstStyle/>
+            <a:p>
+              <a:r>
+                <a:rPr lang="en-US" altLang="ko-KR"/>
+                <a:t>vs</a:t>
+              </a:r>
+              <a:endParaRPr lang="ko-KR" altLang="en-US"/>
+            </a:p>
+          </p:txBody>
+        </p:sp>
+      </p:grpSp>
+      <p:sp>
+        <p:nvSpPr>
+          <p:cNvPr id="14" name="직사각형 13">
+            <a:extLst>
+              <a:ext uri="{FF2B5EF4-FFF2-40B4-BE49-F238E27FC236}">
+                <a16:creationId xmlns:a16="http://schemas.microsoft.com/office/drawing/2014/main" id="{913D4FA8-1E8E-41A2-9F96-F1941E8AB599}"/>
+              </a:ext>
+            </a:extLst>
+          </p:cNvPr>
+          <p:cNvSpPr/>
+          <p:nvPr/>
+        </p:nvSpPr>
+        <p:spPr>
+          <a:xfrm>
+            <a:off x="1163052" y="3147111"/>
+            <a:ext cx="3408948" cy="369332"/>
+          </a:xfrm>
+          <a:prstGeom prst="rect">
+            <a:avLst/>
+          </a:prstGeom>
+        </p:spPr>
+        <p:txBody>
+          <a:bodyPr wrap="square">
+            <a:spAutoFit/>
+          </a:bodyPr>
+          <a:lstStyle/>
+          <a:p>
+            <a:r>
+              <a:rPr lang="en-US" altLang="ko-KR"/>
+              <a:t>1.</a:t>
+            </a:r>
+            <a:r>
+              <a:rPr lang="ko-KR" altLang="en-US"/>
+              <a:t> 어떤 모델이 더 믿을만할까요</a:t>
+            </a:r>
+            <a:r>
+              <a:rPr lang="en-US" altLang="ko-KR"/>
+              <a:t>?</a:t>
+            </a:r>
+          </a:p>
+        </p:txBody>
+      </p:sp>
+      <p:cxnSp>
+        <p:nvCxnSpPr>
+          <p:cNvPr id="17" name="직선 화살표 연결선 16">
+            <a:extLst>
+              <a:ext uri="{FF2B5EF4-FFF2-40B4-BE49-F238E27FC236}">
+                <a16:creationId xmlns:a16="http://schemas.microsoft.com/office/drawing/2014/main" id="{613FB406-9EA2-44C6-931F-AB6B3F31BE84}"/>
+              </a:ext>
+            </a:extLst>
+          </p:cNvPr>
+          <p:cNvCxnSpPr>
+            <a:cxnSpLocks/>
+            <a:stCxn id="22" idx="2"/>
+          </p:cNvCxnSpPr>
+          <p:nvPr/>
+        </p:nvCxnSpPr>
+        <p:spPr>
+          <a:xfrm flipH="1">
+            <a:off x="2052736" y="1749672"/>
+            <a:ext cx="773698" cy="247078"/>
+          </a:xfrm>
+          <a:prstGeom prst="straightConnector1">
+            <a:avLst/>
+          </a:prstGeom>
+          <a:ln>
+            <a:tailEnd type="triangle"/>
+          </a:ln>
+        </p:spPr>
+        <p:style>
+          <a:lnRef idx="1">
+            <a:schemeClr val="accent1"/>
+          </a:lnRef>
+          <a:fillRef idx="0">
+            <a:schemeClr val="accent1"/>
+          </a:fillRef>
+          <a:effectRef idx="0">
+            <a:schemeClr val="accent1"/>
+          </a:effectRef>
+          <a:fontRef idx="minor">
+            <a:schemeClr val="tx1"/>
+          </a:fontRef>
+        </p:style>
+      </p:cxnSp>
+      <p:cxnSp>
+        <p:nvCxnSpPr>
+          <p:cNvPr id="21" name="직선 화살표 연결선 20">
+            <a:extLst>
+              <a:ext uri="{FF2B5EF4-FFF2-40B4-BE49-F238E27FC236}">
+                <a16:creationId xmlns:a16="http://schemas.microsoft.com/office/drawing/2014/main" id="{7149C2F4-8B2B-4DB4-BBC3-FC109EACA594}"/>
+              </a:ext>
+            </a:extLst>
+          </p:cNvPr>
+          <p:cNvCxnSpPr>
+            <a:cxnSpLocks/>
+            <a:stCxn id="22" idx="2"/>
+          </p:cNvCxnSpPr>
+          <p:nvPr/>
+        </p:nvCxnSpPr>
+        <p:spPr>
+          <a:xfrm>
+            <a:off x="2826434" y="1749672"/>
+            <a:ext cx="744575" cy="234310"/>
+          </a:xfrm>
+          <a:prstGeom prst="straightConnector1">
+            <a:avLst/>
+          </a:prstGeom>
+          <a:ln>
+            <a:tailEnd type="triangle"/>
+          </a:ln>
+        </p:spPr>
+        <p:style>
+          <a:lnRef idx="1">
+            <a:schemeClr val="accent1"/>
+          </a:lnRef>
+          <a:fillRef idx="0">
+            <a:schemeClr val="accent1"/>
+          </a:fillRef>
+          <a:effectRef idx="0">
+            <a:schemeClr val="accent1"/>
+          </a:effectRef>
+          <a:fontRef idx="minor">
+            <a:schemeClr val="tx1"/>
+          </a:fontRef>
+        </p:style>
+      </p:cxnSp>
+      <p:sp>
+        <p:nvSpPr>
+          <p:cNvPr id="22" name="TextBox 21">
+            <a:extLst>
+              <a:ext uri="{FF2B5EF4-FFF2-40B4-BE49-F238E27FC236}">
+                <a16:creationId xmlns:a16="http://schemas.microsoft.com/office/drawing/2014/main" id="{D51DAA0D-4788-4C05-BD08-CEF0646D8218}"/>
+              </a:ext>
+            </a:extLst>
+          </p:cNvPr>
+          <p:cNvSpPr txBox="1"/>
+          <p:nvPr/>
+        </p:nvSpPr>
+        <p:spPr>
+          <a:xfrm>
+            <a:off x="2258009" y="1472673"/>
+            <a:ext cx="1136850" cy="276999"/>
+          </a:xfrm>
+          <a:prstGeom prst="rect">
+            <a:avLst/>
+          </a:prstGeom>
+          <a:noFill/>
+        </p:spPr>
+        <p:txBody>
+          <a:bodyPr wrap="none" rtlCol="0">
+            <a:spAutoFit/>
+          </a:bodyPr>
+          <a:lstStyle/>
+          <a:p>
+            <a:r>
+              <a:rPr lang="ko-KR" altLang="en-US" sz="1200"/>
+              <a:t>성능 거의 유사</a:t>
+            </a:r>
+          </a:p>
+        </p:txBody>
+      </p:sp>
+      <p:sp>
+        <p:nvSpPr>
+          <p:cNvPr id="26" name="직사각형 25">
+            <a:extLst>
+              <a:ext uri="{FF2B5EF4-FFF2-40B4-BE49-F238E27FC236}">
+                <a16:creationId xmlns:a16="http://schemas.microsoft.com/office/drawing/2014/main" id="{111E9379-EDB0-4C85-8E8A-BE20444C5D13}"/>
+              </a:ext>
+            </a:extLst>
+          </p:cNvPr>
+          <p:cNvSpPr/>
+          <p:nvPr/>
+        </p:nvSpPr>
+        <p:spPr>
+          <a:xfrm>
+            <a:off x="1338004" y="4215577"/>
+            <a:ext cx="9469259" cy="369332"/>
+          </a:xfrm>
+          <a:prstGeom prst="rect">
+            <a:avLst/>
+          </a:prstGeom>
+        </p:spPr>
+        <p:txBody>
+          <a:bodyPr wrap="none">
+            <a:spAutoFit/>
+          </a:bodyPr>
+          <a:lstStyle/>
+          <a:p>
+            <a:r>
+              <a:rPr lang="en-US" altLang="ko-KR"/>
+              <a:t>3. </a:t>
+            </a:r>
+            <a:r>
+              <a:rPr lang="ko-KR" altLang="en-US"/>
+              <a:t>두 모델의 설명</a:t>
+            </a:r>
+            <a:r>
+              <a:rPr lang="en-US" altLang="ko-KR"/>
+              <a:t>(explanaition)</a:t>
+            </a:r>
+            <a:r>
+              <a:rPr lang="ko-KR" altLang="en-US"/>
+              <a:t>을 검토 후 어떤 모델의 설명이 더 신뢰할 수 있는지 신뢰도 평가</a:t>
+            </a:r>
+          </a:p>
+        </p:txBody>
+      </p:sp>
+      <p:sp>
+        <p:nvSpPr>
+          <p:cNvPr id="27" name="TextBox 26">
+            <a:extLst>
+              <a:ext uri="{FF2B5EF4-FFF2-40B4-BE49-F238E27FC236}">
+                <a16:creationId xmlns:a16="http://schemas.microsoft.com/office/drawing/2014/main" id="{D092DEB1-5439-4CF3-BEB6-6C70E71168C6}"/>
+              </a:ext>
+            </a:extLst>
+          </p:cNvPr>
+          <p:cNvSpPr txBox="1"/>
+          <p:nvPr/>
+        </p:nvSpPr>
+        <p:spPr>
+          <a:xfrm>
+            <a:off x="1338004" y="5130677"/>
+            <a:ext cx="7486345" cy="369332"/>
+          </a:xfrm>
+          <a:prstGeom prst="rect">
+            <a:avLst/>
+          </a:prstGeom>
+          <a:noFill/>
+        </p:spPr>
+        <p:txBody>
+          <a:bodyPr wrap="none" rtlCol="0">
+            <a:spAutoFit/>
+          </a:bodyPr>
+          <a:lstStyle/>
+          <a:p>
+            <a:r>
+              <a:rPr lang="en-US" altLang="ko-KR"/>
+              <a:t>4. </a:t>
+            </a:r>
+            <a:r>
+              <a:rPr lang="ko-KR" altLang="en-US"/>
+              <a:t>신뢰할 수 있는 설명을 바탕으로 모델을 선택</a:t>
+            </a:r>
+            <a:r>
+              <a:rPr lang="en-US" altLang="ko-KR"/>
+              <a:t> </a:t>
+            </a:r>
+            <a:r>
+              <a:rPr lang="ko-KR" altLang="en-US"/>
+              <a:t>후 </a:t>
+            </a:r>
+            <a:r>
+              <a:rPr lang="en-US" altLang="ko-KR"/>
+              <a:t>test set</a:t>
+            </a:r>
+            <a:r>
+              <a:rPr lang="ko-KR" altLang="en-US"/>
+              <a:t>에서 성능을 확인</a:t>
+            </a:r>
+          </a:p>
+        </p:txBody>
+      </p:sp>
+      <p:grpSp>
+        <p:nvGrpSpPr>
+          <p:cNvPr id="31" name="그룹 30">
+            <a:extLst>
+              <a:ext uri="{FF2B5EF4-FFF2-40B4-BE49-F238E27FC236}">
+                <a16:creationId xmlns:a16="http://schemas.microsoft.com/office/drawing/2014/main" id="{BFCA1E17-4126-4C80-AB32-7794FAC973C4}"/>
+              </a:ext>
+            </a:extLst>
+          </p:cNvPr>
+          <p:cNvGrpSpPr/>
+          <p:nvPr/>
+        </p:nvGrpSpPr>
+        <p:grpSpPr>
+          <a:xfrm>
+            <a:off x="5391612" y="1901597"/>
+            <a:ext cx="5721438" cy="750583"/>
+            <a:chOff x="5391612" y="1901597"/>
+            <a:chExt cx="5721438" cy="750583"/>
+          </a:xfrm>
+        </p:grpSpPr>
+        <p:sp>
+          <p:nvSpPr>
+            <p:cNvPr id="15" name="직사각형 14">
+              <a:extLst>
+                <a:ext uri="{FF2B5EF4-FFF2-40B4-BE49-F238E27FC236}">
+                  <a16:creationId xmlns:a16="http://schemas.microsoft.com/office/drawing/2014/main" id="{7F0F1A84-4D62-4673-BDF5-F8B000158F4C}"/>
+                </a:ext>
+              </a:extLst>
+            </p:cNvPr>
+            <p:cNvSpPr/>
+            <p:nvPr/>
+          </p:nvSpPr>
+          <p:spPr>
+            <a:xfrm>
+              <a:off x="5391612" y="2282848"/>
+              <a:ext cx="5721438" cy="369332"/>
+            </a:xfrm>
+            <a:prstGeom prst="rect">
+              <a:avLst/>
+            </a:prstGeom>
+          </p:spPr>
+          <p:txBody>
+            <a:bodyPr wrap="none">
+              <a:spAutoFit/>
+            </a:bodyPr>
+            <a:lstStyle/>
+            <a:p>
+              <a:r>
+                <a:rPr lang="en-US" altLang="ko-KR"/>
+                <a:t>2.</a:t>
+              </a:r>
+              <a:r>
+                <a:rPr lang="ko-KR" altLang="en-US"/>
+                <a:t> 각 모델에 성능에 영향을 줄 수 없는 </a:t>
+              </a:r>
+              <a:r>
+                <a:rPr lang="en-US" altLang="ko-KR"/>
+                <a:t>'</a:t>
+              </a:r>
+              <a:r>
+                <a:rPr lang="ko-KR" altLang="en-US"/>
+                <a:t>인위적 정보</a:t>
+              </a:r>
+              <a:r>
+                <a:rPr lang="en-US" altLang="ko-KR"/>
+                <a:t>'</a:t>
+              </a:r>
+              <a:r>
+                <a:rPr lang="ko-KR" altLang="en-US"/>
+                <a:t> 추가</a:t>
+              </a:r>
+            </a:p>
+          </p:txBody>
+        </p:sp>
+        <p:sp>
+          <p:nvSpPr>
+            <p:cNvPr id="28" name="오른쪽 중괄호 27">
+              <a:extLst>
+                <a:ext uri="{FF2B5EF4-FFF2-40B4-BE49-F238E27FC236}">
+                  <a16:creationId xmlns:a16="http://schemas.microsoft.com/office/drawing/2014/main" id="{949CB6E4-D0BD-4F6D-859E-75642254B6E2}"/>
+                </a:ext>
+              </a:extLst>
+            </p:cNvPr>
+            <p:cNvSpPr/>
+            <p:nvPr/>
+          </p:nvSpPr>
+          <p:spPr>
+            <a:xfrm rot="16200000">
+              <a:off x="9787813" y="1871537"/>
+              <a:ext cx="93306" cy="741320"/>
+            </a:xfrm>
+            <a:prstGeom prst="rightBrace">
+              <a:avLst/>
+            </a:prstGeom>
+          </p:spPr>
+          <p:style>
+            <a:lnRef idx="1">
+              <a:schemeClr val="accent1"/>
+            </a:lnRef>
+            <a:fillRef idx="0">
+              <a:schemeClr val="accent1"/>
+            </a:fillRef>
+            <a:effectRef idx="0">
+              <a:schemeClr val="accent1"/>
+            </a:effectRef>
+            <a:fontRef idx="minor">
+              <a:schemeClr val="tx1"/>
+            </a:fontRef>
+          </p:style>
+          <p:txBody>
+            <a:bodyPr rtlCol="0" anchor="ctr"/>
+            <a:lstStyle/>
+            <a:p>
+              <a:pPr algn="ctr"/>
+              <a:endParaRPr lang="ko-KR" altLang="en-US"/>
+            </a:p>
+          </p:txBody>
+        </p:sp>
+        <p:sp>
+          <p:nvSpPr>
+            <p:cNvPr id="30" name="TextBox 29">
+              <a:extLst>
+                <a:ext uri="{FF2B5EF4-FFF2-40B4-BE49-F238E27FC236}">
+                  <a16:creationId xmlns:a16="http://schemas.microsoft.com/office/drawing/2014/main" id="{62678846-E6DB-4591-8C7C-9BE925BD21D1}"/>
+                </a:ext>
+              </a:extLst>
+            </p:cNvPr>
+            <p:cNvSpPr txBox="1"/>
+            <p:nvPr/>
+          </p:nvSpPr>
+          <p:spPr>
+            <a:xfrm>
+              <a:off x="8996736" y="1901597"/>
+              <a:ext cx="1675459" cy="261610"/>
+            </a:xfrm>
+            <a:prstGeom prst="rect">
+              <a:avLst/>
+            </a:prstGeom>
+            <a:noFill/>
+          </p:spPr>
+          <p:txBody>
+            <a:bodyPr wrap="none" rtlCol="0">
+              <a:spAutoFit/>
+            </a:bodyPr>
+            <a:lstStyle/>
+            <a:p>
+              <a:r>
+                <a:rPr lang="ko-KR" altLang="en-US" sz="1100"/>
+                <a:t>신뢰할 수 없는 것으로 둠</a:t>
+              </a:r>
+            </a:p>
+          </p:txBody>
+        </p:sp>
+      </p:grpSp>
+    </p:spTree>
+    <p:extLst>
+      <p:ext uri="{BB962C8B-B14F-4D97-AF65-F5344CB8AC3E}">
+        <p14:creationId xmlns:p14="http://schemas.microsoft.com/office/powerpoint/2010/main" val="927697458"/>
+      </p:ext>
+    </p:extLst>
+  </p:cSld>
+  <p:clrMapOvr>
+    <a:masterClrMapping/>
+  </p:clrMapOvr>
+  <p:timing>
+    <p:tnLst>
+      <p:par>
+        <p:cTn id="1" dur="indefinite" restart="never" nodeType="tmRoot">
+          <p:childTnLst>
+            <p:seq concurrent="1" nextAc="seek">
+              <p:cTn id="2" dur="indefinite" nodeType="mainSeq">
+                <p:childTnLst>
+                  <p:par>
+                    <p:cTn id="3" fill="hold">
+                      <p:stCondLst>
+                        <p:cond delay="indefinite"/>
+                      </p:stCondLst>
+                      <p:childTnLst>
+                        <p:par>
+                          <p:cTn id="4" fill="hold">
+                            <p:stCondLst>
+                              <p:cond delay="0"/>
+                            </p:stCondLst>
+                            <p:childTnLst>
+                              <p:par>
+                                <p:cTn id="5" presetID="1" presetClass="entr" presetSubtype="0" fill="hold" nodeType="clickEffect">
+                                  <p:stCondLst>
+                                    <p:cond delay="0"/>
+                                  </p:stCondLst>
+                                  <p:childTnLst>
+                                    <p:set>
+                                      <p:cBhvr>
+                                        <p:cTn id="6" dur="1" fill="hold">
+                                          <p:stCondLst>
+                                            <p:cond delay="0"/>
+                                          </p:stCondLst>
+                                        </p:cTn>
+                                        <p:tgtEl>
+                                          <p:spTgt spid="8"/>
+                                        </p:tgtEl>
+                                        <p:attrNameLst>
+                                          <p:attrName>style.visibility</p:attrName>
+                                        </p:attrNameLst>
+                                      </p:cBhvr>
+                                      <p:to>
+                                        <p:strVal val="visible"/>
+                                      </p:to>
+                                    </p:set>
+                                  </p:childTnLst>
+                                </p:cTn>
+                              </p:par>
+                              <p:par>
+                                <p:cTn id="7" presetID="1" presetClass="entr" presetSubtype="0" fill="hold" nodeType="withEffect">
+                                  <p:stCondLst>
+                                    <p:cond delay="0"/>
+                                  </p:stCondLst>
+                                  <p:childTnLst>
+                                    <p:set>
+                                      <p:cBhvr>
+                                        <p:cTn id="8" dur="1" fill="hold">
+                                          <p:stCondLst>
+                                            <p:cond delay="0"/>
+                                          </p:stCondLst>
+                                        </p:cTn>
+                                        <p:tgtEl>
+                                          <p:spTgt spid="17"/>
+                                        </p:tgtEl>
+                                        <p:attrNameLst>
+                                          <p:attrName>style.visibility</p:attrName>
+                                        </p:attrNameLst>
+                                      </p:cBhvr>
+                                      <p:to>
+                                        <p:strVal val="visible"/>
+                                      </p:to>
+                                    </p:set>
+                                  </p:childTnLst>
+                                </p:cTn>
+                              </p:par>
+                              <p:par>
+                                <p:cTn id="9" presetID="1" presetClass="entr" presetSubtype="0" fill="hold" nodeType="withEffect">
+                                  <p:stCondLst>
+                                    <p:cond delay="0"/>
+                                  </p:stCondLst>
+                                  <p:childTnLst>
+                                    <p:set>
+                                      <p:cBhvr>
+                                        <p:cTn id="10" dur="1" fill="hold">
+                                          <p:stCondLst>
+                                            <p:cond delay="0"/>
+                                          </p:stCondLst>
+                                        </p:cTn>
+                                        <p:tgtEl>
+                                          <p:spTgt spid="21"/>
+                                        </p:tgtEl>
+                                        <p:attrNameLst>
+                                          <p:attrName>style.visibility</p:attrName>
+                                        </p:attrNameLst>
+                                      </p:cBhvr>
+                                      <p:to>
+                                        <p:strVal val="visible"/>
+                                      </p:to>
+                                    </p:set>
+                                  </p:childTnLst>
+                                </p:cTn>
+                              </p:par>
+                              <p:par>
+                                <p:cTn id="11" presetID="1" presetClass="entr" presetSubtype="0" fill="hold" grpId="0" nodeType="withEffect">
+                                  <p:stCondLst>
+                                    <p:cond delay="0"/>
+                                  </p:stCondLst>
+                                  <p:childTnLst>
+                                    <p:set>
+                                      <p:cBhvr>
+                                        <p:cTn id="12" dur="1" fill="hold">
+                                          <p:stCondLst>
+                                            <p:cond delay="0"/>
+                                          </p:stCondLst>
+                                        </p:cTn>
+                                        <p:tgtEl>
+                                          <p:spTgt spid="22"/>
+                                        </p:tgtEl>
+                                        <p:attrNameLst>
+                                          <p:attrName>style.visibility</p:attrName>
+                                        </p:attrNameLst>
+                                      </p:cBhvr>
+                                      <p:to>
+                                        <p:strVal val="visible"/>
+                                      </p:to>
+                                    </p:set>
+                                  </p:childTnLst>
+                                </p:cTn>
+                              </p:par>
+                            </p:childTnLst>
+                          </p:cTn>
+                        </p:par>
+                      </p:childTnLst>
+                    </p:cTn>
+                  </p:par>
+                  <p:par>
+                    <p:cTn id="13" fill="hold">
+                      <p:stCondLst>
+                        <p:cond delay="indefinite"/>
+                      </p:stCondLst>
+                      <p:childTnLst>
+                        <p:par>
+                          <p:cTn id="14" fill="hold">
+                            <p:stCondLst>
+                              <p:cond delay="0"/>
+                            </p:stCondLst>
+                            <p:childTnLst>
+                              <p:par>
+                                <p:cTn id="15" presetID="1" presetClass="entr" presetSubtype="0" fill="hold" grpId="0" nodeType="clickEffect">
+                                  <p:stCondLst>
+                                    <p:cond delay="0"/>
+                                  </p:stCondLst>
+                                  <p:childTnLst>
+                                    <p:set>
+                                      <p:cBhvr>
+                                        <p:cTn id="16" dur="1" fill="hold">
+                                          <p:stCondLst>
+                                            <p:cond delay="0"/>
+                                          </p:stCondLst>
+                                        </p:cTn>
+                                        <p:tgtEl>
+                                          <p:spTgt spid="14"/>
+                                        </p:tgtEl>
+                                        <p:attrNameLst>
+                                          <p:attrName>style.visibility</p:attrName>
+                                        </p:attrNameLst>
+                                      </p:cBhvr>
+                                      <p:to>
+                                        <p:strVal val="visible"/>
+                                      </p:to>
+                                    </p:set>
+                                  </p:childTnLst>
+                                </p:cTn>
+                              </p:par>
+                            </p:childTnLst>
+                          </p:cTn>
+                        </p:par>
+                      </p:childTnLst>
+                    </p:cTn>
+                  </p:par>
+                  <p:par>
+                    <p:cTn id="17" fill="hold">
+                      <p:stCondLst>
+                        <p:cond delay="indefinite"/>
+                      </p:stCondLst>
+                      <p:childTnLst>
+                        <p:par>
+                          <p:cTn id="18" fill="hold">
+                            <p:stCondLst>
+                              <p:cond delay="0"/>
+                            </p:stCondLst>
+                            <p:childTnLst>
+                              <p:par>
+                                <p:cTn id="19" presetID="1" presetClass="entr" presetSubtype="0" fill="hold" nodeType="clickEffect">
+                                  <p:stCondLst>
+                                    <p:cond delay="0"/>
+                                  </p:stCondLst>
+                                  <p:childTnLst>
+                                    <p:set>
+                                      <p:cBhvr>
+                                        <p:cTn id="20" dur="1" fill="hold">
+                                          <p:stCondLst>
+                                            <p:cond delay="0"/>
+                                          </p:stCondLst>
+                                        </p:cTn>
+                                        <p:tgtEl>
+                                          <p:spTgt spid="31"/>
+                                        </p:tgtEl>
+                                        <p:attrNameLst>
+                                          <p:attrName>style.visibility</p:attrName>
+                                        </p:attrNameLst>
+                                      </p:cBhvr>
+                                      <p:to>
+                                        <p:strVal val="visible"/>
+                                      </p:to>
+                                    </p:set>
+                                  </p:childTnLst>
+                                </p:cTn>
+                              </p:par>
+                            </p:childTnLst>
+                          </p:cTn>
+                        </p:par>
+                      </p:childTnLst>
+                    </p:cTn>
+                  </p:par>
+                  <p:par>
+                    <p:cTn id="21" fill="hold">
+                      <p:stCondLst>
+                        <p:cond delay="indefinite"/>
+                      </p:stCondLst>
+                      <p:childTnLst>
+                        <p:par>
+                          <p:cTn id="22" fill="hold">
+                            <p:stCondLst>
+                              <p:cond delay="0"/>
+                            </p:stCondLst>
+                            <p:childTnLst>
+                              <p:par>
+                                <p:cTn id="23" presetID="1" presetClass="entr" presetSubtype="0" fill="hold" grpId="0" nodeType="clickEffect">
+                                  <p:stCondLst>
+                                    <p:cond delay="0"/>
+                                  </p:stCondLst>
+                                  <p:childTnLst>
+                                    <p:set>
+                                      <p:cBhvr>
+                                        <p:cTn id="24" dur="1" fill="hold">
+                                          <p:stCondLst>
+                                            <p:cond delay="0"/>
+                                          </p:stCondLst>
+                                        </p:cTn>
+                                        <p:tgtEl>
+                                          <p:spTgt spid="26"/>
+                                        </p:tgtEl>
+                                        <p:attrNameLst>
+                                          <p:attrName>style.visibility</p:attrName>
+                                        </p:attrNameLst>
+                                      </p:cBhvr>
+                                      <p:to>
+                                        <p:strVal val="visible"/>
+                                      </p:to>
+                                    </p:set>
+                                  </p:childTnLst>
+                                </p:cTn>
+                              </p:par>
+                            </p:childTnLst>
+                          </p:cTn>
+                        </p:par>
+                      </p:childTnLst>
+                    </p:cTn>
+                  </p:par>
+                  <p:par>
+                    <p:cTn id="25" fill="hold">
+                      <p:stCondLst>
+                        <p:cond delay="indefinite"/>
+                      </p:stCondLst>
+                      <p:childTnLst>
+                        <p:par>
+                          <p:cTn id="26" fill="hold">
+                            <p:stCondLst>
+                              <p:cond delay="0"/>
+                            </p:stCondLst>
+                            <p:childTnLst>
+                              <p:par>
+                                <p:cTn id="27" presetID="1" presetClass="entr" presetSubtype="0" fill="hold" grpId="0" nodeType="clickEffect">
+                                  <p:stCondLst>
+                                    <p:cond delay="0"/>
+                                  </p:stCondLst>
+                                  <p:childTnLst>
+                                    <p:set>
+                                      <p:cBhvr>
+                                        <p:cTn id="28" dur="1" fill="hold">
+                                          <p:stCondLst>
+                                            <p:cond delay="0"/>
+                                          </p:stCondLst>
+                                        </p:cTn>
+                                        <p:tgtEl>
+                                          <p:spTgt spid="27"/>
+                                        </p:tgtEl>
+                                        <p:attrNameLst>
+                                          <p:attrName>style.visibility</p:attrName>
+                                        </p:attrNameLst>
+                                      </p:cBhvr>
+                                      <p:to>
+                                        <p:strVal val="visible"/>
+                                      </p:to>
+                                    </p:set>
+                                  </p:childTnLst>
+                                </p:cTn>
+                              </p:par>
+                            </p:childTnLst>
+                          </p:cTn>
+                        </p:par>
+                      </p:childTnLst>
+                    </p:cTn>
+                  </p:par>
+                </p:childTnLst>
+              </p:cTn>
+              <p:prevCondLst>
+                <p:cond evt="onPrev" delay="0">
+                  <p:tgtEl>
+                    <p:sldTgt/>
+                  </p:tgtEl>
+                </p:cond>
+              </p:prevCondLst>
+              <p:nextCondLst>
+                <p:cond evt="onNext" delay="0">
+                  <p:tgtEl>
+                    <p:sldTgt/>
+                  </p:tgtEl>
+                </p:cond>
+              </p:nextCondLst>
+            </p:seq>
+          </p:childTnLst>
+        </p:cTn>
+      </p:par>
+    </p:tnLst>
+    <p:bldLst>
+      <p:bldP spid="14" grpId="0"/>
+      <p:bldP spid="22" grpId="0"/>
+      <p:bldP spid="26" grpId="0"/>
+      <p:bldP spid="27" grpId="0"/>
+    </p:bldLst>
+  </p:timing>
+</p:sld>
+</file>
+
+<file path=ppt/slides/slide22.xml><?xml version="1.0" encoding="utf-8"?>
+<p:sld xmlns:a="http://schemas.openxmlformats.org/drawingml/2006/main" xmlns:r="http://schemas.openxmlformats.org/officeDocument/2006/relationships" xmlns:p="http://schemas.openxmlformats.org/presentationml/2006/main">
+  <p:cSld>
+    <p:spTree>
+      <p:nvGrpSpPr>
+        <p:cNvPr id="1" name="">
+          <a:extLst>
+            <a:ext uri="{FF2B5EF4-FFF2-40B4-BE49-F238E27FC236}">
+              <a16:creationId xmlns:a16="http://schemas.microsoft.com/office/drawing/2014/main" id="{9D629F79-A0E8-AA46-2154-1D3F49E53CC8}"/>
+            </a:ext>
+          </a:extLst>
+        </p:cNvPr>
+        <p:cNvGrpSpPr/>
+        <p:nvPr/>
+      </p:nvGrpSpPr>
+      <p:grpSpPr>
+        <a:xfrm>
+          <a:off x="0" y="0"/>
+          <a:ext cx="0" cy="0"/>
+          <a:chOff x="0" y="0"/>
+          <a:chExt cx="0" cy="0"/>
+        </a:xfrm>
+      </p:grpSpPr>
+      <p:cxnSp>
+        <p:nvCxnSpPr>
+          <p:cNvPr id="23" name="직선 연결선 22">
+            <a:extLst>
+              <a:ext uri="{FF2B5EF4-FFF2-40B4-BE49-F238E27FC236}">
+                <a16:creationId xmlns:a16="http://schemas.microsoft.com/office/drawing/2014/main" id="{86DC2A17-C9E1-CAAA-F796-F071C02D31D0}"/>
+              </a:ext>
+            </a:extLst>
+          </p:cNvPr>
+          <p:cNvCxnSpPr/>
+          <p:nvPr/>
+        </p:nvCxnSpPr>
+        <p:spPr>
+          <a:xfrm>
+            <a:off x="144378" y="160422"/>
+            <a:ext cx="12060000" cy="0"/>
+          </a:xfrm>
+          <a:prstGeom prst="line">
+            <a:avLst/>
+          </a:prstGeom>
+          <a:ln w="76200">
+            <a:solidFill>
+              <a:schemeClr val="accent1"/>
+            </a:solidFill>
+          </a:ln>
+        </p:spPr>
+        <p:style>
+          <a:lnRef idx="1">
+            <a:schemeClr val="accent1"/>
+          </a:lnRef>
+          <a:fillRef idx="0">
+            <a:schemeClr val="accent1"/>
+          </a:fillRef>
+          <a:effectRef idx="0">
+            <a:schemeClr val="accent1"/>
+          </a:effectRef>
+          <a:fontRef idx="minor">
+            <a:schemeClr val="tx1"/>
+          </a:fontRef>
+        </p:style>
+      </p:cxnSp>
+      <p:cxnSp>
+        <p:nvCxnSpPr>
+          <p:cNvPr id="25" name="직선 연결선 24">
+            <a:extLst>
+              <a:ext uri="{FF2B5EF4-FFF2-40B4-BE49-F238E27FC236}">
+                <a16:creationId xmlns:a16="http://schemas.microsoft.com/office/drawing/2014/main" id="{7BB83105-67E8-CC4A-1739-9327AAE0594C}"/>
+              </a:ext>
+            </a:extLst>
+          </p:cNvPr>
+          <p:cNvCxnSpPr/>
+          <p:nvPr/>
+        </p:nvCxnSpPr>
+        <p:spPr>
+          <a:xfrm>
+            <a:off x="144378" y="6737685"/>
+            <a:ext cx="12060000" cy="0"/>
+          </a:xfrm>
+          <a:prstGeom prst="line">
+            <a:avLst/>
+          </a:prstGeom>
+          <a:ln w="3175">
+            <a:solidFill>
+              <a:schemeClr val="accent1"/>
+            </a:solidFill>
+          </a:ln>
+        </p:spPr>
+        <p:style>
+          <a:lnRef idx="1">
+            <a:schemeClr val="accent1"/>
+          </a:lnRef>
+          <a:fillRef idx="0">
+            <a:schemeClr val="accent1"/>
+          </a:fillRef>
+          <a:effectRef idx="0">
+            <a:schemeClr val="accent1"/>
+          </a:effectRef>
+          <a:fontRef idx="minor">
+            <a:schemeClr val="tx1"/>
+          </a:fontRef>
+        </p:style>
+      </p:cxnSp>
+      <p:sp>
+        <p:nvSpPr>
+          <p:cNvPr id="2" name="슬라이드 번호 개체 틀 1">
+            <a:extLst>
+              <a:ext uri="{FF2B5EF4-FFF2-40B4-BE49-F238E27FC236}">
+                <a16:creationId xmlns:a16="http://schemas.microsoft.com/office/drawing/2014/main" id="{B7F2BFA4-F2F4-482E-8A00-3839C28B48E7}"/>
+              </a:ext>
+            </a:extLst>
+          </p:cNvPr>
+          <p:cNvSpPr>
+            <a:spLocks noGrp="1"/>
+          </p:cNvSpPr>
+          <p:nvPr>
+            <p:ph type="sldNum" sz="quarter" idx="12"/>
+          </p:nvPr>
+        </p:nvSpPr>
+        <p:spPr/>
+        <p:txBody>
+          <a:bodyPr/>
+          <a:lstStyle/>
+          <a:p>
+            <a:fld id="{F98B6473-7C87-478A-B3B4-ACF16772A847}" type="slidenum">
+              <a:rPr lang="ko-KR" altLang="en-US" smtClean="0"/>
+              <a:t>22</a:t>
+            </a:fld>
+            <a:endParaRPr lang="ko-KR" altLang="en-US"/>
+          </a:p>
+        </p:txBody>
+      </p:sp>
+      <p:grpSp>
+        <p:nvGrpSpPr>
+          <p:cNvPr id="3" name="그룹 2">
+            <a:extLst>
+              <a:ext uri="{FF2B5EF4-FFF2-40B4-BE49-F238E27FC236}">
+                <a16:creationId xmlns:a16="http://schemas.microsoft.com/office/drawing/2014/main" id="{E0D3E9D2-D101-4995-BF91-51FE681FC100}"/>
+              </a:ext>
+            </a:extLst>
+          </p:cNvPr>
+          <p:cNvGrpSpPr/>
+          <p:nvPr/>
+        </p:nvGrpSpPr>
+        <p:grpSpPr>
+          <a:xfrm>
+            <a:off x="2708505" y="1013296"/>
+            <a:ext cx="6774990" cy="3341516"/>
+            <a:chOff x="2649997" y="1334385"/>
+            <a:chExt cx="6774990" cy="3341516"/>
+          </a:xfrm>
+        </p:grpSpPr>
+        <p:pic>
+          <p:nvPicPr>
+            <p:cNvPr id="5" name="그림 4">
+              <a:extLst>
+                <a:ext uri="{FF2B5EF4-FFF2-40B4-BE49-F238E27FC236}">
+                  <a16:creationId xmlns:a16="http://schemas.microsoft.com/office/drawing/2014/main" id="{9FBE3768-3E2F-4B84-9A07-477709C95B29}"/>
+                </a:ext>
+              </a:extLst>
+            </p:cNvPr>
+            <p:cNvPicPr>
+              <a:picLocks noChangeAspect="1"/>
+            </p:cNvPicPr>
+            <p:nvPr/>
+          </p:nvPicPr>
+          <p:blipFill>
+            <a:blip r:embed="rId2"/>
+            <a:stretch>
+              <a:fillRect/>
+            </a:stretch>
+          </p:blipFill>
+          <p:spPr>
+            <a:xfrm>
+              <a:off x="2767012" y="1808876"/>
+              <a:ext cx="6657975" cy="2867025"/>
+            </a:xfrm>
+            <a:prstGeom prst="rect">
+              <a:avLst/>
+            </a:prstGeom>
+          </p:spPr>
+        </p:pic>
+        <p:sp>
+          <p:nvSpPr>
+            <p:cNvPr id="6" name="TextBox 5">
+              <a:extLst>
+                <a:ext uri="{FF2B5EF4-FFF2-40B4-BE49-F238E27FC236}">
+                  <a16:creationId xmlns:a16="http://schemas.microsoft.com/office/drawing/2014/main" id="{8F54E59D-04A0-426C-A775-E7C3D502E445}"/>
+                </a:ext>
+              </a:extLst>
+            </p:cNvPr>
+            <p:cNvSpPr txBox="1"/>
+            <p:nvPr/>
+          </p:nvSpPr>
+          <p:spPr>
+            <a:xfrm>
+              <a:off x="2649997" y="1334385"/>
+              <a:ext cx="1047082" cy="369332"/>
+            </a:xfrm>
+            <a:prstGeom prst="rect">
+              <a:avLst/>
+            </a:prstGeom>
+            <a:noFill/>
+          </p:spPr>
+          <p:txBody>
+            <a:bodyPr wrap="none" rtlCol="0">
+              <a:spAutoFit/>
+            </a:bodyPr>
+            <a:lstStyle/>
+            <a:p>
+              <a:r>
+                <a:rPr lang="en-US" altLang="ko-KR"/>
+                <a:t>Figure 8</a:t>
+              </a:r>
+              <a:endParaRPr lang="ko-KR" altLang="en-US"/>
+            </a:p>
+          </p:txBody>
+        </p:sp>
+      </p:grpSp>
+      <p:sp>
+        <p:nvSpPr>
+          <p:cNvPr id="7" name="직사각형 6">
+            <a:extLst>
+              <a:ext uri="{FF2B5EF4-FFF2-40B4-BE49-F238E27FC236}">
+                <a16:creationId xmlns:a16="http://schemas.microsoft.com/office/drawing/2014/main" id="{1536BB60-0FBB-4DE5-9ECA-82842CAD54C4}"/>
+              </a:ext>
+            </a:extLst>
+          </p:cNvPr>
+          <p:cNvSpPr/>
+          <p:nvPr/>
+        </p:nvSpPr>
+        <p:spPr>
+          <a:xfrm>
+            <a:off x="631956" y="5152795"/>
+            <a:ext cx="10637604" cy="369332"/>
+          </a:xfrm>
+          <a:prstGeom prst="rect">
+            <a:avLst/>
+          </a:prstGeom>
+        </p:spPr>
+        <p:txBody>
+          <a:bodyPr wrap="square">
+            <a:spAutoFit/>
+          </a:bodyPr>
+          <a:lstStyle/>
+          <a:p>
+            <a:r>
+              <a:rPr lang="ko-KR" altLang="en-US"/>
+              <a:t>▶ </a:t>
+            </a:r>
+            <a:r>
+              <a:rPr lang="en-US" altLang="ko-KR"/>
+              <a:t>SP-LIME </a:t>
+            </a:r>
+            <a:r>
+              <a:rPr lang="ko-KR" altLang="en-US"/>
+              <a:t>을 통해 나온 </a:t>
+            </a:r>
+            <a:r>
+              <a:rPr lang="en-US" altLang="ko-KR"/>
+              <a:t>instance </a:t>
+            </a:r>
+            <a:r>
+              <a:rPr lang="ko-KR" altLang="en-US"/>
+              <a:t>중 </a:t>
+            </a:r>
+            <a:r>
+              <a:rPr lang="en-US" altLang="ko-KR"/>
+              <a:t>trustworthy</a:t>
+            </a:r>
+            <a:r>
+              <a:rPr lang="ko-KR" altLang="en-US"/>
+              <a:t>한 </a:t>
+            </a:r>
+            <a:r>
+              <a:rPr lang="en-US" altLang="ko-KR"/>
+              <a:t>instance</a:t>
+            </a:r>
+            <a:r>
+              <a:rPr lang="ko-KR" altLang="en-US"/>
+              <a:t>의 비율</a:t>
+            </a:r>
+            <a:endParaRPr lang="en-US" altLang="ko-KR"/>
+          </a:p>
+        </p:txBody>
+      </p:sp>
+      <p:sp>
+        <p:nvSpPr>
+          <p:cNvPr id="8" name="직사각형 7">
+            <a:extLst>
+              <a:ext uri="{FF2B5EF4-FFF2-40B4-BE49-F238E27FC236}">
+                <a16:creationId xmlns:a16="http://schemas.microsoft.com/office/drawing/2014/main" id="{94E56BF6-4FE7-478A-B8AF-9F67FE54F2CF}"/>
+              </a:ext>
+            </a:extLst>
+          </p:cNvPr>
+          <p:cNvSpPr/>
+          <p:nvPr/>
+        </p:nvSpPr>
+        <p:spPr>
+          <a:xfrm>
+            <a:off x="631956" y="5706793"/>
+            <a:ext cx="10637604" cy="369332"/>
+          </a:xfrm>
+          <a:prstGeom prst="rect">
+            <a:avLst/>
+          </a:prstGeom>
+        </p:spPr>
+        <p:txBody>
+          <a:bodyPr wrap="square">
+            <a:spAutoFit/>
+          </a:bodyPr>
+          <a:lstStyle/>
+          <a:p>
+            <a:r>
+              <a:rPr lang="ko-KR" altLang="en-US"/>
+              <a:t>▶ </a:t>
+            </a:r>
+            <a:r>
+              <a:rPr lang="en-US" altLang="ko-KR"/>
+              <a:t>SP-LIME </a:t>
+            </a:r>
+            <a:r>
+              <a:rPr lang="ko-KR" altLang="en-US"/>
+              <a:t>이 우수</a:t>
+            </a:r>
+            <a:r>
+              <a:rPr lang="en-US" altLang="ko-KR"/>
+              <a:t>, </a:t>
+            </a:r>
+            <a:r>
+              <a:rPr lang="ko-KR" altLang="en-US"/>
+              <a:t>여기서 </a:t>
+            </a:r>
+            <a:r>
+              <a:rPr lang="en-US" altLang="ko-KR"/>
+              <a:t>SP-parzen, RP-parzen</a:t>
+            </a:r>
+            <a:r>
+              <a:rPr lang="ko-KR" altLang="en-US"/>
+              <a:t>은 성능이 저조해 생략</a:t>
+            </a:r>
+            <a:endParaRPr lang="en-US" altLang="ko-KR"/>
+          </a:p>
+        </p:txBody>
+      </p:sp>
     </p:spTree>
     <p:extLst>
       <p:ext uri="{BB962C8B-B14F-4D97-AF65-F5344CB8AC3E}">
         <p14:creationId xmlns:p14="http://schemas.microsoft.com/office/powerpoint/2010/main" val="2783556788"/>
+      </p:ext>
+    </p:extLst>
+  </p:cSld>
+  <p:clrMapOvr>
+    <a:masterClrMapping/>
+  </p:clrMapOvr>
+</p:sld>
+</file>
+
+<file path=ppt/slides/slide23.xml><?xml version="1.0" encoding="utf-8"?>
+<p:sld xmlns:a="http://schemas.openxmlformats.org/drawingml/2006/main" xmlns:r="http://schemas.openxmlformats.org/officeDocument/2006/relationships" xmlns:p="http://schemas.openxmlformats.org/presentationml/2006/main">
+  <p:cSld>
+    <p:bg>
+      <p:bgPr>
+        <a:solidFill>
+          <a:schemeClr val="accent1"/>
+        </a:solidFill>
+        <a:effectLst/>
+      </p:bgPr>
+    </p:bg>
+    <p:spTree>
+      <p:nvGrpSpPr>
+        <p:cNvPr id="1" name=""/>
+        <p:cNvGrpSpPr/>
+        <p:nvPr/>
+      </p:nvGrpSpPr>
+      <p:grpSpPr>
+        <a:xfrm>
+          <a:off x="0" y="0"/>
+          <a:ext cx="0" cy="0"/>
+          <a:chOff x="0" y="0"/>
+          <a:chExt cx="0" cy="0"/>
+        </a:xfrm>
+      </p:grpSpPr>
+      <p:grpSp>
+        <p:nvGrpSpPr>
+          <p:cNvPr id="4" name="그룹 3">
+            <a:extLst>
+              <a:ext uri="{FF2B5EF4-FFF2-40B4-BE49-F238E27FC236}">
+                <a16:creationId xmlns:a16="http://schemas.microsoft.com/office/drawing/2014/main" id="{F85C76D2-7F39-4F58-97D7-74F7301D4AD8}"/>
+              </a:ext>
+            </a:extLst>
+          </p:cNvPr>
+          <p:cNvGrpSpPr/>
+          <p:nvPr/>
+        </p:nvGrpSpPr>
+        <p:grpSpPr>
+          <a:xfrm>
+            <a:off x="6817895" y="872277"/>
+            <a:ext cx="5374105" cy="4483771"/>
+            <a:chOff x="6817895" y="310803"/>
+            <a:chExt cx="5374105" cy="4483771"/>
+          </a:xfrm>
+        </p:grpSpPr>
+        <p:sp>
+          <p:nvSpPr>
+            <p:cNvPr id="5" name="TextBox 4">
+              <a:extLst>
+                <a:ext uri="{FF2B5EF4-FFF2-40B4-BE49-F238E27FC236}">
+                  <a16:creationId xmlns:a16="http://schemas.microsoft.com/office/drawing/2014/main" id="{68816546-E938-4F8E-AD1A-031EF03A80AF}"/>
+                </a:ext>
+              </a:extLst>
+            </p:cNvPr>
+            <p:cNvSpPr txBox="1"/>
+            <p:nvPr/>
+          </p:nvSpPr>
+          <p:spPr>
+            <a:xfrm>
+              <a:off x="6817895" y="310803"/>
+              <a:ext cx="1731564" cy="3154710"/>
+            </a:xfrm>
+            <a:prstGeom prst="rect">
+              <a:avLst/>
+            </a:prstGeom>
+            <a:noFill/>
+          </p:spPr>
+          <p:txBody>
+            <a:bodyPr wrap="none" rtlCol="0">
+              <a:spAutoFit/>
+            </a:bodyPr>
+            <a:lstStyle/>
+            <a:p>
+              <a:r>
+                <a:rPr lang="en-US" altLang="ko-KR" sz="19900" b="1">
+                  <a:solidFill>
+                    <a:schemeClr val="bg1"/>
+                  </a:solidFill>
+                  <a:latin typeface="+mj-ea"/>
+                  <a:ea typeface="+mj-ea"/>
+                </a:rPr>
+                <a:t>5</a:t>
+              </a:r>
+              <a:endParaRPr lang="ko-KR" altLang="en-US" sz="19900" b="1">
+                <a:solidFill>
+                  <a:schemeClr val="bg1"/>
+                </a:solidFill>
+                <a:latin typeface="+mj-ea"/>
+                <a:ea typeface="+mj-ea"/>
+              </a:endParaRPr>
+            </a:p>
+          </p:txBody>
+        </p:sp>
+        <p:sp>
+          <p:nvSpPr>
+            <p:cNvPr id="6" name="TextBox 5">
+              <a:extLst>
+                <a:ext uri="{FF2B5EF4-FFF2-40B4-BE49-F238E27FC236}">
+                  <a16:creationId xmlns:a16="http://schemas.microsoft.com/office/drawing/2014/main" id="{4F833939-8BC9-4D3A-A64A-0A1054AEC8A2}"/>
+                </a:ext>
+              </a:extLst>
+            </p:cNvPr>
+            <p:cNvSpPr txBox="1"/>
+            <p:nvPr/>
+          </p:nvSpPr>
+          <p:spPr>
+            <a:xfrm>
+              <a:off x="6817895" y="3350782"/>
+              <a:ext cx="3199915" cy="830997"/>
+            </a:xfrm>
+            <a:prstGeom prst="rect">
+              <a:avLst/>
+            </a:prstGeom>
+            <a:noFill/>
+          </p:spPr>
+          <p:txBody>
+            <a:bodyPr wrap="none" rtlCol="0">
+              <a:spAutoFit/>
+            </a:bodyPr>
+            <a:lstStyle/>
+            <a:p>
+              <a:r>
+                <a:rPr lang="en-US" altLang="ko-KR" sz="4800" b="1" spc="-300">
+                  <a:solidFill>
+                    <a:schemeClr val="bg1"/>
+                  </a:solidFill>
+                  <a:latin typeface="+mn-ea"/>
+                </a:rPr>
+                <a:t>My research</a:t>
+              </a:r>
+              <a:endParaRPr lang="ko-KR" altLang="en-US" sz="4800" b="1" spc="-300">
+                <a:solidFill>
+                  <a:schemeClr val="bg1"/>
+                </a:solidFill>
+                <a:latin typeface="+mn-ea"/>
+              </a:endParaRPr>
+            </a:p>
+          </p:txBody>
+        </p:sp>
+        <p:cxnSp>
+          <p:nvCxnSpPr>
+            <p:cNvPr id="7" name="직선 연결선 6">
+              <a:extLst>
+                <a:ext uri="{FF2B5EF4-FFF2-40B4-BE49-F238E27FC236}">
+                  <a16:creationId xmlns:a16="http://schemas.microsoft.com/office/drawing/2014/main" id="{FC80C3D9-002D-4F6A-A630-B5919F728CDF}"/>
+                </a:ext>
+              </a:extLst>
+            </p:cNvPr>
+            <p:cNvCxnSpPr>
+              <a:cxnSpLocks/>
+            </p:cNvCxnSpPr>
+            <p:nvPr/>
+          </p:nvCxnSpPr>
+          <p:spPr>
+            <a:xfrm>
+              <a:off x="6817895" y="4545921"/>
+              <a:ext cx="5374105" cy="0"/>
+            </a:xfrm>
+            <a:prstGeom prst="line">
+              <a:avLst/>
+            </a:prstGeom>
+            <a:ln w="76200">
+              <a:solidFill>
+                <a:schemeClr val="bg1"/>
+              </a:solidFill>
+            </a:ln>
+          </p:spPr>
+          <p:style>
+            <a:lnRef idx="1">
+              <a:schemeClr val="accent1"/>
+            </a:lnRef>
+            <a:fillRef idx="0">
+              <a:schemeClr val="accent1"/>
+            </a:fillRef>
+            <a:effectRef idx="0">
+              <a:schemeClr val="accent1"/>
+            </a:effectRef>
+            <a:fontRef idx="minor">
+              <a:schemeClr val="tx1"/>
+            </a:fontRef>
+          </p:style>
+        </p:cxnSp>
+        <p:cxnSp>
+          <p:nvCxnSpPr>
+            <p:cNvPr id="8" name="직선 연결선 7">
+              <a:extLst>
+                <a:ext uri="{FF2B5EF4-FFF2-40B4-BE49-F238E27FC236}">
+                  <a16:creationId xmlns:a16="http://schemas.microsoft.com/office/drawing/2014/main" id="{F38B89E5-8549-499E-8954-707C2B759700}"/>
+                </a:ext>
+              </a:extLst>
+            </p:cNvPr>
+            <p:cNvCxnSpPr>
+              <a:cxnSpLocks/>
+            </p:cNvCxnSpPr>
+            <p:nvPr/>
+          </p:nvCxnSpPr>
+          <p:spPr>
+            <a:xfrm>
+              <a:off x="6817895" y="4794574"/>
+              <a:ext cx="5374105" cy="0"/>
+            </a:xfrm>
+            <a:prstGeom prst="line">
+              <a:avLst/>
+            </a:prstGeom>
+            <a:ln w="3175">
+              <a:solidFill>
+                <a:schemeClr val="bg1"/>
+              </a:solidFill>
+            </a:ln>
+          </p:spPr>
+          <p:style>
+            <a:lnRef idx="1">
+              <a:schemeClr val="accent1"/>
+            </a:lnRef>
+            <a:fillRef idx="0">
+              <a:schemeClr val="accent1"/>
+            </a:fillRef>
+            <a:effectRef idx="0">
+              <a:schemeClr val="accent1"/>
+            </a:effectRef>
+            <a:fontRef idx="minor">
+              <a:schemeClr val="tx1"/>
+            </a:fontRef>
+          </p:style>
+        </p:cxnSp>
+      </p:grpSp>
+      <p:sp>
+        <p:nvSpPr>
+          <p:cNvPr id="2" name="슬라이드 번호 개체 틀 1">
+            <a:extLst>
+              <a:ext uri="{FF2B5EF4-FFF2-40B4-BE49-F238E27FC236}">
+                <a16:creationId xmlns:a16="http://schemas.microsoft.com/office/drawing/2014/main" id="{B00142D5-CFA1-4569-B6E1-539AF90E83EB}"/>
+              </a:ext>
+            </a:extLst>
+          </p:cNvPr>
+          <p:cNvSpPr>
+            <a:spLocks noGrp="1"/>
+          </p:cNvSpPr>
+          <p:nvPr>
+            <p:ph type="sldNum" sz="quarter" idx="12"/>
+          </p:nvPr>
+        </p:nvSpPr>
+        <p:spPr/>
+        <p:txBody>
+          <a:bodyPr/>
+          <a:lstStyle/>
+          <a:p>
+            <a:fld id="{F98B6473-7C87-478A-B3B4-ACF16772A847}" type="slidenum">
+              <a:rPr lang="ko-KR" altLang="en-US" smtClean="0"/>
+              <a:t>23</a:t>
+            </a:fld>
+            <a:endParaRPr lang="ko-KR" altLang="en-US"/>
+          </a:p>
+        </p:txBody>
+      </p:sp>
+    </p:spTree>
+    <p:extLst>
+      <p:ext uri="{BB962C8B-B14F-4D97-AF65-F5344CB8AC3E}">
+        <p14:creationId xmlns:p14="http://schemas.microsoft.com/office/powerpoint/2010/main" val="1992322703"/>
+      </p:ext>
+    </p:extLst>
+  </p:cSld>
+  <p:clrMapOvr>
+    <a:masterClrMapping/>
+  </p:clrMapOvr>
+</p:sld>
+</file>
+
+<file path=ppt/slides/slide24.xml><?xml version="1.0" encoding="utf-8"?>
+<p:sld xmlns:a="http://schemas.openxmlformats.org/drawingml/2006/main" xmlns:r="http://schemas.openxmlformats.org/officeDocument/2006/relationships" xmlns:p="http://schemas.openxmlformats.org/presentationml/2006/main">
+  <p:cSld>
+    <p:spTree>
+      <p:nvGrpSpPr>
+        <p:cNvPr id="1" name="">
+          <a:extLst>
+            <a:ext uri="{FF2B5EF4-FFF2-40B4-BE49-F238E27FC236}">
+              <a16:creationId xmlns:a16="http://schemas.microsoft.com/office/drawing/2014/main" id="{9D629F79-A0E8-AA46-2154-1D3F49E53CC8}"/>
+            </a:ext>
+          </a:extLst>
+        </p:cNvPr>
+        <p:cNvGrpSpPr/>
+        <p:nvPr/>
+      </p:nvGrpSpPr>
+      <p:grpSpPr>
+        <a:xfrm>
+          <a:off x="0" y="0"/>
+          <a:ext cx="0" cy="0"/>
+          <a:chOff x="0" y="0"/>
+          <a:chExt cx="0" cy="0"/>
+        </a:xfrm>
+      </p:grpSpPr>
+      <p:cxnSp>
+        <p:nvCxnSpPr>
+          <p:cNvPr id="23" name="직선 연결선 22">
+            <a:extLst>
+              <a:ext uri="{FF2B5EF4-FFF2-40B4-BE49-F238E27FC236}">
+                <a16:creationId xmlns:a16="http://schemas.microsoft.com/office/drawing/2014/main" id="{86DC2A17-C9E1-CAAA-F796-F071C02D31D0}"/>
+              </a:ext>
+            </a:extLst>
+          </p:cNvPr>
+          <p:cNvCxnSpPr/>
+          <p:nvPr/>
+        </p:nvCxnSpPr>
+        <p:spPr>
+          <a:xfrm>
+            <a:off x="144378" y="160422"/>
+            <a:ext cx="12060000" cy="0"/>
+          </a:xfrm>
+          <a:prstGeom prst="line">
+            <a:avLst/>
+          </a:prstGeom>
+          <a:ln w="76200">
+            <a:solidFill>
+              <a:schemeClr val="accent1"/>
+            </a:solidFill>
+          </a:ln>
+        </p:spPr>
+        <p:style>
+          <a:lnRef idx="1">
+            <a:schemeClr val="accent1"/>
+          </a:lnRef>
+          <a:fillRef idx="0">
+            <a:schemeClr val="accent1"/>
+          </a:fillRef>
+          <a:effectRef idx="0">
+            <a:schemeClr val="accent1"/>
+          </a:effectRef>
+          <a:fontRef idx="minor">
+            <a:schemeClr val="tx1"/>
+          </a:fontRef>
+        </p:style>
+      </p:cxnSp>
+      <p:cxnSp>
+        <p:nvCxnSpPr>
+          <p:cNvPr id="25" name="직선 연결선 24">
+            <a:extLst>
+              <a:ext uri="{FF2B5EF4-FFF2-40B4-BE49-F238E27FC236}">
+                <a16:creationId xmlns:a16="http://schemas.microsoft.com/office/drawing/2014/main" id="{7BB83105-67E8-CC4A-1739-9327AAE0594C}"/>
+              </a:ext>
+            </a:extLst>
+          </p:cNvPr>
+          <p:cNvCxnSpPr/>
+          <p:nvPr/>
+        </p:nvCxnSpPr>
+        <p:spPr>
+          <a:xfrm>
+            <a:off x="144378" y="6737685"/>
+            <a:ext cx="12060000" cy="0"/>
+          </a:xfrm>
+          <a:prstGeom prst="line">
+            <a:avLst/>
+          </a:prstGeom>
+          <a:ln w="3175">
+            <a:solidFill>
+              <a:schemeClr val="accent1"/>
+            </a:solidFill>
+          </a:ln>
+        </p:spPr>
+        <p:style>
+          <a:lnRef idx="1">
+            <a:schemeClr val="accent1"/>
+          </a:lnRef>
+          <a:fillRef idx="0">
+            <a:schemeClr val="accent1"/>
+          </a:fillRef>
+          <a:effectRef idx="0">
+            <a:schemeClr val="accent1"/>
+          </a:effectRef>
+          <a:fontRef idx="minor">
+            <a:schemeClr val="tx1"/>
+          </a:fontRef>
+        </p:style>
+      </p:cxnSp>
+      <p:sp>
+        <p:nvSpPr>
+          <p:cNvPr id="2" name="슬라이드 번호 개체 틀 1">
+            <a:extLst>
+              <a:ext uri="{FF2B5EF4-FFF2-40B4-BE49-F238E27FC236}">
+                <a16:creationId xmlns:a16="http://schemas.microsoft.com/office/drawing/2014/main" id="{B7F2BFA4-F2F4-482E-8A00-3839C28B48E7}"/>
+              </a:ext>
+            </a:extLst>
+          </p:cNvPr>
+          <p:cNvSpPr>
+            <a:spLocks noGrp="1"/>
+          </p:cNvSpPr>
+          <p:nvPr>
+            <p:ph type="sldNum" sz="quarter" idx="12"/>
+          </p:nvPr>
+        </p:nvSpPr>
+        <p:spPr>
+          <a:xfrm>
+            <a:off x="8610600" y="6356350"/>
+            <a:ext cx="2743200" cy="365125"/>
+          </a:xfrm>
+        </p:spPr>
+        <p:txBody>
+          <a:bodyPr/>
+          <a:lstStyle/>
+          <a:p>
+            <a:fld id="{F98B6473-7C87-478A-B3B4-ACF16772A847}" type="slidenum">
+              <a:rPr lang="ko-KR" altLang="en-US" smtClean="0"/>
+              <a:t>24</a:t>
+            </a:fld>
+            <a:endParaRPr lang="ko-KR" altLang="en-US"/>
+          </a:p>
+        </p:txBody>
+      </p:sp>
+    </p:spTree>
+    <p:extLst>
+      <p:ext uri="{BB962C8B-B14F-4D97-AF65-F5344CB8AC3E}">
+        <p14:creationId xmlns:p14="http://schemas.microsoft.com/office/powerpoint/2010/main" val="872598253"/>
       </p:ext>
     </p:extLst>
   </p:cSld>
@@ -10725,7 +14372,7 @@
         </p:nvSpPr>
         <p:spPr>
           <a:xfrm>
-            <a:off x="1372803" y="3173125"/>
+            <a:off x="1380825" y="3244332"/>
             <a:ext cx="1585762" cy="369332"/>
           </a:xfrm>
           <a:prstGeom prst="rect">
@@ -10774,7 +14421,7 @@
         </p:nvSpPr>
         <p:spPr>
           <a:xfrm>
-            <a:off x="5330801" y="3173125"/>
+            <a:off x="5303119" y="3232966"/>
             <a:ext cx="1585762" cy="400110"/>
           </a:xfrm>
           <a:prstGeom prst="rect">
@@ -10823,7 +14470,7 @@
         </p:nvSpPr>
         <p:spPr>
           <a:xfrm>
-            <a:off x="9233435" y="3126958"/>
+            <a:off x="9233434" y="3241611"/>
             <a:ext cx="1585762" cy="369332"/>
           </a:xfrm>
           <a:prstGeom prst="rect">
@@ -10848,6 +14495,35 @@
               </a:rPr>
               <a:t>Experiment</a:t>
             </a:r>
+          </a:p>
+        </p:txBody>
+      </p:sp>
+      <p:sp>
+        <p:nvSpPr>
+          <p:cNvPr id="2" name="슬라이드 번호 개체 틀 1">
+            <a:extLst>
+              <a:ext uri="{FF2B5EF4-FFF2-40B4-BE49-F238E27FC236}">
+                <a16:creationId xmlns:a16="http://schemas.microsoft.com/office/drawing/2014/main" id="{44C5ED87-182A-4670-A7CB-3A7693D59296}"/>
+              </a:ext>
+            </a:extLst>
+          </p:cNvPr>
+          <p:cNvSpPr>
+            <a:spLocks noGrp="1"/>
+          </p:cNvSpPr>
+          <p:nvPr>
+            <p:ph type="sldNum" sz="quarter" idx="12"/>
+          </p:nvPr>
+        </p:nvSpPr>
+        <p:spPr/>
+        <p:txBody>
+          <a:bodyPr/>
+          <a:lstStyle/>
+          <a:p>
+            <a:fld id="{F98B6473-7C87-478A-B3B4-ACF16772A847}" type="slidenum">
+              <a:rPr lang="ko-KR" altLang="en-US" smtClean="0"/>
+              <a:t>3</a:t>
+            </a:fld>
+            <a:endParaRPr lang="ko-KR" altLang="en-US"/>
           </a:p>
         </p:txBody>
       </p:sp>
@@ -11090,6 +14766,35 @@
           </p:style>
         </p:cxnSp>
       </p:grpSp>
+      <p:sp>
+        <p:nvSpPr>
+          <p:cNvPr id="2" name="슬라이드 번호 개체 틀 1">
+            <a:extLst>
+              <a:ext uri="{FF2B5EF4-FFF2-40B4-BE49-F238E27FC236}">
+                <a16:creationId xmlns:a16="http://schemas.microsoft.com/office/drawing/2014/main" id="{DB774BC9-3B8F-455E-8C05-790F499E04CD}"/>
+              </a:ext>
+            </a:extLst>
+          </p:cNvPr>
+          <p:cNvSpPr>
+            <a:spLocks noGrp="1"/>
+          </p:cNvSpPr>
+          <p:nvPr>
+            <p:ph type="sldNum" sz="quarter" idx="12"/>
+          </p:nvPr>
+        </p:nvSpPr>
+        <p:spPr/>
+        <p:txBody>
+          <a:bodyPr/>
+          <a:lstStyle/>
+          <a:p>
+            <a:fld id="{F98B6473-7C87-478A-B3B4-ACF16772A847}" type="slidenum">
+              <a:rPr lang="ko-KR" altLang="en-US" smtClean="0"/>
+              <a:t>4</a:t>
+            </a:fld>
+            <a:endParaRPr lang="ko-KR" altLang="en-US"/>
+          </a:p>
+        </p:txBody>
+      </p:sp>
     </p:spTree>
     <p:extLst>
       <p:ext uri="{BB962C8B-B14F-4D97-AF65-F5344CB8AC3E}">
@@ -11970,6 +15675,35 @@
           </p:sp>
         </p:grpSp>
       </p:grpSp>
+      <p:sp>
+        <p:nvSpPr>
+          <p:cNvPr id="8" name="슬라이드 번호 개체 틀 7">
+            <a:extLst>
+              <a:ext uri="{FF2B5EF4-FFF2-40B4-BE49-F238E27FC236}">
+                <a16:creationId xmlns:a16="http://schemas.microsoft.com/office/drawing/2014/main" id="{2EC88B61-1183-470A-A04F-DA16596AA86E}"/>
+              </a:ext>
+            </a:extLst>
+          </p:cNvPr>
+          <p:cNvSpPr>
+            <a:spLocks noGrp="1"/>
+          </p:cNvSpPr>
+          <p:nvPr>
+            <p:ph type="sldNum" sz="quarter" idx="12"/>
+          </p:nvPr>
+        </p:nvSpPr>
+        <p:spPr/>
+        <p:txBody>
+          <a:bodyPr/>
+          <a:lstStyle/>
+          <a:p>
+            <a:fld id="{F98B6473-7C87-478A-B3B4-ACF16772A847}" type="slidenum">
+              <a:rPr lang="ko-KR" altLang="en-US" smtClean="0"/>
+              <a:t>5</a:t>
+            </a:fld>
+            <a:endParaRPr lang="ko-KR" altLang="en-US"/>
+          </a:p>
+        </p:txBody>
+      </p:sp>
     </p:spTree>
     <p:extLst>
       <p:ext uri="{BB962C8B-B14F-4D97-AF65-F5344CB8AC3E}">
@@ -12323,6 +16057,35 @@
           </p:txBody>
         </p:sp>
       </p:grpSp>
+      <p:sp>
+        <p:nvSpPr>
+          <p:cNvPr id="2" name="슬라이드 번호 개체 틀 1">
+            <a:extLst>
+              <a:ext uri="{FF2B5EF4-FFF2-40B4-BE49-F238E27FC236}">
+                <a16:creationId xmlns:a16="http://schemas.microsoft.com/office/drawing/2014/main" id="{DD85434E-B4F8-40D0-8755-584D5DB4B69A}"/>
+              </a:ext>
+            </a:extLst>
+          </p:cNvPr>
+          <p:cNvSpPr>
+            <a:spLocks noGrp="1"/>
+          </p:cNvSpPr>
+          <p:nvPr>
+            <p:ph type="sldNum" sz="quarter" idx="12"/>
+          </p:nvPr>
+        </p:nvSpPr>
+        <p:spPr/>
+        <p:txBody>
+          <a:bodyPr/>
+          <a:lstStyle/>
+          <a:p>
+            <a:fld id="{F98B6473-7C87-478A-B3B4-ACF16772A847}" type="slidenum">
+              <a:rPr lang="ko-KR" altLang="en-US" smtClean="0"/>
+              <a:t>6</a:t>
+            </a:fld>
+            <a:endParaRPr lang="ko-KR" altLang="en-US"/>
+          </a:p>
+        </p:txBody>
+      </p:sp>
     </p:spTree>
     <p:extLst>
       <p:ext uri="{BB962C8B-B14F-4D97-AF65-F5344CB8AC3E}">
@@ -12562,6 +16325,35 @@
           </p:style>
         </p:cxnSp>
       </p:grpSp>
+      <p:sp>
+        <p:nvSpPr>
+          <p:cNvPr id="2" name="슬라이드 번호 개체 틀 1">
+            <a:extLst>
+              <a:ext uri="{FF2B5EF4-FFF2-40B4-BE49-F238E27FC236}">
+                <a16:creationId xmlns:a16="http://schemas.microsoft.com/office/drawing/2014/main" id="{DFF25FD5-3629-4EBB-88C2-7A4919E2A8CF}"/>
+              </a:ext>
+            </a:extLst>
+          </p:cNvPr>
+          <p:cNvSpPr>
+            <a:spLocks noGrp="1"/>
+          </p:cNvSpPr>
+          <p:nvPr>
+            <p:ph type="sldNum" sz="quarter" idx="12"/>
+          </p:nvPr>
+        </p:nvSpPr>
+        <p:spPr/>
+        <p:txBody>
+          <a:bodyPr/>
+          <a:lstStyle/>
+          <a:p>
+            <a:fld id="{F98B6473-7C87-478A-B3B4-ACF16772A847}" type="slidenum">
+              <a:rPr lang="ko-KR" altLang="en-US" smtClean="0"/>
+              <a:t>7</a:t>
+            </a:fld>
+            <a:endParaRPr lang="ko-KR" altLang="en-US"/>
+          </a:p>
+        </p:txBody>
+      </p:sp>
     </p:spTree>
     <p:extLst>
       <p:ext uri="{BB962C8B-B14F-4D97-AF65-F5344CB8AC3E}">
@@ -13224,6 +17016,35 @@
           </p:sp>
         </mc:Fallback>
       </mc:AlternateContent>
+      <p:sp>
+        <p:nvSpPr>
+          <p:cNvPr id="2" name="슬라이드 번호 개체 틀 1">
+            <a:extLst>
+              <a:ext uri="{FF2B5EF4-FFF2-40B4-BE49-F238E27FC236}">
+                <a16:creationId xmlns:a16="http://schemas.microsoft.com/office/drawing/2014/main" id="{86DE3668-C556-4835-BE99-3E7BBADB0E60}"/>
+              </a:ext>
+            </a:extLst>
+          </p:cNvPr>
+          <p:cNvSpPr>
+            <a:spLocks noGrp="1"/>
+          </p:cNvSpPr>
+          <p:nvPr>
+            <p:ph type="sldNum" sz="quarter" idx="12"/>
+          </p:nvPr>
+        </p:nvSpPr>
+        <p:spPr/>
+        <p:txBody>
+          <a:bodyPr/>
+          <a:lstStyle/>
+          <a:p>
+            <a:fld id="{F98B6473-7C87-478A-B3B4-ACF16772A847}" type="slidenum">
+              <a:rPr lang="ko-KR" altLang="en-US" smtClean="0"/>
+              <a:t>8</a:t>
+            </a:fld>
+            <a:endParaRPr lang="ko-KR" altLang="en-US"/>
+          </a:p>
+        </p:txBody>
+      </p:sp>
     </p:spTree>
     <p:extLst>
       <p:ext uri="{BB962C8B-B14F-4D97-AF65-F5344CB8AC3E}">
@@ -13720,6 +17541,35 @@
               <a:rPr lang="en-US" altLang="ko-KR"/>
               <a:t>Local</a:t>
             </a:r>
+            <a:endParaRPr lang="ko-KR" altLang="en-US"/>
+          </a:p>
+        </p:txBody>
+      </p:sp>
+      <p:sp>
+        <p:nvSpPr>
+          <p:cNvPr id="6" name="슬라이드 번호 개체 틀 5">
+            <a:extLst>
+              <a:ext uri="{FF2B5EF4-FFF2-40B4-BE49-F238E27FC236}">
+                <a16:creationId xmlns:a16="http://schemas.microsoft.com/office/drawing/2014/main" id="{CA4B60E7-5998-41CF-BD78-1092FB36BCF3}"/>
+              </a:ext>
+            </a:extLst>
+          </p:cNvPr>
+          <p:cNvSpPr>
+            <a:spLocks noGrp="1"/>
+          </p:cNvSpPr>
+          <p:nvPr>
+            <p:ph type="sldNum" sz="quarter" idx="12"/>
+          </p:nvPr>
+        </p:nvSpPr>
+        <p:spPr/>
+        <p:txBody>
+          <a:bodyPr/>
+          <a:lstStyle/>
+          <a:p>
+            <a:fld id="{F98B6473-7C87-478A-B3B4-ACF16772A847}" type="slidenum">
+              <a:rPr lang="ko-KR" altLang="en-US" smtClean="0"/>
+              <a:t>9</a:t>
+            </a:fld>
             <a:endParaRPr lang="ko-KR" altLang="en-US"/>
           </a:p>
         </p:txBody>

--- a/lab-seminar/LIME/4월 9일 랩세미나 발표 자료.pptx
+++ b/lab-seminar/LIME/4월 9일 랩세미나 발표 자료.pptx
@@ -5,7 +5,7 @@
     <p:sldMasterId id="2147483648" r:id="rId1"/>
   </p:sldMasterIdLst>
   <p:notesMasterIdLst>
-    <p:notesMasterId r:id="rId26"/>
+    <p:notesMasterId r:id="rId31"/>
   </p:notesMasterIdLst>
   <p:sldIdLst>
     <p:sldId id="256" r:id="rId2"/>
@@ -31,7 +31,12 @@
     <p:sldId id="336" r:id="rId22"/>
     <p:sldId id="337" r:id="rId23"/>
     <p:sldId id="341" r:id="rId24"/>
-    <p:sldId id="339" r:id="rId25"/>
+    <p:sldId id="342" r:id="rId25"/>
+    <p:sldId id="343" r:id="rId26"/>
+    <p:sldId id="339" r:id="rId27"/>
+    <p:sldId id="344" r:id="rId28"/>
+    <p:sldId id="346" r:id="rId29"/>
+    <p:sldId id="345" r:id="rId30"/>
   </p:sldIdLst>
   <p:sldSz cx="12192000" cy="6858000"/>
   <p:notesSz cx="6858000" cy="9144000"/>
@@ -220,7 +225,7 @@
           <a:p>
             <a:fld id="{F05C310C-718D-43E0-AE6B-757C9C47EA2C}" type="datetimeFigureOut">
               <a:rPr lang="ko-KR" altLang="en-US" smtClean="0"/>
-              <a:t>2024-04-08</a:t>
+              <a:t>2024-04-09</a:t>
             </a:fld>
             <a:endParaRPr lang="ko-KR" altLang="en-US"/>
           </a:p>
@@ -1317,6 +1322,174 @@
 </p:notes>
 </file>
 
+<file path=ppt/notesSlides/notesSlide8.xml><?xml version="1.0" encoding="utf-8"?>
+<p:notes xmlns:a="http://schemas.openxmlformats.org/drawingml/2006/main" xmlns:r="http://schemas.openxmlformats.org/officeDocument/2006/relationships" xmlns:p="http://schemas.openxmlformats.org/presentationml/2006/main">
+  <p:cSld>
+    <p:spTree>
+      <p:nvGrpSpPr>
+        <p:cNvPr id="1" name=""/>
+        <p:cNvGrpSpPr/>
+        <p:nvPr/>
+      </p:nvGrpSpPr>
+      <p:grpSpPr>
+        <a:xfrm>
+          <a:off x="0" y="0"/>
+          <a:ext cx="0" cy="0"/>
+          <a:chOff x="0" y="0"/>
+          <a:chExt cx="0" cy="0"/>
+        </a:xfrm>
+      </p:grpSpPr>
+      <p:sp>
+        <p:nvSpPr>
+          <p:cNvPr id="2" name="슬라이드 이미지 개체 틀 1"/>
+          <p:cNvSpPr>
+            <a:spLocks noGrp="1" noRot="1" noChangeAspect="1"/>
+          </p:cNvSpPr>
+          <p:nvPr>
+            <p:ph type="sldImg"/>
+          </p:nvPr>
+        </p:nvSpPr>
+        <p:spPr/>
+      </p:sp>
+      <p:sp>
+        <p:nvSpPr>
+          <p:cNvPr id="3" name="슬라이드 노트 개체 틀 2"/>
+          <p:cNvSpPr>
+            <a:spLocks noGrp="1"/>
+          </p:cNvSpPr>
+          <p:nvPr>
+            <p:ph type="body" idx="1"/>
+          </p:nvPr>
+        </p:nvSpPr>
+        <p:spPr/>
+        <p:txBody>
+          <a:bodyPr/>
+          <a:lstStyle/>
+          <a:p>
+            <a:r>
+              <a:rPr lang="en-US" altLang="ko-KR" sz="1200" b="0" i="0" kern="1200">
+                <a:solidFill>
+                  <a:schemeClr val="tx1"/>
+                </a:solidFill>
+                <a:effectLst/>
+                <a:latin typeface="+mn-lt"/>
+                <a:ea typeface="+mn-ea"/>
+                <a:cs typeface="+mn-cs"/>
+              </a:rPr>
+              <a:t>'denied'</a:t>
+            </a:r>
+            <a:r>
+              <a:rPr lang="ko-KR" altLang="en-US" sz="1200" b="0" i="0" kern="1200">
+                <a:solidFill>
+                  <a:schemeClr val="tx1"/>
+                </a:solidFill>
+                <a:effectLst/>
+                <a:latin typeface="+mn-lt"/>
+                <a:ea typeface="+mn-ea"/>
+                <a:cs typeface="+mn-cs"/>
+              </a:rPr>
+              <a:t>와 </a:t>
+            </a:r>
+            <a:r>
+              <a:rPr lang="en-US" altLang="ko-KR" sz="1200" b="0" i="0" kern="1200">
+                <a:solidFill>
+                  <a:schemeClr val="tx1"/>
+                </a:solidFill>
+                <a:effectLst/>
+                <a:latin typeface="+mn-lt"/>
+                <a:ea typeface="+mn-ea"/>
+                <a:cs typeface="+mn-cs"/>
+              </a:rPr>
+              <a:t>'reimburse'</a:t>
+            </a:r>
+            <a:r>
+              <a:rPr lang="ko-KR" altLang="en-US" sz="1200" b="0" i="0" kern="1200">
+                <a:solidFill>
+                  <a:schemeClr val="tx1"/>
+                </a:solidFill>
+                <a:effectLst/>
+                <a:latin typeface="+mn-lt"/>
+                <a:ea typeface="+mn-ea"/>
+                <a:cs typeface="+mn-cs"/>
+              </a:rPr>
+              <a:t>는 모델 예측에 부정적 영향을 미치는 반면</a:t>
+            </a:r>
+            <a:r>
+              <a:rPr lang="en-US" altLang="ko-KR" sz="1200" b="0" i="0" kern="1200">
+                <a:solidFill>
+                  <a:schemeClr val="tx1"/>
+                </a:solidFill>
+                <a:effectLst/>
+                <a:latin typeface="+mn-lt"/>
+                <a:ea typeface="+mn-ea"/>
+                <a:cs typeface="+mn-cs"/>
+              </a:rPr>
+              <a:t>, 'visa'</a:t>
+            </a:r>
+            <a:r>
+              <a:rPr lang="ko-KR" altLang="en-US" sz="1200" b="0" i="0" kern="1200">
+                <a:solidFill>
+                  <a:schemeClr val="tx1"/>
+                </a:solidFill>
+                <a:effectLst/>
+                <a:latin typeface="+mn-lt"/>
+                <a:ea typeface="+mn-ea"/>
+                <a:cs typeface="+mn-cs"/>
+              </a:rPr>
+              <a:t>는 예측 차이를 증가시키는 긍정적 영향을 미칩니다</a:t>
+            </a:r>
+            <a:r>
+              <a:rPr lang="en-US" altLang="ko-KR" sz="1200" b="0" i="0" kern="1200">
+                <a:solidFill>
+                  <a:schemeClr val="tx1"/>
+                </a:solidFill>
+                <a:effectLst/>
+                <a:latin typeface="+mn-lt"/>
+                <a:ea typeface="+mn-ea"/>
+                <a:cs typeface="+mn-cs"/>
+              </a:rPr>
+              <a:t>.</a:t>
+            </a:r>
+            <a:endParaRPr lang="ko-KR" altLang="en-US"/>
+          </a:p>
+        </p:txBody>
+      </p:sp>
+      <p:sp>
+        <p:nvSpPr>
+          <p:cNvPr id="4" name="슬라이드 번호 개체 틀 3"/>
+          <p:cNvSpPr>
+            <a:spLocks noGrp="1"/>
+          </p:cNvSpPr>
+          <p:nvPr>
+            <p:ph type="sldNum" sz="quarter" idx="5"/>
+          </p:nvPr>
+        </p:nvSpPr>
+        <p:spPr/>
+        <p:txBody>
+          <a:bodyPr/>
+          <a:lstStyle/>
+          <a:p>
+            <a:fld id="{3E77EB21-56B8-4D8D-890B-E6CB3F2F5197}" type="slidenum">
+              <a:rPr lang="ko-KR" altLang="en-US" smtClean="0"/>
+              <a:t>28</a:t>
+            </a:fld>
+            <a:endParaRPr lang="ko-KR" altLang="en-US"/>
+          </a:p>
+        </p:txBody>
+      </p:sp>
+    </p:spTree>
+    <p:extLst>
+      <p:ext uri="{BB962C8B-B14F-4D97-AF65-F5344CB8AC3E}">
+        <p14:creationId xmlns:p14="http://schemas.microsoft.com/office/powerpoint/2010/main" val="432433555"/>
+      </p:ext>
+    </p:extLst>
+  </p:cSld>
+  <p:clrMapOvr>
+    <a:masterClrMapping/>
+  </p:clrMapOvr>
+</p:notes>
+</file>
+
 <file path=ppt/slideLayouts/slideLayout1.xml><?xml version="1.0" encoding="utf-8"?>
 <p:sldLayout xmlns:a="http://schemas.openxmlformats.org/drawingml/2006/main" xmlns:r="http://schemas.openxmlformats.org/officeDocument/2006/relationships" xmlns:p="http://schemas.openxmlformats.org/presentationml/2006/main" type="title" preserve="1">
   <p:cSld name="제목 슬라이드">
@@ -1464,7 +1637,7 @@
           <a:p>
             <a:fld id="{9C3AAFBE-94BE-4413-81D0-1EAB9ED6F5FD}" type="datetime1">
               <a:rPr lang="ko-KR" altLang="en-US" smtClean="0"/>
-              <a:t>2024-04-08</a:t>
+              <a:t>2024-04-09</a:t>
             </a:fld>
             <a:endParaRPr lang="ko-KR" altLang="en-US"/>
           </a:p>
@@ -1666,7 +1839,7 @@
           <a:p>
             <a:fld id="{028ADCA4-527E-4CD7-BA0B-B103E86C9172}" type="datetime1">
               <a:rPr lang="ko-KR" altLang="en-US" smtClean="0"/>
-              <a:t>2024-04-08</a:t>
+              <a:t>2024-04-09</a:t>
             </a:fld>
             <a:endParaRPr lang="ko-KR" altLang="en-US"/>
           </a:p>
@@ -1874,7 +2047,7 @@
           <a:p>
             <a:fld id="{DB721A22-4CEB-486B-85D5-FB4B1DCF4E9C}" type="datetime1">
               <a:rPr lang="ko-KR" altLang="en-US" smtClean="0"/>
-              <a:t>2024-04-08</a:t>
+              <a:t>2024-04-09</a:t>
             </a:fld>
             <a:endParaRPr lang="ko-KR" altLang="en-US"/>
           </a:p>
@@ -2072,7 +2245,7 @@
           <a:p>
             <a:fld id="{198B5C5F-BE61-4B66-8F34-F2A4002371C4}" type="datetime1">
               <a:rPr lang="ko-KR" altLang="en-US" smtClean="0"/>
-              <a:t>2024-04-08</a:t>
+              <a:t>2024-04-09</a:t>
             </a:fld>
             <a:endParaRPr lang="ko-KR" altLang="en-US"/>
           </a:p>
@@ -2529,7 +2702,7 @@
           <a:p>
             <a:fld id="{3883030E-BD08-42AB-A373-5E352C564E61}" type="datetime1">
               <a:rPr lang="ko-KR" altLang="en-US" smtClean="0"/>
-              <a:t>2024-04-08</a:t>
+              <a:t>2024-04-09</a:t>
             </a:fld>
             <a:endParaRPr lang="ko-KR" altLang="en-US"/>
           </a:p>
@@ -2941,7 +3114,7 @@
           <a:p>
             <a:fld id="{78436259-A071-4707-B097-911E2595E9FB}" type="datetime1">
               <a:rPr lang="ko-KR" altLang="en-US" smtClean="0"/>
-              <a:t>2024-04-08</a:t>
+              <a:t>2024-04-09</a:t>
             </a:fld>
             <a:endParaRPr lang="ko-KR" altLang="en-US"/>
           </a:p>
@@ -3082,7 +3255,7 @@
           <a:p>
             <a:fld id="{0B2B12F6-A8C3-4216-BF8D-747EC9931F9E}" type="datetime1">
               <a:rPr lang="ko-KR" altLang="en-US" smtClean="0"/>
-              <a:t>2024-04-08</a:t>
+              <a:t>2024-04-09</a:t>
             </a:fld>
             <a:endParaRPr lang="ko-KR" altLang="en-US"/>
           </a:p>
@@ -3195,7 +3368,7 @@
           <a:p>
             <a:fld id="{15686DDB-FB2F-4064-8038-4265C8E99027}" type="datetime1">
               <a:rPr lang="ko-KR" altLang="en-US" smtClean="0"/>
-              <a:t>2024-04-08</a:t>
+              <a:t>2024-04-09</a:t>
             </a:fld>
             <a:endParaRPr lang="ko-KR" altLang="en-US"/>
           </a:p>
@@ -3506,7 +3679,7 @@
           <a:p>
             <a:fld id="{5DBF6985-87BC-4126-B9FB-BA0747B7063A}" type="datetime1">
               <a:rPr lang="ko-KR" altLang="en-US" smtClean="0"/>
-              <a:t>2024-04-08</a:t>
+              <a:t>2024-04-09</a:t>
             </a:fld>
             <a:endParaRPr lang="ko-KR" altLang="en-US"/>
           </a:p>
@@ -3794,7 +3967,7 @@
           <a:p>
             <a:fld id="{9F11957C-FBF3-4FE2-9598-E3D5BB77140A}" type="datetime1">
               <a:rPr lang="ko-KR" altLang="en-US" smtClean="0"/>
-              <a:t>2024-04-08</a:t>
+              <a:t>2024-04-09</a:t>
             </a:fld>
             <a:endParaRPr lang="ko-KR" altLang="en-US"/>
           </a:p>
@@ -4037,7 +4210,7 @@
           <a:p>
             <a:fld id="{175EF9B9-12FD-4CBC-9849-8984214ABD73}" type="datetime1">
               <a:rPr lang="ko-KR" altLang="en-US" smtClean="0"/>
-              <a:t>2024-04-08</a:t>
+              <a:t>2024-04-09</a:t>
             </a:fld>
             <a:endParaRPr lang="ko-KR" altLang="en-US"/>
           </a:p>
@@ -8742,10 +8915,10 @@
       </p:sp>
       <p:pic>
         <p:nvPicPr>
-          <p:cNvPr id="12" name="그림 11" descr="\documentclass{article}&#10;\usepackage{amsmath, amsfonts, amssymb, xcolor}&#10;\pagestyle{empty}&#10;&#10;\begin{document}&#10;\textbf{Require:} Instances $X$, Budget $B$&#10;&#10;\begin{itemize}&#10;    \item For all $x_i \in X$ do&#10;    \begin{itemize}&#10;        \item[] $W_i \leftarrow \text{explain}(x_i, \bar{x}_i)$ \quad // Using Algorithm 1&#10;    \end{itemize}&#10;    \item[] End for&#10;    \item For $j = 1$ to $d$ do&#10;    \begin{itemize}&#10;        \item[] $I_j \leftarrow \sum_{i=1}^{n} W_{ij}$ \quad // Compute feature importances&#10;    \end{itemize}&#10;    \item[] End for&#10;    \item Initialize $V \leftarrow \emptyset$&#10;    \item While $|V| &lt; B$ do&#10;    \begin{itemize}&#10;        \item[] $V \leftarrow V \cup \{\arg\max_{i} c(V \cup \{i\}, W, I)\}$ \quad // Greedy optimization of (4)&#10;    \end{itemize}&#10;    \item[] End while&#10;    \item Return $V$&#10;\end{itemize}&#10;&#10;\end{document}&#10;" title="IguanaTex Bitmap Display">
-            <a:extLst>
-              <a:ext uri="{FF2B5EF4-FFF2-40B4-BE49-F238E27FC236}">
-                <a16:creationId xmlns:a16="http://schemas.microsoft.com/office/drawing/2014/main" id="{EFD49DE4-F3F4-458B-B367-05797ECD47AA}"/>
+          <p:cNvPr id="7" name="그림 6" descr="\documentclass{article}&#10;\usepackage{amsmath, amsfonts, amssymb, xcolor}&#10;\pagestyle{empty}&#10;&#10;\begin{document}&#10;\textbf{Require:} Instances $X$, Budget $B$&#10;&#10;\begin{itemize}&#10;    \item For all $x_i \in X$ do&#10;    \begin{itemize}&#10;        \item[] $W_i \leftarrow \text{explain}(x_i, x'_i)$ \quad // Using Algorithm 1&#10;    \end{itemize}&#10;    \item[] End for&#10;    \item For $j = 1$ to $d$ do&#10;    \begin{itemize}&#10;        \item[] $I_j \leftarrow \sum_{i=1}^{n} W_{ij}$ \quad // Compute feature importances&#10;    \end{itemize}&#10;    \item[] End for&#10;    \item Initialize $V \leftarrow \emptyset$&#10;    \item While $|V| &lt; B$ do&#10;    \begin{itemize}&#10;        \item[] $V \leftarrow V \cup \{\arg\max_{i} c(V \cup \{i\}, W, I)\}$ \quad // Greedy optimization of (4)&#10;    \end{itemize}&#10;    \item[] End while&#10;    \item Return $V$&#10;\end{itemize}&#10;&#10;\end{document}&#10;" title="IguanaTex Bitmap Display">
+            <a:extLst>
+              <a:ext uri="{FF2B5EF4-FFF2-40B4-BE49-F238E27FC236}">
+                <a16:creationId xmlns:a16="http://schemas.microsoft.com/office/drawing/2014/main" id="{5ADA05B4-856C-45BB-B882-67455FBC698F}"/>
               </a:ext>
             </a:extLst>
           </p:cNvPr>
@@ -8773,7 +8946,7 @@
         <p:spPr>
           <a:xfrm>
             <a:off x="1500785" y="1266975"/>
-            <a:ext cx="7107162" cy="4955211"/>
+            <a:ext cx="7107162" cy="4955210"/>
           </a:xfrm>
           <a:prstGeom prst="rect">
             <a:avLst/>
@@ -10618,530 +10791,467 @@
           </p:txBody>
         </p:sp>
       </p:grpSp>
-      <p:grpSp>
-        <p:nvGrpSpPr>
-          <p:cNvPr id="31" name="그룹 30">
-            <a:extLst>
-              <a:ext uri="{FF2B5EF4-FFF2-40B4-BE49-F238E27FC236}">
-                <a16:creationId xmlns:a16="http://schemas.microsoft.com/office/drawing/2014/main" id="{73EC666B-762A-4820-A51B-4F97FD59075F}"/>
-              </a:ext>
-            </a:extLst>
-          </p:cNvPr>
-          <p:cNvGrpSpPr/>
+      <p:sp>
+        <p:nvSpPr>
+          <p:cNvPr id="11" name="직사각형 10">
+            <a:extLst>
+              <a:ext uri="{FF2B5EF4-FFF2-40B4-BE49-F238E27FC236}">
+                <a16:creationId xmlns:a16="http://schemas.microsoft.com/office/drawing/2014/main" id="{300B2712-2E1E-4368-BDEE-B29CBD3B7B67}"/>
+              </a:ext>
+            </a:extLst>
+          </p:cNvPr>
+          <p:cNvSpPr/>
           <p:nvPr/>
-        </p:nvGrpSpPr>
-        <p:grpSpPr>
+        </p:nvSpPr>
+        <p:spPr>
           <a:xfrm>
-            <a:off x="2062242" y="1683295"/>
-            <a:ext cx="8224271" cy="2502840"/>
-            <a:chOff x="1413471" y="1564627"/>
-            <a:chExt cx="8224271" cy="2502840"/>
+            <a:off x="4493024" y="3878358"/>
+            <a:ext cx="4660250" cy="307777"/>
           </a:xfrm>
-        </p:grpSpPr>
-        <p:sp>
-          <p:nvSpPr>
-            <p:cNvPr id="11" name="직사각형 10">
-              <a:extLst>
-                <a:ext uri="{FF2B5EF4-FFF2-40B4-BE49-F238E27FC236}">
-                  <a16:creationId xmlns:a16="http://schemas.microsoft.com/office/drawing/2014/main" id="{300B2712-2E1E-4368-BDEE-B29CBD3B7B67}"/>
-                </a:ext>
-              </a:extLst>
-            </p:cNvPr>
-            <p:cNvSpPr/>
-            <p:nvPr/>
-          </p:nvSpPr>
-          <p:spPr>
-            <a:xfrm>
-              <a:off x="3844253" y="3759690"/>
-              <a:ext cx="4660250" cy="307777"/>
-            </a:xfrm>
-            <a:prstGeom prst="rect">
-              <a:avLst/>
-            </a:prstGeom>
-          </p:spPr>
-          <p:txBody>
-            <a:bodyPr wrap="none">
-              <a:spAutoFit/>
-            </a:bodyPr>
-            <a:lstStyle/>
-            <a:p>
-              <a:r>
-                <a:rPr lang="ko-KR" altLang="en-US" sz="1400"/>
-                <a:t>▶  </a:t>
-              </a:r>
-              <a:r>
-                <a:rPr lang="en-US" altLang="ko-KR" sz="1400" b="1">
-                  <a:solidFill>
-                    <a:srgbClr val="FF0000"/>
-                  </a:solidFill>
-                </a:rPr>
-                <a:t>+ </a:t>
-              </a:r>
-              <a:r>
-                <a:rPr lang="ko-KR" altLang="en-US" sz="1400"/>
-                <a:t>각 인스턴스에서 </a:t>
-              </a:r>
-              <a:r>
-                <a:rPr lang="en-US" altLang="ko-KR" sz="1400"/>
-                <a:t>'</a:t>
-              </a:r>
-              <a:r>
-                <a:rPr lang="ko-KR" altLang="en-US" sz="1400"/>
-                <a:t>신뢰할 수 없다</a:t>
-              </a:r>
-              <a:r>
-                <a:rPr lang="en-US" altLang="ko-KR" sz="1400"/>
-                <a:t>' </a:t>
-              </a:r>
-              <a:r>
-                <a:rPr lang="ko-KR" altLang="en-US" sz="1400"/>
-                <a:t>고 판단된 특성 제거</a:t>
-              </a:r>
-            </a:p>
-          </p:txBody>
-        </p:sp>
-        <p:grpSp>
-          <p:nvGrpSpPr>
-            <p:cNvPr id="27" name="그룹 26">
-              <a:extLst>
-                <a:ext uri="{FF2B5EF4-FFF2-40B4-BE49-F238E27FC236}">
-                  <a16:creationId xmlns:a16="http://schemas.microsoft.com/office/drawing/2014/main" id="{03B86BC1-0AE5-49AF-8B3D-DB045F5EB624}"/>
-                </a:ext>
-              </a:extLst>
-            </p:cNvPr>
-            <p:cNvGrpSpPr/>
-            <p:nvPr/>
-          </p:nvGrpSpPr>
-          <p:grpSpPr>
-            <a:xfrm>
-              <a:off x="1413471" y="1564627"/>
-              <a:ext cx="8224271" cy="1807593"/>
-              <a:chOff x="702419" y="1157910"/>
-              <a:chExt cx="8224271" cy="1807593"/>
-            </a:xfrm>
-          </p:grpSpPr>
-          <p:grpSp>
-            <p:nvGrpSpPr>
-              <p:cNvPr id="18" name="그룹 17">
-                <a:extLst>
-                  <a:ext uri="{FF2B5EF4-FFF2-40B4-BE49-F238E27FC236}">
-                    <a16:creationId xmlns:a16="http://schemas.microsoft.com/office/drawing/2014/main" id="{339CC796-BCBC-4451-BDF9-A72D38380690}"/>
-                  </a:ext>
-                </a:extLst>
-              </p:cNvPr>
-              <p:cNvGrpSpPr/>
-              <p:nvPr/>
-            </p:nvGrpSpPr>
-            <p:grpSpPr>
-              <a:xfrm>
-                <a:off x="702419" y="1456794"/>
-                <a:ext cx="6147678" cy="1182757"/>
-                <a:chOff x="777063" y="2027415"/>
-                <a:chExt cx="6147678" cy="1182757"/>
-              </a:xfrm>
-            </p:grpSpPr>
-            <p:sp>
-              <p:nvSpPr>
-                <p:cNvPr id="7" name="정육면체 6">
-                  <a:extLst>
-                    <a:ext uri="{FF2B5EF4-FFF2-40B4-BE49-F238E27FC236}">
-                      <a16:creationId xmlns:a16="http://schemas.microsoft.com/office/drawing/2014/main" id="{B8D366A0-2A66-4F0A-9518-06CF8BF413AE}"/>
-                    </a:ext>
-                  </a:extLst>
-                </p:cNvPr>
-                <p:cNvSpPr/>
-                <p:nvPr/>
-              </p:nvSpPr>
-              <p:spPr>
-                <a:xfrm>
-                  <a:off x="777063" y="2027415"/>
-                  <a:ext cx="1182757" cy="1182757"/>
-                </a:xfrm>
-                <a:prstGeom prst="cube">
-                  <a:avLst/>
-                </a:prstGeom>
-              </p:spPr>
-              <p:style>
-                <a:lnRef idx="2">
-                  <a:schemeClr val="accent1">
-                    <a:shade val="15000"/>
-                  </a:schemeClr>
-                </a:lnRef>
-                <a:fillRef idx="1">
-                  <a:schemeClr val="accent1"/>
-                </a:fillRef>
-                <a:effectRef idx="0">
-                  <a:schemeClr val="accent1"/>
-                </a:effectRef>
-                <a:fontRef idx="minor">
-                  <a:schemeClr val="lt1"/>
-                </a:fontRef>
-              </p:style>
-              <p:txBody>
-                <a:bodyPr rtlCol="0" anchor="ctr"/>
-                <a:lstStyle/>
-                <a:p>
-                  <a:pPr algn="ctr"/>
-                  <a:r>
-                    <a:rPr lang="en-US" altLang="ko-KR" dirty="0"/>
-                    <a:t>?</a:t>
-                  </a:r>
-                  <a:endParaRPr lang="ko-KR" altLang="en-US" dirty="0"/>
-                </a:p>
-              </p:txBody>
-            </p:sp>
-            <p:sp>
-              <p:nvSpPr>
-                <p:cNvPr id="8" name="직사각형 7">
-                  <a:extLst>
-                    <a:ext uri="{FF2B5EF4-FFF2-40B4-BE49-F238E27FC236}">
-                      <a16:creationId xmlns:a16="http://schemas.microsoft.com/office/drawing/2014/main" id="{52C08786-02CD-4D4C-93CD-074FA351A6A0}"/>
-                    </a:ext>
-                  </a:extLst>
-                </p:cNvPr>
-                <p:cNvSpPr/>
-                <p:nvPr/>
-              </p:nvSpPr>
-              <p:spPr>
-                <a:xfrm>
-                  <a:off x="2844780" y="2161593"/>
-                  <a:ext cx="914400" cy="914400"/>
-                </a:xfrm>
-                <a:prstGeom prst="rect">
-                  <a:avLst/>
-                </a:prstGeom>
-              </p:spPr>
-              <p:style>
-                <a:lnRef idx="2">
-                  <a:schemeClr val="accent1">
-                    <a:shade val="15000"/>
-                  </a:schemeClr>
-                </a:lnRef>
-                <a:fillRef idx="1">
-                  <a:schemeClr val="accent1"/>
-                </a:fillRef>
-                <a:effectRef idx="0">
-                  <a:schemeClr val="accent1"/>
-                </a:effectRef>
-                <a:fontRef idx="minor">
-                  <a:schemeClr val="lt1"/>
-                </a:fontRef>
-              </p:style>
-              <p:txBody>
-                <a:bodyPr rtlCol="0" anchor="ctr"/>
-                <a:lstStyle/>
-                <a:p>
-                  <a:pPr algn="ctr"/>
-                  <a:r>
-                    <a:rPr lang="en-US" altLang="ko-KR" sz="1600" dirty="0"/>
-                    <a:t>Output</a:t>
-                  </a:r>
-                  <a:endParaRPr lang="ko-KR" altLang="en-US" sz="1600" dirty="0"/>
-                </a:p>
-              </p:txBody>
-            </p:sp>
-            <p:sp>
-              <p:nvSpPr>
-                <p:cNvPr id="9" name="화살표: 오른쪽 8">
-                  <a:extLst>
-                    <a:ext uri="{FF2B5EF4-FFF2-40B4-BE49-F238E27FC236}">
-                      <a16:creationId xmlns:a16="http://schemas.microsoft.com/office/drawing/2014/main" id="{C975023E-CECE-463F-8C80-F0BF58353966}"/>
-                    </a:ext>
-                  </a:extLst>
-                </p:cNvPr>
-                <p:cNvSpPr/>
-                <p:nvPr/>
-              </p:nvSpPr>
-              <p:spPr>
-                <a:xfrm>
-                  <a:off x="2104126" y="2524375"/>
-                  <a:ext cx="596348" cy="188836"/>
-                </a:xfrm>
-                <a:prstGeom prst="rightArrow">
-                  <a:avLst/>
-                </a:prstGeom>
-              </p:spPr>
-              <p:style>
-                <a:lnRef idx="2">
-                  <a:schemeClr val="accent1">
-                    <a:shade val="15000"/>
-                  </a:schemeClr>
-                </a:lnRef>
-                <a:fillRef idx="1">
-                  <a:schemeClr val="accent1"/>
-                </a:fillRef>
-                <a:effectRef idx="0">
-                  <a:schemeClr val="accent1"/>
-                </a:effectRef>
-                <a:fontRef idx="minor">
-                  <a:schemeClr val="lt1"/>
-                </a:fontRef>
-              </p:style>
-              <p:txBody>
-                <a:bodyPr rtlCol="0" anchor="ctr"/>
-                <a:lstStyle/>
-                <a:p>
-                  <a:pPr algn="ctr"/>
-                  <a:endParaRPr lang="ko-KR" altLang="en-US"/>
-                </a:p>
-              </p:txBody>
-            </p:sp>
-            <p:sp>
-              <p:nvSpPr>
-                <p:cNvPr id="24" name="화살표: 오른쪽 23">
-                  <a:extLst>
-                    <a:ext uri="{FF2B5EF4-FFF2-40B4-BE49-F238E27FC236}">
-                      <a16:creationId xmlns:a16="http://schemas.microsoft.com/office/drawing/2014/main" id="{3A7CE42E-5A63-4769-945F-7194D5A13069}"/>
-                    </a:ext>
-                  </a:extLst>
-                </p:cNvPr>
-                <p:cNvSpPr/>
-                <p:nvPr/>
-              </p:nvSpPr>
-              <p:spPr>
-                <a:xfrm>
-                  <a:off x="4109917" y="2537909"/>
-                  <a:ext cx="596348" cy="188836"/>
-                </a:xfrm>
-                <a:prstGeom prst="rightArrow">
-                  <a:avLst/>
-                </a:prstGeom>
-              </p:spPr>
-              <p:style>
-                <a:lnRef idx="2">
-                  <a:schemeClr val="accent1">
-                    <a:shade val="15000"/>
-                  </a:schemeClr>
-                </a:lnRef>
-                <a:fillRef idx="1">
-                  <a:schemeClr val="accent1"/>
-                </a:fillRef>
-                <a:effectRef idx="0">
-                  <a:schemeClr val="accent1"/>
-                </a:effectRef>
-                <a:fontRef idx="minor">
-                  <a:schemeClr val="lt1"/>
-                </a:fontRef>
-              </p:style>
-              <p:txBody>
-                <a:bodyPr rtlCol="0" anchor="ctr"/>
-                <a:lstStyle/>
-                <a:p>
-                  <a:pPr algn="ctr"/>
-                  <a:endParaRPr lang="ko-KR" altLang="en-US"/>
-                </a:p>
-              </p:txBody>
-            </p:sp>
-            <p:sp>
-              <p:nvSpPr>
-                <p:cNvPr id="26" name="화살표: 오른쪽 25">
-                  <a:extLst>
-                    <a:ext uri="{FF2B5EF4-FFF2-40B4-BE49-F238E27FC236}">
-                      <a16:creationId xmlns:a16="http://schemas.microsoft.com/office/drawing/2014/main" id="{D51C14CD-A810-43C6-91DE-A58449A40E6F}"/>
-                    </a:ext>
-                  </a:extLst>
-                </p:cNvPr>
-                <p:cNvSpPr/>
-                <p:nvPr/>
-              </p:nvSpPr>
-              <p:spPr>
-                <a:xfrm>
-                  <a:off x="6328393" y="2537909"/>
-                  <a:ext cx="596348" cy="188836"/>
-                </a:xfrm>
-                <a:prstGeom prst="rightArrow">
-                  <a:avLst/>
-                </a:prstGeom>
-              </p:spPr>
-              <p:style>
-                <a:lnRef idx="2">
-                  <a:schemeClr val="accent1">
-                    <a:shade val="15000"/>
-                  </a:schemeClr>
-                </a:lnRef>
-                <a:fillRef idx="1">
-                  <a:schemeClr val="accent1"/>
-                </a:fillRef>
-                <a:effectRef idx="0">
-                  <a:schemeClr val="accent1"/>
-                </a:effectRef>
-                <a:fontRef idx="minor">
-                  <a:schemeClr val="lt1"/>
-                </a:fontRef>
-              </p:style>
-              <p:txBody>
-                <a:bodyPr rtlCol="0" anchor="ctr"/>
-                <a:lstStyle/>
-                <a:p>
-                  <a:pPr algn="ctr"/>
-                  <a:endParaRPr lang="ko-KR" altLang="en-US"/>
-                </a:p>
-              </p:txBody>
-            </p:sp>
-          </p:grpSp>
-          <p:pic>
-            <p:nvPicPr>
-              <p:cNvPr id="13" name="그림 12">
-                <a:extLst>
-                  <a:ext uri="{FF2B5EF4-FFF2-40B4-BE49-F238E27FC236}">
-                    <a16:creationId xmlns:a16="http://schemas.microsoft.com/office/drawing/2014/main" id="{3BB41175-0B67-4C54-B74F-5E18D2F593F1}"/>
-                  </a:ext>
-                </a:extLst>
-              </p:cNvPr>
-              <p:cNvPicPr>
-                <a:picLocks noChangeAspect="1"/>
-              </p:cNvPicPr>
-              <p:nvPr/>
-            </p:nvPicPr>
-            <p:blipFill>
-              <a:blip r:embed="rId3"/>
-              <a:stretch>
-                <a:fillRect/>
-              </a:stretch>
-            </p:blipFill>
-            <p:spPr>
-              <a:xfrm>
-                <a:off x="4982358" y="1157910"/>
-                <a:ext cx="684493" cy="1807593"/>
-              </a:xfrm>
-              <a:prstGeom prst="rect">
-                <a:avLst/>
-              </a:prstGeom>
-            </p:spPr>
-          </p:pic>
-          <p:sp>
-            <p:nvSpPr>
-              <p:cNvPr id="15" name="직사각형 14">
-                <a:extLst>
-                  <a:ext uri="{FF2B5EF4-FFF2-40B4-BE49-F238E27FC236}">
-                    <a16:creationId xmlns:a16="http://schemas.microsoft.com/office/drawing/2014/main" id="{D4CA466A-C1F2-4F74-8C28-03FA2A9E2CBA}"/>
-                  </a:ext>
-                </a:extLst>
-              </p:cNvPr>
-              <p:cNvSpPr/>
-              <p:nvPr/>
-            </p:nvSpPr>
-            <p:spPr>
-              <a:xfrm>
-                <a:off x="7436996" y="1604506"/>
-                <a:ext cx="914400" cy="914400"/>
-              </a:xfrm>
-              <a:prstGeom prst="rect">
-                <a:avLst/>
-              </a:prstGeom>
-            </p:spPr>
-            <p:style>
-              <a:lnRef idx="2">
-                <a:schemeClr val="accent1">
-                  <a:shade val="15000"/>
-                </a:schemeClr>
-              </a:lnRef>
-              <a:fillRef idx="1">
-                <a:schemeClr val="accent1"/>
-              </a:fillRef>
-              <a:effectRef idx="0">
-                <a:schemeClr val="accent1"/>
-              </a:effectRef>
-              <a:fontRef idx="minor">
-                <a:schemeClr val="lt1"/>
-              </a:fontRef>
-            </p:style>
-            <p:txBody>
-              <a:bodyPr rtlCol="0" anchor="ctr"/>
-              <a:lstStyle/>
-              <a:p>
-                <a:pPr algn="ctr"/>
-                <a:r>
-                  <a:rPr lang="en-US" altLang="ko-KR" sz="1600" dirty="0"/>
-                  <a:t>Output</a:t>
-                </a:r>
-                <a:endParaRPr lang="ko-KR" altLang="en-US" sz="1600" dirty="0"/>
-              </a:p>
-            </p:txBody>
-          </p:sp>
-          <p:sp>
-            <p:nvSpPr>
-              <p:cNvPr id="17" name="직사각형 16">
-                <a:extLst>
-                  <a:ext uri="{FF2B5EF4-FFF2-40B4-BE49-F238E27FC236}">
-                    <a16:creationId xmlns:a16="http://schemas.microsoft.com/office/drawing/2014/main" id="{A5CD37C7-1AA2-49CC-8CD1-01460785B1BF}"/>
-                  </a:ext>
-                </a:extLst>
-              </p:cNvPr>
-              <p:cNvSpPr/>
-              <p:nvPr/>
-            </p:nvSpPr>
-            <p:spPr>
-              <a:xfrm>
-                <a:off x="6861701" y="1157910"/>
-                <a:ext cx="2064989" cy="307777"/>
-              </a:xfrm>
-              <a:prstGeom prst="rect">
-                <a:avLst/>
-              </a:prstGeom>
-            </p:spPr>
-            <p:txBody>
-              <a:bodyPr wrap="none">
-                <a:spAutoFit/>
-              </a:bodyPr>
-              <a:lstStyle/>
-              <a:p>
-                <a:r>
-                  <a:rPr lang="ko-KR" altLang="en-US" sz="1400"/>
-                  <a:t>▶ 예측이 변경되었나요</a:t>
-                </a:r>
-                <a:r>
-                  <a:rPr lang="en-US" altLang="ko-KR" sz="1400"/>
-                  <a:t>?</a:t>
-                </a:r>
-                <a:endParaRPr lang="ko-KR" altLang="en-US" sz="1400"/>
-              </a:p>
-            </p:txBody>
-          </p:sp>
-        </p:grpSp>
-        <p:cxnSp>
-          <p:nvCxnSpPr>
-            <p:cNvPr id="28" name="직선 화살표 연결선 27">
-              <a:extLst>
-                <a:ext uri="{FF2B5EF4-FFF2-40B4-BE49-F238E27FC236}">
-                  <a16:creationId xmlns:a16="http://schemas.microsoft.com/office/drawing/2014/main" id="{7AC5ADE9-AF19-481D-BBD6-9C6A839AF2F4}"/>
-                </a:ext>
-              </a:extLst>
-            </p:cNvPr>
-            <p:cNvCxnSpPr>
-              <a:cxnSpLocks/>
-              <a:endCxn id="11" idx="0"/>
-            </p:cNvCxnSpPr>
-            <p:nvPr/>
-          </p:nvCxnSpPr>
-          <p:spPr>
-            <a:xfrm>
-              <a:off x="6035656" y="3381682"/>
-              <a:ext cx="138722" cy="378008"/>
-            </a:xfrm>
-            <a:prstGeom prst="straightConnector1">
-              <a:avLst/>
-            </a:prstGeom>
-            <a:ln>
-              <a:tailEnd type="triangle"/>
-            </a:ln>
-          </p:spPr>
-          <p:style>
-            <a:lnRef idx="1">
-              <a:schemeClr val="accent1"/>
-            </a:lnRef>
-            <a:fillRef idx="0">
-              <a:schemeClr val="accent1"/>
-            </a:fillRef>
-            <a:effectRef idx="0">
-              <a:schemeClr val="accent1"/>
-            </a:effectRef>
-            <a:fontRef idx="minor">
-              <a:schemeClr val="tx1"/>
-            </a:fontRef>
-          </p:style>
-        </p:cxnSp>
-      </p:grpSp>
+          <a:prstGeom prst="rect">
+            <a:avLst/>
+          </a:prstGeom>
+        </p:spPr>
+        <p:txBody>
+          <a:bodyPr wrap="none">
+            <a:spAutoFit/>
+          </a:bodyPr>
+          <a:lstStyle/>
+          <a:p>
+            <a:r>
+              <a:rPr lang="ko-KR" altLang="en-US" sz="1400"/>
+              <a:t>▶  </a:t>
+            </a:r>
+            <a:r>
+              <a:rPr lang="en-US" altLang="ko-KR" sz="1400" b="1">
+                <a:solidFill>
+                  <a:srgbClr val="FF0000"/>
+                </a:solidFill>
+              </a:rPr>
+              <a:t>+ </a:t>
+            </a:r>
+            <a:r>
+              <a:rPr lang="ko-KR" altLang="en-US" sz="1400"/>
+              <a:t>각 인스턴스에서 </a:t>
+            </a:r>
+            <a:r>
+              <a:rPr lang="en-US" altLang="ko-KR" sz="1400"/>
+              <a:t>'</a:t>
+            </a:r>
+            <a:r>
+              <a:rPr lang="ko-KR" altLang="en-US" sz="1400"/>
+              <a:t>신뢰할 수 없다</a:t>
+            </a:r>
+            <a:r>
+              <a:rPr lang="en-US" altLang="ko-KR" sz="1400"/>
+              <a:t>' </a:t>
+            </a:r>
+            <a:r>
+              <a:rPr lang="ko-KR" altLang="en-US" sz="1400"/>
+              <a:t>고 판단된 특성 제거</a:t>
+            </a:r>
+          </a:p>
+        </p:txBody>
+      </p:sp>
+      <p:sp>
+        <p:nvSpPr>
+          <p:cNvPr id="7" name="정육면체 6">
+            <a:extLst>
+              <a:ext uri="{FF2B5EF4-FFF2-40B4-BE49-F238E27FC236}">
+                <a16:creationId xmlns:a16="http://schemas.microsoft.com/office/drawing/2014/main" id="{B8D366A0-2A66-4F0A-9518-06CF8BF413AE}"/>
+              </a:ext>
+            </a:extLst>
+          </p:cNvPr>
+          <p:cNvSpPr/>
+          <p:nvPr/>
+        </p:nvSpPr>
+        <p:spPr>
+          <a:xfrm>
+            <a:off x="2062242" y="1982179"/>
+            <a:ext cx="1182757" cy="1182757"/>
+          </a:xfrm>
+          <a:prstGeom prst="cube">
+            <a:avLst/>
+          </a:prstGeom>
+        </p:spPr>
+        <p:style>
+          <a:lnRef idx="2">
+            <a:schemeClr val="accent1">
+              <a:shade val="15000"/>
+            </a:schemeClr>
+          </a:lnRef>
+          <a:fillRef idx="1">
+            <a:schemeClr val="accent1"/>
+          </a:fillRef>
+          <a:effectRef idx="0">
+            <a:schemeClr val="accent1"/>
+          </a:effectRef>
+          <a:fontRef idx="minor">
+            <a:schemeClr val="lt1"/>
+          </a:fontRef>
+        </p:style>
+        <p:txBody>
+          <a:bodyPr rtlCol="0" anchor="ctr"/>
+          <a:lstStyle/>
+          <a:p>
+            <a:pPr algn="ctr"/>
+            <a:r>
+              <a:rPr lang="en-US" altLang="ko-KR" dirty="0"/>
+              <a:t>?</a:t>
+            </a:r>
+            <a:endParaRPr lang="ko-KR" altLang="en-US" dirty="0"/>
+          </a:p>
+        </p:txBody>
+      </p:sp>
+      <p:sp>
+        <p:nvSpPr>
+          <p:cNvPr id="8" name="직사각형 7">
+            <a:extLst>
+              <a:ext uri="{FF2B5EF4-FFF2-40B4-BE49-F238E27FC236}">
+                <a16:creationId xmlns:a16="http://schemas.microsoft.com/office/drawing/2014/main" id="{52C08786-02CD-4D4C-93CD-074FA351A6A0}"/>
+              </a:ext>
+            </a:extLst>
+          </p:cNvPr>
+          <p:cNvSpPr/>
+          <p:nvPr/>
+        </p:nvSpPr>
+        <p:spPr>
+          <a:xfrm>
+            <a:off x="4129959" y="2116357"/>
+            <a:ext cx="914400" cy="914400"/>
+          </a:xfrm>
+          <a:prstGeom prst="rect">
+            <a:avLst/>
+          </a:prstGeom>
+        </p:spPr>
+        <p:style>
+          <a:lnRef idx="2">
+            <a:schemeClr val="accent1">
+              <a:shade val="15000"/>
+            </a:schemeClr>
+          </a:lnRef>
+          <a:fillRef idx="1">
+            <a:schemeClr val="accent1"/>
+          </a:fillRef>
+          <a:effectRef idx="0">
+            <a:schemeClr val="accent1"/>
+          </a:effectRef>
+          <a:fontRef idx="minor">
+            <a:schemeClr val="lt1"/>
+          </a:fontRef>
+        </p:style>
+        <p:txBody>
+          <a:bodyPr rtlCol="0" anchor="ctr"/>
+          <a:lstStyle/>
+          <a:p>
+            <a:pPr algn="ctr"/>
+            <a:r>
+              <a:rPr lang="en-US" altLang="ko-KR" sz="1600" dirty="0"/>
+              <a:t>Output</a:t>
+            </a:r>
+            <a:endParaRPr lang="ko-KR" altLang="en-US" sz="1600" dirty="0"/>
+          </a:p>
+        </p:txBody>
+      </p:sp>
+      <p:sp>
+        <p:nvSpPr>
+          <p:cNvPr id="9" name="화살표: 오른쪽 8">
+            <a:extLst>
+              <a:ext uri="{FF2B5EF4-FFF2-40B4-BE49-F238E27FC236}">
+                <a16:creationId xmlns:a16="http://schemas.microsoft.com/office/drawing/2014/main" id="{C975023E-CECE-463F-8C80-F0BF58353966}"/>
+              </a:ext>
+            </a:extLst>
+          </p:cNvPr>
+          <p:cNvSpPr/>
+          <p:nvPr/>
+        </p:nvSpPr>
+        <p:spPr>
+          <a:xfrm>
+            <a:off x="3389305" y="2479139"/>
+            <a:ext cx="596348" cy="188836"/>
+          </a:xfrm>
+          <a:prstGeom prst="rightArrow">
+            <a:avLst/>
+          </a:prstGeom>
+        </p:spPr>
+        <p:style>
+          <a:lnRef idx="2">
+            <a:schemeClr val="accent1">
+              <a:shade val="15000"/>
+            </a:schemeClr>
+          </a:lnRef>
+          <a:fillRef idx="1">
+            <a:schemeClr val="accent1"/>
+          </a:fillRef>
+          <a:effectRef idx="0">
+            <a:schemeClr val="accent1"/>
+          </a:effectRef>
+          <a:fontRef idx="minor">
+            <a:schemeClr val="lt1"/>
+          </a:fontRef>
+        </p:style>
+        <p:txBody>
+          <a:bodyPr rtlCol="0" anchor="ctr"/>
+          <a:lstStyle/>
+          <a:p>
+            <a:pPr algn="ctr"/>
+            <a:endParaRPr lang="ko-KR" altLang="en-US"/>
+          </a:p>
+        </p:txBody>
+      </p:sp>
+      <p:sp>
+        <p:nvSpPr>
+          <p:cNvPr id="24" name="화살표: 오른쪽 23">
+            <a:extLst>
+              <a:ext uri="{FF2B5EF4-FFF2-40B4-BE49-F238E27FC236}">
+                <a16:creationId xmlns:a16="http://schemas.microsoft.com/office/drawing/2014/main" id="{3A7CE42E-5A63-4769-945F-7194D5A13069}"/>
+              </a:ext>
+            </a:extLst>
+          </p:cNvPr>
+          <p:cNvSpPr/>
+          <p:nvPr/>
+        </p:nvSpPr>
+        <p:spPr>
+          <a:xfrm>
+            <a:off x="5395096" y="2492673"/>
+            <a:ext cx="596348" cy="188836"/>
+          </a:xfrm>
+          <a:prstGeom prst="rightArrow">
+            <a:avLst/>
+          </a:prstGeom>
+        </p:spPr>
+        <p:style>
+          <a:lnRef idx="2">
+            <a:schemeClr val="accent1">
+              <a:shade val="15000"/>
+            </a:schemeClr>
+          </a:lnRef>
+          <a:fillRef idx="1">
+            <a:schemeClr val="accent1"/>
+          </a:fillRef>
+          <a:effectRef idx="0">
+            <a:schemeClr val="accent1"/>
+          </a:effectRef>
+          <a:fontRef idx="minor">
+            <a:schemeClr val="lt1"/>
+          </a:fontRef>
+        </p:style>
+        <p:txBody>
+          <a:bodyPr rtlCol="0" anchor="ctr"/>
+          <a:lstStyle/>
+          <a:p>
+            <a:pPr algn="ctr"/>
+            <a:endParaRPr lang="ko-KR" altLang="en-US"/>
+          </a:p>
+        </p:txBody>
+      </p:sp>
+      <p:sp>
+        <p:nvSpPr>
+          <p:cNvPr id="26" name="화살표: 오른쪽 25">
+            <a:extLst>
+              <a:ext uri="{FF2B5EF4-FFF2-40B4-BE49-F238E27FC236}">
+                <a16:creationId xmlns:a16="http://schemas.microsoft.com/office/drawing/2014/main" id="{D51C14CD-A810-43C6-91DE-A58449A40E6F}"/>
+              </a:ext>
+            </a:extLst>
+          </p:cNvPr>
+          <p:cNvSpPr/>
+          <p:nvPr/>
+        </p:nvSpPr>
+        <p:spPr>
+          <a:xfrm>
+            <a:off x="7613572" y="2492673"/>
+            <a:ext cx="596348" cy="188836"/>
+          </a:xfrm>
+          <a:prstGeom prst="rightArrow">
+            <a:avLst/>
+          </a:prstGeom>
+        </p:spPr>
+        <p:style>
+          <a:lnRef idx="2">
+            <a:schemeClr val="accent1">
+              <a:shade val="15000"/>
+            </a:schemeClr>
+          </a:lnRef>
+          <a:fillRef idx="1">
+            <a:schemeClr val="accent1"/>
+          </a:fillRef>
+          <a:effectRef idx="0">
+            <a:schemeClr val="accent1"/>
+          </a:effectRef>
+          <a:fontRef idx="minor">
+            <a:schemeClr val="lt1"/>
+          </a:fontRef>
+        </p:style>
+        <p:txBody>
+          <a:bodyPr rtlCol="0" anchor="ctr"/>
+          <a:lstStyle/>
+          <a:p>
+            <a:pPr algn="ctr"/>
+            <a:endParaRPr lang="ko-KR" altLang="en-US"/>
+          </a:p>
+        </p:txBody>
+      </p:sp>
+      <p:pic>
+        <p:nvPicPr>
+          <p:cNvPr id="13" name="그림 12">
+            <a:extLst>
+              <a:ext uri="{FF2B5EF4-FFF2-40B4-BE49-F238E27FC236}">
+                <a16:creationId xmlns:a16="http://schemas.microsoft.com/office/drawing/2014/main" id="{3BB41175-0B67-4C54-B74F-5E18D2F593F1}"/>
+              </a:ext>
+            </a:extLst>
+          </p:cNvPr>
+          <p:cNvPicPr>
+            <a:picLocks noChangeAspect="1"/>
+          </p:cNvPicPr>
+          <p:nvPr/>
+        </p:nvPicPr>
+        <p:blipFill>
+          <a:blip r:embed="rId3"/>
+          <a:stretch>
+            <a:fillRect/>
+          </a:stretch>
+        </p:blipFill>
+        <p:spPr>
+          <a:xfrm>
+            <a:off x="6342181" y="1683295"/>
+            <a:ext cx="684493" cy="1807593"/>
+          </a:xfrm>
+          <a:prstGeom prst="rect">
+            <a:avLst/>
+          </a:prstGeom>
+        </p:spPr>
+      </p:pic>
+      <p:sp>
+        <p:nvSpPr>
+          <p:cNvPr id="15" name="직사각형 14">
+            <a:extLst>
+              <a:ext uri="{FF2B5EF4-FFF2-40B4-BE49-F238E27FC236}">
+                <a16:creationId xmlns:a16="http://schemas.microsoft.com/office/drawing/2014/main" id="{D4CA466A-C1F2-4F74-8C28-03FA2A9E2CBA}"/>
+              </a:ext>
+            </a:extLst>
+          </p:cNvPr>
+          <p:cNvSpPr/>
+          <p:nvPr/>
+        </p:nvSpPr>
+        <p:spPr>
+          <a:xfrm>
+            <a:off x="8796819" y="2129891"/>
+            <a:ext cx="914400" cy="914400"/>
+          </a:xfrm>
+          <a:prstGeom prst="rect">
+            <a:avLst/>
+          </a:prstGeom>
+        </p:spPr>
+        <p:style>
+          <a:lnRef idx="2">
+            <a:schemeClr val="accent1">
+              <a:shade val="15000"/>
+            </a:schemeClr>
+          </a:lnRef>
+          <a:fillRef idx="1">
+            <a:schemeClr val="accent1"/>
+          </a:fillRef>
+          <a:effectRef idx="0">
+            <a:schemeClr val="accent1"/>
+          </a:effectRef>
+          <a:fontRef idx="minor">
+            <a:schemeClr val="lt1"/>
+          </a:fontRef>
+        </p:style>
+        <p:txBody>
+          <a:bodyPr rtlCol="0" anchor="ctr"/>
+          <a:lstStyle/>
+          <a:p>
+            <a:pPr algn="ctr"/>
+            <a:r>
+              <a:rPr lang="en-US" altLang="ko-KR" sz="1600" dirty="0"/>
+              <a:t>Output</a:t>
+            </a:r>
+            <a:endParaRPr lang="ko-KR" altLang="en-US" sz="1600" dirty="0"/>
+          </a:p>
+        </p:txBody>
+      </p:sp>
+      <p:sp>
+        <p:nvSpPr>
+          <p:cNvPr id="17" name="직사각형 16">
+            <a:extLst>
+              <a:ext uri="{FF2B5EF4-FFF2-40B4-BE49-F238E27FC236}">
+                <a16:creationId xmlns:a16="http://schemas.microsoft.com/office/drawing/2014/main" id="{A5CD37C7-1AA2-49CC-8CD1-01460785B1BF}"/>
+              </a:ext>
+            </a:extLst>
+          </p:cNvPr>
+          <p:cNvSpPr/>
+          <p:nvPr/>
+        </p:nvSpPr>
+        <p:spPr>
+          <a:xfrm>
+            <a:off x="8221524" y="1683295"/>
+            <a:ext cx="2064989" cy="307777"/>
+          </a:xfrm>
+          <a:prstGeom prst="rect">
+            <a:avLst/>
+          </a:prstGeom>
+        </p:spPr>
+        <p:txBody>
+          <a:bodyPr wrap="none">
+            <a:spAutoFit/>
+          </a:bodyPr>
+          <a:lstStyle/>
+          <a:p>
+            <a:r>
+              <a:rPr lang="ko-KR" altLang="en-US" sz="1400"/>
+              <a:t>▶ 예측이 변경되었나요</a:t>
+            </a:r>
+            <a:r>
+              <a:rPr lang="en-US" altLang="ko-KR" sz="1400"/>
+              <a:t>?</a:t>
+            </a:r>
+            <a:endParaRPr lang="ko-KR" altLang="en-US" sz="1400"/>
+          </a:p>
+        </p:txBody>
+      </p:sp>
+      <p:cxnSp>
+        <p:nvCxnSpPr>
+          <p:cNvPr id="28" name="직선 화살표 연결선 27">
+            <a:extLst>
+              <a:ext uri="{FF2B5EF4-FFF2-40B4-BE49-F238E27FC236}">
+                <a16:creationId xmlns:a16="http://schemas.microsoft.com/office/drawing/2014/main" id="{7AC5ADE9-AF19-481D-BBD6-9C6A839AF2F4}"/>
+              </a:ext>
+            </a:extLst>
+          </p:cNvPr>
+          <p:cNvCxnSpPr>
+            <a:cxnSpLocks/>
+            <a:endCxn id="11" idx="0"/>
+          </p:cNvCxnSpPr>
+          <p:nvPr/>
+        </p:nvCxnSpPr>
+        <p:spPr>
+          <a:xfrm>
+            <a:off x="6684427" y="3500350"/>
+            <a:ext cx="138722" cy="378008"/>
+          </a:xfrm>
+          <a:prstGeom prst="straightConnector1">
+            <a:avLst/>
+          </a:prstGeom>
+          <a:ln>
+            <a:tailEnd type="triangle"/>
+          </a:ln>
+        </p:spPr>
+        <p:style>
+          <a:lnRef idx="1">
+            <a:schemeClr val="accent1"/>
+          </a:lnRef>
+          <a:fillRef idx="0">
+            <a:schemeClr val="accent1"/>
+          </a:fillRef>
+          <a:effectRef idx="0">
+            <a:schemeClr val="accent1"/>
+          </a:effectRef>
+          <a:fontRef idx="minor">
+            <a:schemeClr val="tx1"/>
+          </a:fontRef>
+        </p:style>
+      </p:cxnSp>
       <p:sp>
         <p:nvSpPr>
           <p:cNvPr id="32" name="직사각형 31">
@@ -11220,6 +11330,443 @@
   <p:clrMapOvr>
     <a:masterClrMapping/>
   </p:clrMapOvr>
+  <p:timing>
+    <p:tnLst>
+      <p:par>
+        <p:cTn id="1" dur="indefinite" restart="never" nodeType="tmRoot">
+          <p:childTnLst>
+            <p:seq concurrent="1" nextAc="seek">
+              <p:cTn id="2" dur="indefinite" nodeType="mainSeq">
+                <p:childTnLst>
+                  <p:par>
+                    <p:cTn id="3" fill="hold">
+                      <p:stCondLst>
+                        <p:cond delay="indefinite"/>
+                      </p:stCondLst>
+                      <p:childTnLst>
+                        <p:par>
+                          <p:cTn id="4" fill="hold">
+                            <p:stCondLst>
+                              <p:cond delay="0"/>
+                            </p:stCondLst>
+                            <p:childTnLst>
+                              <p:par>
+                                <p:cTn id="5" presetID="1" presetClass="entr" presetSubtype="0" fill="hold" grpId="0" nodeType="clickEffect">
+                                  <p:stCondLst>
+                                    <p:cond delay="0"/>
+                                  </p:stCondLst>
+                                  <p:childTnLst>
+                                    <p:set>
+                                      <p:cBhvr>
+                                        <p:cTn id="6" dur="1" fill="hold">
+                                          <p:stCondLst>
+                                            <p:cond delay="0"/>
+                                          </p:stCondLst>
+                                        </p:cTn>
+                                        <p:tgtEl>
+                                          <p:spTgt spid="7"/>
+                                        </p:tgtEl>
+                                        <p:attrNameLst>
+                                          <p:attrName>style.visibility</p:attrName>
+                                        </p:attrNameLst>
+                                      </p:cBhvr>
+                                      <p:to>
+                                        <p:strVal val="visible"/>
+                                      </p:to>
+                                    </p:set>
+                                  </p:childTnLst>
+                                </p:cTn>
+                              </p:par>
+                              <p:par>
+                                <p:cTn id="7" presetID="1" presetClass="entr" presetSubtype="0" fill="hold" grpId="0" nodeType="withEffect">
+                                  <p:stCondLst>
+                                    <p:cond delay="0"/>
+                                  </p:stCondLst>
+                                  <p:childTnLst>
+                                    <p:set>
+                                      <p:cBhvr>
+                                        <p:cTn id="8" dur="1" fill="hold">
+                                          <p:stCondLst>
+                                            <p:cond delay="0"/>
+                                          </p:stCondLst>
+                                        </p:cTn>
+                                        <p:tgtEl>
+                                          <p:spTgt spid="9"/>
+                                        </p:tgtEl>
+                                        <p:attrNameLst>
+                                          <p:attrName>style.visibility</p:attrName>
+                                        </p:attrNameLst>
+                                      </p:cBhvr>
+                                      <p:to>
+                                        <p:strVal val="visible"/>
+                                      </p:to>
+                                    </p:set>
+                                  </p:childTnLst>
+                                </p:cTn>
+                              </p:par>
+                              <p:par>
+                                <p:cTn id="9" presetID="1" presetClass="entr" presetSubtype="0" fill="hold" grpId="0" nodeType="withEffect">
+                                  <p:stCondLst>
+                                    <p:cond delay="0"/>
+                                  </p:stCondLst>
+                                  <p:childTnLst>
+                                    <p:set>
+                                      <p:cBhvr>
+                                        <p:cTn id="10" dur="1" fill="hold">
+                                          <p:stCondLst>
+                                            <p:cond delay="0"/>
+                                          </p:stCondLst>
+                                        </p:cTn>
+                                        <p:tgtEl>
+                                          <p:spTgt spid="8"/>
+                                        </p:tgtEl>
+                                        <p:attrNameLst>
+                                          <p:attrName>style.visibility</p:attrName>
+                                        </p:attrNameLst>
+                                      </p:cBhvr>
+                                      <p:to>
+                                        <p:strVal val="visible"/>
+                                      </p:to>
+                                    </p:set>
+                                  </p:childTnLst>
+                                </p:cTn>
+                              </p:par>
+                              <p:par>
+                                <p:cTn id="11" presetID="1" presetClass="entr" presetSubtype="0" fill="hold" grpId="0" nodeType="withEffect">
+                                  <p:stCondLst>
+                                    <p:cond delay="0"/>
+                                  </p:stCondLst>
+                                  <p:childTnLst>
+                                    <p:set>
+                                      <p:cBhvr>
+                                        <p:cTn id="12" dur="1" fill="hold">
+                                          <p:stCondLst>
+                                            <p:cond delay="0"/>
+                                          </p:stCondLst>
+                                        </p:cTn>
+                                        <p:tgtEl>
+                                          <p:spTgt spid="32"/>
+                                        </p:tgtEl>
+                                        <p:attrNameLst>
+                                          <p:attrName>style.visibility</p:attrName>
+                                        </p:attrNameLst>
+                                      </p:cBhvr>
+                                      <p:to>
+                                        <p:strVal val="visible"/>
+                                      </p:to>
+                                    </p:set>
+                                  </p:childTnLst>
+                                </p:cTn>
+                              </p:par>
+                            </p:childTnLst>
+                          </p:cTn>
+                        </p:par>
+                      </p:childTnLst>
+                    </p:cTn>
+                  </p:par>
+                  <p:par>
+                    <p:cTn id="13" fill="hold">
+                      <p:stCondLst>
+                        <p:cond delay="indefinite"/>
+                      </p:stCondLst>
+                      <p:childTnLst>
+                        <p:par>
+                          <p:cTn id="14" fill="hold">
+                            <p:stCondLst>
+                              <p:cond delay="0"/>
+                            </p:stCondLst>
+                            <p:childTnLst>
+                              <p:par>
+                                <p:cTn id="15" presetID="1" presetClass="entr" presetSubtype="0" fill="hold" grpId="0" nodeType="clickEffect">
+                                  <p:stCondLst>
+                                    <p:cond delay="0"/>
+                                  </p:stCondLst>
+                                  <p:childTnLst>
+                                    <p:set>
+                                      <p:cBhvr>
+                                        <p:cTn id="16" dur="1" fill="hold">
+                                          <p:stCondLst>
+                                            <p:cond delay="0"/>
+                                          </p:stCondLst>
+                                        </p:cTn>
+                                        <p:tgtEl>
+                                          <p:spTgt spid="24"/>
+                                        </p:tgtEl>
+                                        <p:attrNameLst>
+                                          <p:attrName>style.visibility</p:attrName>
+                                        </p:attrNameLst>
+                                      </p:cBhvr>
+                                      <p:to>
+                                        <p:strVal val="visible"/>
+                                      </p:to>
+                                    </p:set>
+                                  </p:childTnLst>
+                                </p:cTn>
+                              </p:par>
+                              <p:par>
+                                <p:cTn id="17" presetID="1" presetClass="entr" presetSubtype="0" fill="hold" nodeType="withEffect">
+                                  <p:stCondLst>
+                                    <p:cond delay="0"/>
+                                  </p:stCondLst>
+                                  <p:childTnLst>
+                                    <p:set>
+                                      <p:cBhvr>
+                                        <p:cTn id="18" dur="1" fill="hold">
+                                          <p:stCondLst>
+                                            <p:cond delay="0"/>
+                                          </p:stCondLst>
+                                        </p:cTn>
+                                        <p:tgtEl>
+                                          <p:spTgt spid="13"/>
+                                        </p:tgtEl>
+                                        <p:attrNameLst>
+                                          <p:attrName>style.visibility</p:attrName>
+                                        </p:attrNameLst>
+                                      </p:cBhvr>
+                                      <p:to>
+                                        <p:strVal val="visible"/>
+                                      </p:to>
+                                    </p:set>
+                                  </p:childTnLst>
+                                </p:cTn>
+                              </p:par>
+                              <p:par>
+                                <p:cTn id="19" presetID="1" presetClass="entr" presetSubtype="0" fill="hold" nodeType="withEffect">
+                                  <p:stCondLst>
+                                    <p:cond delay="0"/>
+                                  </p:stCondLst>
+                                  <p:childTnLst>
+                                    <p:set>
+                                      <p:cBhvr>
+                                        <p:cTn id="20" dur="1" fill="hold">
+                                          <p:stCondLst>
+                                            <p:cond delay="0"/>
+                                          </p:stCondLst>
+                                        </p:cTn>
+                                        <p:tgtEl>
+                                          <p:spTgt spid="28"/>
+                                        </p:tgtEl>
+                                        <p:attrNameLst>
+                                          <p:attrName>style.visibility</p:attrName>
+                                        </p:attrNameLst>
+                                      </p:cBhvr>
+                                      <p:to>
+                                        <p:strVal val="visible"/>
+                                      </p:to>
+                                    </p:set>
+                                  </p:childTnLst>
+                                </p:cTn>
+                              </p:par>
+                              <p:par>
+                                <p:cTn id="21" presetID="1" presetClass="entr" presetSubtype="0" fill="hold" grpId="0" nodeType="withEffect">
+                                  <p:stCondLst>
+                                    <p:cond delay="0"/>
+                                  </p:stCondLst>
+                                  <p:childTnLst>
+                                    <p:set>
+                                      <p:cBhvr>
+                                        <p:cTn id="22" dur="1" fill="hold">
+                                          <p:stCondLst>
+                                            <p:cond delay="0"/>
+                                          </p:stCondLst>
+                                        </p:cTn>
+                                        <p:tgtEl>
+                                          <p:spTgt spid="11"/>
+                                        </p:tgtEl>
+                                        <p:attrNameLst>
+                                          <p:attrName>style.visibility</p:attrName>
+                                        </p:attrNameLst>
+                                      </p:cBhvr>
+                                      <p:to>
+                                        <p:strVal val="visible"/>
+                                      </p:to>
+                                    </p:set>
+                                  </p:childTnLst>
+                                </p:cTn>
+                              </p:par>
+                            </p:childTnLst>
+                          </p:cTn>
+                        </p:par>
+                      </p:childTnLst>
+                    </p:cTn>
+                  </p:par>
+                  <p:par>
+                    <p:cTn id="23" fill="hold">
+                      <p:stCondLst>
+                        <p:cond delay="indefinite"/>
+                      </p:stCondLst>
+                      <p:childTnLst>
+                        <p:par>
+                          <p:cTn id="24" fill="hold">
+                            <p:stCondLst>
+                              <p:cond delay="0"/>
+                            </p:stCondLst>
+                            <p:childTnLst>
+                              <p:par>
+                                <p:cTn id="25" presetID="1" presetClass="entr" presetSubtype="0" fill="hold" grpId="0" nodeType="clickEffect">
+                                  <p:stCondLst>
+                                    <p:cond delay="0"/>
+                                  </p:stCondLst>
+                                  <p:childTnLst>
+                                    <p:set>
+                                      <p:cBhvr>
+                                        <p:cTn id="26" dur="1" fill="hold">
+                                          <p:stCondLst>
+                                            <p:cond delay="0"/>
+                                          </p:stCondLst>
+                                        </p:cTn>
+                                        <p:tgtEl>
+                                          <p:spTgt spid="26"/>
+                                        </p:tgtEl>
+                                        <p:attrNameLst>
+                                          <p:attrName>style.visibility</p:attrName>
+                                        </p:attrNameLst>
+                                      </p:cBhvr>
+                                      <p:to>
+                                        <p:strVal val="visible"/>
+                                      </p:to>
+                                    </p:set>
+                                  </p:childTnLst>
+                                </p:cTn>
+                              </p:par>
+                              <p:par>
+                                <p:cTn id="27" presetID="1" presetClass="entr" presetSubtype="0" fill="hold" grpId="0" nodeType="withEffect">
+                                  <p:stCondLst>
+                                    <p:cond delay="0"/>
+                                  </p:stCondLst>
+                                  <p:childTnLst>
+                                    <p:set>
+                                      <p:cBhvr>
+                                        <p:cTn id="28" dur="1" fill="hold">
+                                          <p:stCondLst>
+                                            <p:cond delay="0"/>
+                                          </p:stCondLst>
+                                        </p:cTn>
+                                        <p:tgtEl>
+                                          <p:spTgt spid="15"/>
+                                        </p:tgtEl>
+                                        <p:attrNameLst>
+                                          <p:attrName>style.visibility</p:attrName>
+                                        </p:attrNameLst>
+                                      </p:cBhvr>
+                                      <p:to>
+                                        <p:strVal val="visible"/>
+                                      </p:to>
+                                    </p:set>
+                                  </p:childTnLst>
+                                </p:cTn>
+                              </p:par>
+                              <p:par>
+                                <p:cTn id="29" presetID="1" presetClass="entr" presetSubtype="0" fill="hold" grpId="0" nodeType="withEffect">
+                                  <p:stCondLst>
+                                    <p:cond delay="0"/>
+                                  </p:stCondLst>
+                                  <p:childTnLst>
+                                    <p:set>
+                                      <p:cBhvr>
+                                        <p:cTn id="30" dur="1" fill="hold">
+                                          <p:stCondLst>
+                                            <p:cond delay="0"/>
+                                          </p:stCondLst>
+                                        </p:cTn>
+                                        <p:tgtEl>
+                                          <p:spTgt spid="17"/>
+                                        </p:tgtEl>
+                                        <p:attrNameLst>
+                                          <p:attrName>style.visibility</p:attrName>
+                                        </p:attrNameLst>
+                                      </p:cBhvr>
+                                      <p:to>
+                                        <p:strVal val="visible"/>
+                                      </p:to>
+                                    </p:set>
+                                  </p:childTnLst>
+                                </p:cTn>
+                              </p:par>
+                            </p:childTnLst>
+                          </p:cTn>
+                        </p:par>
+                      </p:childTnLst>
+                    </p:cTn>
+                  </p:par>
+                  <p:par>
+                    <p:cTn id="31" fill="hold">
+                      <p:stCondLst>
+                        <p:cond delay="indefinite"/>
+                      </p:stCondLst>
+                      <p:childTnLst>
+                        <p:par>
+                          <p:cTn id="32" fill="hold">
+                            <p:stCondLst>
+                              <p:cond delay="0"/>
+                            </p:stCondLst>
+                            <p:childTnLst>
+                              <p:par>
+                                <p:cTn id="33" presetID="1" presetClass="entr" presetSubtype="0" fill="hold" nodeType="clickEffect">
+                                  <p:stCondLst>
+                                    <p:cond delay="0"/>
+                                  </p:stCondLst>
+                                  <p:childTnLst>
+                                    <p:set>
+                                      <p:cBhvr>
+                                        <p:cTn id="34" dur="1" fill="hold">
+                                          <p:stCondLst>
+                                            <p:cond delay="0"/>
+                                          </p:stCondLst>
+                                        </p:cTn>
+                                        <p:tgtEl>
+                                          <p:spTgt spid="30"/>
+                                        </p:tgtEl>
+                                        <p:attrNameLst>
+                                          <p:attrName>style.visibility</p:attrName>
+                                        </p:attrNameLst>
+                                      </p:cBhvr>
+                                      <p:to>
+                                        <p:strVal val="visible"/>
+                                      </p:to>
+                                    </p:set>
+                                  </p:childTnLst>
+                                </p:cTn>
+                              </p:par>
+                            </p:childTnLst>
+                          </p:cTn>
+                        </p:par>
+                      </p:childTnLst>
+                    </p:cTn>
+                  </p:par>
+                </p:childTnLst>
+              </p:cTn>
+              <p:prevCondLst>
+                <p:cond evt="onPrev" delay="0">
+                  <p:tgtEl>
+                    <p:sldTgt/>
+                  </p:tgtEl>
+                </p:cond>
+              </p:prevCondLst>
+              <p:nextCondLst>
+                <p:cond evt="onNext" delay="0">
+                  <p:tgtEl>
+                    <p:sldTgt/>
+                  </p:tgtEl>
+                </p:cond>
+              </p:nextCondLst>
+            </p:seq>
+          </p:childTnLst>
+        </p:cTn>
+      </p:par>
+    </p:tnLst>
+    <p:bldLst>
+      <p:bldP spid="11" grpId="0"/>
+      <p:bldP spid="7" grpId="0" animBg="1"/>
+      <p:bldP spid="8" grpId="0" animBg="1"/>
+      <p:bldP spid="9" grpId="0" animBg="1"/>
+      <p:bldP spid="24" grpId="0" animBg="1"/>
+      <p:bldP spid="26" grpId="0" animBg="1"/>
+      <p:bldP spid="15" grpId="0" animBg="1"/>
+      <p:bldP spid="17" grpId="0"/>
+      <p:bldP spid="32" grpId="0"/>
+    </p:bldLst>
+  </p:timing>
 </p:sld>
 </file>
 
@@ -14052,10 +14599,3222 @@
           </a:p>
         </p:txBody>
       </p:sp>
+      <p:grpSp>
+        <p:nvGrpSpPr>
+          <p:cNvPr id="5" name="그룹 4">
+            <a:extLst>
+              <a:ext uri="{FF2B5EF4-FFF2-40B4-BE49-F238E27FC236}">
+                <a16:creationId xmlns:a16="http://schemas.microsoft.com/office/drawing/2014/main" id="{7A624482-87C0-481C-A1FB-DE63B7E63CD5}"/>
+              </a:ext>
+            </a:extLst>
+          </p:cNvPr>
+          <p:cNvGrpSpPr/>
+          <p:nvPr/>
+        </p:nvGrpSpPr>
+        <p:grpSpPr>
+          <a:xfrm>
+            <a:off x="1456151" y="1077756"/>
+            <a:ext cx="9172296" cy="1182757"/>
+            <a:chOff x="895739" y="1842866"/>
+            <a:chExt cx="9172296" cy="1182757"/>
+          </a:xfrm>
+        </p:grpSpPr>
+        <p:sp>
+          <p:nvSpPr>
+            <p:cNvPr id="6" name="정육면체 5">
+              <a:extLst>
+                <a:ext uri="{FF2B5EF4-FFF2-40B4-BE49-F238E27FC236}">
+                  <a16:creationId xmlns:a16="http://schemas.microsoft.com/office/drawing/2014/main" id="{0F6269E9-90BC-4E6F-ABE1-A2EC519648A0}"/>
+                </a:ext>
+              </a:extLst>
+            </p:cNvPr>
+            <p:cNvSpPr/>
+            <p:nvPr/>
+          </p:nvSpPr>
+          <p:spPr>
+            <a:xfrm>
+              <a:off x="4072977" y="1842866"/>
+              <a:ext cx="1182757" cy="1182757"/>
+            </a:xfrm>
+            <a:prstGeom prst="cube">
+              <a:avLst/>
+            </a:prstGeom>
+          </p:spPr>
+          <p:style>
+            <a:lnRef idx="2">
+              <a:schemeClr val="accent1">
+                <a:shade val="15000"/>
+              </a:schemeClr>
+            </a:lnRef>
+            <a:fillRef idx="1">
+              <a:schemeClr val="accent1"/>
+            </a:fillRef>
+            <a:effectRef idx="0">
+              <a:schemeClr val="accent1"/>
+            </a:effectRef>
+            <a:fontRef idx="minor">
+              <a:schemeClr val="lt1"/>
+            </a:fontRef>
+          </p:style>
+          <p:txBody>
+            <a:bodyPr rtlCol="0" anchor="ctr"/>
+            <a:lstStyle/>
+            <a:p>
+              <a:pPr algn="ctr"/>
+              <a:r>
+                <a:rPr lang="en-US" altLang="ko-KR" sz="1400"/>
+                <a:t>GPT3.5</a:t>
+              </a:r>
+            </a:p>
+            <a:p>
+              <a:pPr algn="ctr"/>
+              <a:r>
+                <a:rPr lang="en-US" altLang="ko-KR" sz="1400"/>
+                <a:t>Turbo</a:t>
+              </a:r>
+              <a:endParaRPr lang="ko-KR" altLang="en-US" sz="1400" dirty="0"/>
+            </a:p>
+          </p:txBody>
+        </p:sp>
+        <p:sp>
+          <p:nvSpPr>
+            <p:cNvPr id="4" name="TextBox 3">
+              <a:extLst>
+                <a:ext uri="{FF2B5EF4-FFF2-40B4-BE49-F238E27FC236}">
+                  <a16:creationId xmlns:a16="http://schemas.microsoft.com/office/drawing/2014/main" id="{AFBAB54B-8B09-4512-8E1B-2B01F335C299}"/>
+                </a:ext>
+              </a:extLst>
+            </p:cNvPr>
+            <p:cNvSpPr txBox="1"/>
+            <p:nvPr/>
+          </p:nvSpPr>
+          <p:spPr>
+            <a:xfrm>
+              <a:off x="895739" y="2249581"/>
+              <a:ext cx="1827744" cy="369332"/>
+            </a:xfrm>
+            <a:prstGeom prst="rect">
+              <a:avLst/>
+            </a:prstGeom>
+            <a:noFill/>
+          </p:spPr>
+          <p:txBody>
+            <a:bodyPr wrap="none" rtlCol="0">
+              <a:spAutoFit/>
+            </a:bodyPr>
+            <a:lstStyle/>
+            <a:p>
+              <a:r>
+                <a:rPr lang="ko-KR" altLang="en-US"/>
+                <a:t>유저의 호텔 리뷰</a:t>
+              </a:r>
+            </a:p>
+          </p:txBody>
+        </p:sp>
+        <p:sp>
+          <p:nvSpPr>
+            <p:cNvPr id="8" name="화살표: 오른쪽 7">
+              <a:extLst>
+                <a:ext uri="{FF2B5EF4-FFF2-40B4-BE49-F238E27FC236}">
+                  <a16:creationId xmlns:a16="http://schemas.microsoft.com/office/drawing/2014/main" id="{FEE1AF3B-05CA-4859-A455-C38EA0C7B5B7}"/>
+                </a:ext>
+              </a:extLst>
+            </p:cNvPr>
+            <p:cNvSpPr/>
+            <p:nvPr/>
+          </p:nvSpPr>
+          <p:spPr>
+            <a:xfrm>
+              <a:off x="3100056" y="2339828"/>
+              <a:ext cx="596348" cy="188836"/>
+            </a:xfrm>
+            <a:prstGeom prst="rightArrow">
+              <a:avLst/>
+            </a:prstGeom>
+          </p:spPr>
+          <p:style>
+            <a:lnRef idx="2">
+              <a:schemeClr val="accent1">
+                <a:shade val="15000"/>
+              </a:schemeClr>
+            </a:lnRef>
+            <a:fillRef idx="1">
+              <a:schemeClr val="accent1"/>
+            </a:fillRef>
+            <a:effectRef idx="0">
+              <a:schemeClr val="accent1"/>
+            </a:effectRef>
+            <a:fontRef idx="minor">
+              <a:schemeClr val="lt1"/>
+            </a:fontRef>
+          </p:style>
+          <p:txBody>
+            <a:bodyPr rtlCol="0" anchor="ctr"/>
+            <a:lstStyle/>
+            <a:p>
+              <a:pPr algn="ctr"/>
+              <a:endParaRPr lang="ko-KR" altLang="en-US"/>
+            </a:p>
+          </p:txBody>
+        </p:sp>
+        <p:sp>
+          <p:nvSpPr>
+            <p:cNvPr id="9" name="화살표: 오른쪽 8">
+              <a:extLst>
+                <a:ext uri="{FF2B5EF4-FFF2-40B4-BE49-F238E27FC236}">
+                  <a16:creationId xmlns:a16="http://schemas.microsoft.com/office/drawing/2014/main" id="{08348861-F934-4276-BF9C-3414DC1D8498}"/>
+                </a:ext>
+              </a:extLst>
+            </p:cNvPr>
+            <p:cNvSpPr/>
+            <p:nvPr/>
+          </p:nvSpPr>
+          <p:spPr>
+            <a:xfrm>
+              <a:off x="5632307" y="2339827"/>
+              <a:ext cx="596348" cy="188836"/>
+            </a:xfrm>
+            <a:prstGeom prst="rightArrow">
+              <a:avLst/>
+            </a:prstGeom>
+          </p:spPr>
+          <p:style>
+            <a:lnRef idx="2">
+              <a:schemeClr val="accent1">
+                <a:shade val="15000"/>
+              </a:schemeClr>
+            </a:lnRef>
+            <a:fillRef idx="1">
+              <a:schemeClr val="accent1"/>
+            </a:fillRef>
+            <a:effectRef idx="0">
+              <a:schemeClr val="accent1"/>
+            </a:effectRef>
+            <a:fontRef idx="minor">
+              <a:schemeClr val="lt1"/>
+            </a:fontRef>
+          </p:style>
+          <p:txBody>
+            <a:bodyPr rtlCol="0" anchor="ctr"/>
+            <a:lstStyle/>
+            <a:p>
+              <a:pPr algn="ctr"/>
+              <a:endParaRPr lang="ko-KR" altLang="en-US"/>
+            </a:p>
+          </p:txBody>
+        </p:sp>
+        <p:sp>
+          <p:nvSpPr>
+            <p:cNvPr id="10" name="TextBox 9">
+              <a:extLst>
+                <a:ext uri="{FF2B5EF4-FFF2-40B4-BE49-F238E27FC236}">
+                  <a16:creationId xmlns:a16="http://schemas.microsoft.com/office/drawing/2014/main" id="{E03B7E31-F302-42B4-B8AB-8226465DE846}"/>
+                </a:ext>
+              </a:extLst>
+            </p:cNvPr>
+            <p:cNvSpPr txBox="1"/>
+            <p:nvPr/>
+          </p:nvSpPr>
+          <p:spPr>
+            <a:xfrm>
+              <a:off x="6605228" y="2249578"/>
+              <a:ext cx="3462807" cy="369332"/>
+            </a:xfrm>
+            <a:prstGeom prst="rect">
+              <a:avLst/>
+            </a:prstGeom>
+            <a:noFill/>
+          </p:spPr>
+          <p:txBody>
+            <a:bodyPr wrap="none" rtlCol="0">
+              <a:spAutoFit/>
+            </a:bodyPr>
+            <a:lstStyle/>
+            <a:p>
+              <a:r>
+                <a:rPr lang="en-US" altLang="ko-KR"/>
+                <a:t>GPT</a:t>
+              </a:r>
+              <a:r>
+                <a:rPr lang="ko-KR" altLang="en-US"/>
+                <a:t>가 리뷰를 보고 예측한 점수 </a:t>
+              </a:r>
+              <a:r>
+                <a:rPr lang="en-US" altLang="ko-KR"/>
+                <a:t>: </a:t>
+              </a:r>
+              <a:endParaRPr lang="ko-KR" altLang="en-US"/>
+            </a:p>
+          </p:txBody>
+        </p:sp>
+      </p:grpSp>
+      <p:pic>
+        <p:nvPicPr>
+          <p:cNvPr id="18" name="그림 17" descr="\documentclass{article}&#10;\usepackage{amsmath, amsfonts, amssymb, xcolor}&#10;\pagestyle{empty}&#10;&#10;\begin{document}&#10;&#10;$ \hat{y} $&#10;&#10;\end{document}" title="IguanaTex Bitmap Display">
+            <a:extLst>
+              <a:ext uri="{FF2B5EF4-FFF2-40B4-BE49-F238E27FC236}">
+                <a16:creationId xmlns:a16="http://schemas.microsoft.com/office/drawing/2014/main" id="{F42FD80F-5F85-4FDF-8162-2C348C1897A1}"/>
+              </a:ext>
+            </a:extLst>
+          </p:cNvPr>
+          <p:cNvPicPr>
+            <a:picLocks noChangeAspect="1"/>
+          </p:cNvPicPr>
+          <p:nvPr>
+            <p:custDataLst>
+              <p:tags r:id="rId1"/>
+            </p:custDataLst>
+          </p:nvPr>
+        </p:nvPicPr>
+        <p:blipFill>
+          <a:blip r:embed="rId5">
+            <a:extLst>
+              <a:ext uri="{28A0092B-C50C-407E-A947-70E740481C1C}">
+                <a14:useLocalDpi xmlns:a14="http://schemas.microsoft.com/office/drawing/2010/main" val="0"/>
+              </a:ext>
+            </a:extLst>
+          </a:blip>
+          <a:stretch>
+            <a:fillRect/>
+          </a:stretch>
+        </p:blipFill>
+        <p:spPr>
+          <a:xfrm>
+            <a:off x="10628447" y="1559225"/>
+            <a:ext cx="118857" cy="227048"/>
+          </a:xfrm>
+          <a:prstGeom prst="rect">
+            <a:avLst/>
+          </a:prstGeom>
+        </p:spPr>
+      </p:pic>
+      <p:grpSp>
+        <p:nvGrpSpPr>
+          <p:cNvPr id="31" name="그룹 30">
+            <a:extLst>
+              <a:ext uri="{FF2B5EF4-FFF2-40B4-BE49-F238E27FC236}">
+                <a16:creationId xmlns:a16="http://schemas.microsoft.com/office/drawing/2014/main" id="{0CF2052D-4E14-4D5A-8927-05D5D3AE607C}"/>
+              </a:ext>
+            </a:extLst>
+          </p:cNvPr>
+          <p:cNvGrpSpPr/>
+          <p:nvPr/>
+        </p:nvGrpSpPr>
+        <p:grpSpPr>
+          <a:xfrm>
+            <a:off x="419729" y="5714486"/>
+            <a:ext cx="6397905" cy="802506"/>
+            <a:chOff x="321186" y="5948413"/>
+            <a:chExt cx="6397905" cy="802506"/>
+          </a:xfrm>
+        </p:grpSpPr>
+        <p:grpSp>
+          <p:nvGrpSpPr>
+            <p:cNvPr id="21" name="그룹 20">
+              <a:extLst>
+                <a:ext uri="{FF2B5EF4-FFF2-40B4-BE49-F238E27FC236}">
+                  <a16:creationId xmlns:a16="http://schemas.microsoft.com/office/drawing/2014/main" id="{00A07A17-C6F9-43DE-90F9-C69EEB6640CD}"/>
+                </a:ext>
+              </a:extLst>
+            </p:cNvPr>
+            <p:cNvGrpSpPr/>
+            <p:nvPr/>
+          </p:nvGrpSpPr>
+          <p:grpSpPr>
+            <a:xfrm>
+              <a:off x="321186" y="5948413"/>
+              <a:ext cx="2118937" cy="369332"/>
+              <a:chOff x="2582877" y="3440512"/>
+              <a:chExt cx="2118937" cy="369332"/>
+            </a:xfrm>
+          </p:grpSpPr>
+          <p:sp>
+            <p:nvSpPr>
+              <p:cNvPr id="7" name="TextBox 6">
+                <a:extLst>
+                  <a:ext uri="{FF2B5EF4-FFF2-40B4-BE49-F238E27FC236}">
+                    <a16:creationId xmlns:a16="http://schemas.microsoft.com/office/drawing/2014/main" id="{4A2A4131-4EBD-40CE-A0F9-9FB7F0D5543B}"/>
+                  </a:ext>
+                </a:extLst>
+              </p:cNvPr>
+              <p:cNvSpPr txBox="1"/>
+              <p:nvPr/>
+            </p:nvSpPr>
+            <p:spPr>
+              <a:xfrm>
+                <a:off x="2582877" y="3440512"/>
+                <a:ext cx="2026517" cy="369332"/>
+              </a:xfrm>
+              <a:prstGeom prst="rect">
+                <a:avLst/>
+              </a:prstGeom>
+              <a:noFill/>
+            </p:spPr>
+            <p:txBody>
+              <a:bodyPr wrap="none" rtlCol="0">
+                <a:spAutoFit/>
+              </a:bodyPr>
+              <a:lstStyle/>
+              <a:p>
+                <a:r>
+                  <a:rPr lang="ko-KR" altLang="en-US"/>
+                  <a:t>▶ 실제 리뷰 점수 </a:t>
+                </a:r>
+                <a:r>
+                  <a:rPr lang="en-US" altLang="ko-KR"/>
+                  <a:t>:</a:t>
+                </a:r>
+                <a:endParaRPr lang="ko-KR" altLang="en-US"/>
+              </a:p>
+            </p:txBody>
+          </p:sp>
+          <p:pic>
+            <p:nvPicPr>
+              <p:cNvPr id="20" name="그림 19" descr="\documentclass{article}&#10;\usepackage{amsmath, amsfonts, amssymb, xcolor}&#10;\pagestyle{empty}&#10;&#10;\begin{document}&#10;&#10;$ y $&#10;&#10;\end{document}" title="IguanaTex Bitmap Display">
+                <a:extLst>
+                  <a:ext uri="{FF2B5EF4-FFF2-40B4-BE49-F238E27FC236}">
+                    <a16:creationId xmlns:a16="http://schemas.microsoft.com/office/drawing/2014/main" id="{E628E193-61A3-4302-ABA4-6309BF5970C0}"/>
+                  </a:ext>
+                </a:extLst>
+              </p:cNvPr>
+              <p:cNvPicPr>
+                <a:picLocks noChangeAspect="1"/>
+              </p:cNvPicPr>
+              <p:nvPr>
+                <p:custDataLst>
+                  <p:tags r:id="rId3"/>
+                </p:custDataLst>
+              </p:nvPr>
+            </p:nvPicPr>
+            <p:blipFill>
+              <a:blip r:embed="rId6">
+                <a:extLst>
+                  <a:ext uri="{28A0092B-C50C-407E-A947-70E740481C1C}">
+                    <a14:useLocalDpi xmlns:a14="http://schemas.microsoft.com/office/drawing/2010/main" val="0"/>
+                  </a:ext>
+                </a:extLst>
+              </a:blip>
+              <a:stretch>
+                <a:fillRect/>
+              </a:stretch>
+            </p:blipFill>
+            <p:spPr>
+              <a:xfrm>
+                <a:off x="4582957" y="3543654"/>
+                <a:ext cx="118857" cy="163048"/>
+              </a:xfrm>
+              <a:prstGeom prst="rect">
+                <a:avLst/>
+              </a:prstGeom>
+            </p:spPr>
+          </p:pic>
+        </p:grpSp>
+        <p:sp>
+          <p:nvSpPr>
+            <p:cNvPr id="28" name="TextBox 27">
+              <a:extLst>
+                <a:ext uri="{FF2B5EF4-FFF2-40B4-BE49-F238E27FC236}">
+                  <a16:creationId xmlns:a16="http://schemas.microsoft.com/office/drawing/2014/main" id="{6F47766F-8689-4F50-BA48-49DD70FB5E20}"/>
+                </a:ext>
+              </a:extLst>
+            </p:cNvPr>
+            <p:cNvSpPr txBox="1"/>
+            <p:nvPr/>
+          </p:nvSpPr>
+          <p:spPr>
+            <a:xfrm>
+              <a:off x="321186" y="6381587"/>
+              <a:ext cx="6397905" cy="369332"/>
+            </a:xfrm>
+            <a:prstGeom prst="rect">
+              <a:avLst/>
+            </a:prstGeom>
+            <a:noFill/>
+          </p:spPr>
+          <p:txBody>
+            <a:bodyPr wrap="none" rtlCol="0">
+              <a:spAutoFit/>
+            </a:bodyPr>
+            <a:lstStyle/>
+            <a:p>
+              <a:r>
+                <a:rPr lang="ko-KR" altLang="en-US"/>
+                <a:t>▶ </a:t>
+              </a:r>
+              <a:r>
+                <a:rPr lang="en-US" altLang="ko-KR"/>
+                <a:t>GPT</a:t>
+              </a:r>
+              <a:r>
+                <a:rPr lang="ko-KR" altLang="en-US"/>
+                <a:t>가 왜 그렇게 예측했는지에 대한 인사이트를 얻을 수 있음</a:t>
+              </a:r>
+            </a:p>
+          </p:txBody>
+        </p:sp>
+      </p:grpSp>
+      <p:grpSp>
+        <p:nvGrpSpPr>
+          <p:cNvPr id="30" name="그룹 29">
+            <a:extLst>
+              <a:ext uri="{FF2B5EF4-FFF2-40B4-BE49-F238E27FC236}">
+                <a16:creationId xmlns:a16="http://schemas.microsoft.com/office/drawing/2014/main" id="{BE92F4F8-C57E-4ECD-96E0-A58FA13D20BA}"/>
+              </a:ext>
+            </a:extLst>
+          </p:cNvPr>
+          <p:cNvGrpSpPr/>
+          <p:nvPr/>
+        </p:nvGrpSpPr>
+        <p:grpSpPr>
+          <a:xfrm>
+            <a:off x="900406" y="3348267"/>
+            <a:ext cx="9831480" cy="1182757"/>
+            <a:chOff x="915824" y="3674807"/>
+            <a:chExt cx="9831480" cy="1182757"/>
+          </a:xfrm>
+        </p:grpSpPr>
+        <p:grpSp>
+          <p:nvGrpSpPr>
+            <p:cNvPr id="22" name="그룹 21">
+              <a:extLst>
+                <a:ext uri="{FF2B5EF4-FFF2-40B4-BE49-F238E27FC236}">
+                  <a16:creationId xmlns:a16="http://schemas.microsoft.com/office/drawing/2014/main" id="{B008E73C-0C5B-419F-96C2-C7D22D46BF40}"/>
+                </a:ext>
+              </a:extLst>
+            </p:cNvPr>
+            <p:cNvGrpSpPr/>
+            <p:nvPr/>
+          </p:nvGrpSpPr>
+          <p:grpSpPr>
+            <a:xfrm>
+              <a:off x="915824" y="3674807"/>
+              <a:ext cx="5873243" cy="1182757"/>
+              <a:chOff x="984249" y="4412819"/>
+              <a:chExt cx="5873243" cy="1182757"/>
+            </a:xfrm>
+          </p:grpSpPr>
+          <p:sp>
+            <p:nvSpPr>
+              <p:cNvPr id="12" name="TextBox 11">
+                <a:extLst>
+                  <a:ext uri="{FF2B5EF4-FFF2-40B4-BE49-F238E27FC236}">
+                    <a16:creationId xmlns:a16="http://schemas.microsoft.com/office/drawing/2014/main" id="{5566B4AA-1F0E-4141-AE41-6B14E6564BA3}"/>
+                  </a:ext>
+                </a:extLst>
+              </p:cNvPr>
+              <p:cNvSpPr txBox="1"/>
+              <p:nvPr/>
+            </p:nvSpPr>
+            <p:spPr>
+              <a:xfrm>
+                <a:off x="984249" y="4793070"/>
+                <a:ext cx="2603598" cy="369332"/>
+              </a:xfrm>
+              <a:prstGeom prst="rect">
+                <a:avLst/>
+              </a:prstGeom>
+              <a:noFill/>
+            </p:spPr>
+            <p:txBody>
+              <a:bodyPr wrap="none" rtlCol="0">
+                <a:spAutoFit/>
+              </a:bodyPr>
+              <a:lstStyle/>
+              <a:p>
+                <a:r>
+                  <a:rPr lang="ko-KR" altLang="en-US"/>
+                  <a:t>리뷰 </a:t>
+                </a:r>
+                <a:r>
+                  <a:rPr lang="en-US" altLang="ko-KR"/>
+                  <a:t>+ </a:t>
+                </a:r>
+                <a:r>
+                  <a:rPr lang="ko-KR" altLang="en-US"/>
+                  <a:t>리뷰 이외 데이터 </a:t>
+                </a:r>
+              </a:p>
+            </p:txBody>
+          </p:sp>
+          <p:sp>
+            <p:nvSpPr>
+              <p:cNvPr id="13" name="정육면체 12">
+                <a:extLst>
+                  <a:ext uri="{FF2B5EF4-FFF2-40B4-BE49-F238E27FC236}">
+                    <a16:creationId xmlns:a16="http://schemas.microsoft.com/office/drawing/2014/main" id="{8217C8A4-6B25-402A-A467-F2CBADE48621}"/>
+                  </a:ext>
+                </a:extLst>
+              </p:cNvPr>
+              <p:cNvSpPr/>
+              <p:nvPr/>
+            </p:nvSpPr>
+            <p:spPr>
+              <a:xfrm>
+                <a:off x="4701814" y="4412819"/>
+                <a:ext cx="1182757" cy="1182757"/>
+              </a:xfrm>
+              <a:prstGeom prst="cube">
+                <a:avLst/>
+              </a:prstGeom>
+            </p:spPr>
+            <p:style>
+              <a:lnRef idx="2">
+                <a:schemeClr val="accent1">
+                  <a:shade val="15000"/>
+                </a:schemeClr>
+              </a:lnRef>
+              <a:fillRef idx="1">
+                <a:schemeClr val="accent1"/>
+              </a:fillRef>
+              <a:effectRef idx="0">
+                <a:schemeClr val="accent1"/>
+              </a:effectRef>
+              <a:fontRef idx="minor">
+                <a:schemeClr val="lt1"/>
+              </a:fontRef>
+            </p:style>
+            <p:txBody>
+              <a:bodyPr rtlCol="0" anchor="ctr"/>
+              <a:lstStyle/>
+              <a:p>
+                <a:pPr algn="ctr"/>
+                <a:r>
+                  <a:rPr lang="en-US" altLang="ko-KR" sz="1400"/>
+                  <a:t>GOSDT</a:t>
+                </a:r>
+                <a:endParaRPr lang="ko-KR" altLang="en-US" sz="1400" dirty="0"/>
+              </a:p>
+            </p:txBody>
+          </p:sp>
+          <p:sp>
+            <p:nvSpPr>
+              <p:cNvPr id="14" name="화살표: 오른쪽 13">
+                <a:extLst>
+                  <a:ext uri="{FF2B5EF4-FFF2-40B4-BE49-F238E27FC236}">
+                    <a16:creationId xmlns:a16="http://schemas.microsoft.com/office/drawing/2014/main" id="{430F539B-F73A-48C6-99C3-41F7D4AF4405}"/>
+                  </a:ext>
+                </a:extLst>
+              </p:cNvPr>
+              <p:cNvSpPr/>
+              <p:nvPr/>
+            </p:nvSpPr>
+            <p:spPr>
+              <a:xfrm>
+                <a:off x="3728893" y="4909781"/>
+                <a:ext cx="596348" cy="188836"/>
+              </a:xfrm>
+              <a:prstGeom prst="rightArrow">
+                <a:avLst/>
+              </a:prstGeom>
+            </p:spPr>
+            <p:style>
+              <a:lnRef idx="2">
+                <a:schemeClr val="accent1">
+                  <a:shade val="15000"/>
+                </a:schemeClr>
+              </a:lnRef>
+              <a:fillRef idx="1">
+                <a:schemeClr val="accent1"/>
+              </a:fillRef>
+              <a:effectRef idx="0">
+                <a:schemeClr val="accent1"/>
+              </a:effectRef>
+              <a:fontRef idx="minor">
+                <a:schemeClr val="lt1"/>
+              </a:fontRef>
+            </p:style>
+            <p:txBody>
+              <a:bodyPr rtlCol="0" anchor="ctr"/>
+              <a:lstStyle/>
+              <a:p>
+                <a:pPr algn="ctr"/>
+                <a:endParaRPr lang="ko-KR" altLang="en-US"/>
+              </a:p>
+            </p:txBody>
+          </p:sp>
+          <p:sp>
+            <p:nvSpPr>
+              <p:cNvPr id="15" name="화살표: 오른쪽 14">
+                <a:extLst>
+                  <a:ext uri="{FF2B5EF4-FFF2-40B4-BE49-F238E27FC236}">
+                    <a16:creationId xmlns:a16="http://schemas.microsoft.com/office/drawing/2014/main" id="{83B01E75-AA84-4E44-B13F-C8BCF3836DCD}"/>
+                  </a:ext>
+                </a:extLst>
+              </p:cNvPr>
+              <p:cNvSpPr/>
+              <p:nvPr/>
+            </p:nvSpPr>
+            <p:spPr>
+              <a:xfrm>
+                <a:off x="6261144" y="4909780"/>
+                <a:ext cx="596348" cy="188836"/>
+              </a:xfrm>
+              <a:prstGeom prst="rightArrow">
+                <a:avLst/>
+              </a:prstGeom>
+            </p:spPr>
+            <p:style>
+              <a:lnRef idx="2">
+                <a:schemeClr val="accent1">
+                  <a:shade val="15000"/>
+                </a:schemeClr>
+              </a:lnRef>
+              <a:fillRef idx="1">
+                <a:schemeClr val="accent1"/>
+              </a:fillRef>
+              <a:effectRef idx="0">
+                <a:schemeClr val="accent1"/>
+              </a:effectRef>
+              <a:fontRef idx="minor">
+                <a:schemeClr val="lt1"/>
+              </a:fontRef>
+            </p:style>
+            <p:txBody>
+              <a:bodyPr rtlCol="0" anchor="ctr"/>
+              <a:lstStyle/>
+              <a:p>
+                <a:pPr algn="ctr"/>
+                <a:endParaRPr lang="ko-KR" altLang="en-US"/>
+              </a:p>
+            </p:txBody>
+          </p:sp>
+        </p:grpSp>
+        <p:pic>
+          <p:nvPicPr>
+            <p:cNvPr id="27" name="그림 26" descr="\documentclass{article}&#10;\usepackage{amsmath, amsfonts, amssymb, xcolor}&#10;\pagestyle{empty}&#10;&#10;\begin{document}&#10;&#10;$ y - \hat{y} $&#10;&#10;\end{document}" title="IguanaTex Bitmap Display">
+              <a:extLst>
+                <a:ext uri="{FF2B5EF4-FFF2-40B4-BE49-F238E27FC236}">
+                  <a16:creationId xmlns:a16="http://schemas.microsoft.com/office/drawing/2014/main" id="{0672086F-3B46-4967-B280-092EAEA1C4B6}"/>
+                </a:ext>
+              </a:extLst>
+            </p:cNvPr>
+            <p:cNvPicPr>
+              <a:picLocks noChangeAspect="1"/>
+            </p:cNvPicPr>
+            <p:nvPr>
+              <p:custDataLst>
+                <p:tags r:id="rId2"/>
+              </p:custDataLst>
+            </p:nvPr>
+          </p:nvPicPr>
+          <p:blipFill>
+            <a:blip r:embed="rId7">
+              <a:extLst>
+                <a:ext uri="{28A0092B-C50C-407E-A947-70E740481C1C}">
+                  <a14:useLocalDpi xmlns:a14="http://schemas.microsoft.com/office/drawing/2010/main" val="0"/>
+                </a:ext>
+              </a:extLst>
+            </a:blip>
+            <a:stretch>
+              <a:fillRect/>
+            </a:stretch>
+          </p:blipFill>
+          <p:spPr>
+            <a:xfrm>
+              <a:off x="10186542" y="4126200"/>
+              <a:ext cx="560762" cy="227048"/>
+            </a:xfrm>
+            <a:prstGeom prst="rect">
+              <a:avLst/>
+            </a:prstGeom>
+          </p:spPr>
+        </p:pic>
+        <p:sp>
+          <p:nvSpPr>
+            <p:cNvPr id="29" name="TextBox 28">
+              <a:extLst>
+                <a:ext uri="{FF2B5EF4-FFF2-40B4-BE49-F238E27FC236}">
+                  <a16:creationId xmlns:a16="http://schemas.microsoft.com/office/drawing/2014/main" id="{33E4DB65-EED6-4B20-A8A9-00C104FB0C9B}"/>
+                </a:ext>
+              </a:extLst>
+            </p:cNvPr>
+            <p:cNvSpPr txBox="1"/>
+            <p:nvPr/>
+          </p:nvSpPr>
+          <p:spPr>
+            <a:xfrm>
+              <a:off x="6945721" y="4081519"/>
+              <a:ext cx="3329758" cy="369332"/>
+            </a:xfrm>
+            <a:prstGeom prst="rect">
+              <a:avLst/>
+            </a:prstGeom>
+            <a:noFill/>
+          </p:spPr>
+          <p:txBody>
+            <a:bodyPr wrap="none" rtlCol="0">
+              <a:spAutoFit/>
+            </a:bodyPr>
+            <a:lstStyle/>
+            <a:p>
+              <a:r>
+                <a:rPr lang="ko-KR" altLang="en-US"/>
+                <a:t>실제점수 </a:t>
+              </a:r>
+              <a:r>
+                <a:rPr lang="en-US" altLang="ko-KR"/>
+                <a:t>- GPT</a:t>
+              </a:r>
+              <a:r>
+                <a:rPr lang="ko-KR" altLang="en-US"/>
+                <a:t>가 예측한 점수 </a:t>
+              </a:r>
+              <a:r>
+                <a:rPr lang="en-US" altLang="ko-KR"/>
+                <a:t>: </a:t>
+              </a:r>
+              <a:endParaRPr lang="ko-KR" altLang="en-US"/>
+            </a:p>
+          </p:txBody>
+        </p:sp>
+      </p:grpSp>
+      <p:sp>
+        <p:nvSpPr>
+          <p:cNvPr id="32" name="TextBox 31">
+            <a:extLst>
+              <a:ext uri="{FF2B5EF4-FFF2-40B4-BE49-F238E27FC236}">
+                <a16:creationId xmlns:a16="http://schemas.microsoft.com/office/drawing/2014/main" id="{DAD05DC8-F4EE-45EE-803D-77702871202A}"/>
+              </a:ext>
+            </a:extLst>
+          </p:cNvPr>
+          <p:cNvSpPr txBox="1"/>
+          <p:nvPr/>
+        </p:nvSpPr>
+        <p:spPr>
+          <a:xfrm>
+            <a:off x="4324900" y="566157"/>
+            <a:ext cx="1896673" cy="369332"/>
+          </a:xfrm>
+          <a:prstGeom prst="rect">
+            <a:avLst/>
+          </a:prstGeom>
+          <a:noFill/>
+        </p:spPr>
+        <p:txBody>
+          <a:bodyPr wrap="none" rtlCol="0">
+            <a:spAutoFit/>
+          </a:bodyPr>
+          <a:lstStyle/>
+          <a:p>
+            <a:pPr marL="285750" indent="-285750">
+              <a:buFont typeface="Arial" panose="020B0604020202020204" pitchFamily="34" charset="0"/>
+              <a:buChar char="•"/>
+            </a:pPr>
+            <a:r>
+              <a:rPr lang="en-US" altLang="ko-KR"/>
+              <a:t>Unsupervised</a:t>
+            </a:r>
+            <a:endParaRPr lang="ko-KR" altLang="en-US"/>
+          </a:p>
+        </p:txBody>
+      </p:sp>
+      <p:sp>
+        <p:nvSpPr>
+          <p:cNvPr id="33" name="TextBox 32">
+            <a:extLst>
+              <a:ext uri="{FF2B5EF4-FFF2-40B4-BE49-F238E27FC236}">
+                <a16:creationId xmlns:a16="http://schemas.microsoft.com/office/drawing/2014/main" id="{175F76FE-6A2B-4154-BB55-3DC7F0613C77}"/>
+              </a:ext>
+            </a:extLst>
+          </p:cNvPr>
+          <p:cNvSpPr txBox="1"/>
+          <p:nvPr/>
+        </p:nvSpPr>
+        <p:spPr>
+          <a:xfrm>
+            <a:off x="4324900" y="2938228"/>
+            <a:ext cx="1616148" cy="369332"/>
+          </a:xfrm>
+          <a:prstGeom prst="rect">
+            <a:avLst/>
+          </a:prstGeom>
+          <a:noFill/>
+        </p:spPr>
+        <p:txBody>
+          <a:bodyPr wrap="none" rtlCol="0">
+            <a:spAutoFit/>
+          </a:bodyPr>
+          <a:lstStyle/>
+          <a:p>
+            <a:pPr marL="285750" indent="-285750">
+              <a:buFont typeface="Arial" panose="020B0604020202020204" pitchFamily="34" charset="0"/>
+              <a:buChar char="•"/>
+            </a:pPr>
+            <a:r>
+              <a:rPr lang="en-US" altLang="ko-KR"/>
+              <a:t>Supervised</a:t>
+            </a:r>
+            <a:endParaRPr lang="ko-KR" altLang="en-US"/>
+          </a:p>
+        </p:txBody>
+      </p:sp>
+    </p:spTree>
+    <p:extLst>
+      <p:ext uri="{BB962C8B-B14F-4D97-AF65-F5344CB8AC3E}">
+        <p14:creationId xmlns:p14="http://schemas.microsoft.com/office/powerpoint/2010/main" val="3407256135"/>
+      </p:ext>
+    </p:extLst>
+  </p:cSld>
+  <p:clrMapOvr>
+    <a:masterClrMapping/>
+  </p:clrMapOvr>
+</p:sld>
+</file>
+
+<file path=ppt/slides/slide25.xml><?xml version="1.0" encoding="utf-8"?>
+<p:sld xmlns:a="http://schemas.openxmlformats.org/drawingml/2006/main" xmlns:r="http://schemas.openxmlformats.org/officeDocument/2006/relationships" xmlns:p="http://schemas.openxmlformats.org/presentationml/2006/main">
+  <p:cSld>
+    <p:spTree>
+      <p:nvGrpSpPr>
+        <p:cNvPr id="1" name="">
+          <a:extLst>
+            <a:ext uri="{FF2B5EF4-FFF2-40B4-BE49-F238E27FC236}">
+              <a16:creationId xmlns:a16="http://schemas.microsoft.com/office/drawing/2014/main" id="{9D629F79-A0E8-AA46-2154-1D3F49E53CC8}"/>
+            </a:ext>
+          </a:extLst>
+        </p:cNvPr>
+        <p:cNvGrpSpPr/>
+        <p:nvPr/>
+      </p:nvGrpSpPr>
+      <p:grpSpPr>
+        <a:xfrm>
+          <a:off x="0" y="0"/>
+          <a:ext cx="0" cy="0"/>
+          <a:chOff x="0" y="0"/>
+          <a:chExt cx="0" cy="0"/>
+        </a:xfrm>
+      </p:grpSpPr>
+      <p:cxnSp>
+        <p:nvCxnSpPr>
+          <p:cNvPr id="23" name="직선 연결선 22">
+            <a:extLst>
+              <a:ext uri="{FF2B5EF4-FFF2-40B4-BE49-F238E27FC236}">
+                <a16:creationId xmlns:a16="http://schemas.microsoft.com/office/drawing/2014/main" id="{86DC2A17-C9E1-CAAA-F796-F071C02D31D0}"/>
+              </a:ext>
+            </a:extLst>
+          </p:cNvPr>
+          <p:cNvCxnSpPr/>
+          <p:nvPr/>
+        </p:nvCxnSpPr>
+        <p:spPr>
+          <a:xfrm>
+            <a:off x="144378" y="160422"/>
+            <a:ext cx="12060000" cy="0"/>
+          </a:xfrm>
+          <a:prstGeom prst="line">
+            <a:avLst/>
+          </a:prstGeom>
+          <a:ln w="76200">
+            <a:solidFill>
+              <a:schemeClr val="accent1"/>
+            </a:solidFill>
+          </a:ln>
+        </p:spPr>
+        <p:style>
+          <a:lnRef idx="1">
+            <a:schemeClr val="accent1"/>
+          </a:lnRef>
+          <a:fillRef idx="0">
+            <a:schemeClr val="accent1"/>
+          </a:fillRef>
+          <a:effectRef idx="0">
+            <a:schemeClr val="accent1"/>
+          </a:effectRef>
+          <a:fontRef idx="minor">
+            <a:schemeClr val="tx1"/>
+          </a:fontRef>
+        </p:style>
+      </p:cxnSp>
+      <p:cxnSp>
+        <p:nvCxnSpPr>
+          <p:cNvPr id="25" name="직선 연결선 24">
+            <a:extLst>
+              <a:ext uri="{FF2B5EF4-FFF2-40B4-BE49-F238E27FC236}">
+                <a16:creationId xmlns:a16="http://schemas.microsoft.com/office/drawing/2014/main" id="{7BB83105-67E8-CC4A-1739-9327AAE0594C}"/>
+              </a:ext>
+            </a:extLst>
+          </p:cNvPr>
+          <p:cNvCxnSpPr/>
+          <p:nvPr/>
+        </p:nvCxnSpPr>
+        <p:spPr>
+          <a:xfrm>
+            <a:off x="144378" y="6737685"/>
+            <a:ext cx="12060000" cy="0"/>
+          </a:xfrm>
+          <a:prstGeom prst="line">
+            <a:avLst/>
+          </a:prstGeom>
+          <a:ln w="3175">
+            <a:solidFill>
+              <a:schemeClr val="accent1"/>
+            </a:solidFill>
+          </a:ln>
+        </p:spPr>
+        <p:style>
+          <a:lnRef idx="1">
+            <a:schemeClr val="accent1"/>
+          </a:lnRef>
+          <a:fillRef idx="0">
+            <a:schemeClr val="accent1"/>
+          </a:fillRef>
+          <a:effectRef idx="0">
+            <a:schemeClr val="accent1"/>
+          </a:effectRef>
+          <a:fontRef idx="minor">
+            <a:schemeClr val="tx1"/>
+          </a:fontRef>
+        </p:style>
+      </p:cxnSp>
+      <p:sp>
+        <p:nvSpPr>
+          <p:cNvPr id="2" name="슬라이드 번호 개체 틀 1">
+            <a:extLst>
+              <a:ext uri="{FF2B5EF4-FFF2-40B4-BE49-F238E27FC236}">
+                <a16:creationId xmlns:a16="http://schemas.microsoft.com/office/drawing/2014/main" id="{B7F2BFA4-F2F4-482E-8A00-3839C28B48E7}"/>
+              </a:ext>
+            </a:extLst>
+          </p:cNvPr>
+          <p:cNvSpPr>
+            <a:spLocks noGrp="1"/>
+          </p:cNvSpPr>
+          <p:nvPr>
+            <p:ph type="sldNum" sz="quarter" idx="12"/>
+          </p:nvPr>
+        </p:nvSpPr>
+        <p:spPr>
+          <a:xfrm>
+            <a:off x="8610600" y="6356350"/>
+            <a:ext cx="2743200" cy="365125"/>
+          </a:xfrm>
+        </p:spPr>
+        <p:txBody>
+          <a:bodyPr/>
+          <a:lstStyle/>
+          <a:p>
+            <a:fld id="{F98B6473-7C87-478A-B3B4-ACF16772A847}" type="slidenum">
+              <a:rPr lang="ko-KR" altLang="en-US" smtClean="0"/>
+              <a:t>25</a:t>
+            </a:fld>
+            <a:endParaRPr lang="ko-KR" altLang="en-US"/>
+          </a:p>
+        </p:txBody>
+      </p:sp>
+      <p:grpSp>
+        <p:nvGrpSpPr>
+          <p:cNvPr id="8" name="그룹 7">
+            <a:extLst>
+              <a:ext uri="{FF2B5EF4-FFF2-40B4-BE49-F238E27FC236}">
+                <a16:creationId xmlns:a16="http://schemas.microsoft.com/office/drawing/2014/main" id="{CF4FBF9B-7E22-4372-B5DA-DAE542FD068D}"/>
+              </a:ext>
+            </a:extLst>
+          </p:cNvPr>
+          <p:cNvGrpSpPr/>
+          <p:nvPr/>
+        </p:nvGrpSpPr>
+        <p:grpSpPr>
+          <a:xfrm>
+            <a:off x="2608009" y="1227061"/>
+            <a:ext cx="7254034" cy="2031325"/>
+            <a:chOff x="1389578" y="1024945"/>
+            <a:chExt cx="7254034" cy="2031325"/>
+          </a:xfrm>
+        </p:grpSpPr>
+        <p:sp>
+          <p:nvSpPr>
+            <p:cNvPr id="6" name="정육면체 5">
+              <a:extLst>
+                <a:ext uri="{FF2B5EF4-FFF2-40B4-BE49-F238E27FC236}">
+                  <a16:creationId xmlns:a16="http://schemas.microsoft.com/office/drawing/2014/main" id="{8935980A-06B3-4B5D-9113-DF7E661A9B72}"/>
+                </a:ext>
+              </a:extLst>
+            </p:cNvPr>
+            <p:cNvSpPr/>
+            <p:nvPr/>
+          </p:nvSpPr>
+          <p:spPr>
+            <a:xfrm>
+              <a:off x="1389578" y="1449228"/>
+              <a:ext cx="1182757" cy="1182757"/>
+            </a:xfrm>
+            <a:prstGeom prst="cube">
+              <a:avLst/>
+            </a:prstGeom>
+          </p:spPr>
+          <p:style>
+            <a:lnRef idx="2">
+              <a:schemeClr val="accent1">
+                <a:shade val="15000"/>
+              </a:schemeClr>
+            </a:lnRef>
+            <a:fillRef idx="1">
+              <a:schemeClr val="accent1"/>
+            </a:fillRef>
+            <a:effectRef idx="0">
+              <a:schemeClr val="accent1"/>
+            </a:effectRef>
+            <a:fontRef idx="minor">
+              <a:schemeClr val="lt1"/>
+            </a:fontRef>
+          </p:style>
+          <p:txBody>
+            <a:bodyPr rtlCol="0" anchor="ctr"/>
+            <a:lstStyle/>
+            <a:p>
+              <a:pPr algn="ctr"/>
+              <a:r>
+                <a:rPr lang="en-US" altLang="ko-KR" sz="1400"/>
+                <a:t>GOSDT</a:t>
+              </a:r>
+              <a:endParaRPr lang="ko-KR" altLang="en-US" sz="1400" dirty="0"/>
+            </a:p>
+          </p:txBody>
+        </p:sp>
+        <p:sp>
+          <p:nvSpPr>
+            <p:cNvPr id="4" name="TextBox 3">
+              <a:extLst>
+                <a:ext uri="{FF2B5EF4-FFF2-40B4-BE49-F238E27FC236}">
+                  <a16:creationId xmlns:a16="http://schemas.microsoft.com/office/drawing/2014/main" id="{D5E3870C-9CF9-4B8B-AF20-106BF1DEE39D}"/>
+                </a:ext>
+              </a:extLst>
+            </p:cNvPr>
+            <p:cNvSpPr txBox="1"/>
+            <p:nvPr/>
+          </p:nvSpPr>
+          <p:spPr>
+            <a:xfrm>
+              <a:off x="3125755" y="1024945"/>
+              <a:ext cx="5517857" cy="2031325"/>
+            </a:xfrm>
+            <a:prstGeom prst="rect">
+              <a:avLst/>
+            </a:prstGeom>
+            <a:noFill/>
+          </p:spPr>
+          <p:txBody>
+            <a:bodyPr wrap="none" rtlCol="0">
+              <a:spAutoFit/>
+            </a:bodyPr>
+            <a:lstStyle/>
+            <a:p>
+              <a:r>
+                <a:rPr lang="ko-KR" altLang="en-US"/>
+                <a:t>→  문제점은 </a:t>
+              </a:r>
+              <a:r>
+                <a:rPr lang="en-US" altLang="ko-KR"/>
+                <a:t>kernel crash, (high dimension)</a:t>
+              </a:r>
+            </a:p>
+            <a:p>
+              <a:pPr marL="285750" indent="-285750">
+                <a:buFont typeface="Arial" panose="020B0604020202020204" pitchFamily="34" charset="0"/>
+                <a:buChar char="•"/>
+              </a:pPr>
+              <a:endParaRPr lang="en-US" altLang="ko-KR"/>
+            </a:p>
+            <a:p>
+              <a:pPr marL="742950" lvl="1" indent="-285750">
+                <a:buFont typeface="Arial" panose="020B0604020202020204" pitchFamily="34" charset="0"/>
+                <a:buChar char="•"/>
+              </a:pPr>
+              <a:r>
+                <a:rPr lang="ko-KR" altLang="en-US"/>
+                <a:t>메모리를 초과하는 계산량</a:t>
+              </a:r>
+              <a:endParaRPr lang="en-US" altLang="ko-KR"/>
+            </a:p>
+            <a:p>
+              <a:pPr marL="742950" lvl="1" indent="-285750">
+                <a:buFont typeface="Arial" panose="020B0604020202020204" pitchFamily="34" charset="0"/>
+                <a:buChar char="•"/>
+              </a:pPr>
+              <a:endParaRPr lang="en-US" altLang="ko-KR"/>
+            </a:p>
+            <a:p>
+              <a:pPr marL="742950" lvl="1" indent="-285750">
+                <a:buFont typeface="Arial" panose="020B0604020202020204" pitchFamily="34" charset="0"/>
+                <a:buChar char="•"/>
+              </a:pPr>
+              <a:r>
+                <a:rPr lang="ko-KR" altLang="en-US"/>
+                <a:t>제 데이터는 약 </a:t>
+              </a:r>
+              <a:r>
+                <a:rPr lang="en-US" altLang="ko-KR"/>
+                <a:t>30,000 * 26, </a:t>
+              </a:r>
+              <a:r>
+                <a:rPr lang="ko-KR" altLang="en-US"/>
+                <a:t>전처리시 그 이상</a:t>
+              </a:r>
+              <a:endParaRPr lang="en-US" altLang="ko-KR"/>
+            </a:p>
+            <a:p>
+              <a:pPr marL="742950" lvl="1" indent="-285750">
+                <a:buFont typeface="Arial" panose="020B0604020202020204" pitchFamily="34" charset="0"/>
+                <a:buChar char="•"/>
+              </a:pPr>
+              <a:endParaRPr lang="en-US" altLang="ko-KR"/>
+            </a:p>
+            <a:p>
+              <a:pPr marL="742950" lvl="1" indent="-285750">
+                <a:buFont typeface="Arial" panose="020B0604020202020204" pitchFamily="34" charset="0"/>
+                <a:buChar char="•"/>
+              </a:pPr>
+              <a:r>
+                <a:rPr lang="ko-KR" altLang="en-US"/>
+                <a:t>논문에서 최대 </a:t>
+              </a:r>
+              <a:r>
+                <a:rPr lang="en-US" altLang="ko-KR"/>
+                <a:t>10,459 * 23 or 20,000 * 9 </a:t>
+              </a:r>
+            </a:p>
+          </p:txBody>
+        </p:sp>
+      </p:grpSp>
+      <p:grpSp>
+        <p:nvGrpSpPr>
+          <p:cNvPr id="9" name="그룹 8">
+            <a:extLst>
+              <a:ext uri="{FF2B5EF4-FFF2-40B4-BE49-F238E27FC236}">
+                <a16:creationId xmlns:a16="http://schemas.microsoft.com/office/drawing/2014/main" id="{0F5AEC99-CF9A-4CC7-BAEE-253FEC06F6A4}"/>
+              </a:ext>
+            </a:extLst>
+          </p:cNvPr>
+          <p:cNvGrpSpPr/>
+          <p:nvPr/>
+        </p:nvGrpSpPr>
+        <p:grpSpPr>
+          <a:xfrm>
+            <a:off x="1970342" y="4909738"/>
+            <a:ext cx="8408071" cy="1213228"/>
+            <a:chOff x="1574129" y="3829834"/>
+            <a:chExt cx="8408071" cy="1213228"/>
+          </a:xfrm>
+        </p:grpSpPr>
+        <p:sp>
+          <p:nvSpPr>
+            <p:cNvPr id="5" name="TextBox 4">
+              <a:extLst>
+                <a:ext uri="{FF2B5EF4-FFF2-40B4-BE49-F238E27FC236}">
+                  <a16:creationId xmlns:a16="http://schemas.microsoft.com/office/drawing/2014/main" id="{A80B2420-016B-4B14-8783-5707C8873AFB}"/>
+                </a:ext>
+              </a:extLst>
+            </p:cNvPr>
+            <p:cNvSpPr txBox="1"/>
+            <p:nvPr/>
+          </p:nvSpPr>
+          <p:spPr>
+            <a:xfrm>
+              <a:off x="1574129" y="3829834"/>
+              <a:ext cx="8408071" cy="369332"/>
+            </a:xfrm>
+            <a:prstGeom prst="rect">
+              <a:avLst/>
+            </a:prstGeom>
+            <a:noFill/>
+          </p:spPr>
+          <p:txBody>
+            <a:bodyPr wrap="none" rtlCol="0">
+              <a:spAutoFit/>
+            </a:bodyPr>
+            <a:lstStyle/>
+            <a:p>
+              <a:r>
+                <a:rPr lang="en-US" altLang="ko-KR"/>
+                <a:t>*   text</a:t>
+              </a:r>
+              <a:r>
+                <a:rPr lang="ko-KR" altLang="en-US"/>
+                <a:t>를 사용해서 </a:t>
+              </a:r>
+              <a:r>
+                <a:rPr lang="en-US" altLang="ko-KR"/>
+                <a:t>output</a:t>
+              </a:r>
+              <a:r>
+                <a:rPr lang="ko-KR" altLang="en-US"/>
+                <a:t>을 냈으니 </a:t>
+              </a:r>
+              <a:r>
+                <a:rPr lang="en-US" altLang="ko-KR"/>
+                <a:t>text</a:t>
+              </a:r>
+              <a:r>
+                <a:rPr lang="ko-KR" altLang="en-US"/>
+                <a:t>를 어떻게 해석적인 관점에서 볼 수 있을까</a:t>
+              </a:r>
+              <a:r>
+                <a:rPr lang="en-US" altLang="ko-KR"/>
+                <a:t>?</a:t>
+              </a:r>
+              <a:endParaRPr lang="ko-KR" altLang="en-US"/>
+            </a:p>
+          </p:txBody>
+        </p:sp>
+        <p:sp>
+          <p:nvSpPr>
+            <p:cNvPr id="7" name="TextBox 6">
+              <a:extLst>
+                <a:ext uri="{FF2B5EF4-FFF2-40B4-BE49-F238E27FC236}">
+                  <a16:creationId xmlns:a16="http://schemas.microsoft.com/office/drawing/2014/main" id="{21F72A28-C2F5-496F-BCE2-E69587A6A269}"/>
+                </a:ext>
+              </a:extLst>
+            </p:cNvPr>
+            <p:cNvSpPr txBox="1"/>
+            <p:nvPr/>
+          </p:nvSpPr>
+          <p:spPr>
+            <a:xfrm>
+              <a:off x="2451037" y="4673730"/>
+              <a:ext cx="5306261" cy="369332"/>
+            </a:xfrm>
+            <a:prstGeom prst="rect">
+              <a:avLst/>
+            </a:prstGeom>
+            <a:noFill/>
+          </p:spPr>
+          <p:txBody>
+            <a:bodyPr wrap="none" rtlCol="0">
+              <a:spAutoFit/>
+            </a:bodyPr>
+            <a:lstStyle/>
+            <a:p>
+              <a:r>
+                <a:rPr lang="ko-KR" altLang="en-US"/>
+                <a:t>→ </a:t>
+              </a:r>
+              <a:r>
+                <a:rPr lang="en-US" altLang="ko-KR">
+                  <a:solidFill>
+                    <a:srgbClr val="FF0000"/>
+                  </a:solidFill>
+                </a:rPr>
+                <a:t>LIME</a:t>
+              </a:r>
+              <a:r>
+                <a:rPr lang="en-US" altLang="ko-KR"/>
+                <a:t>, SHAP, LRP, Rule-based explanations </a:t>
+              </a:r>
+              <a:r>
+                <a:rPr lang="ko-KR" altLang="en-US"/>
+                <a:t>등</a:t>
+              </a:r>
+              <a:r>
+                <a:rPr lang="en-US" altLang="ko-KR"/>
+                <a:t> </a:t>
+              </a:r>
+              <a:endParaRPr lang="ko-KR" altLang="en-US"/>
+            </a:p>
+          </p:txBody>
+        </p:sp>
+      </p:grpSp>
+      <p:sp>
+        <p:nvSpPr>
+          <p:cNvPr id="10" name="TextBox 9">
+            <a:extLst>
+              <a:ext uri="{FF2B5EF4-FFF2-40B4-BE49-F238E27FC236}">
+                <a16:creationId xmlns:a16="http://schemas.microsoft.com/office/drawing/2014/main" id="{B6FDAE00-BF0B-47BF-B1F1-42F559E02C04}"/>
+              </a:ext>
+            </a:extLst>
+          </p:cNvPr>
+          <p:cNvSpPr txBox="1"/>
+          <p:nvPr/>
+        </p:nvSpPr>
+        <p:spPr>
+          <a:xfrm>
+            <a:off x="1970342" y="4065842"/>
+            <a:ext cx="5246949" cy="369332"/>
+          </a:xfrm>
+          <a:prstGeom prst="rect">
+            <a:avLst/>
+          </a:prstGeom>
+          <a:noFill/>
+        </p:spPr>
+        <p:txBody>
+          <a:bodyPr wrap="none" rtlCol="0">
+            <a:spAutoFit/>
+          </a:bodyPr>
+          <a:lstStyle/>
+          <a:p>
+            <a:pPr marL="285750" indent="-285750">
+              <a:buFont typeface="Arial" panose="020B0604020202020204" pitchFamily="34" charset="0"/>
+              <a:buChar char="•"/>
+            </a:pPr>
+            <a:r>
+              <a:rPr lang="ko-KR" altLang="en-US"/>
+              <a:t>처음에 생각했던 것은 </a:t>
+            </a:r>
+            <a:r>
+              <a:rPr lang="en-US" altLang="ko-KR"/>
+              <a:t>input</a:t>
+            </a:r>
+            <a:r>
+              <a:rPr lang="ko-KR" altLang="en-US"/>
+              <a:t>을 차원축소해서 넣기</a:t>
+            </a:r>
+          </a:p>
+        </p:txBody>
+      </p:sp>
+    </p:spTree>
+    <p:extLst>
+      <p:ext uri="{BB962C8B-B14F-4D97-AF65-F5344CB8AC3E}">
+        <p14:creationId xmlns:p14="http://schemas.microsoft.com/office/powerpoint/2010/main" val="604792216"/>
+      </p:ext>
+    </p:extLst>
+  </p:cSld>
+  <p:clrMapOvr>
+    <a:masterClrMapping/>
+  </p:clrMapOvr>
+</p:sld>
+</file>
+
+<file path=ppt/slides/slide26.xml><?xml version="1.0" encoding="utf-8"?>
+<p:sld xmlns:a="http://schemas.openxmlformats.org/drawingml/2006/main" xmlns:r="http://schemas.openxmlformats.org/officeDocument/2006/relationships" xmlns:p="http://schemas.openxmlformats.org/presentationml/2006/main">
+  <p:cSld>
+    <p:spTree>
+      <p:nvGrpSpPr>
+        <p:cNvPr id="1" name="">
+          <a:extLst>
+            <a:ext uri="{FF2B5EF4-FFF2-40B4-BE49-F238E27FC236}">
+              <a16:creationId xmlns:a16="http://schemas.microsoft.com/office/drawing/2014/main" id="{9D629F79-A0E8-AA46-2154-1D3F49E53CC8}"/>
+            </a:ext>
+          </a:extLst>
+        </p:cNvPr>
+        <p:cNvGrpSpPr/>
+        <p:nvPr/>
+      </p:nvGrpSpPr>
+      <p:grpSpPr>
+        <a:xfrm>
+          <a:off x="0" y="0"/>
+          <a:ext cx="0" cy="0"/>
+          <a:chOff x="0" y="0"/>
+          <a:chExt cx="0" cy="0"/>
+        </a:xfrm>
+      </p:grpSpPr>
+      <p:cxnSp>
+        <p:nvCxnSpPr>
+          <p:cNvPr id="23" name="직선 연결선 22">
+            <a:extLst>
+              <a:ext uri="{FF2B5EF4-FFF2-40B4-BE49-F238E27FC236}">
+                <a16:creationId xmlns:a16="http://schemas.microsoft.com/office/drawing/2014/main" id="{86DC2A17-C9E1-CAAA-F796-F071C02D31D0}"/>
+              </a:ext>
+            </a:extLst>
+          </p:cNvPr>
+          <p:cNvCxnSpPr/>
+          <p:nvPr/>
+        </p:nvCxnSpPr>
+        <p:spPr>
+          <a:xfrm>
+            <a:off x="144378" y="160422"/>
+            <a:ext cx="12060000" cy="0"/>
+          </a:xfrm>
+          <a:prstGeom prst="line">
+            <a:avLst/>
+          </a:prstGeom>
+          <a:ln w="76200">
+            <a:solidFill>
+              <a:schemeClr val="accent1"/>
+            </a:solidFill>
+          </a:ln>
+        </p:spPr>
+        <p:style>
+          <a:lnRef idx="1">
+            <a:schemeClr val="accent1"/>
+          </a:lnRef>
+          <a:fillRef idx="0">
+            <a:schemeClr val="accent1"/>
+          </a:fillRef>
+          <a:effectRef idx="0">
+            <a:schemeClr val="accent1"/>
+          </a:effectRef>
+          <a:fontRef idx="minor">
+            <a:schemeClr val="tx1"/>
+          </a:fontRef>
+        </p:style>
+      </p:cxnSp>
+      <p:cxnSp>
+        <p:nvCxnSpPr>
+          <p:cNvPr id="25" name="직선 연결선 24">
+            <a:extLst>
+              <a:ext uri="{FF2B5EF4-FFF2-40B4-BE49-F238E27FC236}">
+                <a16:creationId xmlns:a16="http://schemas.microsoft.com/office/drawing/2014/main" id="{7BB83105-67E8-CC4A-1739-9327AAE0594C}"/>
+              </a:ext>
+            </a:extLst>
+          </p:cNvPr>
+          <p:cNvCxnSpPr/>
+          <p:nvPr/>
+        </p:nvCxnSpPr>
+        <p:spPr>
+          <a:xfrm>
+            <a:off x="144378" y="6737685"/>
+            <a:ext cx="12060000" cy="0"/>
+          </a:xfrm>
+          <a:prstGeom prst="line">
+            <a:avLst/>
+          </a:prstGeom>
+          <a:ln w="3175">
+            <a:solidFill>
+              <a:schemeClr val="accent1"/>
+            </a:solidFill>
+          </a:ln>
+        </p:spPr>
+        <p:style>
+          <a:lnRef idx="1">
+            <a:schemeClr val="accent1"/>
+          </a:lnRef>
+          <a:fillRef idx="0">
+            <a:schemeClr val="accent1"/>
+          </a:fillRef>
+          <a:effectRef idx="0">
+            <a:schemeClr val="accent1"/>
+          </a:effectRef>
+          <a:fontRef idx="minor">
+            <a:schemeClr val="tx1"/>
+          </a:fontRef>
+        </p:style>
+      </p:cxnSp>
+      <p:sp>
+        <p:nvSpPr>
+          <p:cNvPr id="2" name="슬라이드 번호 개체 틀 1">
+            <a:extLst>
+              <a:ext uri="{FF2B5EF4-FFF2-40B4-BE49-F238E27FC236}">
+                <a16:creationId xmlns:a16="http://schemas.microsoft.com/office/drawing/2014/main" id="{B7F2BFA4-F2F4-482E-8A00-3839C28B48E7}"/>
+              </a:ext>
+            </a:extLst>
+          </p:cNvPr>
+          <p:cNvSpPr>
+            <a:spLocks noGrp="1"/>
+          </p:cNvSpPr>
+          <p:nvPr>
+            <p:ph type="sldNum" sz="quarter" idx="12"/>
+          </p:nvPr>
+        </p:nvSpPr>
+        <p:spPr>
+          <a:xfrm>
+            <a:off x="8610600" y="6356350"/>
+            <a:ext cx="2743200" cy="365125"/>
+          </a:xfrm>
+        </p:spPr>
+        <p:txBody>
+          <a:bodyPr/>
+          <a:lstStyle/>
+          <a:p>
+            <a:fld id="{F98B6473-7C87-478A-B3B4-ACF16772A847}" type="slidenum">
+              <a:rPr lang="ko-KR" altLang="en-US" smtClean="0"/>
+              <a:t>26</a:t>
+            </a:fld>
+            <a:endParaRPr lang="ko-KR" altLang="en-US"/>
+          </a:p>
+        </p:txBody>
+      </p:sp>
+      <p:pic>
+        <p:nvPicPr>
+          <p:cNvPr id="3" name="그림 2">
+            <a:extLst>
+              <a:ext uri="{FF2B5EF4-FFF2-40B4-BE49-F238E27FC236}">
+                <a16:creationId xmlns:a16="http://schemas.microsoft.com/office/drawing/2014/main" id="{4EE0848D-AF3B-4B99-9541-332E47BB8C48}"/>
+              </a:ext>
+            </a:extLst>
+          </p:cNvPr>
+          <p:cNvPicPr>
+            <a:picLocks noChangeAspect="1"/>
+          </p:cNvPicPr>
+          <p:nvPr/>
+        </p:nvPicPr>
+        <p:blipFill>
+          <a:blip r:embed="rId2"/>
+          <a:stretch>
+            <a:fillRect/>
+          </a:stretch>
+        </p:blipFill>
+        <p:spPr>
+          <a:xfrm>
+            <a:off x="3264490" y="2371725"/>
+            <a:ext cx="5819775" cy="2114550"/>
+          </a:xfrm>
+          <a:prstGeom prst="rect">
+            <a:avLst/>
+          </a:prstGeom>
+        </p:spPr>
+      </p:pic>
+      <p:cxnSp>
+        <p:nvCxnSpPr>
+          <p:cNvPr id="5" name="직선 화살표 연결선 4">
+            <a:extLst>
+              <a:ext uri="{FF2B5EF4-FFF2-40B4-BE49-F238E27FC236}">
+                <a16:creationId xmlns:a16="http://schemas.microsoft.com/office/drawing/2014/main" id="{44EA74E0-ADD9-4176-AEA1-E9FC3F263AD0}"/>
+              </a:ext>
+            </a:extLst>
+          </p:cNvPr>
+          <p:cNvCxnSpPr>
+            <a:cxnSpLocks/>
+          </p:cNvCxnSpPr>
+          <p:nvPr/>
+        </p:nvCxnSpPr>
+        <p:spPr>
+          <a:xfrm flipH="1" flipV="1">
+            <a:off x="3760237" y="1679511"/>
+            <a:ext cx="615820" cy="732322"/>
+          </a:xfrm>
+          <a:prstGeom prst="straightConnector1">
+            <a:avLst/>
+          </a:prstGeom>
+          <a:ln>
+            <a:tailEnd type="triangle"/>
+          </a:ln>
+        </p:spPr>
+        <p:style>
+          <a:lnRef idx="1">
+            <a:schemeClr val="accent1"/>
+          </a:lnRef>
+          <a:fillRef idx="0">
+            <a:schemeClr val="accent1"/>
+          </a:fillRef>
+          <a:effectRef idx="0">
+            <a:schemeClr val="accent1"/>
+          </a:effectRef>
+          <a:fontRef idx="minor">
+            <a:schemeClr val="tx1"/>
+          </a:fontRef>
+        </p:style>
+      </p:cxnSp>
+      <p:cxnSp>
+        <p:nvCxnSpPr>
+          <p:cNvPr id="9" name="직선 화살표 연결선 8">
+            <a:extLst>
+              <a:ext uri="{FF2B5EF4-FFF2-40B4-BE49-F238E27FC236}">
+                <a16:creationId xmlns:a16="http://schemas.microsoft.com/office/drawing/2014/main" id="{1010878F-9609-48D9-8DD7-49B97F021A88}"/>
+              </a:ext>
+            </a:extLst>
+          </p:cNvPr>
+          <p:cNvCxnSpPr>
+            <a:cxnSpLocks/>
+          </p:cNvCxnSpPr>
+          <p:nvPr/>
+        </p:nvCxnSpPr>
+        <p:spPr>
+          <a:xfrm flipV="1">
+            <a:off x="7352522" y="1715441"/>
+            <a:ext cx="793102" cy="808360"/>
+          </a:xfrm>
+          <a:prstGeom prst="straightConnector1">
+            <a:avLst/>
+          </a:prstGeom>
+          <a:ln>
+            <a:tailEnd type="triangle"/>
+          </a:ln>
+        </p:spPr>
+        <p:style>
+          <a:lnRef idx="1">
+            <a:schemeClr val="accent1"/>
+          </a:lnRef>
+          <a:fillRef idx="0">
+            <a:schemeClr val="accent1"/>
+          </a:fillRef>
+          <a:effectRef idx="0">
+            <a:schemeClr val="accent1"/>
+          </a:effectRef>
+          <a:fontRef idx="minor">
+            <a:schemeClr val="tx1"/>
+          </a:fontRef>
+        </p:style>
+      </p:cxnSp>
+      <p:cxnSp>
+        <p:nvCxnSpPr>
+          <p:cNvPr id="11" name="직선 화살표 연결선 10">
+            <a:extLst>
+              <a:ext uri="{FF2B5EF4-FFF2-40B4-BE49-F238E27FC236}">
+                <a16:creationId xmlns:a16="http://schemas.microsoft.com/office/drawing/2014/main" id="{B6A574C7-0A5B-47A7-8F00-1A950D88AA4B}"/>
+              </a:ext>
+            </a:extLst>
+          </p:cNvPr>
+          <p:cNvCxnSpPr>
+            <a:cxnSpLocks/>
+          </p:cNvCxnSpPr>
+          <p:nvPr/>
+        </p:nvCxnSpPr>
+        <p:spPr>
+          <a:xfrm>
+            <a:off x="3760237" y="4423065"/>
+            <a:ext cx="494522" cy="719494"/>
+          </a:xfrm>
+          <a:prstGeom prst="straightConnector1">
+            <a:avLst/>
+          </a:prstGeom>
+          <a:ln>
+            <a:tailEnd type="triangle"/>
+          </a:ln>
+        </p:spPr>
+        <p:style>
+          <a:lnRef idx="1">
+            <a:schemeClr val="accent1"/>
+          </a:lnRef>
+          <a:fillRef idx="0">
+            <a:schemeClr val="accent1"/>
+          </a:fillRef>
+          <a:effectRef idx="0">
+            <a:schemeClr val="accent1"/>
+          </a:effectRef>
+          <a:fontRef idx="minor">
+            <a:schemeClr val="tx1"/>
+          </a:fontRef>
+        </p:style>
+      </p:cxnSp>
+      <p:cxnSp>
+        <p:nvCxnSpPr>
+          <p:cNvPr id="14" name="직선 화살표 연결선 13">
+            <a:extLst>
+              <a:ext uri="{FF2B5EF4-FFF2-40B4-BE49-F238E27FC236}">
+                <a16:creationId xmlns:a16="http://schemas.microsoft.com/office/drawing/2014/main" id="{C0AF9C95-6DE2-40C6-8660-AA8A55894BA1}"/>
+              </a:ext>
+            </a:extLst>
+          </p:cNvPr>
+          <p:cNvCxnSpPr>
+            <a:cxnSpLocks/>
+          </p:cNvCxnSpPr>
+          <p:nvPr/>
+        </p:nvCxnSpPr>
+        <p:spPr>
+          <a:xfrm flipH="1">
+            <a:off x="4349620" y="4292946"/>
+            <a:ext cx="262813" cy="703560"/>
+          </a:xfrm>
+          <a:prstGeom prst="straightConnector1">
+            <a:avLst/>
+          </a:prstGeom>
+          <a:ln>
+            <a:tailEnd type="triangle"/>
+          </a:ln>
+        </p:spPr>
+        <p:style>
+          <a:lnRef idx="1">
+            <a:schemeClr val="accent1"/>
+          </a:lnRef>
+          <a:fillRef idx="0">
+            <a:schemeClr val="accent1"/>
+          </a:fillRef>
+          <a:effectRef idx="0">
+            <a:schemeClr val="accent1"/>
+          </a:effectRef>
+          <a:fontRef idx="minor">
+            <a:schemeClr val="tx1"/>
+          </a:fontRef>
+        </p:style>
+      </p:cxnSp>
+      <p:cxnSp>
+        <p:nvCxnSpPr>
+          <p:cNvPr id="16" name="직선 화살표 연결선 15">
+            <a:extLst>
+              <a:ext uri="{FF2B5EF4-FFF2-40B4-BE49-F238E27FC236}">
+                <a16:creationId xmlns:a16="http://schemas.microsoft.com/office/drawing/2014/main" id="{972D046B-5AD0-4847-9BC5-6CAA9922C745}"/>
+              </a:ext>
+            </a:extLst>
+          </p:cNvPr>
+          <p:cNvCxnSpPr>
+            <a:cxnSpLocks/>
+          </p:cNvCxnSpPr>
+          <p:nvPr/>
+        </p:nvCxnSpPr>
+        <p:spPr>
+          <a:xfrm flipH="1">
+            <a:off x="4349620" y="4272713"/>
+            <a:ext cx="1898780" cy="905776"/>
+          </a:xfrm>
+          <a:prstGeom prst="straightConnector1">
+            <a:avLst/>
+          </a:prstGeom>
+          <a:ln>
+            <a:tailEnd type="triangle"/>
+          </a:ln>
+        </p:spPr>
+        <p:style>
+          <a:lnRef idx="1">
+            <a:schemeClr val="accent1"/>
+          </a:lnRef>
+          <a:fillRef idx="0">
+            <a:schemeClr val="accent1"/>
+          </a:fillRef>
+          <a:effectRef idx="0">
+            <a:schemeClr val="accent1"/>
+          </a:effectRef>
+          <a:fontRef idx="minor">
+            <a:schemeClr val="tx1"/>
+          </a:fontRef>
+        </p:style>
+      </p:cxnSp>
+      <p:sp>
+        <p:nvSpPr>
+          <p:cNvPr id="17" name="TextBox 16">
+            <a:extLst>
+              <a:ext uri="{FF2B5EF4-FFF2-40B4-BE49-F238E27FC236}">
+                <a16:creationId xmlns:a16="http://schemas.microsoft.com/office/drawing/2014/main" id="{E57E4FF6-E024-4E7F-8266-513C39FB277C}"/>
+              </a:ext>
+            </a:extLst>
+          </p:cNvPr>
+          <p:cNvSpPr txBox="1"/>
+          <p:nvPr/>
+        </p:nvSpPr>
+        <p:spPr>
+          <a:xfrm>
+            <a:off x="3239609" y="5254012"/>
+            <a:ext cx="2741456" cy="307777"/>
+          </a:xfrm>
+          <a:prstGeom prst="rect">
+            <a:avLst/>
+          </a:prstGeom>
+          <a:noFill/>
+        </p:spPr>
+        <p:txBody>
+          <a:bodyPr wrap="none" rtlCol="0">
+            <a:spAutoFit/>
+          </a:bodyPr>
+          <a:lstStyle/>
+          <a:p>
+            <a:r>
+              <a:rPr lang="ko-KR" altLang="en-US" sz="1400"/>
+              <a:t>예측에 중요한 역할을 한 </a:t>
+            </a:r>
+            <a:r>
+              <a:rPr lang="en-US" altLang="ko-KR" sz="1400"/>
+              <a:t>features</a:t>
+            </a:r>
+            <a:endParaRPr lang="ko-KR" altLang="en-US" sz="1400"/>
+          </a:p>
+        </p:txBody>
+      </p:sp>
+      <p:sp>
+        <p:nvSpPr>
+          <p:cNvPr id="20" name="TextBox 19">
+            <a:extLst>
+              <a:ext uri="{FF2B5EF4-FFF2-40B4-BE49-F238E27FC236}">
+                <a16:creationId xmlns:a16="http://schemas.microsoft.com/office/drawing/2014/main" id="{CB7E2858-008A-48BF-A48E-AF107D2F00FF}"/>
+              </a:ext>
+            </a:extLst>
+          </p:cNvPr>
+          <p:cNvSpPr txBox="1"/>
+          <p:nvPr/>
+        </p:nvSpPr>
+        <p:spPr>
+          <a:xfrm>
+            <a:off x="2457838" y="1326244"/>
+            <a:ext cx="1967205" cy="307777"/>
+          </a:xfrm>
+          <a:prstGeom prst="rect">
+            <a:avLst/>
+          </a:prstGeom>
+          <a:noFill/>
+        </p:spPr>
+        <p:txBody>
+          <a:bodyPr wrap="none" rtlCol="0">
+            <a:spAutoFit/>
+          </a:bodyPr>
+          <a:lstStyle/>
+          <a:p>
+            <a:r>
+              <a:rPr lang="ko-KR" altLang="en-US" sz="1400"/>
+              <a:t>에측결과에 대한 신뢰도</a:t>
+            </a:r>
+          </a:p>
+        </p:txBody>
+      </p:sp>
+      <p:sp>
+        <p:nvSpPr>
+          <p:cNvPr id="22" name="TextBox 21">
+            <a:extLst>
+              <a:ext uri="{FF2B5EF4-FFF2-40B4-BE49-F238E27FC236}">
+                <a16:creationId xmlns:a16="http://schemas.microsoft.com/office/drawing/2014/main" id="{2DF06EFC-41D0-4389-940B-DE7D1FEEE6A8}"/>
+              </a:ext>
+            </a:extLst>
+          </p:cNvPr>
+          <p:cNvSpPr txBox="1"/>
+          <p:nvPr/>
+        </p:nvSpPr>
+        <p:spPr>
+          <a:xfrm>
+            <a:off x="6560093" y="1354981"/>
+            <a:ext cx="3286477" cy="307777"/>
+          </a:xfrm>
+          <a:prstGeom prst="rect">
+            <a:avLst/>
+          </a:prstGeom>
+          <a:noFill/>
+        </p:spPr>
+        <p:txBody>
+          <a:bodyPr wrap="none" rtlCol="0">
+            <a:spAutoFit/>
+          </a:bodyPr>
+          <a:lstStyle/>
+          <a:p>
+            <a:r>
+              <a:rPr lang="en-US" altLang="ko-KR" sz="1400"/>
+              <a:t>feature</a:t>
+            </a:r>
+            <a:r>
+              <a:rPr lang="ko-KR" altLang="en-US" sz="1400"/>
+              <a:t>가 모델의 예측에 미치는 영향도</a:t>
+            </a:r>
+          </a:p>
+        </p:txBody>
+      </p:sp>
     </p:spTree>
     <p:extLst>
       <p:ext uri="{BB962C8B-B14F-4D97-AF65-F5344CB8AC3E}">
         <p14:creationId xmlns:p14="http://schemas.microsoft.com/office/powerpoint/2010/main" val="872598253"/>
+      </p:ext>
+    </p:extLst>
+  </p:cSld>
+  <p:clrMapOvr>
+    <a:masterClrMapping/>
+  </p:clrMapOvr>
+</p:sld>
+</file>
+
+<file path=ppt/slides/slide27.xml><?xml version="1.0" encoding="utf-8"?>
+<p:sld xmlns:a="http://schemas.openxmlformats.org/drawingml/2006/main" xmlns:r="http://schemas.openxmlformats.org/officeDocument/2006/relationships" xmlns:p="http://schemas.openxmlformats.org/presentationml/2006/main">
+  <p:cSld>
+    <p:spTree>
+      <p:nvGrpSpPr>
+        <p:cNvPr id="1" name="">
+          <a:extLst>
+            <a:ext uri="{FF2B5EF4-FFF2-40B4-BE49-F238E27FC236}">
+              <a16:creationId xmlns:a16="http://schemas.microsoft.com/office/drawing/2014/main" id="{9D629F79-A0E8-AA46-2154-1D3F49E53CC8}"/>
+            </a:ext>
+          </a:extLst>
+        </p:cNvPr>
+        <p:cNvGrpSpPr/>
+        <p:nvPr/>
+      </p:nvGrpSpPr>
+      <p:grpSpPr>
+        <a:xfrm>
+          <a:off x="0" y="0"/>
+          <a:ext cx="0" cy="0"/>
+          <a:chOff x="0" y="0"/>
+          <a:chExt cx="0" cy="0"/>
+        </a:xfrm>
+      </p:grpSpPr>
+      <p:cxnSp>
+        <p:nvCxnSpPr>
+          <p:cNvPr id="23" name="직선 연결선 22">
+            <a:extLst>
+              <a:ext uri="{FF2B5EF4-FFF2-40B4-BE49-F238E27FC236}">
+                <a16:creationId xmlns:a16="http://schemas.microsoft.com/office/drawing/2014/main" id="{86DC2A17-C9E1-CAAA-F796-F071C02D31D0}"/>
+              </a:ext>
+            </a:extLst>
+          </p:cNvPr>
+          <p:cNvCxnSpPr/>
+          <p:nvPr/>
+        </p:nvCxnSpPr>
+        <p:spPr>
+          <a:xfrm>
+            <a:off x="144378" y="160422"/>
+            <a:ext cx="12060000" cy="0"/>
+          </a:xfrm>
+          <a:prstGeom prst="line">
+            <a:avLst/>
+          </a:prstGeom>
+          <a:ln w="76200">
+            <a:solidFill>
+              <a:schemeClr val="accent1"/>
+            </a:solidFill>
+          </a:ln>
+        </p:spPr>
+        <p:style>
+          <a:lnRef idx="1">
+            <a:schemeClr val="accent1"/>
+          </a:lnRef>
+          <a:fillRef idx="0">
+            <a:schemeClr val="accent1"/>
+          </a:fillRef>
+          <a:effectRef idx="0">
+            <a:schemeClr val="accent1"/>
+          </a:effectRef>
+          <a:fontRef idx="minor">
+            <a:schemeClr val="tx1"/>
+          </a:fontRef>
+        </p:style>
+      </p:cxnSp>
+      <p:cxnSp>
+        <p:nvCxnSpPr>
+          <p:cNvPr id="25" name="직선 연결선 24">
+            <a:extLst>
+              <a:ext uri="{FF2B5EF4-FFF2-40B4-BE49-F238E27FC236}">
+                <a16:creationId xmlns:a16="http://schemas.microsoft.com/office/drawing/2014/main" id="{7BB83105-67E8-CC4A-1739-9327AAE0594C}"/>
+              </a:ext>
+            </a:extLst>
+          </p:cNvPr>
+          <p:cNvCxnSpPr/>
+          <p:nvPr/>
+        </p:nvCxnSpPr>
+        <p:spPr>
+          <a:xfrm>
+            <a:off x="144378" y="6737685"/>
+            <a:ext cx="12060000" cy="0"/>
+          </a:xfrm>
+          <a:prstGeom prst="line">
+            <a:avLst/>
+          </a:prstGeom>
+          <a:ln w="3175">
+            <a:solidFill>
+              <a:schemeClr val="accent1"/>
+            </a:solidFill>
+          </a:ln>
+        </p:spPr>
+        <p:style>
+          <a:lnRef idx="1">
+            <a:schemeClr val="accent1"/>
+          </a:lnRef>
+          <a:fillRef idx="0">
+            <a:schemeClr val="accent1"/>
+          </a:fillRef>
+          <a:effectRef idx="0">
+            <a:schemeClr val="accent1"/>
+          </a:effectRef>
+          <a:fontRef idx="minor">
+            <a:schemeClr val="tx1"/>
+          </a:fontRef>
+        </p:style>
+      </p:cxnSp>
+      <p:sp>
+        <p:nvSpPr>
+          <p:cNvPr id="2" name="슬라이드 번호 개체 틀 1">
+            <a:extLst>
+              <a:ext uri="{FF2B5EF4-FFF2-40B4-BE49-F238E27FC236}">
+                <a16:creationId xmlns:a16="http://schemas.microsoft.com/office/drawing/2014/main" id="{B7F2BFA4-F2F4-482E-8A00-3839C28B48E7}"/>
+              </a:ext>
+            </a:extLst>
+          </p:cNvPr>
+          <p:cNvSpPr>
+            <a:spLocks noGrp="1"/>
+          </p:cNvSpPr>
+          <p:nvPr>
+            <p:ph type="sldNum" sz="quarter" idx="12"/>
+          </p:nvPr>
+        </p:nvSpPr>
+        <p:spPr>
+          <a:xfrm>
+            <a:off x="8610600" y="6356350"/>
+            <a:ext cx="2743200" cy="365125"/>
+          </a:xfrm>
+        </p:spPr>
+        <p:txBody>
+          <a:bodyPr/>
+          <a:lstStyle/>
+          <a:p>
+            <a:fld id="{F98B6473-7C87-478A-B3B4-ACF16772A847}" type="slidenum">
+              <a:rPr lang="ko-KR" altLang="en-US" smtClean="0"/>
+              <a:t>27</a:t>
+            </a:fld>
+            <a:endParaRPr lang="ko-KR" altLang="en-US"/>
+          </a:p>
+        </p:txBody>
+      </p:sp>
+      <p:grpSp>
+        <p:nvGrpSpPr>
+          <p:cNvPr id="5" name="그룹 4">
+            <a:extLst>
+              <a:ext uri="{FF2B5EF4-FFF2-40B4-BE49-F238E27FC236}">
+                <a16:creationId xmlns:a16="http://schemas.microsoft.com/office/drawing/2014/main" id="{234055D3-39C8-4D64-B9C9-78FFD975193C}"/>
+              </a:ext>
+            </a:extLst>
+          </p:cNvPr>
+          <p:cNvGrpSpPr/>
+          <p:nvPr/>
+        </p:nvGrpSpPr>
+        <p:grpSpPr>
+          <a:xfrm>
+            <a:off x="2123435" y="700924"/>
+            <a:ext cx="8101886" cy="1960483"/>
+            <a:chOff x="892823" y="891591"/>
+            <a:chExt cx="8101886" cy="1960483"/>
+          </a:xfrm>
+        </p:grpSpPr>
+        <p:pic>
+          <p:nvPicPr>
+            <p:cNvPr id="3" name="그림 2">
+              <a:extLst>
+                <a:ext uri="{FF2B5EF4-FFF2-40B4-BE49-F238E27FC236}">
+                  <a16:creationId xmlns:a16="http://schemas.microsoft.com/office/drawing/2014/main" id="{7BF02617-A7C6-41B0-9BE5-729532365607}"/>
+                </a:ext>
+              </a:extLst>
+            </p:cNvPr>
+            <p:cNvPicPr>
+              <a:picLocks noChangeAspect="1"/>
+            </p:cNvPicPr>
+            <p:nvPr/>
+          </p:nvPicPr>
+          <p:blipFill>
+            <a:blip r:embed="rId2"/>
+            <a:stretch>
+              <a:fillRect/>
+            </a:stretch>
+          </p:blipFill>
+          <p:spPr>
+            <a:xfrm>
+              <a:off x="892823" y="891591"/>
+              <a:ext cx="2419350" cy="1704975"/>
+            </a:xfrm>
+            <a:prstGeom prst="rect">
+              <a:avLst/>
+            </a:prstGeom>
+          </p:spPr>
+        </p:pic>
+        <p:sp>
+          <p:nvSpPr>
+            <p:cNvPr id="4" name="TextBox 3">
+              <a:extLst>
+                <a:ext uri="{FF2B5EF4-FFF2-40B4-BE49-F238E27FC236}">
+                  <a16:creationId xmlns:a16="http://schemas.microsoft.com/office/drawing/2014/main" id="{A6409DD3-9571-453F-B973-3A5872CA4836}"/>
+                </a:ext>
+              </a:extLst>
+            </p:cNvPr>
+            <p:cNvSpPr txBox="1"/>
+            <p:nvPr/>
+          </p:nvSpPr>
+          <p:spPr>
+            <a:xfrm>
+              <a:off x="4142790" y="1374746"/>
+              <a:ext cx="4851919" cy="1477328"/>
+            </a:xfrm>
+            <a:prstGeom prst="rect">
+              <a:avLst/>
+            </a:prstGeom>
+            <a:noFill/>
+          </p:spPr>
+          <p:txBody>
+            <a:bodyPr wrap="square" rtlCol="0">
+              <a:spAutoFit/>
+            </a:bodyPr>
+            <a:lstStyle/>
+            <a:p>
+              <a:r>
+                <a:rPr lang="ko-KR" altLang="en-US"/>
+                <a:t>예측과 실제 차이가 </a:t>
+              </a:r>
+              <a:r>
+                <a:rPr lang="en-US" altLang="ko-KR"/>
+                <a:t>5</a:t>
+              </a:r>
+              <a:r>
+                <a:rPr lang="ko-KR" altLang="en-US"/>
+                <a:t>점 이상인 데이터 </a:t>
+              </a:r>
+              <a:r>
+                <a:rPr lang="en-US" altLang="ko-KR"/>
+                <a:t>297</a:t>
+              </a:r>
+              <a:r>
+                <a:rPr lang="ko-KR" altLang="en-US"/>
+                <a:t>개</a:t>
+              </a:r>
+              <a:endParaRPr lang="en-US" altLang="ko-KR"/>
+            </a:p>
+            <a:p>
+              <a:endParaRPr lang="en-US" altLang="ko-KR"/>
+            </a:p>
+            <a:p>
+              <a:r>
+                <a:rPr lang="en-US" altLang="ko-KR"/>
+                <a:t>1.5</a:t>
+              </a:r>
+              <a:r>
+                <a:rPr lang="ko-KR" altLang="en-US"/>
+                <a:t>점 이상 차이나는 것이 </a:t>
+              </a:r>
+              <a:r>
+                <a:rPr lang="en-US" altLang="ko-KR"/>
+                <a:t>25%</a:t>
+              </a:r>
+            </a:p>
+            <a:p>
+              <a:endParaRPr lang="en-US" altLang="ko-KR"/>
+            </a:p>
+            <a:p>
+              <a:r>
+                <a:rPr lang="en-US" altLang="ko-KR"/>
+                <a:t>test set</a:t>
+              </a:r>
+              <a:r>
+                <a:rPr lang="ko-KR" altLang="en-US"/>
+                <a:t>에 포함된 </a:t>
+              </a:r>
+              <a:r>
+                <a:rPr lang="en-US" altLang="ko-KR"/>
+                <a:t>48</a:t>
+              </a:r>
+              <a:r>
+                <a:rPr lang="ko-KR" altLang="en-US"/>
+                <a:t>개 리뷰에 대해 분석하기</a:t>
+              </a:r>
+            </a:p>
+          </p:txBody>
+        </p:sp>
+      </p:grpSp>
+      <p:pic>
+        <p:nvPicPr>
+          <p:cNvPr id="6" name="그림 5">
+            <a:extLst>
+              <a:ext uri="{FF2B5EF4-FFF2-40B4-BE49-F238E27FC236}">
+                <a16:creationId xmlns:a16="http://schemas.microsoft.com/office/drawing/2014/main" id="{46534710-CE25-4AF2-9245-81250F46376B}"/>
+              </a:ext>
+            </a:extLst>
+          </p:cNvPr>
+          <p:cNvPicPr>
+            <a:picLocks noChangeAspect="1"/>
+          </p:cNvPicPr>
+          <p:nvPr/>
+        </p:nvPicPr>
+        <p:blipFill>
+          <a:blip r:embed="rId3"/>
+          <a:stretch>
+            <a:fillRect/>
+          </a:stretch>
+        </p:blipFill>
+        <p:spPr>
+          <a:xfrm>
+            <a:off x="538979" y="3053177"/>
+            <a:ext cx="7743825" cy="3429000"/>
+          </a:xfrm>
+          <a:prstGeom prst="rect">
+            <a:avLst/>
+          </a:prstGeom>
+        </p:spPr>
+      </p:pic>
+      <p:sp>
+        <p:nvSpPr>
+          <p:cNvPr id="7" name="화살표: 오른쪽 6">
+            <a:extLst>
+              <a:ext uri="{FF2B5EF4-FFF2-40B4-BE49-F238E27FC236}">
+                <a16:creationId xmlns:a16="http://schemas.microsoft.com/office/drawing/2014/main" id="{E9DD2971-512E-457A-A901-4CB8B12975E2}"/>
+              </a:ext>
+            </a:extLst>
+          </p:cNvPr>
+          <p:cNvSpPr/>
+          <p:nvPr/>
+        </p:nvSpPr>
+        <p:spPr>
+          <a:xfrm>
+            <a:off x="7907553" y="4791288"/>
+            <a:ext cx="750502" cy="183487"/>
+          </a:xfrm>
+          <a:prstGeom prst="rightArrow">
+            <a:avLst/>
+          </a:prstGeom>
+        </p:spPr>
+        <p:style>
+          <a:lnRef idx="2">
+            <a:schemeClr val="accent1">
+              <a:shade val="50000"/>
+            </a:schemeClr>
+          </a:lnRef>
+          <a:fillRef idx="1">
+            <a:schemeClr val="accent1"/>
+          </a:fillRef>
+          <a:effectRef idx="0">
+            <a:schemeClr val="accent1"/>
+          </a:effectRef>
+          <a:fontRef idx="minor">
+            <a:schemeClr val="lt1"/>
+          </a:fontRef>
+        </p:style>
+        <p:txBody>
+          <a:bodyPr rtlCol="0" anchor="ctr"/>
+          <a:lstStyle/>
+          <a:p>
+            <a:pPr algn="ctr"/>
+            <a:endParaRPr lang="ko-KR" altLang="en-US"/>
+          </a:p>
+        </p:txBody>
+      </p:sp>
+      <p:sp>
+        <p:nvSpPr>
+          <p:cNvPr id="8" name="TextBox 7">
+            <a:extLst>
+              <a:ext uri="{FF2B5EF4-FFF2-40B4-BE49-F238E27FC236}">
+                <a16:creationId xmlns:a16="http://schemas.microsoft.com/office/drawing/2014/main" id="{1167BED9-0FB8-4BDB-ACCC-09C1F7A1B8BB}"/>
+              </a:ext>
+            </a:extLst>
+          </p:cNvPr>
+          <p:cNvSpPr txBox="1"/>
+          <p:nvPr/>
+        </p:nvSpPr>
+        <p:spPr>
+          <a:xfrm>
+            <a:off x="8742784" y="4559865"/>
+            <a:ext cx="3449216" cy="923330"/>
+          </a:xfrm>
+          <a:prstGeom prst="rect">
+            <a:avLst/>
+          </a:prstGeom>
+          <a:noFill/>
+        </p:spPr>
+        <p:txBody>
+          <a:bodyPr wrap="square" rtlCol="0">
+            <a:spAutoFit/>
+          </a:bodyPr>
+          <a:lstStyle/>
+          <a:p>
+            <a:r>
+              <a:rPr lang="ko-KR" altLang="en-US"/>
+              <a:t>키워드를 보면서 대략적인 유추는 가능하나</a:t>
+            </a:r>
+            <a:endParaRPr lang="en-US" altLang="ko-KR"/>
+          </a:p>
+          <a:p>
+            <a:r>
+              <a:rPr lang="ko-KR" altLang="en-US"/>
+              <a:t>자세히 들여다볼 필요가 있다</a:t>
+            </a:r>
+            <a:r>
+              <a:rPr lang="en-US" altLang="ko-KR"/>
+              <a:t>.</a:t>
+            </a:r>
+            <a:endParaRPr lang="ko-KR" altLang="en-US"/>
+          </a:p>
+        </p:txBody>
+      </p:sp>
+    </p:spTree>
+    <p:extLst>
+      <p:ext uri="{BB962C8B-B14F-4D97-AF65-F5344CB8AC3E}">
+        <p14:creationId xmlns:p14="http://schemas.microsoft.com/office/powerpoint/2010/main" val="4222331809"/>
+      </p:ext>
+    </p:extLst>
+  </p:cSld>
+  <p:clrMapOvr>
+    <a:masterClrMapping/>
+  </p:clrMapOvr>
+</p:sld>
+</file>
+
+<file path=ppt/slides/slide28.xml><?xml version="1.0" encoding="utf-8"?>
+<p:sld xmlns:a="http://schemas.openxmlformats.org/drawingml/2006/main" xmlns:r="http://schemas.openxmlformats.org/officeDocument/2006/relationships" xmlns:p="http://schemas.openxmlformats.org/presentationml/2006/main">
+  <p:cSld>
+    <p:spTree>
+      <p:nvGrpSpPr>
+        <p:cNvPr id="1" name="">
+          <a:extLst>
+            <a:ext uri="{FF2B5EF4-FFF2-40B4-BE49-F238E27FC236}">
+              <a16:creationId xmlns:a16="http://schemas.microsoft.com/office/drawing/2014/main" id="{9D629F79-A0E8-AA46-2154-1D3F49E53CC8}"/>
+            </a:ext>
+          </a:extLst>
+        </p:cNvPr>
+        <p:cNvGrpSpPr/>
+        <p:nvPr/>
+      </p:nvGrpSpPr>
+      <p:grpSpPr>
+        <a:xfrm>
+          <a:off x="0" y="0"/>
+          <a:ext cx="0" cy="0"/>
+          <a:chOff x="0" y="0"/>
+          <a:chExt cx="0" cy="0"/>
+        </a:xfrm>
+      </p:grpSpPr>
+      <p:cxnSp>
+        <p:nvCxnSpPr>
+          <p:cNvPr id="23" name="직선 연결선 22">
+            <a:extLst>
+              <a:ext uri="{FF2B5EF4-FFF2-40B4-BE49-F238E27FC236}">
+                <a16:creationId xmlns:a16="http://schemas.microsoft.com/office/drawing/2014/main" id="{86DC2A17-C9E1-CAAA-F796-F071C02D31D0}"/>
+              </a:ext>
+            </a:extLst>
+          </p:cNvPr>
+          <p:cNvCxnSpPr/>
+          <p:nvPr/>
+        </p:nvCxnSpPr>
+        <p:spPr>
+          <a:xfrm>
+            <a:off x="144378" y="160422"/>
+            <a:ext cx="12060000" cy="0"/>
+          </a:xfrm>
+          <a:prstGeom prst="line">
+            <a:avLst/>
+          </a:prstGeom>
+          <a:ln w="76200">
+            <a:solidFill>
+              <a:schemeClr val="accent1"/>
+            </a:solidFill>
+          </a:ln>
+        </p:spPr>
+        <p:style>
+          <a:lnRef idx="1">
+            <a:schemeClr val="accent1"/>
+          </a:lnRef>
+          <a:fillRef idx="0">
+            <a:schemeClr val="accent1"/>
+          </a:fillRef>
+          <a:effectRef idx="0">
+            <a:schemeClr val="accent1"/>
+          </a:effectRef>
+          <a:fontRef idx="minor">
+            <a:schemeClr val="tx1"/>
+          </a:fontRef>
+        </p:style>
+      </p:cxnSp>
+      <p:cxnSp>
+        <p:nvCxnSpPr>
+          <p:cNvPr id="25" name="직선 연결선 24">
+            <a:extLst>
+              <a:ext uri="{FF2B5EF4-FFF2-40B4-BE49-F238E27FC236}">
+                <a16:creationId xmlns:a16="http://schemas.microsoft.com/office/drawing/2014/main" id="{7BB83105-67E8-CC4A-1739-9327AAE0594C}"/>
+              </a:ext>
+            </a:extLst>
+          </p:cNvPr>
+          <p:cNvCxnSpPr/>
+          <p:nvPr/>
+        </p:nvCxnSpPr>
+        <p:spPr>
+          <a:xfrm>
+            <a:off x="144378" y="6737685"/>
+            <a:ext cx="12060000" cy="0"/>
+          </a:xfrm>
+          <a:prstGeom prst="line">
+            <a:avLst/>
+          </a:prstGeom>
+          <a:ln w="3175">
+            <a:solidFill>
+              <a:schemeClr val="accent1"/>
+            </a:solidFill>
+          </a:ln>
+        </p:spPr>
+        <p:style>
+          <a:lnRef idx="1">
+            <a:schemeClr val="accent1"/>
+          </a:lnRef>
+          <a:fillRef idx="0">
+            <a:schemeClr val="accent1"/>
+          </a:fillRef>
+          <a:effectRef idx="0">
+            <a:schemeClr val="accent1"/>
+          </a:effectRef>
+          <a:fontRef idx="minor">
+            <a:schemeClr val="tx1"/>
+          </a:fontRef>
+        </p:style>
+      </p:cxnSp>
+      <p:sp>
+        <p:nvSpPr>
+          <p:cNvPr id="2" name="슬라이드 번호 개체 틀 1">
+            <a:extLst>
+              <a:ext uri="{FF2B5EF4-FFF2-40B4-BE49-F238E27FC236}">
+                <a16:creationId xmlns:a16="http://schemas.microsoft.com/office/drawing/2014/main" id="{B7F2BFA4-F2F4-482E-8A00-3839C28B48E7}"/>
+              </a:ext>
+            </a:extLst>
+          </p:cNvPr>
+          <p:cNvSpPr>
+            <a:spLocks noGrp="1"/>
+          </p:cNvSpPr>
+          <p:nvPr>
+            <p:ph type="sldNum" sz="quarter" idx="12"/>
+          </p:nvPr>
+        </p:nvSpPr>
+        <p:spPr>
+          <a:xfrm>
+            <a:off x="8610600" y="6356350"/>
+            <a:ext cx="2743200" cy="365125"/>
+          </a:xfrm>
+        </p:spPr>
+        <p:txBody>
+          <a:bodyPr/>
+          <a:lstStyle/>
+          <a:p>
+            <a:fld id="{F98B6473-7C87-478A-B3B4-ACF16772A847}" type="slidenum">
+              <a:rPr lang="ko-KR" altLang="en-US" smtClean="0"/>
+              <a:t>28</a:t>
+            </a:fld>
+            <a:endParaRPr lang="ko-KR" altLang="en-US"/>
+          </a:p>
+        </p:txBody>
+      </p:sp>
+      <p:pic>
+        <p:nvPicPr>
+          <p:cNvPr id="9" name="그림 8">
+            <a:extLst>
+              <a:ext uri="{FF2B5EF4-FFF2-40B4-BE49-F238E27FC236}">
+                <a16:creationId xmlns:a16="http://schemas.microsoft.com/office/drawing/2014/main" id="{1526D405-5A64-4A20-A2C3-91C336093F28}"/>
+              </a:ext>
+            </a:extLst>
+          </p:cNvPr>
+          <p:cNvPicPr>
+            <a:picLocks noChangeAspect="1"/>
+          </p:cNvPicPr>
+          <p:nvPr/>
+        </p:nvPicPr>
+        <p:blipFill>
+          <a:blip r:embed="rId3"/>
+          <a:stretch>
+            <a:fillRect/>
+          </a:stretch>
+        </p:blipFill>
+        <p:spPr>
+          <a:xfrm>
+            <a:off x="469933" y="1353522"/>
+            <a:ext cx="7743825" cy="2228850"/>
+          </a:xfrm>
+          <a:prstGeom prst="rect">
+            <a:avLst/>
+          </a:prstGeom>
+        </p:spPr>
+      </p:pic>
+      <p:sp>
+        <p:nvSpPr>
+          <p:cNvPr id="12" name="TextBox 11">
+            <a:extLst>
+              <a:ext uri="{FF2B5EF4-FFF2-40B4-BE49-F238E27FC236}">
+                <a16:creationId xmlns:a16="http://schemas.microsoft.com/office/drawing/2014/main" id="{03F38938-1014-43D5-9977-0CBD937EE460}"/>
+              </a:ext>
+            </a:extLst>
+          </p:cNvPr>
+          <p:cNvSpPr txBox="1"/>
+          <p:nvPr/>
+        </p:nvSpPr>
+        <p:spPr>
+          <a:xfrm>
+            <a:off x="1163052" y="272716"/>
+            <a:ext cx="2557110" cy="584775"/>
+          </a:xfrm>
+          <a:prstGeom prst="rect">
+            <a:avLst/>
+          </a:prstGeom>
+          <a:noFill/>
+        </p:spPr>
+        <p:txBody>
+          <a:bodyPr wrap="none" rtlCol="0">
+            <a:spAutoFit/>
+          </a:bodyPr>
+          <a:lstStyle/>
+          <a:p>
+            <a:r>
+              <a:rPr lang="en-US" altLang="ko-KR" sz="3200" b="1" spc="-300">
+                <a:solidFill>
+                  <a:schemeClr val="accent1"/>
+                </a:solidFill>
+              </a:rPr>
+              <a:t>Funny Example</a:t>
+            </a:r>
+            <a:endParaRPr lang="ko-KR" altLang="en-US" sz="3200" b="1" spc="-300">
+              <a:solidFill>
+                <a:schemeClr val="accent1"/>
+              </a:solidFill>
+            </a:endParaRPr>
+          </a:p>
+        </p:txBody>
+      </p:sp>
+      <p:sp>
+        <p:nvSpPr>
+          <p:cNvPr id="10" name="TextBox 9">
+            <a:extLst>
+              <a:ext uri="{FF2B5EF4-FFF2-40B4-BE49-F238E27FC236}">
+                <a16:creationId xmlns:a16="http://schemas.microsoft.com/office/drawing/2014/main" id="{583C3238-BCA0-4744-85EA-AA7C2CD84AAF}"/>
+              </a:ext>
+            </a:extLst>
+          </p:cNvPr>
+          <p:cNvSpPr txBox="1"/>
+          <p:nvPr/>
+        </p:nvSpPr>
+        <p:spPr>
+          <a:xfrm>
+            <a:off x="7631806" y="1821616"/>
+            <a:ext cx="1957587" cy="646331"/>
+          </a:xfrm>
+          <a:prstGeom prst="rect">
+            <a:avLst/>
+          </a:prstGeom>
+          <a:noFill/>
+        </p:spPr>
+        <p:txBody>
+          <a:bodyPr wrap="none" rtlCol="0">
+            <a:spAutoFit/>
+          </a:bodyPr>
+          <a:lstStyle/>
+          <a:p>
+            <a:pPr marL="285750" indent="-285750">
+              <a:buFont typeface="Arial" panose="020B0604020202020204" pitchFamily="34" charset="0"/>
+              <a:buChar char="•"/>
+            </a:pPr>
+            <a:r>
+              <a:rPr lang="ko-KR" altLang="en-US"/>
+              <a:t>실제 점수 </a:t>
+            </a:r>
+            <a:r>
+              <a:rPr lang="en-US" altLang="ko-KR"/>
+              <a:t>: 8</a:t>
+            </a:r>
+            <a:r>
+              <a:rPr lang="ko-KR" altLang="en-US"/>
+              <a:t>점</a:t>
+            </a:r>
+            <a:endParaRPr lang="en-US" altLang="ko-KR"/>
+          </a:p>
+          <a:p>
+            <a:pPr marL="285750" indent="-285750">
+              <a:buFont typeface="Arial" panose="020B0604020202020204" pitchFamily="34" charset="0"/>
+              <a:buChar char="•"/>
+            </a:pPr>
+            <a:r>
+              <a:rPr lang="en-US" altLang="ko-KR"/>
+              <a:t>GPT </a:t>
+            </a:r>
+            <a:r>
+              <a:rPr lang="ko-KR" altLang="en-US"/>
+              <a:t>예측 </a:t>
+            </a:r>
+            <a:r>
+              <a:rPr lang="en-US" altLang="ko-KR"/>
+              <a:t>: 2</a:t>
+            </a:r>
+            <a:r>
+              <a:rPr lang="ko-KR" altLang="en-US"/>
+              <a:t>점</a:t>
+            </a:r>
+          </a:p>
+        </p:txBody>
+      </p:sp>
+      <p:sp>
+        <p:nvSpPr>
+          <p:cNvPr id="11" name="TextBox 10">
+            <a:extLst>
+              <a:ext uri="{FF2B5EF4-FFF2-40B4-BE49-F238E27FC236}">
+                <a16:creationId xmlns:a16="http://schemas.microsoft.com/office/drawing/2014/main" id="{4CAE7B5E-1F65-4B2D-A7C9-E834C84C5852}"/>
+              </a:ext>
+            </a:extLst>
+          </p:cNvPr>
+          <p:cNvSpPr txBox="1"/>
+          <p:nvPr/>
+        </p:nvSpPr>
+        <p:spPr>
+          <a:xfrm>
+            <a:off x="1082352" y="3579060"/>
+            <a:ext cx="9251251" cy="369332"/>
+          </a:xfrm>
+          <a:prstGeom prst="rect">
+            <a:avLst/>
+          </a:prstGeom>
+          <a:noFill/>
+        </p:spPr>
+        <p:txBody>
+          <a:bodyPr wrap="none" rtlCol="0">
+            <a:spAutoFit/>
+          </a:bodyPr>
+          <a:lstStyle/>
+          <a:p>
+            <a:pPr marL="285750" indent="-285750">
+              <a:buFont typeface="Arial" panose="020B0604020202020204" pitchFamily="34" charset="0"/>
+              <a:buChar char="•"/>
+            </a:pPr>
+            <a:r>
+              <a:rPr lang="en-US" altLang="ko-KR"/>
+              <a:t>LIME</a:t>
+            </a:r>
+            <a:r>
+              <a:rPr lang="ko-KR" altLang="en-US"/>
+              <a:t>의 판단은 </a:t>
+            </a:r>
+            <a:r>
+              <a:rPr lang="en-US" altLang="ko-KR"/>
+              <a:t>'denied', 'reimburse' </a:t>
+            </a:r>
+            <a:r>
+              <a:rPr lang="ko-KR" altLang="en-US"/>
+              <a:t>두 키워드가 예측의 괴리를 크게 했을 것이라고 설명</a:t>
+            </a:r>
+          </a:p>
+        </p:txBody>
+      </p:sp>
+      <p:sp>
+        <p:nvSpPr>
+          <p:cNvPr id="13" name="TextBox 12">
+            <a:extLst>
+              <a:ext uri="{FF2B5EF4-FFF2-40B4-BE49-F238E27FC236}">
+                <a16:creationId xmlns:a16="http://schemas.microsoft.com/office/drawing/2014/main" id="{9D723F0E-AF06-4ABC-A938-038333CCD649}"/>
+              </a:ext>
+            </a:extLst>
+          </p:cNvPr>
+          <p:cNvSpPr txBox="1"/>
+          <p:nvPr/>
+        </p:nvSpPr>
+        <p:spPr>
+          <a:xfrm>
+            <a:off x="3720162" y="1553413"/>
+            <a:ext cx="268022" cy="369332"/>
+          </a:xfrm>
+          <a:prstGeom prst="rect">
+            <a:avLst/>
+          </a:prstGeom>
+          <a:noFill/>
+        </p:spPr>
+        <p:txBody>
+          <a:bodyPr wrap="none" rtlCol="0">
+            <a:spAutoFit/>
+          </a:bodyPr>
+          <a:lstStyle/>
+          <a:p>
+            <a:r>
+              <a:rPr lang="en-US" altLang="ko-KR">
+                <a:solidFill>
+                  <a:srgbClr val="FF0000"/>
+                </a:solidFill>
+              </a:rPr>
+              <a:t>-</a:t>
+            </a:r>
+            <a:endParaRPr lang="ko-KR" altLang="en-US">
+              <a:solidFill>
+                <a:srgbClr val="FF0000"/>
+              </a:solidFill>
+            </a:endParaRPr>
+          </a:p>
+        </p:txBody>
+      </p:sp>
+      <p:sp>
+        <p:nvSpPr>
+          <p:cNvPr id="16" name="TextBox 15">
+            <a:extLst>
+              <a:ext uri="{FF2B5EF4-FFF2-40B4-BE49-F238E27FC236}">
+                <a16:creationId xmlns:a16="http://schemas.microsoft.com/office/drawing/2014/main" id="{E567C707-9A72-429C-9852-E34839A34543}"/>
+              </a:ext>
+            </a:extLst>
+          </p:cNvPr>
+          <p:cNvSpPr txBox="1"/>
+          <p:nvPr/>
+        </p:nvSpPr>
+        <p:spPr>
+          <a:xfrm>
+            <a:off x="4961134" y="1553413"/>
+            <a:ext cx="335348" cy="369332"/>
+          </a:xfrm>
+          <a:prstGeom prst="rect">
+            <a:avLst/>
+          </a:prstGeom>
+          <a:noFill/>
+        </p:spPr>
+        <p:txBody>
+          <a:bodyPr wrap="none" rtlCol="0">
+            <a:spAutoFit/>
+          </a:bodyPr>
+          <a:lstStyle/>
+          <a:p>
+            <a:r>
+              <a:rPr lang="en-US" altLang="ko-KR">
+                <a:solidFill>
+                  <a:srgbClr val="FF0000"/>
+                </a:solidFill>
+              </a:rPr>
+              <a:t>+</a:t>
+            </a:r>
+            <a:endParaRPr lang="ko-KR" altLang="en-US">
+              <a:solidFill>
+                <a:srgbClr val="FF0000"/>
+              </a:solidFill>
+            </a:endParaRPr>
+          </a:p>
+        </p:txBody>
+      </p:sp>
+      <p:pic>
+        <p:nvPicPr>
+          <p:cNvPr id="14" name="그림 13">
+            <a:extLst>
+              <a:ext uri="{FF2B5EF4-FFF2-40B4-BE49-F238E27FC236}">
+                <a16:creationId xmlns:a16="http://schemas.microsoft.com/office/drawing/2014/main" id="{DA04342F-F506-4EEC-BFB4-809D9D1249D9}"/>
+              </a:ext>
+            </a:extLst>
+          </p:cNvPr>
+          <p:cNvPicPr>
+            <a:picLocks noChangeAspect="1"/>
+          </p:cNvPicPr>
+          <p:nvPr/>
+        </p:nvPicPr>
+        <p:blipFill>
+          <a:blip r:embed="rId4"/>
+          <a:stretch>
+            <a:fillRect/>
+          </a:stretch>
+        </p:blipFill>
+        <p:spPr>
+          <a:xfrm>
+            <a:off x="383178" y="4536506"/>
+            <a:ext cx="5791200" cy="1743075"/>
+          </a:xfrm>
+          <a:prstGeom prst="rect">
+            <a:avLst/>
+          </a:prstGeom>
+        </p:spPr>
+      </p:pic>
+      <p:sp>
+        <p:nvSpPr>
+          <p:cNvPr id="19" name="TextBox 18">
+            <a:extLst>
+              <a:ext uri="{FF2B5EF4-FFF2-40B4-BE49-F238E27FC236}">
+                <a16:creationId xmlns:a16="http://schemas.microsoft.com/office/drawing/2014/main" id="{B3DC9291-A94B-4A05-8228-09038BD3F70E}"/>
+              </a:ext>
+            </a:extLst>
+          </p:cNvPr>
+          <p:cNvSpPr txBox="1"/>
+          <p:nvPr/>
+        </p:nvSpPr>
+        <p:spPr>
+          <a:xfrm>
+            <a:off x="7627550" y="4870124"/>
+            <a:ext cx="2167581" cy="646331"/>
+          </a:xfrm>
+          <a:prstGeom prst="rect">
+            <a:avLst/>
+          </a:prstGeom>
+          <a:noFill/>
+        </p:spPr>
+        <p:txBody>
+          <a:bodyPr wrap="none" rtlCol="0">
+            <a:spAutoFit/>
+          </a:bodyPr>
+          <a:lstStyle/>
+          <a:p>
+            <a:pPr marL="285750" indent="-285750">
+              <a:buFont typeface="Arial" panose="020B0604020202020204" pitchFamily="34" charset="0"/>
+              <a:buChar char="•"/>
+            </a:pPr>
+            <a:r>
+              <a:rPr lang="ko-KR" altLang="en-US"/>
+              <a:t>실제 점수 </a:t>
+            </a:r>
+            <a:r>
+              <a:rPr lang="en-US" altLang="ko-KR"/>
+              <a:t>: 8.4</a:t>
+            </a:r>
+            <a:r>
+              <a:rPr lang="ko-KR" altLang="en-US"/>
+              <a:t>점</a:t>
+            </a:r>
+            <a:endParaRPr lang="en-US" altLang="ko-KR"/>
+          </a:p>
+          <a:p>
+            <a:pPr marL="285750" indent="-285750">
+              <a:buFont typeface="Arial" panose="020B0604020202020204" pitchFamily="34" charset="0"/>
+              <a:buChar char="•"/>
+            </a:pPr>
+            <a:r>
+              <a:rPr lang="en-US" altLang="ko-KR"/>
+              <a:t>GPT </a:t>
+            </a:r>
+            <a:r>
+              <a:rPr lang="ko-KR" altLang="en-US"/>
+              <a:t>예측 </a:t>
+            </a:r>
+            <a:r>
+              <a:rPr lang="en-US" altLang="ko-KR"/>
+              <a:t>: 3.2</a:t>
+            </a:r>
+            <a:r>
+              <a:rPr lang="ko-KR" altLang="en-US"/>
+              <a:t>점</a:t>
+            </a:r>
+          </a:p>
+        </p:txBody>
+      </p:sp>
+      <p:cxnSp>
+        <p:nvCxnSpPr>
+          <p:cNvPr id="17" name="직선 연결선 16">
+            <a:extLst>
+              <a:ext uri="{FF2B5EF4-FFF2-40B4-BE49-F238E27FC236}">
+                <a16:creationId xmlns:a16="http://schemas.microsoft.com/office/drawing/2014/main" id="{DFB50D00-B0F1-427B-A715-977C550AE181}"/>
+              </a:ext>
+            </a:extLst>
+          </p:cNvPr>
+          <p:cNvCxnSpPr/>
+          <p:nvPr/>
+        </p:nvCxnSpPr>
+        <p:spPr>
+          <a:xfrm>
+            <a:off x="0" y="4292082"/>
+            <a:ext cx="12204378" cy="0"/>
+          </a:xfrm>
+          <a:prstGeom prst="line">
+            <a:avLst/>
+          </a:prstGeom>
+        </p:spPr>
+        <p:style>
+          <a:lnRef idx="1">
+            <a:schemeClr val="accent1"/>
+          </a:lnRef>
+          <a:fillRef idx="0">
+            <a:schemeClr val="accent1"/>
+          </a:fillRef>
+          <a:effectRef idx="0">
+            <a:schemeClr val="accent1"/>
+          </a:effectRef>
+          <a:fontRef idx="minor">
+            <a:schemeClr val="tx1"/>
+          </a:fontRef>
+        </p:style>
+      </p:cxnSp>
+    </p:spTree>
+    <p:extLst>
+      <p:ext uri="{BB962C8B-B14F-4D97-AF65-F5344CB8AC3E}">
+        <p14:creationId xmlns:p14="http://schemas.microsoft.com/office/powerpoint/2010/main" val="82370301"/>
+      </p:ext>
+    </p:extLst>
+  </p:cSld>
+  <p:clrMapOvr>
+    <a:masterClrMapping/>
+  </p:clrMapOvr>
+</p:sld>
+</file>
+
+<file path=ppt/slides/slide29.xml><?xml version="1.0" encoding="utf-8"?>
+<p:sld xmlns:a="http://schemas.openxmlformats.org/drawingml/2006/main" xmlns:r="http://schemas.openxmlformats.org/officeDocument/2006/relationships" xmlns:p="http://schemas.openxmlformats.org/presentationml/2006/main">
+  <p:cSld>
+    <p:spTree>
+      <p:nvGrpSpPr>
+        <p:cNvPr id="1" name=""/>
+        <p:cNvGrpSpPr/>
+        <p:nvPr/>
+      </p:nvGrpSpPr>
+      <p:grpSpPr>
+        <a:xfrm>
+          <a:off x="0" y="0"/>
+          <a:ext cx="0" cy="0"/>
+          <a:chOff x="0" y="0"/>
+          <a:chExt cx="0" cy="0"/>
+        </a:xfrm>
+      </p:grpSpPr>
+      <p:sp>
+        <p:nvSpPr>
+          <p:cNvPr id="4" name="슬라이드 번호 개체 틀 3">
+            <a:extLst>
+              <a:ext uri="{FF2B5EF4-FFF2-40B4-BE49-F238E27FC236}">
+                <a16:creationId xmlns:a16="http://schemas.microsoft.com/office/drawing/2014/main" id="{6CBA1C36-457B-4FE9-AF46-86246ED93043}"/>
+              </a:ext>
+            </a:extLst>
+          </p:cNvPr>
+          <p:cNvSpPr>
+            <a:spLocks noGrp="1"/>
+          </p:cNvSpPr>
+          <p:nvPr>
+            <p:ph type="sldNum" sz="quarter" idx="12"/>
+          </p:nvPr>
+        </p:nvSpPr>
+        <p:spPr/>
+        <p:txBody>
+          <a:bodyPr/>
+          <a:lstStyle/>
+          <a:p>
+            <a:fld id="{F98B6473-7C87-478A-B3B4-ACF16772A847}" type="slidenum">
+              <a:rPr lang="ko-KR" altLang="en-US" smtClean="0"/>
+              <a:t>29</a:t>
+            </a:fld>
+            <a:endParaRPr lang="ko-KR" altLang="en-US"/>
+          </a:p>
+        </p:txBody>
+      </p:sp>
+      <p:pic>
+        <p:nvPicPr>
+          <p:cNvPr id="5" name="그림 4">
+            <a:extLst>
+              <a:ext uri="{FF2B5EF4-FFF2-40B4-BE49-F238E27FC236}">
+                <a16:creationId xmlns:a16="http://schemas.microsoft.com/office/drawing/2014/main" id="{31DCDEBF-DF62-4075-80E7-BB765B776D18}"/>
+              </a:ext>
+            </a:extLst>
+          </p:cNvPr>
+          <p:cNvPicPr>
+            <a:picLocks noChangeAspect="1"/>
+          </p:cNvPicPr>
+          <p:nvPr/>
+        </p:nvPicPr>
+        <p:blipFill>
+          <a:blip r:embed="rId2"/>
+          <a:stretch>
+            <a:fillRect/>
+          </a:stretch>
+        </p:blipFill>
+        <p:spPr>
+          <a:xfrm>
+            <a:off x="574416" y="479749"/>
+            <a:ext cx="5276850" cy="1905000"/>
+          </a:xfrm>
+          <a:prstGeom prst="rect">
+            <a:avLst/>
+          </a:prstGeom>
+        </p:spPr>
+      </p:pic>
+      <p:sp>
+        <p:nvSpPr>
+          <p:cNvPr id="6" name="TextBox 5">
+            <a:extLst>
+              <a:ext uri="{FF2B5EF4-FFF2-40B4-BE49-F238E27FC236}">
+                <a16:creationId xmlns:a16="http://schemas.microsoft.com/office/drawing/2014/main" id="{8132FE28-63C3-46F0-B1C4-D369EF118D46}"/>
+              </a:ext>
+            </a:extLst>
+          </p:cNvPr>
+          <p:cNvSpPr txBox="1"/>
+          <p:nvPr/>
+        </p:nvSpPr>
+        <p:spPr>
+          <a:xfrm>
+            <a:off x="6340736" y="1109083"/>
+            <a:ext cx="2177199" cy="646331"/>
+          </a:xfrm>
+          <a:prstGeom prst="rect">
+            <a:avLst/>
+          </a:prstGeom>
+          <a:noFill/>
+        </p:spPr>
+        <p:txBody>
+          <a:bodyPr wrap="none" rtlCol="0">
+            <a:spAutoFit/>
+          </a:bodyPr>
+          <a:lstStyle/>
+          <a:p>
+            <a:pPr marL="285750" indent="-285750">
+              <a:buFont typeface="Arial" panose="020B0604020202020204" pitchFamily="34" charset="0"/>
+              <a:buChar char="•"/>
+            </a:pPr>
+            <a:r>
+              <a:rPr lang="ko-KR" altLang="en-US"/>
+              <a:t>실제 점수 </a:t>
+            </a:r>
+            <a:r>
+              <a:rPr lang="en-US" altLang="ko-KR"/>
+              <a:t>: 5</a:t>
+            </a:r>
+            <a:r>
+              <a:rPr lang="ko-KR" altLang="en-US"/>
+              <a:t>점</a:t>
+            </a:r>
+            <a:endParaRPr lang="en-US" altLang="ko-KR"/>
+          </a:p>
+          <a:p>
+            <a:pPr marL="285750" indent="-285750">
+              <a:buFont typeface="Arial" panose="020B0604020202020204" pitchFamily="34" charset="0"/>
+              <a:buChar char="•"/>
+            </a:pPr>
+            <a:r>
+              <a:rPr lang="en-US" altLang="ko-KR"/>
+              <a:t>GPT </a:t>
+            </a:r>
+            <a:r>
+              <a:rPr lang="ko-KR" altLang="en-US"/>
+              <a:t>예측 </a:t>
+            </a:r>
+            <a:r>
+              <a:rPr lang="en-US" altLang="ko-KR"/>
+              <a:t>: 2.1</a:t>
+            </a:r>
+            <a:r>
+              <a:rPr lang="ko-KR" altLang="en-US"/>
+              <a:t>점</a:t>
+            </a:r>
+          </a:p>
+        </p:txBody>
+      </p:sp>
+      <p:sp>
+        <p:nvSpPr>
+          <p:cNvPr id="7" name="TextBox 6">
+            <a:extLst>
+              <a:ext uri="{FF2B5EF4-FFF2-40B4-BE49-F238E27FC236}">
+                <a16:creationId xmlns:a16="http://schemas.microsoft.com/office/drawing/2014/main" id="{EB813B3E-B82B-4E52-827A-76CBBE1D7358}"/>
+              </a:ext>
+            </a:extLst>
+          </p:cNvPr>
+          <p:cNvSpPr txBox="1"/>
+          <p:nvPr/>
+        </p:nvSpPr>
+        <p:spPr>
+          <a:xfrm>
+            <a:off x="994293" y="2967335"/>
+            <a:ext cx="5687776" cy="923330"/>
+          </a:xfrm>
+          <a:prstGeom prst="rect">
+            <a:avLst/>
+          </a:prstGeom>
+          <a:noFill/>
+        </p:spPr>
+        <p:txBody>
+          <a:bodyPr wrap="none" rtlCol="0">
+            <a:spAutoFit/>
+          </a:bodyPr>
+          <a:lstStyle/>
+          <a:p>
+            <a:pPr marL="285750" indent="-285750">
+              <a:buFont typeface="Arial" panose="020B0604020202020204" pitchFamily="34" charset="0"/>
+              <a:buChar char="•"/>
+            </a:pPr>
+            <a:r>
+              <a:rPr lang="ko-KR" altLang="en-US"/>
+              <a:t>주관적으로 </a:t>
+            </a:r>
+            <a:r>
+              <a:rPr lang="en-US" altLang="ko-KR"/>
+              <a:t>even</a:t>
+            </a:r>
+            <a:r>
+              <a:rPr lang="ko-KR" altLang="en-US"/>
+              <a:t>이 그렇게 크게 중요하지 않다고 판단</a:t>
+            </a:r>
+            <a:endParaRPr lang="en-US" altLang="ko-KR"/>
+          </a:p>
+          <a:p>
+            <a:pPr marL="285750" indent="-285750">
+              <a:buFont typeface="Arial" panose="020B0604020202020204" pitchFamily="34" charset="0"/>
+              <a:buChar char="•"/>
+            </a:pPr>
+            <a:endParaRPr lang="en-US" altLang="ko-KR"/>
+          </a:p>
+          <a:p>
+            <a:r>
+              <a:rPr lang="ko-KR" altLang="en-US"/>
+              <a:t>▶ </a:t>
+            </a:r>
+            <a:r>
+              <a:rPr lang="en-US" altLang="ko-KR"/>
+              <a:t>keyword </a:t>
+            </a:r>
+            <a:r>
+              <a:rPr lang="ko-KR" altLang="en-US"/>
+              <a:t>불용어 사전을 적용해봐야겠다고 판단</a:t>
+            </a:r>
+          </a:p>
+        </p:txBody>
+      </p:sp>
+      <p:cxnSp>
+        <p:nvCxnSpPr>
+          <p:cNvPr id="8" name="직선 연결선 7">
+            <a:extLst>
+              <a:ext uri="{FF2B5EF4-FFF2-40B4-BE49-F238E27FC236}">
+                <a16:creationId xmlns:a16="http://schemas.microsoft.com/office/drawing/2014/main" id="{99A79F2C-E387-41EE-A395-83FA4F838B43}"/>
+              </a:ext>
+            </a:extLst>
+          </p:cNvPr>
+          <p:cNvCxnSpPr/>
+          <p:nvPr/>
+        </p:nvCxnSpPr>
+        <p:spPr>
+          <a:xfrm>
+            <a:off x="0" y="4086809"/>
+            <a:ext cx="12204378" cy="0"/>
+          </a:xfrm>
+          <a:prstGeom prst="line">
+            <a:avLst/>
+          </a:prstGeom>
+        </p:spPr>
+        <p:style>
+          <a:lnRef idx="1">
+            <a:schemeClr val="accent1"/>
+          </a:lnRef>
+          <a:fillRef idx="0">
+            <a:schemeClr val="accent1"/>
+          </a:fillRef>
+          <a:effectRef idx="0">
+            <a:schemeClr val="accent1"/>
+          </a:effectRef>
+          <a:fontRef idx="minor">
+            <a:schemeClr val="tx1"/>
+          </a:fontRef>
+        </p:style>
+      </p:cxnSp>
+      <p:pic>
+        <p:nvPicPr>
+          <p:cNvPr id="9" name="그림 8">
+            <a:extLst>
+              <a:ext uri="{FF2B5EF4-FFF2-40B4-BE49-F238E27FC236}">
+                <a16:creationId xmlns:a16="http://schemas.microsoft.com/office/drawing/2014/main" id="{85783B4A-1E80-40B5-92D5-2BB7F2FF25DF}"/>
+              </a:ext>
+            </a:extLst>
+          </p:cNvPr>
+          <p:cNvPicPr>
+            <a:picLocks noChangeAspect="1"/>
+          </p:cNvPicPr>
+          <p:nvPr/>
+        </p:nvPicPr>
+        <p:blipFill>
+          <a:blip r:embed="rId3"/>
+          <a:stretch>
+            <a:fillRect/>
+          </a:stretch>
+        </p:blipFill>
+        <p:spPr>
+          <a:xfrm>
+            <a:off x="838200" y="4473251"/>
+            <a:ext cx="4629150" cy="2000250"/>
+          </a:xfrm>
+          <a:prstGeom prst="rect">
+            <a:avLst/>
+          </a:prstGeom>
+        </p:spPr>
+      </p:pic>
+      <p:sp>
+        <p:nvSpPr>
+          <p:cNvPr id="10" name="TextBox 9">
+            <a:extLst>
+              <a:ext uri="{FF2B5EF4-FFF2-40B4-BE49-F238E27FC236}">
+                <a16:creationId xmlns:a16="http://schemas.microsoft.com/office/drawing/2014/main" id="{2FEA0CCC-0B4D-4EC7-B595-3C0843C3E79C}"/>
+              </a:ext>
+            </a:extLst>
+          </p:cNvPr>
+          <p:cNvSpPr txBox="1"/>
+          <p:nvPr/>
+        </p:nvSpPr>
+        <p:spPr>
+          <a:xfrm>
+            <a:off x="6340735" y="5142539"/>
+            <a:ext cx="2177199" cy="646331"/>
+          </a:xfrm>
+          <a:prstGeom prst="rect">
+            <a:avLst/>
+          </a:prstGeom>
+          <a:noFill/>
+        </p:spPr>
+        <p:txBody>
+          <a:bodyPr wrap="none" rtlCol="0">
+            <a:spAutoFit/>
+          </a:bodyPr>
+          <a:lstStyle/>
+          <a:p>
+            <a:pPr marL="285750" indent="-285750">
+              <a:buFont typeface="Arial" panose="020B0604020202020204" pitchFamily="34" charset="0"/>
+              <a:buChar char="•"/>
+            </a:pPr>
+            <a:r>
+              <a:rPr lang="ko-KR" altLang="en-US"/>
+              <a:t>실제 점수 </a:t>
+            </a:r>
+            <a:r>
+              <a:rPr lang="en-US" altLang="ko-KR"/>
+              <a:t>: 2.7</a:t>
+            </a:r>
+            <a:r>
+              <a:rPr lang="ko-KR" altLang="en-US"/>
+              <a:t>점</a:t>
+            </a:r>
+            <a:endParaRPr lang="en-US" altLang="ko-KR"/>
+          </a:p>
+          <a:p>
+            <a:pPr marL="285750" indent="-285750">
+              <a:buFont typeface="Arial" panose="020B0604020202020204" pitchFamily="34" charset="0"/>
+              <a:buChar char="•"/>
+            </a:pPr>
+            <a:r>
+              <a:rPr lang="en-US" altLang="ko-KR"/>
+              <a:t>GPT </a:t>
+            </a:r>
+            <a:r>
+              <a:rPr lang="ko-KR" altLang="en-US"/>
+              <a:t>예측 </a:t>
+            </a:r>
+            <a:r>
+              <a:rPr lang="en-US" altLang="ko-KR"/>
+              <a:t>: 9.0</a:t>
+            </a:r>
+            <a:r>
+              <a:rPr lang="ko-KR" altLang="en-US"/>
+              <a:t>점</a:t>
+            </a:r>
+          </a:p>
+        </p:txBody>
+      </p:sp>
+    </p:spTree>
+    <p:extLst>
+      <p:ext uri="{BB962C8B-B14F-4D97-AF65-F5344CB8AC3E}">
+        <p14:creationId xmlns:p14="http://schemas.microsoft.com/office/powerpoint/2010/main" val="2944026724"/>
       </p:ext>
     </p:extLst>
   </p:cSld>
@@ -17045,6 +20804,41 @@
           </a:p>
         </p:txBody>
       </p:sp>
+      <p:sp>
+        <p:nvSpPr>
+          <p:cNvPr id="3" name="TextBox 2">
+            <a:extLst>
+              <a:ext uri="{FF2B5EF4-FFF2-40B4-BE49-F238E27FC236}">
+                <a16:creationId xmlns:a16="http://schemas.microsoft.com/office/drawing/2014/main" id="{A2553682-FBF5-43A1-9C35-B79CF1085CCA}"/>
+              </a:ext>
+            </a:extLst>
+          </p:cNvPr>
+          <p:cNvSpPr txBox="1"/>
+          <p:nvPr/>
+        </p:nvSpPr>
+        <p:spPr>
+          <a:xfrm>
+            <a:off x="2004068" y="5385935"/>
+            <a:ext cx="583814" cy="261610"/>
+          </a:xfrm>
+          <a:prstGeom prst="rect">
+            <a:avLst/>
+          </a:prstGeom>
+          <a:noFill/>
+        </p:spPr>
+        <p:txBody>
+          <a:bodyPr wrap="none" rtlCol="0">
+            <a:spAutoFit/>
+          </a:bodyPr>
+          <a:lstStyle/>
+          <a:p>
+            <a:r>
+              <a:rPr lang="ko-KR" altLang="en-US" sz="1100"/>
+              <a:t>근접성</a:t>
+            </a:r>
+          </a:p>
+        </p:txBody>
+      </p:sp>
     </p:spTree>
     <p:extLst>
       <p:ext uri="{BB962C8B-B14F-4D97-AF65-F5344CB8AC3E}">
@@ -17636,9 +21430,72 @@
   <p:tag name="ORIGINALWIDTH" val="4091.489"/>
   <p:tag name="OUTPUTTYPE" val="PNG"/>
   <p:tag name="IGUANATEXVERSION" val="160"/>
-  <p:tag name="LATEXADDIN" val="\documentclass{article}&#10;\usepackage{amsmath, amsfonts, amssymb, xcolor}&#10;\pagestyle{empty}&#10;&#10;\begin{document}&#10;\textbf{Require:} Instances $X$, Budget $B$&#10;&#10;\begin{itemize}&#10;    \item For all $x_i \in X$ do&#10;    \begin{itemize}&#10;        \item[] $W_i \leftarrow \text{explain}(x_i, \bar{x}_i)$ \quad // Using Algorithm 1&#10;    \end{itemize}&#10;    \item[] End for&#10;    \item For $j = 1$ to $d$ do&#10;    \begin{itemize}&#10;        \item[] $I_j \leftarrow \sum_{i=1}^{n} W_{ij}$ \quad // Compute feature importances&#10;    \end{itemize}&#10;    \item[] End for&#10;    \item Initialize $V \leftarrow \emptyset$&#10;    \item While $|V| &lt; B$ do&#10;    \begin{itemize}&#10;        \item[] $V \leftarrow V \cup \{\arg\max_{i} c(V \cup \{i\}, W, I)\}$ \quad // Greedy optimization of (4)&#10;    \end{itemize}&#10;    \item[] End while&#10;    \item Return $V$&#10;\end{itemize}&#10;&#10;\end{document}&#10;"/>
+  <p:tag name="LATEXADDIN" val="\documentclass{article}&#10;\usepackage{amsmath, amsfonts, amssymb, xcolor}&#10;\pagestyle{empty}&#10;&#10;\begin{document}&#10;\textbf{Require:} Instances $X$, Budget $B$&#10;&#10;\begin{itemize}&#10;    \item For all $x_i \in X$ do&#10;    \begin{itemize}&#10;        \item[] $W_i \leftarrow \text{explain}(x_i, x'_i)$ \quad // Using Algorithm 1&#10;    \end{itemize}&#10;    \item[] End for&#10;    \item For $j = 1$ to $d$ do&#10;    \begin{itemize}&#10;        \item[] $I_j \leftarrow \sum_{i=1}^{n} W_{ij}$ \quad // Compute feature importances&#10;    \end{itemize}&#10;    \item[] End for&#10;    \item Initialize $V \leftarrow \emptyset$&#10;    \item While $|V| &lt; B$ do&#10;    \begin{itemize}&#10;        \item[] $V \leftarrow V \cup \{\arg\max_{i} c(V \cup \{i\}, W, I)\}$ \quad // Greedy optimization of (4)&#10;    \end{itemize}&#10;    \item[] End while&#10;    \item Return $V$&#10;\end{itemize}&#10;&#10;\end{document}&#10;"/>
   <p:tag name="IGUANATEXSIZE" val="20"/>
-  <p:tag name="IGUANATEXCURSOR" val="737"/>
+  <p:tag name="IGUANATEXCURSOR" val="276"/>
+  <p:tag name="TRANSPARENCY" val="True"/>
+  <p:tag name="FILENAME" val=""/>
+  <p:tag name="LATEXENGINEID" val="0"/>
+  <p:tag name="TEMPFOLDER" val="C:\Temp\"/>
+  <p:tag name="LATEXFORMHEIGHT" val="312"/>
+  <p:tag name="LATEXFORMWIDTH" val="384"/>
+  <p:tag name="LATEXFORMWRAP" val="True"/>
+  <p:tag name="BITMAPVECTOR" val="0"/>
+</p:tagLst>
+</file>
+
+<file path=ppt/tags/tag12.xml><?xml version="1.0" encoding="utf-8"?>
+<p:tagLst xmlns:a="http://schemas.openxmlformats.org/drawingml/2006/main" xmlns:r="http://schemas.openxmlformats.org/officeDocument/2006/relationships" xmlns:p="http://schemas.openxmlformats.org/presentationml/2006/main">
+  <p:tag name="OUTPUTDPI" val="1200"/>
+  <p:tag name="ORIGINALHEIGHT" val="111.7361"/>
+  <p:tag name="ORIGINALWIDTH" val="58.49268"/>
+  <p:tag name="OUTPUTTYPE" val="PNG"/>
+  <p:tag name="IGUANATEXVERSION" val="160"/>
+  <p:tag name="LATEXADDIN" val="\documentclass{article}&#10;\usepackage{amsmath, amsfonts, amssymb, xcolor}&#10;\pagestyle{empty}&#10;&#10;\begin{document}&#10;&#10;$ \hat{y} $&#10;&#10;\end{document}"/>
+  <p:tag name="IGUANATEXSIZE" val="20"/>
+  <p:tag name="IGUANATEXCURSOR" val="118"/>
+  <p:tag name="TRANSPARENCY" val="True"/>
+  <p:tag name="FILENAME" val=""/>
+  <p:tag name="LATEXENGINEID" val="0"/>
+  <p:tag name="TEMPFOLDER" val="C:\Temp\"/>
+  <p:tag name="LATEXFORMHEIGHT" val="312"/>
+  <p:tag name="LATEXFORMWIDTH" val="384"/>
+  <p:tag name="LATEXFORMWRAP" val="True"/>
+  <p:tag name="BITMAPVECTOR" val="0"/>
+</p:tagLst>
+</file>
+
+<file path=ppt/tags/tag13.xml><?xml version="1.0" encoding="utf-8"?>
+<p:tagLst xmlns:a="http://schemas.openxmlformats.org/drawingml/2006/main" xmlns:r="http://schemas.openxmlformats.org/officeDocument/2006/relationships" xmlns:p="http://schemas.openxmlformats.org/presentationml/2006/main">
+  <p:tag name="OUTPUTDPI" val="1200"/>
+  <p:tag name="ORIGINALHEIGHT" val="111.7361"/>
+  <p:tag name="ORIGINALWIDTH" val="275.9655"/>
+  <p:tag name="OUTPUTTYPE" val="PNG"/>
+  <p:tag name="IGUANATEXVERSION" val="160"/>
+  <p:tag name="LATEXADDIN" val="\documentclass{article}&#10;\usepackage{amsmath, amsfonts, amssymb, xcolor}&#10;\pagestyle{empty}&#10;&#10;\begin{document}&#10;&#10;$ y - \hat{y} $&#10;&#10;\end{document}"/>
+  <p:tag name="IGUANATEXSIZE" val="20"/>
+  <p:tag name="IGUANATEXCURSOR" val="124"/>
+  <p:tag name="TRANSPARENCY" val="True"/>
+  <p:tag name="FILENAME" val=""/>
+  <p:tag name="LATEXENGINEID" val="0"/>
+  <p:tag name="TEMPFOLDER" val="C:\Temp\"/>
+  <p:tag name="LATEXFORMHEIGHT" val="312"/>
+  <p:tag name="LATEXFORMWIDTH" val="384"/>
+  <p:tag name="LATEXFORMWRAP" val="True"/>
+  <p:tag name="BITMAPVECTOR" val="0"/>
+</p:tagLst>
+</file>
+
+<file path=ppt/tags/tag14.xml><?xml version="1.0" encoding="utf-8"?>
+<p:tagLst xmlns:a="http://schemas.openxmlformats.org/drawingml/2006/main" xmlns:r="http://schemas.openxmlformats.org/officeDocument/2006/relationships" xmlns:p="http://schemas.openxmlformats.org/presentationml/2006/main">
+  <p:tag name="OUTPUTDPI" val="1200"/>
+  <p:tag name="ORIGINALHEIGHT" val="80.24"/>
+  <p:tag name="ORIGINALWIDTH" val="58.49268"/>
+  <p:tag name="OUTPUTTYPE" val="PNG"/>
+  <p:tag name="IGUANATEXVERSION" val="160"/>
+  <p:tag name="LATEXADDIN" val="\documentclass{article}&#10;\usepackage{amsmath, amsfonts, amssymb, xcolor}&#10;\pagestyle{empty}&#10;&#10;\begin{document}&#10;&#10;$ y $&#10;&#10;\end{document}"/>
+  <p:tag name="IGUANATEXSIZE" val="20"/>
+  <p:tag name="IGUANATEXCURSOR" val="114"/>
   <p:tag name="TRANSPARENCY" val="True"/>
   <p:tag name="FILENAME" val=""/>
   <p:tag name="LATEXENGINEID" val="0"/>
